--- a/prd/WIP_apresentacao.pptx
+++ b/prd/WIP_apresentacao.pptx
@@ -6,8 +6,14 @@
   </p:sldMasterIdLst>
   <p:sldIdLst>
     <p:sldId id="256" r:id="rId2"/>
-    <p:sldId id="257" r:id="rId3"/>
-    <p:sldId id="258" r:id="rId4"/>
+    <p:sldId id="259" r:id="rId3"/>
+    <p:sldId id="260" r:id="rId4"/>
+    <p:sldId id="261" r:id="rId5"/>
+    <p:sldId id="262" r:id="rId6"/>
+    <p:sldId id="264" r:id="rId7"/>
+    <p:sldId id="265" r:id="rId8"/>
+    <p:sldId id="266" r:id="rId9"/>
+    <p:sldId id="258" r:id="rId10"/>
   </p:sldIdLst>
   <p:sldSz cx="12192000" cy="6858000"/>
   <p:notesSz cx="6858000" cy="9144000"/>
@@ -390,7 +396,7 @@
           <a:p>
             <a:fld id="{588D7303-1349-4B3B-906B-0AD17F7A84D3}" type="datetimeFigureOut">
               <a:rPr lang="pt-BR" smtClean="0"/>
-              <a:t>06/09/2023</a:t>
+              <a:t>22/09/2023</a:t>
             </a:fld>
             <a:endParaRPr lang="pt-BR"/>
           </a:p>
@@ -598,7 +604,7 @@
           <a:p>
             <a:fld id="{588D7303-1349-4B3B-906B-0AD17F7A84D3}" type="datetimeFigureOut">
               <a:rPr lang="pt-BR" smtClean="0"/>
-              <a:t>06/09/2023</a:t>
+              <a:t>22/09/2023</a:t>
             </a:fld>
             <a:endParaRPr lang="pt-BR"/>
           </a:p>
@@ -796,7 +802,7 @@
           <a:p>
             <a:fld id="{588D7303-1349-4B3B-906B-0AD17F7A84D3}" type="datetimeFigureOut">
               <a:rPr lang="pt-BR" smtClean="0"/>
-              <a:t>06/09/2023</a:t>
+              <a:t>22/09/2023</a:t>
             </a:fld>
             <a:endParaRPr lang="pt-BR"/>
           </a:p>
@@ -1071,7 +1077,7 @@
           <a:p>
             <a:fld id="{588D7303-1349-4B3B-906B-0AD17F7A84D3}" type="datetimeFigureOut">
               <a:rPr lang="pt-BR" smtClean="0"/>
-              <a:t>06/09/2023</a:t>
+              <a:t>22/09/2023</a:t>
             </a:fld>
             <a:endParaRPr lang="pt-BR"/>
           </a:p>
@@ -1336,7 +1342,7 @@
           <a:p>
             <a:fld id="{588D7303-1349-4B3B-906B-0AD17F7A84D3}" type="datetimeFigureOut">
               <a:rPr lang="pt-BR" smtClean="0"/>
-              <a:t>06/09/2023</a:t>
+              <a:t>22/09/2023</a:t>
             </a:fld>
             <a:endParaRPr lang="pt-BR"/>
           </a:p>
@@ -1748,7 +1754,7 @@
           <a:p>
             <a:fld id="{588D7303-1349-4B3B-906B-0AD17F7A84D3}" type="datetimeFigureOut">
               <a:rPr lang="pt-BR" smtClean="0"/>
-              <a:t>06/09/2023</a:t>
+              <a:t>22/09/2023</a:t>
             </a:fld>
             <a:endParaRPr lang="pt-BR"/>
           </a:p>
@@ -1889,7 +1895,7 @@
           <a:p>
             <a:fld id="{588D7303-1349-4B3B-906B-0AD17F7A84D3}" type="datetimeFigureOut">
               <a:rPr lang="pt-BR" smtClean="0"/>
-              <a:t>06/09/2023</a:t>
+              <a:t>22/09/2023</a:t>
             </a:fld>
             <a:endParaRPr lang="pt-BR"/>
           </a:p>
@@ -2002,7 +2008,7 @@
           <a:p>
             <a:fld id="{588D7303-1349-4B3B-906B-0AD17F7A84D3}" type="datetimeFigureOut">
               <a:rPr lang="pt-BR" smtClean="0"/>
-              <a:t>06/09/2023</a:t>
+              <a:t>22/09/2023</a:t>
             </a:fld>
             <a:endParaRPr lang="pt-BR"/>
           </a:p>
@@ -2313,7 +2319,7 @@
           <a:p>
             <a:fld id="{588D7303-1349-4B3B-906B-0AD17F7A84D3}" type="datetimeFigureOut">
               <a:rPr lang="pt-BR" smtClean="0"/>
-              <a:t>06/09/2023</a:t>
+              <a:t>22/09/2023</a:t>
             </a:fld>
             <a:endParaRPr lang="pt-BR"/>
           </a:p>
@@ -2601,7 +2607,7 @@
           <a:p>
             <a:fld id="{588D7303-1349-4B3B-906B-0AD17F7A84D3}" type="datetimeFigureOut">
               <a:rPr lang="pt-BR" smtClean="0"/>
-              <a:t>06/09/2023</a:t>
+              <a:t>22/09/2023</a:t>
             </a:fld>
             <a:endParaRPr lang="pt-BR"/>
           </a:p>
@@ -2851,7 +2857,7 @@
           <a:p>
             <a:fld id="{588D7303-1349-4B3B-906B-0AD17F7A84D3}" type="datetimeFigureOut">
               <a:rPr lang="pt-BR" smtClean="0"/>
-              <a:t>06/09/2023</a:t>
+              <a:t>22/09/2023</a:t>
             </a:fld>
             <a:endParaRPr lang="pt-BR"/>
           </a:p>
@@ -3284,22 +3290,36 @@
             <p:ph type="ctrTitle"/>
           </p:nvPr>
         </p:nvSpPr>
-        <p:spPr/>
-        <p:txBody>
-          <a:bodyPr>
+        <p:spPr>
+          <a:xfrm>
+            <a:off x="4040155" y="2159539"/>
+            <a:ext cx="6627844" cy="1906623"/>
+          </a:xfrm>
+        </p:spPr>
+        <p:txBody>
+          <a:bodyPr anchor="ctr" anchorCtr="0">
             <a:normAutofit fontScale="90000"/>
           </a:bodyPr>
           <a:lstStyle/>
           <a:p>
             <a:r>
-              <a:rPr lang="pt-BR" dirty="0"/>
+              <a:rPr lang="pt-BR" sz="4800" dirty="0">
+                <a:latin typeface="Arial" panose="020B0604020202020204" pitchFamily="34" charset="0"/>
+                <a:cs typeface="Arial" panose="020B0604020202020204" pitchFamily="34" charset="0"/>
+              </a:rPr>
               <a:t>Detecção de anomalias em gastos dos deputados estaduais com K-</a:t>
             </a:r>
             <a:r>
-              <a:rPr lang="pt-BR" dirty="0" err="1"/>
+              <a:rPr lang="pt-BR" sz="4800" dirty="0" err="1">
+                <a:latin typeface="Arial" panose="020B0604020202020204" pitchFamily="34" charset="0"/>
+                <a:cs typeface="Arial" panose="020B0604020202020204" pitchFamily="34" charset="0"/>
+              </a:rPr>
               <a:t>Means</a:t>
             </a:r>
-            <a:endParaRPr lang="pt-BR" dirty="0"/>
+            <a:endParaRPr lang="pt-BR" sz="4800" dirty="0">
+              <a:latin typeface="Arial" panose="020B0604020202020204" pitchFamily="34" charset="0"/>
+              <a:cs typeface="Arial" panose="020B0604020202020204" pitchFamily="34" charset="0"/>
+            </a:endParaRPr>
           </a:p>
         </p:txBody>
       </p:sp>
@@ -3319,9 +3339,14 @@
             <p:ph type="subTitle" idx="1"/>
           </p:nvPr>
         </p:nvSpPr>
-        <p:spPr/>
-        <p:txBody>
-          <a:bodyPr>
+        <p:spPr>
+          <a:xfrm>
+            <a:off x="4040155" y="4185276"/>
+            <a:ext cx="6627844" cy="741784"/>
+          </a:xfrm>
+        </p:spPr>
+        <p:txBody>
+          <a:bodyPr anchor="b" anchorCtr="0">
             <a:normAutofit fontScale="92500" lnSpcReduction="20000"/>
           </a:bodyPr>
           <a:lstStyle/>
@@ -3379,7 +3404,7 @@
           <p:cNvPr id="2" name="Título 1">
             <a:extLst>
               <a:ext uri="{FF2B5EF4-FFF2-40B4-BE49-F238E27FC236}">
-                <a16:creationId xmlns:a16="http://schemas.microsoft.com/office/drawing/2014/main" id="{EEAAE684-D6CA-4DA5-9F71-C63A77ABED75}"/>
+                <a16:creationId xmlns:a16="http://schemas.microsoft.com/office/drawing/2014/main" id="{540F1CF0-7D3A-1F30-A06D-DD96920677D2}"/>
               </a:ext>
             </a:extLst>
           </p:cNvPr>
@@ -3392,201 +3417,2664 @@
         </p:nvSpPr>
         <p:spPr/>
         <p:txBody>
-          <a:bodyPr/>
-          <a:lstStyle/>
-          <a:p>
-            <a:r>
-              <a:rPr lang="pt-BR" dirty="0"/>
-              <a:t>Visualização: movimentação de centroides</a:t>
+          <a:bodyPr>
+            <a:normAutofit fontScale="90000"/>
+          </a:bodyPr>
+          <a:lstStyle/>
+          <a:p>
+            <a:pPr>
+              <a:lnSpc>
+                <a:spcPct val="150000"/>
+              </a:lnSpc>
+            </a:pPr>
+            <a:r>
+              <a:rPr lang="pt-BR" sz="3200" b="1" dirty="0">
+                <a:latin typeface="Arial" panose="020B0604020202020204" pitchFamily="34" charset="0"/>
+                <a:cs typeface="Arial" panose="020B0604020202020204" pitchFamily="34" charset="0"/>
+              </a:rPr>
+              <a:t>INTRODUÇÃO</a:t>
+            </a:r>
+            <a:br>
+              <a:rPr lang="pt-BR" sz="3200" b="1" dirty="0">
+                <a:latin typeface="Arial" panose="020B0604020202020204" pitchFamily="34" charset="0"/>
+                <a:cs typeface="Arial" panose="020B0604020202020204" pitchFamily="34" charset="0"/>
+              </a:rPr>
+            </a:br>
+            <a:r>
+              <a:rPr lang="pt-BR" sz="3200" dirty="0">
+                <a:latin typeface="Arial" panose="020B0604020202020204" pitchFamily="34" charset="0"/>
+                <a:cs typeface="Arial" panose="020B0604020202020204" pitchFamily="34" charset="0"/>
+              </a:rPr>
+              <a:t>A verba de gabinete</a:t>
+            </a:r>
+          </a:p>
+        </p:txBody>
+      </p:sp>
+      <p:sp>
+        <p:nvSpPr>
+          <p:cNvPr id="3" name="Espaço Reservado para Conteúdo 2">
+            <a:extLst>
+              <a:ext uri="{FF2B5EF4-FFF2-40B4-BE49-F238E27FC236}">
+                <a16:creationId xmlns:a16="http://schemas.microsoft.com/office/drawing/2014/main" id="{AC797752-DF14-11FD-FD02-7A6C4E7C74D2}"/>
+              </a:ext>
+            </a:extLst>
+          </p:cNvPr>
+          <p:cNvSpPr>
+            <a:spLocks noGrp="1"/>
+          </p:cNvSpPr>
+          <p:nvPr>
+            <p:ph idx="1"/>
+          </p:nvPr>
+        </p:nvSpPr>
+        <p:spPr>
+          <a:xfrm>
+            <a:off x="838200" y="1825625"/>
+            <a:ext cx="6496456" cy="4489450"/>
+          </a:xfrm>
+        </p:spPr>
+        <p:txBody>
+          <a:bodyPr>
+            <a:noAutofit/>
+          </a:bodyPr>
+          <a:lstStyle/>
+          <a:p>
+            <a:pPr marL="0" indent="0">
+              <a:lnSpc>
+                <a:spcPts val="3200"/>
+              </a:lnSpc>
+              <a:buNone/>
+            </a:pPr>
+            <a:r>
+              <a:rPr lang="pt-BR" sz="2000" dirty="0">
+                <a:latin typeface="Arial" panose="020B0604020202020204" pitchFamily="34" charset="0"/>
+                <a:cs typeface="Arial" panose="020B0604020202020204" pitchFamily="34" charset="0"/>
+              </a:rPr>
+              <a:t>Criada em 1997, a “verba de gabinete”, nome informal para Auxílio-Encargos Gerais de Gabinete de Deputado e Auxílio-Hospedagem, garante aos 94 parlamentares da Assembleia Legislativa de São Paulo o ressarcimento mensal de despesas inerentes ao mandato até o limite de 1.250 </a:t>
+            </a:r>
+            <a:r>
+              <a:rPr lang="pt-BR" sz="2000" b="0" i="0" u="none" strike="noStrike" baseline="0" dirty="0">
+                <a:solidFill>
+                  <a:srgbClr val="000000"/>
+                </a:solidFill>
+                <a:latin typeface="Arial" panose="020B0604020202020204" pitchFamily="34" charset="0"/>
+                <a:cs typeface="Arial" panose="020B0604020202020204" pitchFamily="34" charset="0"/>
+              </a:rPr>
+              <a:t>unidades fiscais do </a:t>
+            </a:r>
+            <a:r>
+              <a:rPr lang="pt-BR" sz="2000" dirty="0">
+                <a:solidFill>
+                  <a:srgbClr val="000000"/>
+                </a:solidFill>
+                <a:latin typeface="Arial" panose="020B0604020202020204" pitchFamily="34" charset="0"/>
+                <a:cs typeface="Arial" panose="020B0604020202020204" pitchFamily="34" charset="0"/>
+              </a:rPr>
+              <a:t>estado </a:t>
+            </a:r>
+            <a:r>
+              <a:rPr lang="pt-BR" sz="2000" b="0" i="0" u="none" strike="noStrike" baseline="0" dirty="0">
+                <a:solidFill>
+                  <a:srgbClr val="000000"/>
+                </a:solidFill>
+                <a:latin typeface="Arial" panose="020B0604020202020204" pitchFamily="34" charset="0"/>
+                <a:cs typeface="Arial" panose="020B0604020202020204" pitchFamily="34" charset="0"/>
+              </a:rPr>
+              <a:t>[</a:t>
+            </a:r>
+            <a:r>
+              <a:rPr lang="pt-BR" sz="2000" b="0" i="0" u="none" strike="noStrike" baseline="0" dirty="0" err="1">
+                <a:solidFill>
+                  <a:srgbClr val="000000"/>
+                </a:solidFill>
+                <a:latin typeface="Arial" panose="020B0604020202020204" pitchFamily="34" charset="0"/>
+                <a:cs typeface="Arial" panose="020B0604020202020204" pitchFamily="34" charset="0"/>
+              </a:rPr>
+              <a:t>Ufesp</a:t>
+            </a:r>
+            <a:r>
+              <a:rPr lang="pt-BR" sz="2000" b="0" i="0" u="none" strike="noStrike" baseline="0" dirty="0">
+                <a:solidFill>
+                  <a:srgbClr val="000000"/>
+                </a:solidFill>
+                <a:latin typeface="Arial" panose="020B0604020202020204" pitchFamily="34" charset="0"/>
+                <a:cs typeface="Arial" panose="020B0604020202020204" pitchFamily="34" charset="0"/>
+              </a:rPr>
+              <a:t>]. </a:t>
+            </a:r>
+            <a:endParaRPr lang="pt-BR" sz="2000" dirty="0">
+              <a:latin typeface="Arial" panose="020B0604020202020204" pitchFamily="34" charset="0"/>
+              <a:cs typeface="Arial" panose="020B0604020202020204" pitchFamily="34" charset="0"/>
+            </a:endParaRPr>
+          </a:p>
+          <a:p>
+            <a:pPr marL="0" indent="0">
+              <a:buNone/>
+            </a:pPr>
+            <a:endParaRPr lang="pt-BR" sz="2000" dirty="0">
+              <a:latin typeface="Arial" panose="020B0604020202020204" pitchFamily="34" charset="0"/>
+              <a:cs typeface="Arial" panose="020B0604020202020204" pitchFamily="34" charset="0"/>
+            </a:endParaRPr>
+          </a:p>
+        </p:txBody>
+      </p:sp>
+      <p:sp>
+        <p:nvSpPr>
+          <p:cNvPr id="4" name="CaixaDeTexto 3">
+            <a:extLst>
+              <a:ext uri="{FF2B5EF4-FFF2-40B4-BE49-F238E27FC236}">
+                <a16:creationId xmlns:a16="http://schemas.microsoft.com/office/drawing/2014/main" id="{A77393AB-0620-D193-BF6E-98E698E06966}"/>
+              </a:ext>
+            </a:extLst>
+          </p:cNvPr>
+          <p:cNvSpPr txBox="1"/>
+          <p:nvPr/>
+        </p:nvSpPr>
+        <p:spPr>
+          <a:xfrm>
+            <a:off x="7704000" y="1848255"/>
+            <a:ext cx="3657599" cy="3748783"/>
+          </a:xfrm>
+          <a:prstGeom prst="rect">
+            <a:avLst/>
+          </a:prstGeom>
+          <a:solidFill>
+            <a:schemeClr val="bg1">
+              <a:lumMod val="95000"/>
+            </a:schemeClr>
+          </a:solidFill>
+          <a:ln w="19050">
+            <a:solidFill>
+              <a:schemeClr val="tx1"/>
+            </a:solidFill>
+          </a:ln>
+        </p:spPr>
+        <p:txBody>
+          <a:bodyPr wrap="square" lIns="180000" rIns="180000" rtlCol="0">
+            <a:spAutoFit/>
+          </a:bodyPr>
+          <a:lstStyle/>
+          <a:p>
+            <a:pPr algn="ctr">
+              <a:lnSpc>
+                <a:spcPts val="3200"/>
+              </a:lnSpc>
+            </a:pPr>
+            <a:r>
+              <a:rPr lang="pt-BR" sz="2000" b="1" dirty="0">
+                <a:latin typeface="Arial" panose="020B0604020202020204" pitchFamily="34" charset="0"/>
+                <a:cs typeface="Arial" panose="020B0604020202020204" pitchFamily="34" charset="0"/>
+              </a:rPr>
+              <a:t>VALORES EM 2022</a:t>
+            </a:r>
+          </a:p>
+          <a:p>
+            <a:pPr>
+              <a:lnSpc>
+                <a:spcPts val="3200"/>
+              </a:lnSpc>
+            </a:pPr>
+            <a:endParaRPr lang="pt-BR" sz="2000" dirty="0">
+              <a:latin typeface="Arial" panose="020B0604020202020204" pitchFamily="34" charset="0"/>
+              <a:cs typeface="Arial" panose="020B0604020202020204" pitchFamily="34" charset="0"/>
+            </a:endParaRPr>
+          </a:p>
+          <a:p>
+            <a:pPr marL="342900" indent="-342900">
+              <a:lnSpc>
+                <a:spcPts val="3200"/>
+              </a:lnSpc>
+              <a:buFont typeface="Arial" panose="020B0604020202020204" pitchFamily="34" charset="0"/>
+              <a:buChar char="→"/>
+            </a:pPr>
+            <a:r>
+              <a:rPr lang="pt-BR" sz="2000" dirty="0" err="1">
+                <a:latin typeface="Arial" panose="020B0604020202020204" pitchFamily="34" charset="0"/>
+                <a:cs typeface="Arial" panose="020B0604020202020204" pitchFamily="34" charset="0"/>
+              </a:rPr>
+              <a:t>Ufesp</a:t>
+            </a:r>
+            <a:r>
+              <a:rPr lang="pt-BR" sz="2000" dirty="0">
+                <a:latin typeface="Arial" panose="020B0604020202020204" pitchFamily="34" charset="0"/>
+                <a:cs typeface="Arial" panose="020B0604020202020204" pitchFamily="34" charset="0"/>
+              </a:rPr>
+              <a:t>: </a:t>
+            </a:r>
+            <a:r>
+              <a:rPr lang="pt-BR" sz="2000" b="0" i="0" u="none" strike="noStrike" baseline="0" dirty="0">
+                <a:solidFill>
+                  <a:srgbClr val="000000"/>
+                </a:solidFill>
+                <a:latin typeface="Arial" panose="020B0604020202020204" pitchFamily="34" charset="0"/>
+                <a:cs typeface="Arial" panose="020B0604020202020204" pitchFamily="34" charset="0"/>
+              </a:rPr>
+              <a:t>R$ 31,97</a:t>
+            </a:r>
+          </a:p>
+          <a:p>
+            <a:pPr marL="342900" indent="-342900">
+              <a:lnSpc>
+                <a:spcPts val="3200"/>
+              </a:lnSpc>
+              <a:buFont typeface="Arial" panose="020B0604020202020204" pitchFamily="34" charset="0"/>
+              <a:buChar char="→"/>
+            </a:pPr>
+            <a:endParaRPr lang="pt-BR" sz="2000" b="0" i="0" u="none" strike="noStrike" baseline="0" dirty="0">
+              <a:solidFill>
+                <a:srgbClr val="000000"/>
+              </a:solidFill>
+              <a:latin typeface="Arial" panose="020B0604020202020204" pitchFamily="34" charset="0"/>
+              <a:cs typeface="Arial" panose="020B0604020202020204" pitchFamily="34" charset="0"/>
+            </a:endParaRPr>
+          </a:p>
+          <a:p>
+            <a:pPr marL="342900" indent="-342900">
+              <a:lnSpc>
+                <a:spcPts val="3200"/>
+              </a:lnSpc>
+              <a:buFont typeface="Arial" panose="020B0604020202020204" pitchFamily="34" charset="0"/>
+              <a:buChar char="→"/>
+            </a:pPr>
+            <a:r>
+              <a:rPr lang="pt-BR" sz="2000" dirty="0">
+                <a:solidFill>
+                  <a:srgbClr val="000000"/>
+                </a:solidFill>
+                <a:latin typeface="Arial" panose="020B0604020202020204" pitchFamily="34" charset="0"/>
+                <a:cs typeface="Arial" panose="020B0604020202020204" pitchFamily="34" charset="0"/>
+              </a:rPr>
+              <a:t>Limite mensal por deputado: R$ </a:t>
+            </a:r>
+            <a:r>
+              <a:rPr lang="pt-BR" sz="2000" b="0" i="0" u="none" strike="noStrike" baseline="0" dirty="0">
+                <a:solidFill>
+                  <a:srgbClr val="000000"/>
+                </a:solidFill>
+                <a:latin typeface="Arial" panose="020B0604020202020204" pitchFamily="34" charset="0"/>
+                <a:cs typeface="Arial" panose="020B0604020202020204" pitchFamily="34" charset="0"/>
+              </a:rPr>
+              <a:t>39.962,50</a:t>
+            </a:r>
+          </a:p>
+          <a:p>
+            <a:pPr marL="342900" indent="-342900">
+              <a:lnSpc>
+                <a:spcPts val="3200"/>
+              </a:lnSpc>
+              <a:buFont typeface="Arial" panose="020B0604020202020204" pitchFamily="34" charset="0"/>
+              <a:buChar char="→"/>
+            </a:pPr>
+            <a:endParaRPr lang="pt-BR" sz="2000" dirty="0">
+              <a:solidFill>
+                <a:srgbClr val="000000"/>
+              </a:solidFill>
+              <a:latin typeface="Arial" panose="020B0604020202020204" pitchFamily="34" charset="0"/>
+              <a:cs typeface="Arial" panose="020B0604020202020204" pitchFamily="34" charset="0"/>
+            </a:endParaRPr>
+          </a:p>
+          <a:p>
+            <a:pPr marL="342900" indent="-342900">
+              <a:lnSpc>
+                <a:spcPts val="3200"/>
+              </a:lnSpc>
+              <a:buFont typeface="Arial" panose="020B0604020202020204" pitchFamily="34" charset="0"/>
+              <a:buChar char="→"/>
+            </a:pPr>
+            <a:r>
+              <a:rPr lang="pt-BR" sz="2000" dirty="0">
+                <a:solidFill>
+                  <a:srgbClr val="000000"/>
+                </a:solidFill>
+                <a:latin typeface="Arial" panose="020B0604020202020204" pitchFamily="34" charset="0"/>
+                <a:cs typeface="Arial" panose="020B0604020202020204" pitchFamily="34" charset="0"/>
+              </a:rPr>
+              <a:t>Total empenhado:         R$ 26.652.243,51</a:t>
+            </a:r>
+            <a:endParaRPr lang="pt-BR" dirty="0"/>
+          </a:p>
+        </p:txBody>
+      </p:sp>
+    </p:spTree>
+    <p:extLst>
+      <p:ext uri="{BB962C8B-B14F-4D97-AF65-F5344CB8AC3E}">
+        <p14:creationId xmlns:p14="http://schemas.microsoft.com/office/powerpoint/2010/main" val="3795306362"/>
+      </p:ext>
+    </p:extLst>
+  </p:cSld>
+  <p:clrMapOvr>
+    <a:masterClrMapping/>
+  </p:clrMapOvr>
+</p:sld>
+</file>
+
+<file path=ppt/slides/slide3.xml><?xml version="1.0" encoding="utf-8"?>
+<p:sld xmlns:a="http://schemas.openxmlformats.org/drawingml/2006/main" xmlns:r="http://schemas.openxmlformats.org/officeDocument/2006/relationships" xmlns:p="http://schemas.openxmlformats.org/presentationml/2006/main">
+  <p:cSld>
+    <p:spTree>
+      <p:nvGrpSpPr>
+        <p:cNvPr id="1" name=""/>
+        <p:cNvGrpSpPr/>
+        <p:nvPr/>
+      </p:nvGrpSpPr>
+      <p:grpSpPr>
+        <a:xfrm>
+          <a:off x="0" y="0"/>
+          <a:ext cx="0" cy="0"/>
+          <a:chOff x="0" y="0"/>
+          <a:chExt cx="0" cy="0"/>
+        </a:xfrm>
+      </p:grpSpPr>
+      <p:sp>
+        <p:nvSpPr>
+          <p:cNvPr id="2" name="Título 1">
+            <a:extLst>
+              <a:ext uri="{FF2B5EF4-FFF2-40B4-BE49-F238E27FC236}">
+                <a16:creationId xmlns:a16="http://schemas.microsoft.com/office/drawing/2014/main" id="{540F1CF0-7D3A-1F30-A06D-DD96920677D2}"/>
+              </a:ext>
+            </a:extLst>
+          </p:cNvPr>
+          <p:cNvSpPr>
+            <a:spLocks noGrp="1"/>
+          </p:cNvSpPr>
+          <p:nvPr>
+            <p:ph type="title"/>
+          </p:nvPr>
+        </p:nvSpPr>
+        <p:spPr/>
+        <p:txBody>
+          <a:bodyPr>
+            <a:normAutofit fontScale="90000"/>
+          </a:bodyPr>
+          <a:lstStyle/>
+          <a:p>
+            <a:pPr>
+              <a:lnSpc>
+                <a:spcPct val="150000"/>
+              </a:lnSpc>
+            </a:pPr>
+            <a:r>
+              <a:rPr lang="pt-BR" sz="3200" b="1" dirty="0">
+                <a:latin typeface="Arial" panose="020B0604020202020204" pitchFamily="34" charset="0"/>
+                <a:cs typeface="Arial" panose="020B0604020202020204" pitchFamily="34" charset="0"/>
+              </a:rPr>
+              <a:t>INTRODUÇÃO</a:t>
+            </a:r>
+            <a:br>
+              <a:rPr lang="pt-BR" sz="3200" b="1" dirty="0">
+                <a:latin typeface="Arial" panose="020B0604020202020204" pitchFamily="34" charset="0"/>
+                <a:cs typeface="Arial" panose="020B0604020202020204" pitchFamily="34" charset="0"/>
+              </a:rPr>
+            </a:br>
+            <a:r>
+              <a:rPr lang="pt-BR" sz="3200" dirty="0">
+                <a:latin typeface="Arial" panose="020B0604020202020204" pitchFamily="34" charset="0"/>
+                <a:cs typeface="Arial" panose="020B0604020202020204" pitchFamily="34" charset="0"/>
+              </a:rPr>
+              <a:t>Controle de gastos</a:t>
+            </a:r>
+          </a:p>
+        </p:txBody>
+      </p:sp>
+      <p:sp>
+        <p:nvSpPr>
+          <p:cNvPr id="3" name="Espaço Reservado para Conteúdo 2">
+            <a:extLst>
+              <a:ext uri="{FF2B5EF4-FFF2-40B4-BE49-F238E27FC236}">
+                <a16:creationId xmlns:a16="http://schemas.microsoft.com/office/drawing/2014/main" id="{AC797752-DF14-11FD-FD02-7A6C4E7C74D2}"/>
+              </a:ext>
+            </a:extLst>
+          </p:cNvPr>
+          <p:cNvSpPr>
+            <a:spLocks noGrp="1"/>
+          </p:cNvSpPr>
+          <p:nvPr>
+            <p:ph idx="1"/>
+          </p:nvPr>
+        </p:nvSpPr>
+        <p:spPr>
+          <a:xfrm>
+            <a:off x="838200" y="1825625"/>
+            <a:ext cx="4788159" cy="4489450"/>
+          </a:xfrm>
+        </p:spPr>
+        <p:txBody>
+          <a:bodyPr>
+            <a:noAutofit/>
+          </a:bodyPr>
+          <a:lstStyle/>
+          <a:p>
+            <a:pPr marL="0" indent="0">
+              <a:lnSpc>
+                <a:spcPts val="3200"/>
+              </a:lnSpc>
+              <a:buNone/>
+            </a:pPr>
+            <a:r>
+              <a:rPr lang="pt-BR" sz="2000" dirty="0">
+                <a:latin typeface="Arial" panose="020B0604020202020204" pitchFamily="34" charset="0"/>
+                <a:cs typeface="Arial" panose="020B0604020202020204" pitchFamily="34" charset="0"/>
+              </a:rPr>
+              <a:t>Procedimentos investigatórios em curso no Ministério Público de São Paulo apuram eventual malversação dos recursos destinados à verba de gabinete por parte de parlamentares. </a:t>
+            </a:r>
+          </a:p>
+        </p:txBody>
+      </p:sp>
+      <p:sp>
+        <p:nvSpPr>
+          <p:cNvPr id="4" name="CaixaDeTexto 3">
+            <a:extLst>
+              <a:ext uri="{FF2B5EF4-FFF2-40B4-BE49-F238E27FC236}">
+                <a16:creationId xmlns:a16="http://schemas.microsoft.com/office/drawing/2014/main" id="{F86F69E1-CD3F-4645-4F22-9EFE2588A3CF}"/>
+              </a:ext>
+            </a:extLst>
+          </p:cNvPr>
+          <p:cNvSpPr txBox="1"/>
+          <p:nvPr/>
+        </p:nvSpPr>
+        <p:spPr>
+          <a:xfrm>
+            <a:off x="5831634" y="1848255"/>
+            <a:ext cx="5529966" cy="3748783"/>
+          </a:xfrm>
+          <a:prstGeom prst="rect">
+            <a:avLst/>
+          </a:prstGeom>
+          <a:solidFill>
+            <a:schemeClr val="bg1">
+              <a:lumMod val="95000"/>
+            </a:schemeClr>
+          </a:solidFill>
+          <a:ln w="19050">
+            <a:solidFill>
+              <a:schemeClr val="tx1"/>
+            </a:solidFill>
+          </a:ln>
+        </p:spPr>
+        <p:txBody>
+          <a:bodyPr wrap="square" lIns="180000" rIns="180000" rtlCol="0">
+            <a:spAutoFit/>
+          </a:bodyPr>
+          <a:lstStyle/>
+          <a:p>
+            <a:pPr algn="ctr">
+              <a:lnSpc>
+                <a:spcPts val="3200"/>
+              </a:lnSpc>
+            </a:pPr>
+            <a:r>
+              <a:rPr lang="pt-BR" sz="2000" b="1" dirty="0">
+                <a:latin typeface="Arial" panose="020B0604020202020204" pitchFamily="34" charset="0"/>
+                <a:cs typeface="Arial" panose="020B0604020202020204" pitchFamily="34" charset="0"/>
+              </a:rPr>
+              <a:t>AMOSTRA DE PROCEDIMENTOS INVESTIGATÓRIOS EM CURSO</a:t>
+            </a:r>
+          </a:p>
+          <a:p>
+            <a:pPr>
+              <a:lnSpc>
+                <a:spcPts val="3200"/>
+              </a:lnSpc>
+            </a:pPr>
+            <a:endParaRPr lang="pt-BR" sz="2000" dirty="0">
+              <a:latin typeface="Arial" panose="020B0604020202020204" pitchFamily="34" charset="0"/>
+              <a:cs typeface="Arial" panose="020B0604020202020204" pitchFamily="34" charset="0"/>
+            </a:endParaRPr>
+          </a:p>
+          <a:p>
+            <a:pPr marL="342900" indent="-342900">
+              <a:lnSpc>
+                <a:spcPts val="3200"/>
+              </a:lnSpc>
+              <a:buFont typeface="Arial" panose="020B0604020202020204" pitchFamily="34" charset="0"/>
+              <a:buChar char="→"/>
+            </a:pPr>
+            <a:r>
+              <a:rPr lang="pt-BR" sz="2000" dirty="0">
+                <a:latin typeface="Arial" panose="020B0604020202020204" pitchFamily="34" charset="0"/>
+                <a:cs typeface="Arial" panose="020B0604020202020204" pitchFamily="34" charset="0"/>
+              </a:rPr>
+              <a:t>SEI 29.0001.0246360.2021-54, que apura uso da verba para locação de imóveis de aliados políticos e nunca utilizados</a:t>
+            </a:r>
+            <a:endParaRPr lang="pt-BR" sz="2000" b="0" i="0" u="none" strike="noStrike" baseline="0" dirty="0">
+              <a:solidFill>
+                <a:srgbClr val="000000"/>
+              </a:solidFill>
+              <a:latin typeface="Arial" panose="020B0604020202020204" pitchFamily="34" charset="0"/>
+              <a:cs typeface="Arial" panose="020B0604020202020204" pitchFamily="34" charset="0"/>
+            </a:endParaRPr>
+          </a:p>
+          <a:p>
+            <a:pPr marL="342900" indent="-342900">
+              <a:lnSpc>
+                <a:spcPts val="3200"/>
+              </a:lnSpc>
+              <a:buFont typeface="Arial" panose="020B0604020202020204" pitchFamily="34" charset="0"/>
+              <a:buChar char="→"/>
+            </a:pPr>
+            <a:r>
+              <a:rPr lang="pt-BR" sz="2000" dirty="0">
+                <a:solidFill>
+                  <a:srgbClr val="000000"/>
+                </a:solidFill>
+                <a:latin typeface="Arial" panose="020B0604020202020204" pitchFamily="34" charset="0"/>
+                <a:cs typeface="Arial" panose="020B0604020202020204" pitchFamily="34" charset="0"/>
+              </a:rPr>
+              <a:t>AP 0037174-14.2021.8.26.0000, que apura ressarcimento de despesas nunca efetuadas</a:t>
+            </a:r>
+            <a:endParaRPr lang="pt-BR" dirty="0"/>
+          </a:p>
+        </p:txBody>
+      </p:sp>
+    </p:spTree>
+    <p:extLst>
+      <p:ext uri="{BB962C8B-B14F-4D97-AF65-F5344CB8AC3E}">
+        <p14:creationId xmlns:p14="http://schemas.microsoft.com/office/powerpoint/2010/main" val="1217981370"/>
+      </p:ext>
+    </p:extLst>
+  </p:cSld>
+  <p:clrMapOvr>
+    <a:masterClrMapping/>
+  </p:clrMapOvr>
+</p:sld>
+</file>
+
+<file path=ppt/slides/slide4.xml><?xml version="1.0" encoding="utf-8"?>
+<p:sld xmlns:a="http://schemas.openxmlformats.org/drawingml/2006/main" xmlns:r="http://schemas.openxmlformats.org/officeDocument/2006/relationships" xmlns:p="http://schemas.openxmlformats.org/presentationml/2006/main">
+  <p:cSld>
+    <p:spTree>
+      <p:nvGrpSpPr>
+        <p:cNvPr id="1" name=""/>
+        <p:cNvGrpSpPr/>
+        <p:nvPr/>
+      </p:nvGrpSpPr>
+      <p:grpSpPr>
+        <a:xfrm>
+          <a:off x="0" y="0"/>
+          <a:ext cx="0" cy="0"/>
+          <a:chOff x="0" y="0"/>
+          <a:chExt cx="0" cy="0"/>
+        </a:xfrm>
+      </p:grpSpPr>
+      <p:sp>
+        <p:nvSpPr>
+          <p:cNvPr id="2" name="Título 1">
+            <a:extLst>
+              <a:ext uri="{FF2B5EF4-FFF2-40B4-BE49-F238E27FC236}">
+                <a16:creationId xmlns:a16="http://schemas.microsoft.com/office/drawing/2014/main" id="{540F1CF0-7D3A-1F30-A06D-DD96920677D2}"/>
+              </a:ext>
+            </a:extLst>
+          </p:cNvPr>
+          <p:cNvSpPr>
+            <a:spLocks noGrp="1"/>
+          </p:cNvSpPr>
+          <p:nvPr>
+            <p:ph type="title"/>
+          </p:nvPr>
+        </p:nvSpPr>
+        <p:spPr/>
+        <p:txBody>
+          <a:bodyPr>
+            <a:normAutofit fontScale="90000"/>
+          </a:bodyPr>
+          <a:lstStyle/>
+          <a:p>
+            <a:pPr>
+              <a:lnSpc>
+                <a:spcPct val="150000"/>
+              </a:lnSpc>
+            </a:pPr>
+            <a:r>
+              <a:rPr lang="pt-BR" sz="3200" b="1" dirty="0">
+                <a:latin typeface="Arial" panose="020B0604020202020204" pitchFamily="34" charset="0"/>
+                <a:cs typeface="Arial" panose="020B0604020202020204" pitchFamily="34" charset="0"/>
+              </a:rPr>
+              <a:t>INTRODUÇÃO</a:t>
+            </a:r>
+            <a:br>
+              <a:rPr lang="pt-BR" sz="3200" b="1" dirty="0">
+                <a:latin typeface="Arial" panose="020B0604020202020204" pitchFamily="34" charset="0"/>
+                <a:cs typeface="Arial" panose="020B0604020202020204" pitchFamily="34" charset="0"/>
+              </a:rPr>
+            </a:br>
+            <a:r>
+              <a:rPr lang="pt-BR" sz="3200" dirty="0">
+                <a:latin typeface="Arial" panose="020B0604020202020204" pitchFamily="34" charset="0"/>
+                <a:cs typeface="Arial" panose="020B0604020202020204" pitchFamily="34" charset="0"/>
+              </a:rPr>
+              <a:t>O papel de </a:t>
+            </a:r>
+            <a:r>
+              <a:rPr lang="pt-BR" sz="3200" i="1" dirty="0" err="1">
+                <a:latin typeface="Arial" panose="020B0604020202020204" pitchFamily="34" charset="0"/>
+                <a:cs typeface="Arial" panose="020B0604020202020204" pitchFamily="34" charset="0"/>
+              </a:rPr>
+              <a:t>machine</a:t>
+            </a:r>
+            <a:r>
+              <a:rPr lang="pt-BR" sz="3200" i="1" dirty="0">
+                <a:latin typeface="Arial" panose="020B0604020202020204" pitchFamily="34" charset="0"/>
+                <a:cs typeface="Arial" panose="020B0604020202020204" pitchFamily="34" charset="0"/>
+              </a:rPr>
+              <a:t> </a:t>
+            </a:r>
+            <a:r>
+              <a:rPr lang="pt-BR" sz="3200" i="1" dirty="0" err="1">
+                <a:latin typeface="Arial" panose="020B0604020202020204" pitchFamily="34" charset="0"/>
+                <a:cs typeface="Arial" panose="020B0604020202020204" pitchFamily="34" charset="0"/>
+              </a:rPr>
+              <a:t>learning</a:t>
+            </a:r>
+            <a:endParaRPr lang="pt-BR" sz="3200" dirty="0">
+              <a:latin typeface="Arial" panose="020B0604020202020204" pitchFamily="34" charset="0"/>
+              <a:cs typeface="Arial" panose="020B0604020202020204" pitchFamily="34" charset="0"/>
+            </a:endParaRPr>
+          </a:p>
+        </p:txBody>
+      </p:sp>
+      <p:sp>
+        <p:nvSpPr>
+          <p:cNvPr id="3" name="Espaço Reservado para Conteúdo 2">
+            <a:extLst>
+              <a:ext uri="{FF2B5EF4-FFF2-40B4-BE49-F238E27FC236}">
+                <a16:creationId xmlns:a16="http://schemas.microsoft.com/office/drawing/2014/main" id="{AC797752-DF14-11FD-FD02-7A6C4E7C74D2}"/>
+              </a:ext>
+            </a:extLst>
+          </p:cNvPr>
+          <p:cNvSpPr>
+            <a:spLocks noGrp="1"/>
+          </p:cNvSpPr>
+          <p:nvPr>
+            <p:ph idx="1"/>
+          </p:nvPr>
+        </p:nvSpPr>
+        <p:spPr>
+          <a:xfrm>
+            <a:off x="838200" y="1825625"/>
+            <a:ext cx="6496456" cy="4489450"/>
+          </a:xfrm>
+        </p:spPr>
+        <p:txBody>
+          <a:bodyPr>
+            <a:noAutofit/>
+          </a:bodyPr>
+          <a:lstStyle/>
+          <a:p>
+            <a:pPr marL="0" indent="0">
+              <a:lnSpc>
+                <a:spcPts val="3200"/>
+              </a:lnSpc>
+              <a:buNone/>
+            </a:pPr>
+            <a:r>
+              <a:rPr lang="pt-BR" sz="2000" dirty="0">
+                <a:latin typeface="Arial" panose="020B0604020202020204" pitchFamily="34" charset="0"/>
+                <a:cs typeface="Arial" panose="020B0604020202020204" pitchFamily="34" charset="0"/>
+              </a:rPr>
+              <a:t>Métodos de aprendizado de máquina podem auxiliar os órgãos de controle a detectar quais das despesas efetuadas são anomalias e podem ser objetos de escrutínio pormenorizado. </a:t>
+            </a:r>
+          </a:p>
+          <a:p>
+            <a:pPr marL="0" indent="0">
+              <a:lnSpc>
+                <a:spcPts val="3200"/>
+              </a:lnSpc>
+              <a:buNone/>
+            </a:pPr>
+            <a:r>
+              <a:rPr lang="pt-BR" sz="2000" dirty="0">
+                <a:latin typeface="Arial" panose="020B0604020202020204" pitchFamily="34" charset="0"/>
+                <a:cs typeface="Arial" panose="020B0604020202020204" pitchFamily="34" charset="0"/>
+              </a:rPr>
+              <a:t>Neste trabalho, foi utilizado um algoritmo customizado de K-</a:t>
+            </a:r>
+            <a:r>
+              <a:rPr lang="pt-BR" sz="2000" dirty="0" err="1">
+                <a:latin typeface="Arial" panose="020B0604020202020204" pitchFamily="34" charset="0"/>
+                <a:cs typeface="Arial" panose="020B0604020202020204" pitchFamily="34" charset="0"/>
+              </a:rPr>
+              <a:t>Means</a:t>
+            </a:r>
+            <a:r>
+              <a:rPr lang="pt-BR" sz="2000" dirty="0">
+                <a:latin typeface="Arial" panose="020B0604020202020204" pitchFamily="34" charset="0"/>
+                <a:cs typeface="Arial" panose="020B0604020202020204" pitchFamily="34" charset="0"/>
+              </a:rPr>
+              <a:t> nos dados de alimentação e hospedagem de 2018 a 2022, com valores corrigidos pela inflação. </a:t>
+            </a:r>
+          </a:p>
+          <a:p>
+            <a:pPr marL="0" indent="0">
+              <a:buNone/>
+            </a:pPr>
+            <a:endParaRPr lang="pt-BR" sz="2000" dirty="0">
+              <a:latin typeface="Arial" panose="020B0604020202020204" pitchFamily="34" charset="0"/>
+              <a:cs typeface="Arial" panose="020B0604020202020204" pitchFamily="34" charset="0"/>
+            </a:endParaRPr>
+          </a:p>
+        </p:txBody>
+      </p:sp>
+    </p:spTree>
+    <p:extLst>
+      <p:ext uri="{BB962C8B-B14F-4D97-AF65-F5344CB8AC3E}">
+        <p14:creationId xmlns:p14="http://schemas.microsoft.com/office/powerpoint/2010/main" val="4106961976"/>
+      </p:ext>
+    </p:extLst>
+  </p:cSld>
+  <p:clrMapOvr>
+    <a:masterClrMapping/>
+  </p:clrMapOvr>
+</p:sld>
+</file>
+
+<file path=ppt/slides/slide5.xml><?xml version="1.0" encoding="utf-8"?>
+<p:sld xmlns:a="http://schemas.openxmlformats.org/drawingml/2006/main" xmlns:r="http://schemas.openxmlformats.org/officeDocument/2006/relationships" xmlns:p="http://schemas.openxmlformats.org/presentationml/2006/main">
+  <p:cSld>
+    <p:spTree>
+      <p:nvGrpSpPr>
+        <p:cNvPr id="1" name=""/>
+        <p:cNvGrpSpPr/>
+        <p:nvPr/>
+      </p:nvGrpSpPr>
+      <p:grpSpPr>
+        <a:xfrm>
+          <a:off x="0" y="0"/>
+          <a:ext cx="0" cy="0"/>
+          <a:chOff x="0" y="0"/>
+          <a:chExt cx="0" cy="0"/>
+        </a:xfrm>
+      </p:grpSpPr>
+      <p:sp>
+        <p:nvSpPr>
+          <p:cNvPr id="2" name="Título 1">
+            <a:extLst>
+              <a:ext uri="{FF2B5EF4-FFF2-40B4-BE49-F238E27FC236}">
+                <a16:creationId xmlns:a16="http://schemas.microsoft.com/office/drawing/2014/main" id="{540F1CF0-7D3A-1F30-A06D-DD96920677D2}"/>
+              </a:ext>
+            </a:extLst>
+          </p:cNvPr>
+          <p:cNvSpPr>
+            <a:spLocks noGrp="1"/>
+          </p:cNvSpPr>
+          <p:nvPr>
+            <p:ph type="title"/>
+          </p:nvPr>
+        </p:nvSpPr>
+        <p:spPr/>
+        <p:txBody>
+          <a:bodyPr>
+            <a:normAutofit fontScale="90000"/>
+          </a:bodyPr>
+          <a:lstStyle/>
+          <a:p>
+            <a:pPr>
+              <a:lnSpc>
+                <a:spcPct val="150000"/>
+              </a:lnSpc>
+            </a:pPr>
+            <a:r>
+              <a:rPr lang="pt-BR" sz="3200" b="1" dirty="0">
+                <a:latin typeface="Arial" panose="020B0604020202020204" pitchFamily="34" charset="0"/>
+                <a:cs typeface="Arial" panose="020B0604020202020204" pitchFamily="34" charset="0"/>
+              </a:rPr>
+              <a:t>K-MEANS</a:t>
+            </a:r>
+            <a:br>
+              <a:rPr lang="pt-BR" sz="3200" b="1" dirty="0">
+                <a:latin typeface="Arial" panose="020B0604020202020204" pitchFamily="34" charset="0"/>
+                <a:cs typeface="Arial" panose="020B0604020202020204" pitchFamily="34" charset="0"/>
+              </a:rPr>
+            </a:br>
+            <a:r>
+              <a:rPr lang="pt-BR" sz="3200" dirty="0">
+                <a:latin typeface="Arial" panose="020B0604020202020204" pitchFamily="34" charset="0"/>
+                <a:cs typeface="Arial" panose="020B0604020202020204" pitchFamily="34" charset="0"/>
+              </a:rPr>
+              <a:t>Definição</a:t>
+            </a:r>
+          </a:p>
+        </p:txBody>
+      </p:sp>
+      <mc:AlternateContent xmlns:mc="http://schemas.openxmlformats.org/markup-compatibility/2006" xmlns:a14="http://schemas.microsoft.com/office/drawing/2010/main">
+        <mc:Choice Requires="a14">
+          <p:sp>
+            <p:nvSpPr>
+              <p:cNvPr id="3" name="Espaço Reservado para Conteúdo 2">
+                <a:extLst>
+                  <a:ext uri="{FF2B5EF4-FFF2-40B4-BE49-F238E27FC236}">
+                    <a16:creationId xmlns:a16="http://schemas.microsoft.com/office/drawing/2014/main" id="{AC797752-DF14-11FD-FD02-7A6C4E7C74D2}"/>
+                  </a:ext>
+                </a:extLst>
+              </p:cNvPr>
+              <p:cNvSpPr>
+                <a:spLocks noGrp="1"/>
+              </p:cNvSpPr>
+              <p:nvPr>
+                <p:ph idx="1"/>
+              </p:nvPr>
+            </p:nvSpPr>
+            <p:spPr>
+              <a:xfrm>
+                <a:off x="838199" y="1825625"/>
+                <a:ext cx="5077531" cy="4489450"/>
+              </a:xfrm>
+            </p:spPr>
+            <p:txBody>
+              <a:bodyPr>
+                <a:noAutofit/>
+              </a:bodyPr>
+              <a:lstStyle/>
+              <a:p>
+                <a:pPr marL="0" indent="0">
+                  <a:lnSpc>
+                    <a:spcPts val="3200"/>
+                  </a:lnSpc>
+                  <a:buNone/>
+                </a:pPr>
+                <a:r>
+                  <a:rPr lang="pt-BR" sz="2000" dirty="0">
+                    <a:latin typeface="Arial" panose="020B0604020202020204" pitchFamily="34" charset="0"/>
+                    <a:cs typeface="Arial" panose="020B0604020202020204" pitchFamily="34" charset="0"/>
+                  </a:rPr>
+                  <a:t>Em linhas gerais, K-</a:t>
+                </a:r>
+                <a:r>
+                  <a:rPr lang="pt-BR" sz="2000" dirty="0" err="1">
+                    <a:latin typeface="Arial" panose="020B0604020202020204" pitchFamily="34" charset="0"/>
+                    <a:cs typeface="Arial" panose="020B0604020202020204" pitchFamily="34" charset="0"/>
+                  </a:rPr>
+                  <a:t>Means</a:t>
+                </a:r>
+                <a:r>
+                  <a:rPr lang="pt-BR" sz="2000" dirty="0">
+                    <a:latin typeface="Arial" panose="020B0604020202020204" pitchFamily="34" charset="0"/>
+                    <a:cs typeface="Arial" panose="020B0604020202020204" pitchFamily="34" charset="0"/>
+                  </a:rPr>
+                  <a:t> é um algoritmo que particiona um conjunto de pontos de dados </a:t>
+                </a:r>
+                <a14:m>
+                  <m:oMath xmlns:m="http://schemas.openxmlformats.org/officeDocument/2006/math">
+                    <m:r>
+                      <a:rPr lang="pt-BR" sz="2000" b="0" i="1" smtClean="0">
+                        <a:latin typeface="Cambria Math" panose="02040503050406030204" pitchFamily="18" charset="0"/>
+                        <a:cs typeface="Arial" panose="020B0604020202020204" pitchFamily="34" charset="0"/>
+                      </a:rPr>
+                      <m:t>𝑋</m:t>
+                    </m:r>
+                  </m:oMath>
+                </a14:m>
+                <a:r>
+                  <a:rPr lang="pt-BR" sz="2000" dirty="0">
+                    <a:latin typeface="Arial" panose="020B0604020202020204" pitchFamily="34" charset="0"/>
+                    <a:cs typeface="Arial" panose="020B0604020202020204" pitchFamily="34" charset="0"/>
+                  </a:rPr>
+                  <a:t> em </a:t>
+                </a:r>
+                <a14:m>
+                  <m:oMath xmlns:m="http://schemas.openxmlformats.org/officeDocument/2006/math">
+                    <m:r>
+                      <a:rPr lang="pt-BR" sz="2000" b="0" i="1" smtClean="0">
+                        <a:latin typeface="Cambria Math" panose="02040503050406030204" pitchFamily="18" charset="0"/>
+                        <a:cs typeface="Arial" panose="020B0604020202020204" pitchFamily="34" charset="0"/>
+                      </a:rPr>
+                      <m:t>𝑘</m:t>
+                    </m:r>
+                  </m:oMath>
+                </a14:m>
+                <a:r>
+                  <a:rPr lang="pt-BR" sz="2000" dirty="0">
+                    <a:latin typeface="Arial" panose="020B0604020202020204" pitchFamily="34" charset="0"/>
+                    <a:cs typeface="Arial" panose="020B0604020202020204" pitchFamily="34" charset="0"/>
+                  </a:rPr>
+                  <a:t> clusters não sobrepostos, sendo </a:t>
+                </a:r>
+                <a14:m>
+                  <m:oMath xmlns:m="http://schemas.openxmlformats.org/officeDocument/2006/math">
+                    <m:r>
+                      <a:rPr lang="pt-BR" sz="2000" b="0" i="1" smtClean="0">
+                        <a:latin typeface="Cambria Math" panose="02040503050406030204" pitchFamily="18" charset="0"/>
+                        <a:cs typeface="Arial" panose="020B0604020202020204" pitchFamily="34" charset="0"/>
+                      </a:rPr>
+                      <m:t>𝑘</m:t>
+                    </m:r>
+                  </m:oMath>
+                </a14:m>
+                <a:r>
+                  <a:rPr lang="pt-BR" sz="2000" dirty="0">
+                    <a:latin typeface="Arial" panose="020B0604020202020204" pitchFamily="34" charset="0"/>
+                    <a:cs typeface="Arial" panose="020B0604020202020204" pitchFamily="34" charset="0"/>
+                  </a:rPr>
+                  <a:t> um número predeterminado.</a:t>
+                </a:r>
+              </a:p>
+              <a:p>
+                <a:pPr marL="0" indent="0">
+                  <a:lnSpc>
+                    <a:spcPts val="3200"/>
+                  </a:lnSpc>
+                  <a:buNone/>
+                </a:pPr>
+                <a:r>
+                  <a:rPr lang="pt-BR" sz="2000" dirty="0">
+                    <a:latin typeface="Arial" panose="020B0604020202020204" pitchFamily="34" charset="0"/>
+                    <a:cs typeface="Arial" panose="020B0604020202020204" pitchFamily="34" charset="0"/>
+                  </a:rPr>
+                  <a:t>Cada ponto de dado pertence ao cluster com a menor distância média entre ele e um centro (centroide). </a:t>
+                </a:r>
+              </a:p>
+              <a:p>
+                <a:pPr marL="0" indent="0">
+                  <a:lnSpc>
+                    <a:spcPts val="3200"/>
+                  </a:lnSpc>
+                  <a:buNone/>
+                </a:pPr>
+                <a:r>
+                  <a:rPr lang="pt-BR" sz="2000" dirty="0">
+                    <a:latin typeface="Arial" panose="020B0604020202020204" pitchFamily="34" charset="0"/>
+                    <a:cs typeface="Arial" panose="020B0604020202020204" pitchFamily="34" charset="0"/>
+                  </a:rPr>
+                  <a:t>O algoritmo busca minimizar a soma dos quadrados da distância dentro do cluster.</a:t>
+                </a:r>
+              </a:p>
+            </p:txBody>
+          </p:sp>
+        </mc:Choice>
+        <mc:Fallback xmlns="">
+          <p:sp>
+            <p:nvSpPr>
+              <p:cNvPr id="3" name="Espaço Reservado para Conteúdo 2">
+                <a:extLst>
+                  <a:ext uri="{FF2B5EF4-FFF2-40B4-BE49-F238E27FC236}">
+                    <a16:creationId xmlns:a16="http://schemas.microsoft.com/office/drawing/2014/main" id="{AC797752-DF14-11FD-FD02-7A6C4E7C74D2}"/>
+                  </a:ext>
+                </a:extLst>
+              </p:cNvPr>
+              <p:cNvSpPr>
+                <a:spLocks noGrp="1" noRot="1" noChangeAspect="1" noMove="1" noResize="1" noEditPoints="1" noAdjustHandles="1" noChangeArrowheads="1" noChangeShapeType="1" noTextEdit="1"/>
+              </p:cNvSpPr>
+              <p:nvPr>
+                <p:ph idx="1"/>
+              </p:nvPr>
+            </p:nvSpPr>
+            <p:spPr>
+              <a:xfrm>
+                <a:off x="838199" y="1825625"/>
+                <a:ext cx="5077531" cy="4489450"/>
+              </a:xfrm>
+              <a:blipFill>
+                <a:blip r:embed="rId2"/>
+                <a:stretch>
+                  <a:fillRect l="-1200" r="-480"/>
+                </a:stretch>
+              </a:blipFill>
+            </p:spPr>
+            <p:txBody>
+              <a:bodyPr/>
+              <a:lstStyle/>
+              <a:p>
+                <a:r>
+                  <a:rPr lang="pt-BR">
+                    <a:noFill/>
+                  </a:rPr>
+                  <a:t> </a:t>
+                </a:r>
+              </a:p>
+            </p:txBody>
+          </p:sp>
+        </mc:Fallback>
+      </mc:AlternateContent>
+      <mc:AlternateContent xmlns:mc="http://schemas.openxmlformats.org/markup-compatibility/2006" xmlns:a14="http://schemas.microsoft.com/office/drawing/2010/main">
+        <mc:Choice Requires="a14">
+          <p:sp>
+            <p:nvSpPr>
+              <p:cNvPr id="6" name="CaixaDeTexto 5">
+                <a:extLst>
+                  <a:ext uri="{FF2B5EF4-FFF2-40B4-BE49-F238E27FC236}">
+                    <a16:creationId xmlns:a16="http://schemas.microsoft.com/office/drawing/2014/main" id="{2D6C3BFF-F4EA-743D-C75F-11938CCC3E7E}"/>
+                  </a:ext>
+                </a:extLst>
+              </p:cNvPr>
+              <p:cNvSpPr txBox="1"/>
+              <p:nvPr/>
+            </p:nvSpPr>
+            <p:spPr>
+              <a:xfrm>
+                <a:off x="6276269" y="1825625"/>
+                <a:ext cx="5077531" cy="3741473"/>
+              </a:xfrm>
+              <a:prstGeom prst="rect">
+                <a:avLst/>
+              </a:prstGeom>
+              <a:solidFill>
+                <a:schemeClr val="bg1">
+                  <a:lumMod val="95000"/>
+                </a:schemeClr>
+              </a:solidFill>
+              <a:ln w="19050">
+                <a:solidFill>
+                  <a:schemeClr val="tx1"/>
+                </a:solidFill>
+              </a:ln>
+            </p:spPr>
+            <p:txBody>
+              <a:bodyPr wrap="square" lIns="180000" rIns="180000" rtlCol="0">
+                <a:spAutoFit/>
+              </a:bodyPr>
+              <a:lstStyle/>
+              <a:p>
+                <a:pPr algn="ctr">
+                  <a:lnSpc>
+                    <a:spcPts val="3200"/>
+                  </a:lnSpc>
+                </a:pPr>
+                <a:r>
+                  <a:rPr lang="pt-BR" sz="2000" b="1" dirty="0">
+                    <a:latin typeface="Arial" panose="020B0604020202020204" pitchFamily="34" charset="0"/>
+                    <a:cs typeface="Arial" panose="020B0604020202020204" pitchFamily="34" charset="0"/>
+                  </a:rPr>
+                  <a:t>FÓRMULA GERAL</a:t>
+                </a:r>
+                <a:endParaRPr lang="pt-BR" sz="2000" dirty="0">
+                  <a:latin typeface="Arial" panose="020B0604020202020204" pitchFamily="34" charset="0"/>
+                  <a:cs typeface="Arial" panose="020B0604020202020204" pitchFamily="34" charset="0"/>
+                </a:endParaRPr>
+              </a:p>
+              <a:p>
+                <a:pPr algn="ctr">
+                  <a:lnSpc>
+                    <a:spcPts val="3200"/>
+                  </a:lnSpc>
+                </a:pPr>
+                <a:endParaRPr lang="pt-BR" sz="2000" dirty="0">
+                  <a:latin typeface="Arial" panose="020B0604020202020204" pitchFamily="34" charset="0"/>
+                  <a:cs typeface="Arial" panose="020B0604020202020204" pitchFamily="34" charset="0"/>
+                </a:endParaRPr>
+              </a:p>
+              <a:p>
+                <a:pPr algn="ctr">
+                  <a:lnSpc>
+                    <a:spcPts val="3200"/>
+                  </a:lnSpc>
+                </a:pPr>
+                <a14:m>
+                  <m:oMathPara xmlns:m="http://schemas.openxmlformats.org/officeDocument/2006/math">
+                    <m:oMathParaPr>
+                      <m:jc m:val="centerGroup"/>
+                    </m:oMathParaPr>
+                    <m:oMath xmlns:m="http://schemas.openxmlformats.org/officeDocument/2006/math">
+                      <m:nary>
+                        <m:naryPr>
+                          <m:chr m:val="∑"/>
+                          <m:ctrlPr>
+                            <a:rPr lang="pt-BR" sz="2000" i="1" smtClean="0">
+                              <a:latin typeface="Cambria Math" panose="02040503050406030204" pitchFamily="18" charset="0"/>
+                              <a:cs typeface="Arial" panose="020B0604020202020204" pitchFamily="34" charset="0"/>
+                            </a:rPr>
+                          </m:ctrlPr>
+                        </m:naryPr>
+                        <m:sub>
+                          <m:r>
+                            <m:rPr>
+                              <m:brk m:alnAt="23"/>
+                            </m:rPr>
+                            <a:rPr lang="pt-BR" sz="2000" b="0" i="1" smtClean="0">
+                              <a:latin typeface="Cambria Math" panose="02040503050406030204" pitchFamily="18" charset="0"/>
+                              <a:cs typeface="Arial" panose="020B0604020202020204" pitchFamily="34" charset="0"/>
+                            </a:rPr>
+                            <m:t>𝑖</m:t>
+                          </m:r>
+                          <m:r>
+                            <a:rPr lang="pt-BR" sz="2000" b="0" i="1" smtClean="0">
+                              <a:latin typeface="Cambria Math" panose="02040503050406030204" pitchFamily="18" charset="0"/>
+                              <a:cs typeface="Arial" panose="020B0604020202020204" pitchFamily="34" charset="0"/>
+                            </a:rPr>
+                            <m:t>=1</m:t>
+                          </m:r>
+                        </m:sub>
+                        <m:sup>
+                          <m:r>
+                            <a:rPr lang="pt-BR" sz="2000" b="0" i="1" smtClean="0">
+                              <a:latin typeface="Cambria Math" panose="02040503050406030204" pitchFamily="18" charset="0"/>
+                              <a:cs typeface="Arial" panose="020B0604020202020204" pitchFamily="34" charset="0"/>
+                            </a:rPr>
+                            <m:t>𝑘</m:t>
+                          </m:r>
+                        </m:sup>
+                        <m:e>
+                          <m:nary>
+                            <m:naryPr>
+                              <m:chr m:val="∑"/>
+                              <m:supHide m:val="on"/>
+                              <m:ctrlPr>
+                                <a:rPr lang="pt-BR" sz="2000" i="1" smtClean="0">
+                                  <a:latin typeface="Cambria Math" panose="02040503050406030204" pitchFamily="18" charset="0"/>
+                                  <a:cs typeface="Arial" panose="020B0604020202020204" pitchFamily="34" charset="0"/>
+                                </a:rPr>
+                              </m:ctrlPr>
+                            </m:naryPr>
+                            <m:sub>
+                              <m:r>
+                                <m:rPr>
+                                  <m:brk m:alnAt="7"/>
+                                </m:rPr>
+                                <a:rPr lang="pt-BR" sz="2000" b="0" i="1" smtClean="0">
+                                  <a:latin typeface="Cambria Math" panose="02040503050406030204" pitchFamily="18" charset="0"/>
+                                  <a:cs typeface="Arial" panose="020B0604020202020204" pitchFamily="34" charset="0"/>
+                                </a:rPr>
+                                <m:t>𝑥</m:t>
+                              </m:r>
+                              <m:r>
+                                <a:rPr lang="pt-BR" sz="2000" b="0" i="1" smtClean="0">
+                                  <a:latin typeface="Cambria Math" panose="02040503050406030204" pitchFamily="18" charset="0"/>
+                                  <a:ea typeface="Cambria Math" panose="02040503050406030204" pitchFamily="18" charset="0"/>
+                                  <a:cs typeface="Arial" panose="020B0604020202020204" pitchFamily="34" charset="0"/>
+                                </a:rPr>
+                                <m:t>∈</m:t>
+                              </m:r>
+                              <m:sSub>
+                                <m:sSubPr>
+                                  <m:ctrlPr>
+                                    <a:rPr lang="pt-BR" sz="2000" b="0" i="1" smtClean="0">
+                                      <a:latin typeface="Cambria Math" panose="02040503050406030204" pitchFamily="18" charset="0"/>
+                                      <a:ea typeface="Cambria Math" panose="02040503050406030204" pitchFamily="18" charset="0"/>
+                                      <a:cs typeface="Arial" panose="020B0604020202020204" pitchFamily="34" charset="0"/>
+                                    </a:rPr>
+                                  </m:ctrlPr>
+                                </m:sSubPr>
+                                <m:e>
+                                  <m:r>
+                                    <a:rPr lang="pt-BR" sz="2000" b="0" i="1" smtClean="0">
+                                      <a:latin typeface="Cambria Math" panose="02040503050406030204" pitchFamily="18" charset="0"/>
+                                      <a:ea typeface="Cambria Math" panose="02040503050406030204" pitchFamily="18" charset="0"/>
+                                      <a:cs typeface="Arial" panose="020B0604020202020204" pitchFamily="34" charset="0"/>
+                                    </a:rPr>
+                                    <m:t>𝑆</m:t>
+                                  </m:r>
+                                </m:e>
+                                <m:sub>
+                                  <m:r>
+                                    <a:rPr lang="pt-BR" sz="2000" b="0" i="1" smtClean="0">
+                                      <a:latin typeface="Cambria Math" panose="02040503050406030204" pitchFamily="18" charset="0"/>
+                                      <a:ea typeface="Cambria Math" panose="02040503050406030204" pitchFamily="18" charset="0"/>
+                                      <a:cs typeface="Arial" panose="020B0604020202020204" pitchFamily="34" charset="0"/>
+                                    </a:rPr>
+                                    <m:t>𝑖</m:t>
+                                  </m:r>
+                                </m:sub>
+                              </m:sSub>
+                            </m:sub>
+                            <m:sup/>
+                            <m:e>
+                              <m:sSup>
+                                <m:sSupPr>
+                                  <m:ctrlPr>
+                                    <a:rPr lang="pt-BR" sz="2000" i="1" smtClean="0">
+                                      <a:latin typeface="Cambria Math" panose="02040503050406030204" pitchFamily="18" charset="0"/>
+                                      <a:cs typeface="Arial" panose="020B0604020202020204" pitchFamily="34" charset="0"/>
+                                    </a:rPr>
+                                  </m:ctrlPr>
+                                </m:sSupPr>
+                                <m:e>
+                                  <m:r>
+                                    <a:rPr lang="pt-BR" sz="2000" i="1" smtClean="0">
+                                      <a:latin typeface="Cambria Math" panose="02040503050406030204" pitchFamily="18" charset="0"/>
+                                      <a:ea typeface="Cambria Math" panose="02040503050406030204" pitchFamily="18" charset="0"/>
+                                      <a:cs typeface="Arial" panose="020B0604020202020204" pitchFamily="34" charset="0"/>
+                                    </a:rPr>
+                                    <m:t>∥</m:t>
+                                  </m:r>
+                                  <m:r>
+                                    <a:rPr lang="pt-BR" sz="2000" b="0" i="1" smtClean="0">
+                                      <a:latin typeface="Cambria Math" panose="02040503050406030204" pitchFamily="18" charset="0"/>
+                                      <a:ea typeface="Cambria Math" panose="02040503050406030204" pitchFamily="18" charset="0"/>
+                                      <a:cs typeface="Arial" panose="020B0604020202020204" pitchFamily="34" charset="0"/>
+                                    </a:rPr>
+                                    <m:t>𝑥</m:t>
+                                  </m:r>
+                                  <m:r>
+                                    <a:rPr lang="pt-BR" sz="2000" b="0" i="1" smtClean="0">
+                                      <a:latin typeface="Cambria Math" panose="02040503050406030204" pitchFamily="18" charset="0"/>
+                                      <a:ea typeface="Cambria Math" panose="02040503050406030204" pitchFamily="18" charset="0"/>
+                                      <a:cs typeface="Arial" panose="020B0604020202020204" pitchFamily="34" charset="0"/>
+                                    </a:rPr>
+                                    <m:t>−</m:t>
+                                  </m:r>
+                                  <m:sSub>
+                                    <m:sSubPr>
+                                      <m:ctrlPr>
+                                        <a:rPr lang="pt-BR" sz="2000" b="0" i="1" smtClean="0">
+                                          <a:latin typeface="Cambria Math" panose="02040503050406030204" pitchFamily="18" charset="0"/>
+                                          <a:ea typeface="Cambria Math" panose="02040503050406030204" pitchFamily="18" charset="0"/>
+                                          <a:cs typeface="Arial" panose="020B0604020202020204" pitchFamily="34" charset="0"/>
+                                        </a:rPr>
+                                      </m:ctrlPr>
+                                    </m:sSubPr>
+                                    <m:e>
+                                      <m:r>
+                                        <a:rPr lang="pt-BR" sz="2000" b="0" i="1" smtClean="0">
+                                          <a:latin typeface="Cambria Math" panose="02040503050406030204" pitchFamily="18" charset="0"/>
+                                          <a:ea typeface="Cambria Math" panose="02040503050406030204" pitchFamily="18" charset="0"/>
+                                          <a:cs typeface="Arial" panose="020B0604020202020204" pitchFamily="34" charset="0"/>
+                                        </a:rPr>
+                                        <m:t>𝜇</m:t>
+                                      </m:r>
+                                    </m:e>
+                                    <m:sub>
+                                      <m:r>
+                                        <a:rPr lang="pt-BR" sz="2000" b="0" i="1" smtClean="0">
+                                          <a:latin typeface="Cambria Math" panose="02040503050406030204" pitchFamily="18" charset="0"/>
+                                          <a:ea typeface="Cambria Math" panose="02040503050406030204" pitchFamily="18" charset="0"/>
+                                          <a:cs typeface="Arial" panose="020B0604020202020204" pitchFamily="34" charset="0"/>
+                                        </a:rPr>
+                                        <m:t>𝑖</m:t>
+                                      </m:r>
+                                    </m:sub>
+                                  </m:sSub>
+                                  <m:r>
+                                    <a:rPr lang="pt-BR" sz="2000" b="0" i="1" smtClean="0">
+                                      <a:latin typeface="Cambria Math" panose="02040503050406030204" pitchFamily="18" charset="0"/>
+                                      <a:ea typeface="Cambria Math" panose="02040503050406030204" pitchFamily="18" charset="0"/>
+                                      <a:cs typeface="Arial" panose="020B0604020202020204" pitchFamily="34" charset="0"/>
+                                    </a:rPr>
+                                    <m:t>∥</m:t>
+                                  </m:r>
+                                </m:e>
+                                <m:sup>
+                                  <m:r>
+                                    <a:rPr lang="pt-BR" sz="2000" b="0" i="1" smtClean="0">
+                                      <a:latin typeface="Cambria Math" panose="02040503050406030204" pitchFamily="18" charset="0"/>
+                                      <a:cs typeface="Arial" panose="020B0604020202020204" pitchFamily="34" charset="0"/>
+                                    </a:rPr>
+                                    <m:t>2</m:t>
+                                  </m:r>
+                                </m:sup>
+                              </m:sSup>
+                            </m:e>
+                          </m:nary>
+                        </m:e>
+                      </m:nary>
+                    </m:oMath>
+                  </m:oMathPara>
+                </a14:m>
+                <a:endParaRPr lang="pt-BR" sz="2000" dirty="0">
+                  <a:latin typeface="Arial" panose="020B0604020202020204" pitchFamily="34" charset="0"/>
+                  <a:cs typeface="Arial" panose="020B0604020202020204" pitchFamily="34" charset="0"/>
+                </a:endParaRPr>
+              </a:p>
+              <a:p>
+                <a:pPr>
+                  <a:lnSpc>
+                    <a:spcPts val="3200"/>
+                  </a:lnSpc>
+                </a:pPr>
+                <a:endParaRPr lang="pt-BR" sz="2000" dirty="0">
+                  <a:latin typeface="Arial" panose="020B0604020202020204" pitchFamily="34" charset="0"/>
+                  <a:cs typeface="Arial" panose="020B0604020202020204" pitchFamily="34" charset="0"/>
+                </a:endParaRPr>
+              </a:p>
+              <a:p>
+                <a:pPr>
+                  <a:lnSpc>
+                    <a:spcPts val="3200"/>
+                  </a:lnSpc>
+                </a:pPr>
+                <a:r>
+                  <a:rPr lang="pt-BR" sz="2000" dirty="0">
+                    <a:latin typeface="Arial" panose="020B0604020202020204" pitchFamily="34" charset="0"/>
+                    <a:cs typeface="Arial" panose="020B0604020202020204" pitchFamily="34" charset="0"/>
+                  </a:rPr>
+                  <a:t>onde:</a:t>
+                </a:r>
+              </a:p>
+              <a:p>
+                <a:pPr>
+                  <a:lnSpc>
+                    <a:spcPts val="3200"/>
+                  </a:lnSpc>
+                </a:pPr>
+                <a14:m>
+                  <m:oMath xmlns:m="http://schemas.openxmlformats.org/officeDocument/2006/math">
+                    <m:r>
+                      <a:rPr lang="pt-BR" sz="2000" b="0" i="1" smtClean="0">
+                        <a:latin typeface="Cambria Math" panose="02040503050406030204" pitchFamily="18" charset="0"/>
+                        <a:cs typeface="Arial" panose="020B0604020202020204" pitchFamily="34" charset="0"/>
+                      </a:rPr>
+                      <m:t>𝐾</m:t>
+                    </m:r>
+                  </m:oMath>
+                </a14:m>
+                <a:r>
+                  <a:rPr lang="pt-BR" sz="2000" dirty="0">
+                    <a:latin typeface="Arial" panose="020B0604020202020204" pitchFamily="34" charset="0"/>
+                    <a:cs typeface="Arial" panose="020B0604020202020204" pitchFamily="34" charset="0"/>
+                  </a:rPr>
+                  <a:t>: número de clusters</a:t>
+                </a:r>
+              </a:p>
+              <a:p>
+                <a:pPr>
+                  <a:lnSpc>
+                    <a:spcPts val="3200"/>
+                  </a:lnSpc>
+                </a:pPr>
+                <a14:m>
+                  <m:oMath xmlns:m="http://schemas.openxmlformats.org/officeDocument/2006/math">
+                    <m:sSub>
+                      <m:sSubPr>
+                        <m:ctrlPr>
+                          <a:rPr lang="pt-BR" sz="2000" i="1" smtClean="0">
+                            <a:latin typeface="Cambria Math" panose="02040503050406030204" pitchFamily="18" charset="0"/>
+                            <a:cs typeface="Arial" panose="020B0604020202020204" pitchFamily="34" charset="0"/>
+                          </a:rPr>
+                        </m:ctrlPr>
+                      </m:sSubPr>
+                      <m:e>
+                        <m:r>
+                          <a:rPr lang="pt-BR" sz="2000" b="0" i="1" smtClean="0">
+                            <a:latin typeface="Cambria Math" panose="02040503050406030204" pitchFamily="18" charset="0"/>
+                            <a:cs typeface="Arial" panose="020B0604020202020204" pitchFamily="34" charset="0"/>
+                          </a:rPr>
+                          <m:t>𝑆</m:t>
+                        </m:r>
+                      </m:e>
+                      <m:sub>
+                        <m:r>
+                          <a:rPr lang="pt-BR" sz="2000" b="0" i="1" smtClean="0">
+                            <a:latin typeface="Cambria Math" panose="02040503050406030204" pitchFamily="18" charset="0"/>
+                            <a:cs typeface="Arial" panose="020B0604020202020204" pitchFamily="34" charset="0"/>
+                          </a:rPr>
+                          <m:t>𝑖</m:t>
+                        </m:r>
+                      </m:sub>
+                    </m:sSub>
+                  </m:oMath>
+                </a14:m>
+                <a:r>
+                  <a:rPr lang="pt-BR" sz="2000" dirty="0">
+                    <a:latin typeface="Arial" panose="020B0604020202020204" pitchFamily="34" charset="0"/>
+                    <a:cs typeface="Arial" panose="020B0604020202020204" pitchFamily="34" charset="0"/>
+                  </a:rPr>
+                  <a:t>: cluster </a:t>
+                </a:r>
+                <a14:m>
+                  <m:oMath xmlns:m="http://schemas.openxmlformats.org/officeDocument/2006/math">
+                    <m:r>
+                      <a:rPr lang="pt-BR" sz="2000" b="0" i="1" smtClean="0">
+                        <a:latin typeface="Cambria Math" panose="02040503050406030204" pitchFamily="18" charset="0"/>
+                        <a:cs typeface="Arial" panose="020B0604020202020204" pitchFamily="34" charset="0"/>
+                      </a:rPr>
+                      <m:t>𝑖</m:t>
+                    </m:r>
+                  </m:oMath>
+                </a14:m>
+                <a:endParaRPr lang="pt-BR" sz="2000" dirty="0">
+                  <a:latin typeface="Arial" panose="020B0604020202020204" pitchFamily="34" charset="0"/>
+                  <a:cs typeface="Arial" panose="020B0604020202020204" pitchFamily="34" charset="0"/>
+                </a:endParaRPr>
+              </a:p>
+              <a:p>
+                <a:pPr>
+                  <a:lnSpc>
+                    <a:spcPts val="3200"/>
+                  </a:lnSpc>
+                </a:pPr>
+                <a14:m>
+                  <m:oMath xmlns:m="http://schemas.openxmlformats.org/officeDocument/2006/math">
+                    <m:r>
+                      <a:rPr lang="pt-BR" sz="2000" b="0" i="1" smtClean="0">
+                        <a:latin typeface="Cambria Math" panose="02040503050406030204" pitchFamily="18" charset="0"/>
+                        <a:cs typeface="Arial" panose="020B0604020202020204" pitchFamily="34" charset="0"/>
+                      </a:rPr>
+                      <m:t>𝑥</m:t>
+                    </m:r>
+                  </m:oMath>
+                </a14:m>
+                <a:r>
+                  <a:rPr lang="pt-BR" sz="2000" dirty="0">
+                    <a:latin typeface="Arial" panose="020B0604020202020204" pitchFamily="34" charset="0"/>
+                    <a:cs typeface="Arial" panose="020B0604020202020204" pitchFamily="34" charset="0"/>
+                  </a:rPr>
+                  <a:t>: ponto de dado</a:t>
+                </a:r>
+              </a:p>
+              <a:p>
+                <a:pPr>
+                  <a:lnSpc>
+                    <a:spcPts val="3200"/>
+                  </a:lnSpc>
+                </a:pPr>
+                <a14:m>
+                  <m:oMath xmlns:m="http://schemas.openxmlformats.org/officeDocument/2006/math">
+                    <m:sSub>
+                      <m:sSubPr>
+                        <m:ctrlPr>
+                          <a:rPr lang="pt-BR" sz="2000" i="1" smtClean="0">
+                            <a:latin typeface="Cambria Math" panose="02040503050406030204" pitchFamily="18" charset="0"/>
+                            <a:cs typeface="Arial" panose="020B0604020202020204" pitchFamily="34" charset="0"/>
+                          </a:rPr>
+                        </m:ctrlPr>
+                      </m:sSubPr>
+                      <m:e>
+                        <m:r>
+                          <a:rPr lang="pt-BR" sz="2000" i="1" smtClean="0">
+                            <a:latin typeface="Cambria Math" panose="02040503050406030204" pitchFamily="18" charset="0"/>
+                            <a:ea typeface="Cambria Math" panose="02040503050406030204" pitchFamily="18" charset="0"/>
+                            <a:cs typeface="Arial" panose="020B0604020202020204" pitchFamily="34" charset="0"/>
+                          </a:rPr>
+                          <m:t>𝜇</m:t>
+                        </m:r>
+                      </m:e>
+                      <m:sub>
+                        <m:r>
+                          <a:rPr lang="pt-BR" sz="2000" b="0" i="1" smtClean="0">
+                            <a:latin typeface="Cambria Math" panose="02040503050406030204" pitchFamily="18" charset="0"/>
+                            <a:cs typeface="Arial" panose="020B0604020202020204" pitchFamily="34" charset="0"/>
+                          </a:rPr>
+                          <m:t>𝑖</m:t>
+                        </m:r>
+                      </m:sub>
+                    </m:sSub>
+                  </m:oMath>
+                </a14:m>
+                <a:r>
+                  <a:rPr lang="pt-BR" sz="2000" dirty="0">
+                    <a:latin typeface="Arial" panose="020B0604020202020204" pitchFamily="34" charset="0"/>
+                    <a:cs typeface="Arial" panose="020B0604020202020204" pitchFamily="34" charset="0"/>
+                  </a:rPr>
+                  <a:t>: média da distância dos pontos em </a:t>
+                </a:r>
+                <a14:m>
+                  <m:oMath xmlns:m="http://schemas.openxmlformats.org/officeDocument/2006/math">
+                    <m:sSub>
+                      <m:sSubPr>
+                        <m:ctrlPr>
+                          <a:rPr lang="pt-BR" sz="2000" i="1" smtClean="0">
+                            <a:latin typeface="Cambria Math" panose="02040503050406030204" pitchFamily="18" charset="0"/>
+                            <a:cs typeface="Arial" panose="020B0604020202020204" pitchFamily="34" charset="0"/>
+                          </a:rPr>
+                        </m:ctrlPr>
+                      </m:sSubPr>
+                      <m:e>
+                        <m:r>
+                          <a:rPr lang="pt-BR" sz="2000" b="0" i="1" smtClean="0">
+                            <a:latin typeface="Cambria Math" panose="02040503050406030204" pitchFamily="18" charset="0"/>
+                            <a:cs typeface="Arial" panose="020B0604020202020204" pitchFamily="34" charset="0"/>
+                          </a:rPr>
+                          <m:t>𝑆</m:t>
+                        </m:r>
+                      </m:e>
+                      <m:sub>
+                        <m:r>
+                          <a:rPr lang="pt-BR" sz="2000" b="0" i="1" smtClean="0">
+                            <a:latin typeface="Cambria Math" panose="02040503050406030204" pitchFamily="18" charset="0"/>
+                            <a:cs typeface="Arial" panose="020B0604020202020204" pitchFamily="34" charset="0"/>
+                          </a:rPr>
+                          <m:t>𝑖</m:t>
+                        </m:r>
+                      </m:sub>
+                    </m:sSub>
+                  </m:oMath>
+                </a14:m>
+                <a:endParaRPr lang="pt-BR" sz="2000" dirty="0">
+                  <a:latin typeface="Arial" panose="020B0604020202020204" pitchFamily="34" charset="0"/>
+                  <a:cs typeface="Arial" panose="020B0604020202020204" pitchFamily="34" charset="0"/>
+                </a:endParaRPr>
+              </a:p>
+            </p:txBody>
+          </p:sp>
+        </mc:Choice>
+        <mc:Fallback xmlns="">
+          <p:sp>
+            <p:nvSpPr>
+              <p:cNvPr id="6" name="CaixaDeTexto 5">
+                <a:extLst>
+                  <a:ext uri="{FF2B5EF4-FFF2-40B4-BE49-F238E27FC236}">
+                    <a16:creationId xmlns:a16="http://schemas.microsoft.com/office/drawing/2014/main" id="{2D6C3BFF-F4EA-743D-C75F-11938CCC3E7E}"/>
+                  </a:ext>
+                </a:extLst>
+              </p:cNvPr>
+              <p:cNvSpPr txBox="1">
+                <a:spLocks noRot="1" noChangeAspect="1" noMove="1" noResize="1" noEditPoints="1" noAdjustHandles="1" noChangeArrowheads="1" noChangeShapeType="1" noTextEdit="1"/>
+              </p:cNvSpPr>
+              <p:nvPr/>
+            </p:nvSpPr>
+            <p:spPr>
+              <a:xfrm>
+                <a:off x="6276269" y="1825625"/>
+                <a:ext cx="5077531" cy="3741473"/>
+              </a:xfrm>
+              <a:prstGeom prst="rect">
+                <a:avLst/>
+              </a:prstGeom>
+              <a:blipFill>
+                <a:blip r:embed="rId3"/>
+                <a:stretch>
+                  <a:fillRect t="-13776" b="-1621"/>
+                </a:stretch>
+              </a:blipFill>
+              <a:ln w="19050">
+                <a:solidFill>
+                  <a:schemeClr val="tx1"/>
+                </a:solidFill>
+              </a:ln>
+            </p:spPr>
+            <p:txBody>
+              <a:bodyPr/>
+              <a:lstStyle/>
+              <a:p>
+                <a:r>
+                  <a:rPr lang="pt-BR">
+                    <a:noFill/>
+                  </a:rPr>
+                  <a:t> </a:t>
+                </a:r>
+              </a:p>
+            </p:txBody>
+          </p:sp>
+        </mc:Fallback>
+      </mc:AlternateContent>
+    </p:spTree>
+    <p:extLst>
+      <p:ext uri="{BB962C8B-B14F-4D97-AF65-F5344CB8AC3E}">
+        <p14:creationId xmlns:p14="http://schemas.microsoft.com/office/powerpoint/2010/main" val="3348097000"/>
+      </p:ext>
+    </p:extLst>
+  </p:cSld>
+  <p:clrMapOvr>
+    <a:masterClrMapping/>
+  </p:clrMapOvr>
+</p:sld>
+</file>
+
+<file path=ppt/slides/slide6.xml><?xml version="1.0" encoding="utf-8"?>
+<p:sld xmlns:a="http://schemas.openxmlformats.org/drawingml/2006/main" xmlns:r="http://schemas.openxmlformats.org/officeDocument/2006/relationships" xmlns:p="http://schemas.openxmlformats.org/presentationml/2006/main">
+  <p:cSld>
+    <p:spTree>
+      <p:nvGrpSpPr>
+        <p:cNvPr id="1" name=""/>
+        <p:cNvGrpSpPr/>
+        <p:nvPr/>
+      </p:nvGrpSpPr>
+      <p:grpSpPr>
+        <a:xfrm>
+          <a:off x="0" y="0"/>
+          <a:ext cx="0" cy="0"/>
+          <a:chOff x="0" y="0"/>
+          <a:chExt cx="0" cy="0"/>
+        </a:xfrm>
+      </p:grpSpPr>
+      <p:sp>
+        <p:nvSpPr>
+          <p:cNvPr id="2" name="Título 1">
+            <a:extLst>
+              <a:ext uri="{FF2B5EF4-FFF2-40B4-BE49-F238E27FC236}">
+                <a16:creationId xmlns:a16="http://schemas.microsoft.com/office/drawing/2014/main" id="{540F1CF0-7D3A-1F30-A06D-DD96920677D2}"/>
+              </a:ext>
+            </a:extLst>
+          </p:cNvPr>
+          <p:cNvSpPr>
+            <a:spLocks noGrp="1"/>
+          </p:cNvSpPr>
+          <p:nvPr>
+            <p:ph type="title"/>
+          </p:nvPr>
+        </p:nvSpPr>
+        <p:spPr/>
+        <p:txBody>
+          <a:bodyPr>
+            <a:normAutofit fontScale="90000"/>
+          </a:bodyPr>
+          <a:lstStyle/>
+          <a:p>
+            <a:pPr>
+              <a:lnSpc>
+                <a:spcPct val="150000"/>
+              </a:lnSpc>
+            </a:pPr>
+            <a:r>
+              <a:rPr lang="pt-BR" sz="3200" b="1" dirty="0">
+                <a:latin typeface="Arial" panose="020B0604020202020204" pitchFamily="34" charset="0"/>
+                <a:cs typeface="Arial" panose="020B0604020202020204" pitchFamily="34" charset="0"/>
+              </a:rPr>
+              <a:t>K-MEANS</a:t>
+            </a:r>
+            <a:br>
+              <a:rPr lang="pt-BR" sz="3200" b="1" dirty="0">
+                <a:latin typeface="Arial" panose="020B0604020202020204" pitchFamily="34" charset="0"/>
+                <a:cs typeface="Arial" panose="020B0604020202020204" pitchFamily="34" charset="0"/>
+              </a:rPr>
+            </a:br>
+            <a:r>
+              <a:rPr lang="pt-BR" sz="3200" dirty="0">
+                <a:latin typeface="Arial" panose="020B0604020202020204" pitchFamily="34" charset="0"/>
+                <a:cs typeface="Arial" panose="020B0604020202020204" pitchFamily="34" charset="0"/>
+              </a:rPr>
+              <a:t>Visualizando o algoritmo</a:t>
+            </a:r>
+          </a:p>
+        </p:txBody>
+      </p:sp>
+      <p:sp>
+        <p:nvSpPr>
+          <p:cNvPr id="3" name="Espaço Reservado para Conteúdo 2">
+            <a:extLst>
+              <a:ext uri="{FF2B5EF4-FFF2-40B4-BE49-F238E27FC236}">
+                <a16:creationId xmlns:a16="http://schemas.microsoft.com/office/drawing/2014/main" id="{AC797752-DF14-11FD-FD02-7A6C4E7C74D2}"/>
+              </a:ext>
+            </a:extLst>
+          </p:cNvPr>
+          <p:cNvSpPr>
+            <a:spLocks noGrp="1"/>
+          </p:cNvSpPr>
+          <p:nvPr>
+            <p:ph idx="1"/>
+          </p:nvPr>
+        </p:nvSpPr>
+        <p:spPr>
+          <a:xfrm>
+            <a:off x="838199" y="1825625"/>
+            <a:ext cx="5805792" cy="4489450"/>
+          </a:xfrm>
+        </p:spPr>
+        <p:txBody>
+          <a:bodyPr>
+            <a:noAutofit/>
+          </a:bodyPr>
+          <a:lstStyle/>
+          <a:p>
+            <a:pPr marL="0" indent="0">
+              <a:lnSpc>
+                <a:spcPts val="3200"/>
+              </a:lnSpc>
+              <a:buNone/>
+            </a:pPr>
+            <a:r>
+              <a:rPr lang="pt-BR" sz="2000" dirty="0">
+                <a:latin typeface="Arial" panose="020B0604020202020204" pitchFamily="34" charset="0"/>
+                <a:cs typeface="Arial" panose="020B0604020202020204" pitchFamily="34" charset="0"/>
+              </a:rPr>
+              <a:t>Dado um conjunto de dados </a:t>
+            </a:r>
+            <a:r>
+              <a:rPr lang="pt-BR" sz="2000" dirty="0" err="1">
+                <a:latin typeface="Arial" panose="020B0604020202020204" pitchFamily="34" charset="0"/>
+                <a:cs typeface="Arial" panose="020B0604020202020204" pitchFamily="34" charset="0"/>
+              </a:rPr>
+              <a:t>univariado</a:t>
+            </a:r>
+            <a:r>
+              <a:rPr lang="pt-BR" sz="2000" dirty="0">
+                <a:latin typeface="Arial" panose="020B0604020202020204" pitchFamily="34" charset="0"/>
+                <a:cs typeface="Arial" panose="020B0604020202020204" pitchFamily="34" charset="0"/>
+              </a:rPr>
+              <a:t>, os pontos são distribuídos conforme seus valores (Figura 1). </a:t>
+            </a:r>
+          </a:p>
+          <a:p>
+            <a:pPr marL="0" indent="0">
+              <a:lnSpc>
+                <a:spcPts val="3200"/>
+              </a:lnSpc>
+              <a:buNone/>
+            </a:pPr>
+            <a:r>
+              <a:rPr lang="pt-BR" sz="2000" dirty="0">
+                <a:latin typeface="Arial" panose="020B0604020202020204" pitchFamily="34" charset="0"/>
+                <a:cs typeface="Arial" panose="020B0604020202020204" pitchFamily="34" charset="0"/>
+              </a:rPr>
+              <a:t>Com a quantidade de clusters pré-determinada, são calculados os centroides a partir da minimização do quadrado das distâncias (Figura 2). Os pontos próximos aos centroides foram clusters (Figura 3).</a:t>
+            </a:r>
+          </a:p>
+          <a:p>
+            <a:pPr marL="0" indent="0">
+              <a:lnSpc>
+                <a:spcPts val="3200"/>
+              </a:lnSpc>
+              <a:buNone/>
+            </a:pPr>
+            <a:r>
+              <a:rPr lang="pt-BR" sz="2000" dirty="0">
+                <a:latin typeface="Arial" panose="020B0604020202020204" pitchFamily="34" charset="0"/>
+                <a:cs typeface="Arial" panose="020B0604020202020204" pitchFamily="34" charset="0"/>
+              </a:rPr>
+              <a:t>Os pontos que não se encontram nos clusters são considerados anomalias (Figura 4).</a:t>
+            </a:r>
+          </a:p>
+        </p:txBody>
+      </p:sp>
+      <p:sp>
+        <p:nvSpPr>
+          <p:cNvPr id="9" name="CaixaDeTexto 8">
+            <a:extLst>
+              <a:ext uri="{FF2B5EF4-FFF2-40B4-BE49-F238E27FC236}">
+                <a16:creationId xmlns:a16="http://schemas.microsoft.com/office/drawing/2014/main" id="{95169BFD-225B-A9F6-1E28-2C92CBE24F93}"/>
+              </a:ext>
+            </a:extLst>
+          </p:cNvPr>
+          <p:cNvSpPr txBox="1"/>
+          <p:nvPr/>
+        </p:nvSpPr>
+        <p:spPr>
+          <a:xfrm>
+            <a:off x="10252872" y="2198062"/>
+            <a:ext cx="1100928" cy="307777"/>
+          </a:xfrm>
+          <a:prstGeom prst="rect">
+            <a:avLst/>
+          </a:prstGeom>
+          <a:noFill/>
+        </p:spPr>
+        <p:txBody>
+          <a:bodyPr wrap="square" rtlCol="0">
+            <a:spAutoFit/>
+          </a:bodyPr>
+          <a:lstStyle/>
+          <a:p>
+            <a:pPr algn="r"/>
+            <a:r>
+              <a:rPr lang="pt-BR" sz="1400" dirty="0">
+                <a:latin typeface="Arial" panose="020B0604020202020204" pitchFamily="34" charset="0"/>
+                <a:cs typeface="Arial" panose="020B0604020202020204" pitchFamily="34" charset="0"/>
+              </a:rPr>
+              <a:t>Figura 1</a:t>
+            </a:r>
+          </a:p>
+        </p:txBody>
+      </p:sp>
+      <p:sp>
+        <p:nvSpPr>
+          <p:cNvPr id="12" name="CaixaDeTexto 11">
+            <a:extLst>
+              <a:ext uri="{FF2B5EF4-FFF2-40B4-BE49-F238E27FC236}">
+                <a16:creationId xmlns:a16="http://schemas.microsoft.com/office/drawing/2014/main" id="{338D845B-6D5F-70D5-45B0-08241C1F6D16}"/>
+              </a:ext>
+            </a:extLst>
+          </p:cNvPr>
+          <p:cNvSpPr txBox="1"/>
+          <p:nvPr/>
+        </p:nvSpPr>
+        <p:spPr>
+          <a:xfrm>
+            <a:off x="10252872" y="3343866"/>
+            <a:ext cx="1100928" cy="338555"/>
+          </a:xfrm>
+          <a:prstGeom prst="rect">
+            <a:avLst/>
+          </a:prstGeom>
+          <a:noFill/>
+        </p:spPr>
+        <p:txBody>
+          <a:bodyPr wrap="square" rtlCol="0">
+            <a:spAutoFit/>
+          </a:bodyPr>
+          <a:lstStyle/>
+          <a:p>
+            <a:pPr algn="r"/>
+            <a:r>
+              <a:rPr lang="pt-BR" sz="1400" dirty="0">
+                <a:latin typeface="Arial" panose="020B0604020202020204" pitchFamily="34" charset="0"/>
+                <a:cs typeface="Arial" panose="020B0604020202020204" pitchFamily="34" charset="0"/>
+              </a:rPr>
+              <a:t>Figura 2</a:t>
+            </a:r>
+          </a:p>
+        </p:txBody>
+      </p:sp>
+      <p:sp>
+        <p:nvSpPr>
+          <p:cNvPr id="14" name="CaixaDeTexto 13">
+            <a:extLst>
+              <a:ext uri="{FF2B5EF4-FFF2-40B4-BE49-F238E27FC236}">
+                <a16:creationId xmlns:a16="http://schemas.microsoft.com/office/drawing/2014/main" id="{6882F389-A1F0-297A-A508-CB59E5D93163}"/>
+              </a:ext>
+            </a:extLst>
+          </p:cNvPr>
+          <p:cNvSpPr txBox="1"/>
+          <p:nvPr/>
+        </p:nvSpPr>
+        <p:spPr>
+          <a:xfrm>
+            <a:off x="10252872" y="4547156"/>
+            <a:ext cx="1100928" cy="254361"/>
+          </a:xfrm>
+          <a:prstGeom prst="rect">
+            <a:avLst/>
+          </a:prstGeom>
+          <a:noFill/>
+        </p:spPr>
+        <p:txBody>
+          <a:bodyPr wrap="square" rtlCol="0">
+            <a:spAutoFit/>
+          </a:bodyPr>
+          <a:lstStyle/>
+          <a:p>
+            <a:pPr algn="r"/>
+            <a:r>
+              <a:rPr lang="pt-BR" sz="1400" dirty="0">
+                <a:latin typeface="Arial" panose="020B0604020202020204" pitchFamily="34" charset="0"/>
+                <a:cs typeface="Arial" panose="020B0604020202020204" pitchFamily="34" charset="0"/>
+              </a:rPr>
+              <a:t>Figura 3</a:t>
+            </a:r>
+          </a:p>
+        </p:txBody>
+      </p:sp>
+      <p:sp>
+        <p:nvSpPr>
+          <p:cNvPr id="16" name="CaixaDeTexto 15">
+            <a:extLst>
+              <a:ext uri="{FF2B5EF4-FFF2-40B4-BE49-F238E27FC236}">
+                <a16:creationId xmlns:a16="http://schemas.microsoft.com/office/drawing/2014/main" id="{0E6CD772-0F55-4DA6-D389-C8155A6C163E}"/>
+              </a:ext>
+            </a:extLst>
+          </p:cNvPr>
+          <p:cNvSpPr txBox="1"/>
+          <p:nvPr/>
+        </p:nvSpPr>
+        <p:spPr>
+          <a:xfrm>
+            <a:off x="10252872" y="5681642"/>
+            <a:ext cx="1100928" cy="307777"/>
+          </a:xfrm>
+          <a:prstGeom prst="rect">
+            <a:avLst/>
+          </a:prstGeom>
+          <a:noFill/>
+        </p:spPr>
+        <p:txBody>
+          <a:bodyPr wrap="square" rtlCol="0">
+            <a:spAutoFit/>
+          </a:bodyPr>
+          <a:lstStyle/>
+          <a:p>
+            <a:pPr algn="r"/>
+            <a:r>
+              <a:rPr lang="pt-BR" sz="1400" dirty="0">
+                <a:latin typeface="Arial" panose="020B0604020202020204" pitchFamily="34" charset="0"/>
+                <a:cs typeface="Arial" panose="020B0604020202020204" pitchFamily="34" charset="0"/>
+              </a:rPr>
+              <a:t>Figura 4</a:t>
             </a:r>
           </a:p>
         </p:txBody>
       </p:sp>
       <p:pic>
         <p:nvPicPr>
-          <p:cNvPr id="7" name="centroids_animation">
-            <a:hlinkClick r:id="" action="ppaction://media"/>
-            <a:extLst>
-              <a:ext uri="{FF2B5EF4-FFF2-40B4-BE49-F238E27FC236}">
-                <a16:creationId xmlns:a16="http://schemas.microsoft.com/office/drawing/2014/main" id="{47E2FDF3-1E2F-9D59-7D61-A1CDEB4EB8BB}"/>
+          <p:cNvPr id="6" name="Gráfico 5">
+            <a:extLst>
+              <a:ext uri="{FF2B5EF4-FFF2-40B4-BE49-F238E27FC236}">
+                <a16:creationId xmlns:a16="http://schemas.microsoft.com/office/drawing/2014/main" id="{EA3FCF95-ECFF-2E49-F847-667E603BB6E8}"/>
               </a:ext>
             </a:extLst>
           </p:cNvPr>
           <p:cNvPicPr>
-            <a:picLocks noGrp="1" noChangeAspect="1"/>
+            <a:picLocks noChangeAspect="1"/>
           </p:cNvPicPr>
-          <p:nvPr>
-            <p:ph idx="1"/>
-            <a:videoFile r:link="rId2"/>
-            <p:extLst>
-              <p:ext uri="{DAA4B4D4-6D71-4841-9C94-3DE7FCFB9230}">
-                <p14:media xmlns:p14="http://schemas.microsoft.com/office/powerpoint/2010/main" r:embed="rId1"/>
-              </p:ext>
-            </p:extLst>
-          </p:nvPr>
+          <p:nvPr/>
         </p:nvPicPr>
         <p:blipFill>
-          <a:blip r:embed="rId4"/>
+          <a:blip r:embed="rId2">
+            <a:extLst>
+              <a:ext uri="{28A0092B-C50C-407E-A947-70E740481C1C}">
+                <a14:useLocalDpi xmlns:a14="http://schemas.microsoft.com/office/drawing/2010/main" val="0"/>
+              </a:ext>
+              <a:ext uri="{96DAC541-7B7A-43D3-8B79-37D633B846F1}">
+                <asvg:svgBlip xmlns:asvg="http://schemas.microsoft.com/office/drawing/2016/SVG/main" r:embed="rId3"/>
+              </a:ext>
+            </a:extLst>
+          </a:blip>
           <a:stretch>
             <a:fillRect/>
           </a:stretch>
         </p:blipFill>
         <p:spPr>
           <a:xfrm>
-            <a:off x="1744663" y="1825625"/>
-            <a:ext cx="8702675" cy="4351338"/>
+            <a:off x="7172323" y="1690688"/>
+            <a:ext cx="4181475" cy="523875"/>
           </a:xfrm>
+          <a:prstGeom prst="rect">
+            <a:avLst/>
+          </a:prstGeom>
+        </p:spPr>
+      </p:pic>
+      <p:pic>
+        <p:nvPicPr>
+          <p:cNvPr id="10" name="Gráfico 9">
+            <a:extLst>
+              <a:ext uri="{FF2B5EF4-FFF2-40B4-BE49-F238E27FC236}">
+                <a16:creationId xmlns:a16="http://schemas.microsoft.com/office/drawing/2014/main" id="{36B5E547-982E-9592-BE3B-8441CA73DB8A}"/>
+              </a:ext>
+            </a:extLst>
+          </p:cNvPr>
+          <p:cNvPicPr>
+            <a:picLocks noChangeAspect="1"/>
+          </p:cNvPicPr>
+          <p:nvPr/>
+        </p:nvPicPr>
+        <p:blipFill>
+          <a:blip r:embed="rId4">
+            <a:extLst>
+              <a:ext uri="{28A0092B-C50C-407E-A947-70E740481C1C}">
+                <a14:useLocalDpi xmlns:a14="http://schemas.microsoft.com/office/drawing/2010/main" val="0"/>
+              </a:ext>
+              <a:ext uri="{96DAC541-7B7A-43D3-8B79-37D633B846F1}">
+                <asvg:svgBlip xmlns:asvg="http://schemas.microsoft.com/office/drawing/2016/SVG/main" r:embed="rId5"/>
+              </a:ext>
+            </a:extLst>
+          </a:blip>
+          <a:stretch>
+            <a:fillRect/>
+          </a:stretch>
+        </p:blipFill>
+        <p:spPr>
+          <a:xfrm>
+            <a:off x="7172323" y="2837603"/>
+            <a:ext cx="4181475" cy="523875"/>
+          </a:xfrm>
+          <a:prstGeom prst="rect">
+            <a:avLst/>
+          </a:prstGeom>
+        </p:spPr>
+      </p:pic>
+      <p:pic>
+        <p:nvPicPr>
+          <p:cNvPr id="17" name="Gráfico 16">
+            <a:extLst>
+              <a:ext uri="{FF2B5EF4-FFF2-40B4-BE49-F238E27FC236}">
+                <a16:creationId xmlns:a16="http://schemas.microsoft.com/office/drawing/2014/main" id="{2E924160-9F66-F4E4-7DDF-39D01C5A15F4}"/>
+              </a:ext>
+            </a:extLst>
+          </p:cNvPr>
+          <p:cNvPicPr>
+            <a:picLocks noChangeAspect="1"/>
+          </p:cNvPicPr>
+          <p:nvPr/>
+        </p:nvPicPr>
+        <p:blipFill>
+          <a:blip r:embed="rId6">
+            <a:extLst>
+              <a:ext uri="{28A0092B-C50C-407E-A947-70E740481C1C}">
+                <a14:useLocalDpi xmlns:a14="http://schemas.microsoft.com/office/drawing/2010/main" val="0"/>
+              </a:ext>
+              <a:ext uri="{96DAC541-7B7A-43D3-8B79-37D633B846F1}">
+                <asvg:svgBlip xmlns:asvg="http://schemas.microsoft.com/office/drawing/2016/SVG/main" r:embed="rId7"/>
+              </a:ext>
+            </a:extLst>
+          </a:blip>
+          <a:stretch>
+            <a:fillRect/>
+          </a:stretch>
+        </p:blipFill>
+        <p:spPr>
+          <a:xfrm>
+            <a:off x="7172323" y="3984518"/>
+            <a:ext cx="4181475" cy="581025"/>
+          </a:xfrm>
+          <a:prstGeom prst="rect">
+            <a:avLst/>
+          </a:prstGeom>
+        </p:spPr>
+      </p:pic>
+      <p:pic>
+        <p:nvPicPr>
+          <p:cNvPr id="23" name="Gráfico 22">
+            <a:extLst>
+              <a:ext uri="{FF2B5EF4-FFF2-40B4-BE49-F238E27FC236}">
+                <a16:creationId xmlns:a16="http://schemas.microsoft.com/office/drawing/2014/main" id="{DE5F3EE3-4904-B22A-82F1-879509458E39}"/>
+              </a:ext>
+            </a:extLst>
+          </p:cNvPr>
+          <p:cNvPicPr>
+            <a:picLocks noChangeAspect="1"/>
+          </p:cNvPicPr>
+          <p:nvPr/>
+        </p:nvPicPr>
+        <p:blipFill>
+          <a:blip r:embed="rId8">
+            <a:extLst>
+              <a:ext uri="{28A0092B-C50C-407E-A947-70E740481C1C}">
+                <a14:useLocalDpi xmlns:a14="http://schemas.microsoft.com/office/drawing/2010/main" val="0"/>
+              </a:ext>
+              <a:ext uri="{96DAC541-7B7A-43D3-8B79-37D633B846F1}">
+                <asvg:svgBlip xmlns:asvg="http://schemas.microsoft.com/office/drawing/2016/SVG/main" r:embed="rId9"/>
+              </a:ext>
+            </a:extLst>
+          </a:blip>
+          <a:stretch>
+            <a:fillRect/>
+          </a:stretch>
+        </p:blipFill>
+        <p:spPr>
+          <a:xfrm>
+            <a:off x="7172323" y="5188583"/>
+            <a:ext cx="4181475" cy="523875"/>
+          </a:xfrm>
+          <a:prstGeom prst="rect">
+            <a:avLst/>
+          </a:prstGeom>
         </p:spPr>
       </p:pic>
     </p:spTree>
     <p:extLst>
       <p:ext uri="{BB962C8B-B14F-4D97-AF65-F5344CB8AC3E}">
-        <p14:creationId xmlns:p14="http://schemas.microsoft.com/office/powerpoint/2010/main" val="2071146194"/>
+        <p14:creationId xmlns:p14="http://schemas.microsoft.com/office/powerpoint/2010/main" val="347225333"/>
       </p:ext>
     </p:extLst>
   </p:cSld>
   <p:clrMapOvr>
     <a:masterClrMapping/>
   </p:clrMapOvr>
-  <p:timing>
-    <p:tnLst>
-      <p:par>
-        <p:cTn id="1" dur="indefinite" restart="never" nodeType="tmRoot">
-          <p:childTnLst>
-            <p:seq concurrent="1" nextAc="seek">
-              <p:cTn id="2" dur="indefinite" nodeType="mainSeq">
-                <p:childTnLst>
-                  <p:par>
-                    <p:cTn id="3" fill="hold">
-                      <p:stCondLst>
-                        <p:cond delay="indefinite"/>
-                      </p:stCondLst>
-                      <p:childTnLst>
-                        <p:par>
-                          <p:cTn id="4" fill="hold">
-                            <p:stCondLst>
-                              <p:cond delay="0"/>
-                            </p:stCondLst>
-                            <p:childTnLst>
-                              <p:par>
-                                <p:cTn id="5" presetID="1" presetClass="mediacall" presetSubtype="0" fill="hold" nodeType="clickEffect">
-                                  <p:stCondLst>
-                                    <p:cond delay="0"/>
-                                  </p:stCondLst>
-                                  <p:childTnLst>
-                                    <p:cmd type="call" cmd="playFrom(0.0)">
-                                      <p:cBhvr>
-                                        <p:cTn id="6" dur="20900" fill="hold"/>
-                                        <p:tgtEl>
-                                          <p:spTgt spid="7"/>
-                                        </p:tgtEl>
-                                      </p:cBhvr>
-                                    </p:cmd>
-                                  </p:childTnLst>
-                                </p:cTn>
-                              </p:par>
-                            </p:childTnLst>
-                          </p:cTn>
-                        </p:par>
-                      </p:childTnLst>
-                    </p:cTn>
-                  </p:par>
-                </p:childTnLst>
-              </p:cTn>
-              <p:prevCondLst>
-                <p:cond evt="onPrev" delay="0">
-                  <p:tgtEl>
-                    <p:sldTgt/>
-                  </p:tgtEl>
-                </p:cond>
-              </p:prevCondLst>
-              <p:nextCondLst>
-                <p:cond evt="onNext" delay="0">
-                  <p:tgtEl>
-                    <p:sldTgt/>
-                  </p:tgtEl>
-                </p:cond>
-              </p:nextCondLst>
-            </p:seq>
-            <p:video>
-              <p:cMediaNode vol="80000" mute="1">
-                <p:cTn id="7" fill="hold" display="0">
-                  <p:stCondLst>
-                    <p:cond delay="indefinite"/>
-                  </p:stCondLst>
-                </p:cTn>
-                <p:tgtEl>
-                  <p:spTgt spid="7"/>
-                </p:tgtEl>
-              </p:cMediaNode>
-            </p:video>
-            <p:seq concurrent="1" nextAc="seek">
-              <p:cTn id="8" restart="whenNotActive" fill="hold" evtFilter="cancelBubble" nodeType="interactiveSeq">
-                <p:stCondLst>
-                  <p:cond evt="onClick" delay="0">
-                    <p:tgtEl>
-                      <p:spTgt spid="7"/>
-                    </p:tgtEl>
-                  </p:cond>
-                </p:stCondLst>
-                <p:endSync evt="end" delay="0">
-                  <p:rtn val="all"/>
-                </p:endSync>
-                <p:childTnLst>
-                  <p:par>
-                    <p:cTn id="9" fill="hold">
-                      <p:stCondLst>
-                        <p:cond delay="0"/>
-                      </p:stCondLst>
-                      <p:childTnLst>
-                        <p:par>
-                          <p:cTn id="10" fill="hold">
-                            <p:stCondLst>
-                              <p:cond delay="0"/>
-                            </p:stCondLst>
-                            <p:childTnLst>
-                              <p:par>
-                                <p:cTn id="11" presetID="2" presetClass="mediacall" presetSubtype="0" fill="hold" nodeType="clickEffect">
-                                  <p:stCondLst>
-                                    <p:cond delay="0"/>
-                                  </p:stCondLst>
-                                  <p:childTnLst>
-                                    <p:cmd type="call" cmd="togglePause">
-                                      <p:cBhvr>
-                                        <p:cTn id="12" dur="1" fill="hold"/>
-                                        <p:tgtEl>
-                                          <p:spTgt spid="7"/>
-                                        </p:tgtEl>
-                                      </p:cBhvr>
-                                    </p:cmd>
-                                  </p:childTnLst>
-                                </p:cTn>
-                              </p:par>
-                            </p:childTnLst>
-                          </p:cTn>
-                        </p:par>
-                      </p:childTnLst>
-                    </p:cTn>
-                  </p:par>
-                </p:childTnLst>
-              </p:cTn>
-              <p:nextCondLst>
-                <p:cond evt="onClick" delay="0">
-                  <p:tgtEl>
-                    <p:spTgt spid="7"/>
-                  </p:tgtEl>
-                </p:cond>
-              </p:nextCondLst>
-            </p:seq>
-          </p:childTnLst>
-        </p:cTn>
-      </p:par>
-    </p:tnLst>
-  </p:timing>
 </p:sld>
 </file>
 
-<file path=ppt/slides/slide3.xml><?xml version="1.0" encoding="utf-8"?>
+<file path=ppt/slides/slide7.xml><?xml version="1.0" encoding="utf-8"?>
+<p:sld xmlns:a="http://schemas.openxmlformats.org/drawingml/2006/main" xmlns:r="http://schemas.openxmlformats.org/officeDocument/2006/relationships" xmlns:p="http://schemas.openxmlformats.org/presentationml/2006/main">
+  <p:cSld>
+    <p:spTree>
+      <p:nvGrpSpPr>
+        <p:cNvPr id="1" name=""/>
+        <p:cNvGrpSpPr/>
+        <p:nvPr/>
+      </p:nvGrpSpPr>
+      <p:grpSpPr>
+        <a:xfrm>
+          <a:off x="0" y="0"/>
+          <a:ext cx="0" cy="0"/>
+          <a:chOff x="0" y="0"/>
+          <a:chExt cx="0" cy="0"/>
+        </a:xfrm>
+      </p:grpSpPr>
+      <p:sp>
+        <p:nvSpPr>
+          <p:cNvPr id="2" name="Título 1">
+            <a:extLst>
+              <a:ext uri="{FF2B5EF4-FFF2-40B4-BE49-F238E27FC236}">
+                <a16:creationId xmlns:a16="http://schemas.microsoft.com/office/drawing/2014/main" id="{540F1CF0-7D3A-1F30-A06D-DD96920677D2}"/>
+              </a:ext>
+            </a:extLst>
+          </p:cNvPr>
+          <p:cNvSpPr>
+            <a:spLocks noGrp="1"/>
+          </p:cNvSpPr>
+          <p:nvPr>
+            <p:ph type="title"/>
+          </p:nvPr>
+        </p:nvSpPr>
+        <p:spPr/>
+        <p:txBody>
+          <a:bodyPr>
+            <a:normAutofit fontScale="90000"/>
+          </a:bodyPr>
+          <a:lstStyle/>
+          <a:p>
+            <a:pPr>
+              <a:lnSpc>
+                <a:spcPct val="150000"/>
+              </a:lnSpc>
+            </a:pPr>
+            <a:r>
+              <a:rPr lang="pt-BR" sz="3200" b="1" dirty="0">
+                <a:latin typeface="Arial" panose="020B0604020202020204" pitchFamily="34" charset="0"/>
+                <a:cs typeface="Arial" panose="020B0604020202020204" pitchFamily="34" charset="0"/>
+              </a:rPr>
+              <a:t>K-MEANS</a:t>
+            </a:r>
+            <a:br>
+              <a:rPr lang="pt-BR" sz="3200" b="1" dirty="0">
+                <a:latin typeface="Arial" panose="020B0604020202020204" pitchFamily="34" charset="0"/>
+                <a:cs typeface="Arial" panose="020B0604020202020204" pitchFamily="34" charset="0"/>
+              </a:rPr>
+            </a:br>
+            <a:r>
+              <a:rPr lang="pt-BR" sz="3200" dirty="0">
+                <a:latin typeface="Arial" panose="020B0604020202020204" pitchFamily="34" charset="0"/>
+                <a:cs typeface="Arial" panose="020B0604020202020204" pitchFamily="34" charset="0"/>
+              </a:rPr>
+              <a:t>Desafios e soluções</a:t>
+            </a:r>
+          </a:p>
+        </p:txBody>
+      </p:sp>
+      <p:sp>
+        <p:nvSpPr>
+          <p:cNvPr id="3" name="Espaço Reservado para Conteúdo 2">
+            <a:extLst>
+              <a:ext uri="{FF2B5EF4-FFF2-40B4-BE49-F238E27FC236}">
+                <a16:creationId xmlns:a16="http://schemas.microsoft.com/office/drawing/2014/main" id="{AC797752-DF14-11FD-FD02-7A6C4E7C74D2}"/>
+              </a:ext>
+            </a:extLst>
+          </p:cNvPr>
+          <p:cNvSpPr>
+            <a:spLocks noGrp="1"/>
+          </p:cNvSpPr>
+          <p:nvPr>
+            <p:ph idx="1"/>
+          </p:nvPr>
+        </p:nvSpPr>
+        <p:spPr>
+          <a:xfrm>
+            <a:off x="838199" y="1825625"/>
+            <a:ext cx="5077531" cy="4489450"/>
+          </a:xfrm>
+        </p:spPr>
+        <p:txBody>
+          <a:bodyPr>
+            <a:noAutofit/>
+          </a:bodyPr>
+          <a:lstStyle/>
+          <a:p>
+            <a:pPr marL="0" indent="0">
+              <a:lnSpc>
+                <a:spcPts val="3200"/>
+              </a:lnSpc>
+              <a:buNone/>
+            </a:pPr>
+            <a:r>
+              <a:rPr lang="pt-BR" sz="2000" dirty="0">
+                <a:latin typeface="Arial" panose="020B0604020202020204" pitchFamily="34" charset="0"/>
+                <a:cs typeface="Arial" panose="020B0604020202020204" pitchFamily="34" charset="0"/>
+              </a:rPr>
+              <a:t>A aplicação de K-</a:t>
+            </a:r>
+            <a:r>
+              <a:rPr lang="pt-BR" sz="2000" dirty="0" err="1">
+                <a:latin typeface="Arial" panose="020B0604020202020204" pitchFamily="34" charset="0"/>
+                <a:cs typeface="Arial" panose="020B0604020202020204" pitchFamily="34" charset="0"/>
+              </a:rPr>
+              <a:t>Means</a:t>
+            </a:r>
+            <a:r>
+              <a:rPr lang="pt-BR" sz="2000" dirty="0">
+                <a:latin typeface="Arial" panose="020B0604020202020204" pitchFamily="34" charset="0"/>
+                <a:cs typeface="Arial" panose="020B0604020202020204" pitchFamily="34" charset="0"/>
+              </a:rPr>
+              <a:t> impõe algumas necessidades:</a:t>
+            </a:r>
+          </a:p>
+          <a:p>
+            <a:pPr marL="457200" indent="-457200">
+              <a:lnSpc>
+                <a:spcPts val="3200"/>
+              </a:lnSpc>
+              <a:buFont typeface="+mj-lt"/>
+              <a:buAutoNum type="arabicPeriod"/>
+            </a:pPr>
+            <a:r>
+              <a:rPr lang="pt-BR" sz="2000" dirty="0" err="1">
+                <a:latin typeface="Arial" panose="020B0604020202020204" pitchFamily="34" charset="0"/>
+                <a:cs typeface="Arial" panose="020B0604020202020204" pitchFamily="34" charset="0"/>
+              </a:rPr>
+              <a:t>Pré-determinação</a:t>
+            </a:r>
+            <a:r>
+              <a:rPr lang="pt-BR" sz="2000" dirty="0">
+                <a:latin typeface="Arial" panose="020B0604020202020204" pitchFamily="34" charset="0"/>
+                <a:cs typeface="Arial" panose="020B0604020202020204" pitchFamily="34" charset="0"/>
+              </a:rPr>
+              <a:t> da quantidade de centroides;</a:t>
+            </a:r>
+          </a:p>
+          <a:p>
+            <a:pPr marL="457200" indent="-457200">
+              <a:lnSpc>
+                <a:spcPts val="3200"/>
+              </a:lnSpc>
+              <a:buFont typeface="+mj-lt"/>
+              <a:buAutoNum type="arabicPeriod"/>
+            </a:pPr>
+            <a:r>
+              <a:rPr lang="pt-BR" sz="2000" dirty="0">
+                <a:latin typeface="Arial" panose="020B0604020202020204" pitchFamily="34" charset="0"/>
+                <a:cs typeface="Arial" panose="020B0604020202020204" pitchFamily="34" charset="0"/>
+              </a:rPr>
+              <a:t>Inicialização de centroides considerando mínimo global em vez de mínimo local;</a:t>
+            </a:r>
+          </a:p>
+          <a:p>
+            <a:pPr marL="457200" indent="-457200">
+              <a:lnSpc>
+                <a:spcPts val="3200"/>
+              </a:lnSpc>
+              <a:buFont typeface="+mj-lt"/>
+              <a:buAutoNum type="arabicPeriod"/>
+            </a:pPr>
+            <a:r>
+              <a:rPr lang="pt-BR" sz="2000" dirty="0">
+                <a:latin typeface="Arial" panose="020B0604020202020204" pitchFamily="34" charset="0"/>
+                <a:cs typeface="Arial" panose="020B0604020202020204" pitchFamily="34" charset="0"/>
+              </a:rPr>
+              <a:t>Critério para convergência ideal dos centroides;</a:t>
+            </a:r>
+          </a:p>
+          <a:p>
+            <a:pPr marL="457200" indent="-457200">
+              <a:lnSpc>
+                <a:spcPts val="3200"/>
+              </a:lnSpc>
+              <a:buFont typeface="+mj-lt"/>
+              <a:buAutoNum type="arabicPeriod"/>
+            </a:pPr>
+            <a:r>
+              <a:rPr lang="pt-BR" sz="2000" dirty="0">
+                <a:latin typeface="Arial" panose="020B0604020202020204" pitchFamily="34" charset="0"/>
+                <a:cs typeface="Arial" panose="020B0604020202020204" pitchFamily="34" charset="0"/>
+              </a:rPr>
+              <a:t>Validação dos resultados.</a:t>
+            </a:r>
+          </a:p>
+        </p:txBody>
+      </p:sp>
+      <p:sp>
+        <p:nvSpPr>
+          <p:cNvPr id="6" name="CaixaDeTexto 5">
+            <a:extLst>
+              <a:ext uri="{FF2B5EF4-FFF2-40B4-BE49-F238E27FC236}">
+                <a16:creationId xmlns:a16="http://schemas.microsoft.com/office/drawing/2014/main" id="{2D6C3BFF-F4EA-743D-C75F-11938CCC3E7E}"/>
+              </a:ext>
+            </a:extLst>
+          </p:cNvPr>
+          <p:cNvSpPr txBox="1"/>
+          <p:nvPr/>
+        </p:nvSpPr>
+        <p:spPr>
+          <a:xfrm>
+            <a:off x="6276269" y="1825625"/>
+            <a:ext cx="5077531" cy="3331105"/>
+          </a:xfrm>
+          <a:prstGeom prst="rect">
+            <a:avLst/>
+          </a:prstGeom>
+          <a:solidFill>
+            <a:schemeClr val="bg1">
+              <a:lumMod val="95000"/>
+            </a:schemeClr>
+          </a:solidFill>
+          <a:ln w="19050">
+            <a:solidFill>
+              <a:schemeClr val="tx1"/>
+            </a:solidFill>
+          </a:ln>
+        </p:spPr>
+        <p:txBody>
+          <a:bodyPr wrap="square" lIns="180000" rIns="180000" rtlCol="0">
+            <a:spAutoFit/>
+          </a:bodyPr>
+          <a:lstStyle/>
+          <a:p>
+            <a:pPr algn="ctr">
+              <a:lnSpc>
+                <a:spcPts val="3200"/>
+              </a:lnSpc>
+            </a:pPr>
+            <a:r>
+              <a:rPr lang="pt-BR" sz="2000" b="1" dirty="0">
+                <a:latin typeface="Arial" panose="020B0604020202020204" pitchFamily="34" charset="0"/>
+                <a:cs typeface="Arial" panose="020B0604020202020204" pitchFamily="34" charset="0"/>
+              </a:rPr>
+              <a:t>SOLUÇÕES IMPLEMENTADAS</a:t>
+            </a:r>
+          </a:p>
+          <a:p>
+            <a:pPr algn="ctr">
+              <a:lnSpc>
+                <a:spcPts val="3200"/>
+              </a:lnSpc>
+            </a:pPr>
+            <a:endParaRPr lang="pt-BR" sz="2000" b="1" dirty="0">
+              <a:latin typeface="Arial" panose="020B0604020202020204" pitchFamily="34" charset="0"/>
+              <a:cs typeface="Arial" panose="020B0604020202020204" pitchFamily="34" charset="0"/>
+            </a:endParaRPr>
+          </a:p>
+          <a:p>
+            <a:pPr marL="457200" indent="-457200">
+              <a:lnSpc>
+                <a:spcPts val="3200"/>
+              </a:lnSpc>
+              <a:buFont typeface="+mj-lt"/>
+              <a:buAutoNum type="arabicPeriod"/>
+            </a:pPr>
+            <a:r>
+              <a:rPr lang="pt-BR" sz="2000" dirty="0">
+                <a:latin typeface="Arial" panose="020B0604020202020204" pitchFamily="34" charset="0"/>
+                <a:cs typeface="Arial" panose="020B0604020202020204" pitchFamily="34" charset="0"/>
+              </a:rPr>
+              <a:t>Método do cotovelo</a:t>
+            </a:r>
+          </a:p>
+          <a:p>
+            <a:pPr marL="457200" indent="-457200">
+              <a:lnSpc>
+                <a:spcPts val="3200"/>
+              </a:lnSpc>
+              <a:buFont typeface="+mj-lt"/>
+              <a:buAutoNum type="arabicPeriod"/>
+            </a:pPr>
+            <a:r>
+              <a:rPr lang="pt-BR" sz="2000" dirty="0">
+                <a:latin typeface="Arial" panose="020B0604020202020204" pitchFamily="34" charset="0"/>
+                <a:cs typeface="Arial" panose="020B0604020202020204" pitchFamily="34" charset="0"/>
+              </a:rPr>
+              <a:t>Método K-</a:t>
+            </a:r>
+            <a:r>
+              <a:rPr lang="pt-BR" sz="2000" dirty="0" err="1">
+                <a:latin typeface="Arial" panose="020B0604020202020204" pitchFamily="34" charset="0"/>
+                <a:cs typeface="Arial" panose="020B0604020202020204" pitchFamily="34" charset="0"/>
+              </a:rPr>
+              <a:t>Means</a:t>
+            </a:r>
+            <a:r>
+              <a:rPr lang="pt-BR" sz="2000" dirty="0">
+                <a:latin typeface="Arial" panose="020B0604020202020204" pitchFamily="34" charset="0"/>
+                <a:cs typeface="Arial" panose="020B0604020202020204" pitchFamily="34" charset="0"/>
+              </a:rPr>
+              <a:t>++</a:t>
+            </a:r>
+          </a:p>
+          <a:p>
+            <a:pPr marL="457200" indent="-457200">
+              <a:lnSpc>
+                <a:spcPts val="3200"/>
+              </a:lnSpc>
+              <a:buFont typeface="+mj-lt"/>
+              <a:buAutoNum type="arabicPeriod"/>
+            </a:pPr>
+            <a:r>
+              <a:rPr lang="pt-BR" sz="2000" dirty="0">
+                <a:latin typeface="Arial" panose="020B0604020202020204" pitchFamily="34" charset="0"/>
+                <a:cs typeface="Arial" panose="020B0604020202020204" pitchFamily="34" charset="0"/>
+              </a:rPr>
+              <a:t>Comparação do movimento de centroides entre iterações</a:t>
+            </a:r>
+          </a:p>
+          <a:p>
+            <a:pPr marL="457200" indent="-457200">
+              <a:lnSpc>
+                <a:spcPts val="3200"/>
+              </a:lnSpc>
+              <a:buFont typeface="+mj-lt"/>
+              <a:buAutoNum type="arabicPeriod"/>
+            </a:pPr>
+            <a:r>
+              <a:rPr lang="pt-BR" sz="2000" dirty="0">
+                <a:latin typeface="Arial" panose="020B0604020202020204" pitchFamily="34" charset="0"/>
+                <a:cs typeface="Arial" panose="020B0604020202020204" pitchFamily="34" charset="0"/>
+              </a:rPr>
+              <a:t>Método da silhueta; índice de Davies-</a:t>
+            </a:r>
+            <a:r>
+              <a:rPr lang="pt-BR" sz="2000" dirty="0" err="1">
+                <a:latin typeface="Arial" panose="020B0604020202020204" pitchFamily="34" charset="0"/>
+                <a:cs typeface="Arial" panose="020B0604020202020204" pitchFamily="34" charset="0"/>
+              </a:rPr>
+              <a:t>Bouldin</a:t>
+            </a:r>
+            <a:endParaRPr lang="pt-BR" sz="2000" dirty="0">
+              <a:latin typeface="Arial" panose="020B0604020202020204" pitchFamily="34" charset="0"/>
+              <a:cs typeface="Arial" panose="020B0604020202020204" pitchFamily="34" charset="0"/>
+            </a:endParaRPr>
+          </a:p>
+        </p:txBody>
+      </p:sp>
+    </p:spTree>
+    <p:extLst>
+      <p:ext uri="{BB962C8B-B14F-4D97-AF65-F5344CB8AC3E}">
+        <p14:creationId xmlns:p14="http://schemas.microsoft.com/office/powerpoint/2010/main" val="967850334"/>
+      </p:ext>
+    </p:extLst>
+  </p:cSld>
+  <p:clrMapOvr>
+    <a:masterClrMapping/>
+  </p:clrMapOvr>
+</p:sld>
+</file>
+
+<file path=ppt/slides/slide8.xml><?xml version="1.0" encoding="utf-8"?>
+<p:sld xmlns:a="http://schemas.openxmlformats.org/drawingml/2006/main" xmlns:r="http://schemas.openxmlformats.org/officeDocument/2006/relationships" xmlns:p="http://schemas.openxmlformats.org/presentationml/2006/main">
+  <p:cSld>
+    <p:spTree>
+      <p:nvGrpSpPr>
+        <p:cNvPr id="1" name=""/>
+        <p:cNvGrpSpPr/>
+        <p:nvPr/>
+      </p:nvGrpSpPr>
+      <p:grpSpPr>
+        <a:xfrm>
+          <a:off x="0" y="0"/>
+          <a:ext cx="0" cy="0"/>
+          <a:chOff x="0" y="0"/>
+          <a:chExt cx="0" cy="0"/>
+        </a:xfrm>
+      </p:grpSpPr>
+      <p:sp>
+        <p:nvSpPr>
+          <p:cNvPr id="2" name="Título 1">
+            <a:extLst>
+              <a:ext uri="{FF2B5EF4-FFF2-40B4-BE49-F238E27FC236}">
+                <a16:creationId xmlns:a16="http://schemas.microsoft.com/office/drawing/2014/main" id="{540F1CF0-7D3A-1F30-A06D-DD96920677D2}"/>
+              </a:ext>
+            </a:extLst>
+          </p:cNvPr>
+          <p:cNvSpPr>
+            <a:spLocks noGrp="1"/>
+          </p:cNvSpPr>
+          <p:nvPr>
+            <p:ph type="title"/>
+          </p:nvPr>
+        </p:nvSpPr>
+        <p:spPr/>
+        <p:txBody>
+          <a:bodyPr>
+            <a:normAutofit fontScale="90000"/>
+          </a:bodyPr>
+          <a:lstStyle/>
+          <a:p>
+            <a:pPr>
+              <a:lnSpc>
+                <a:spcPct val="150000"/>
+              </a:lnSpc>
+            </a:pPr>
+            <a:r>
+              <a:rPr lang="pt-BR" sz="3200" b="1" dirty="0">
+                <a:latin typeface="Arial" panose="020B0604020202020204" pitchFamily="34" charset="0"/>
+                <a:cs typeface="Arial" panose="020B0604020202020204" pitchFamily="34" charset="0"/>
+              </a:rPr>
+              <a:t>K-MEANS</a:t>
+            </a:r>
+            <a:br>
+              <a:rPr lang="pt-BR" sz="3200" b="1" dirty="0">
+                <a:latin typeface="Arial" panose="020B0604020202020204" pitchFamily="34" charset="0"/>
+                <a:cs typeface="Arial" panose="020B0604020202020204" pitchFamily="34" charset="0"/>
+              </a:rPr>
+            </a:br>
+            <a:r>
+              <a:rPr lang="pt-BR" sz="3200" dirty="0">
+                <a:latin typeface="Arial" panose="020B0604020202020204" pitchFamily="34" charset="0"/>
+                <a:cs typeface="Arial" panose="020B0604020202020204" pitchFamily="34" charset="0"/>
+              </a:rPr>
+              <a:t>Método do cotovelo</a:t>
+            </a:r>
+          </a:p>
+        </p:txBody>
+      </p:sp>
+      <p:sp>
+        <p:nvSpPr>
+          <p:cNvPr id="3" name="Espaço Reservado para Conteúdo 2">
+            <a:extLst>
+              <a:ext uri="{FF2B5EF4-FFF2-40B4-BE49-F238E27FC236}">
+                <a16:creationId xmlns:a16="http://schemas.microsoft.com/office/drawing/2014/main" id="{AC797752-DF14-11FD-FD02-7A6C4E7C74D2}"/>
+              </a:ext>
+            </a:extLst>
+          </p:cNvPr>
+          <p:cNvSpPr>
+            <a:spLocks noGrp="1"/>
+          </p:cNvSpPr>
+          <p:nvPr>
+            <p:ph idx="1"/>
+          </p:nvPr>
+        </p:nvSpPr>
+        <p:spPr>
+          <a:xfrm>
+            <a:off x="838199" y="1825625"/>
+            <a:ext cx="4729481" cy="4489450"/>
+          </a:xfrm>
+        </p:spPr>
+        <p:txBody>
+          <a:bodyPr>
+            <a:noAutofit/>
+          </a:bodyPr>
+          <a:lstStyle/>
+          <a:p>
+            <a:pPr marL="0" indent="0">
+              <a:lnSpc>
+                <a:spcPts val="3200"/>
+              </a:lnSpc>
+              <a:buNone/>
+            </a:pPr>
+            <a:r>
+              <a:rPr lang="pt-BR" sz="2000" dirty="0">
+                <a:latin typeface="Arial" panose="020B0604020202020204" pitchFamily="34" charset="0"/>
+                <a:cs typeface="Arial" panose="020B0604020202020204" pitchFamily="34" charset="0"/>
+              </a:rPr>
+              <a:t>O método do cotovelo roda K-</a:t>
+            </a:r>
+            <a:r>
+              <a:rPr lang="pt-BR" sz="2000" dirty="0" err="1">
+                <a:latin typeface="Arial" panose="020B0604020202020204" pitchFamily="34" charset="0"/>
+                <a:cs typeface="Arial" panose="020B0604020202020204" pitchFamily="34" charset="0"/>
+              </a:rPr>
+              <a:t>Means</a:t>
+            </a:r>
+            <a:r>
+              <a:rPr lang="pt-BR" sz="2000" dirty="0">
+                <a:latin typeface="Arial" panose="020B0604020202020204" pitchFamily="34" charset="0"/>
+                <a:cs typeface="Arial" panose="020B0604020202020204" pitchFamily="34" charset="0"/>
+              </a:rPr>
+              <a:t> múltiplas vezes, iterando sobre valores para k e calculando a soma dos quadrados das distâncias entre pontos e centroide. Quando maior o valor de k, menor a soma. </a:t>
+            </a:r>
+            <a:r>
+              <a:rPr lang="pt-BR" sz="1800" dirty="0">
+                <a:solidFill>
+                  <a:srgbClr val="000000"/>
+                </a:solidFill>
+                <a:effectLst/>
+                <a:latin typeface="Arial" panose="020B0604020202020204" pitchFamily="34" charset="0"/>
+                <a:ea typeface="Arial" panose="020B0604020202020204" pitchFamily="34" charset="0"/>
+              </a:rPr>
+              <a:t>Em determinado momento, a diferença se tornará marginal. Graficamente, forma-se um "cotovelo“ (Figura 5). O ponto em que essa estabilização se torna perceptível representa uma estimativa do número ideal de clusters.</a:t>
+            </a:r>
+            <a:endParaRPr lang="pt-BR" sz="1800" dirty="0">
+              <a:effectLst/>
+              <a:latin typeface="Arial" panose="020B0604020202020204" pitchFamily="34" charset="0"/>
+              <a:ea typeface="Arial" panose="020B0604020202020204" pitchFamily="34" charset="0"/>
+            </a:endParaRPr>
+          </a:p>
+          <a:p>
+            <a:pPr marL="0" indent="0">
+              <a:lnSpc>
+                <a:spcPts val="3200"/>
+              </a:lnSpc>
+              <a:buNone/>
+            </a:pPr>
+            <a:endParaRPr lang="pt-BR" sz="2000" dirty="0">
+              <a:latin typeface="Arial" panose="020B0604020202020204" pitchFamily="34" charset="0"/>
+              <a:cs typeface="Arial" panose="020B0604020202020204" pitchFamily="34" charset="0"/>
+            </a:endParaRPr>
+          </a:p>
+        </p:txBody>
+      </p:sp>
+      <p:pic>
+        <p:nvPicPr>
+          <p:cNvPr id="8" name="Gráfico 7">
+            <a:extLst>
+              <a:ext uri="{FF2B5EF4-FFF2-40B4-BE49-F238E27FC236}">
+                <a16:creationId xmlns:a16="http://schemas.microsoft.com/office/drawing/2014/main" id="{C9D8A437-C4C0-B28E-9CD5-962FF70B31AA}"/>
+              </a:ext>
+            </a:extLst>
+          </p:cNvPr>
+          <p:cNvPicPr>
+            <a:picLocks noChangeAspect="1"/>
+          </p:cNvPicPr>
+          <p:nvPr/>
+        </p:nvPicPr>
+        <p:blipFill>
+          <a:blip r:embed="rId2">
+            <a:extLst>
+              <a:ext uri="{28A0092B-C50C-407E-A947-70E740481C1C}">
+                <a14:useLocalDpi xmlns:a14="http://schemas.microsoft.com/office/drawing/2010/main" val="0"/>
+              </a:ext>
+              <a:ext uri="{96DAC541-7B7A-43D3-8B79-37D633B846F1}">
+                <asvg:svgBlip xmlns:asvg="http://schemas.microsoft.com/office/drawing/2016/SVG/main" r:embed="rId3"/>
+              </a:ext>
+            </a:extLst>
+          </a:blip>
+          <a:stretch>
+            <a:fillRect/>
+          </a:stretch>
+        </p:blipFill>
+        <p:spPr>
+          <a:xfrm>
+            <a:off x="6096000" y="1825625"/>
+            <a:ext cx="5257800" cy="2768351"/>
+          </a:xfrm>
+          <a:prstGeom prst="rect">
+            <a:avLst/>
+          </a:prstGeom>
+        </p:spPr>
+      </p:pic>
+      <p:sp>
+        <p:nvSpPr>
+          <p:cNvPr id="9" name="CaixaDeTexto 8">
+            <a:extLst>
+              <a:ext uri="{FF2B5EF4-FFF2-40B4-BE49-F238E27FC236}">
+                <a16:creationId xmlns:a16="http://schemas.microsoft.com/office/drawing/2014/main" id="{0AD90BDF-1CA3-E2EC-9822-E20107FEBE8E}"/>
+              </a:ext>
+            </a:extLst>
+          </p:cNvPr>
+          <p:cNvSpPr txBox="1"/>
+          <p:nvPr/>
+        </p:nvSpPr>
+        <p:spPr>
+          <a:xfrm>
+            <a:off x="10252872" y="4440087"/>
+            <a:ext cx="1100928" cy="307777"/>
+          </a:xfrm>
+          <a:prstGeom prst="rect">
+            <a:avLst/>
+          </a:prstGeom>
+          <a:noFill/>
+        </p:spPr>
+        <p:txBody>
+          <a:bodyPr wrap="square" rtlCol="0">
+            <a:spAutoFit/>
+          </a:bodyPr>
+          <a:lstStyle/>
+          <a:p>
+            <a:pPr algn="r"/>
+            <a:r>
+              <a:rPr lang="pt-BR" sz="1400" dirty="0">
+                <a:latin typeface="Arial" panose="020B0604020202020204" pitchFamily="34" charset="0"/>
+                <a:cs typeface="Arial" panose="020B0604020202020204" pitchFamily="34" charset="0"/>
+              </a:rPr>
+              <a:t>Figura 5</a:t>
+            </a:r>
+          </a:p>
+        </p:txBody>
+      </p:sp>
+    </p:spTree>
+    <p:extLst>
+      <p:ext uri="{BB962C8B-B14F-4D97-AF65-F5344CB8AC3E}">
+        <p14:creationId xmlns:p14="http://schemas.microsoft.com/office/powerpoint/2010/main" val="907748363"/>
+      </p:ext>
+    </p:extLst>
+  </p:cSld>
+  <p:clrMapOvr>
+    <a:masterClrMapping/>
+  </p:clrMapOvr>
+</p:sld>
+</file>
+
+<file path=ppt/slides/slide9.xml><?xml version="1.0" encoding="utf-8"?>
 <p:sld xmlns:a="http://schemas.openxmlformats.org/drawingml/2006/main" xmlns:r="http://schemas.openxmlformats.org/officeDocument/2006/relationships" xmlns:p="http://schemas.openxmlformats.org/presentationml/2006/main">
   <p:cSld>
     <p:spTree>

--- a/prd/WIP_apresentacao.pptx
+++ b/prd/WIP_apresentacao.pptx
@@ -7,13 +7,18 @@
   <p:sldIdLst>
     <p:sldId id="256" r:id="rId2"/>
     <p:sldId id="259" r:id="rId3"/>
-    <p:sldId id="260" r:id="rId4"/>
-    <p:sldId id="261" r:id="rId5"/>
-    <p:sldId id="262" r:id="rId6"/>
-    <p:sldId id="264" r:id="rId7"/>
-    <p:sldId id="265" r:id="rId8"/>
-    <p:sldId id="266" r:id="rId9"/>
-    <p:sldId id="258" r:id="rId10"/>
+    <p:sldId id="267" r:id="rId4"/>
+    <p:sldId id="268" r:id="rId5"/>
+    <p:sldId id="269" r:id="rId6"/>
+    <p:sldId id="270" r:id="rId7"/>
+    <p:sldId id="271" r:id="rId8"/>
+    <p:sldId id="272" r:id="rId9"/>
+    <p:sldId id="273" r:id="rId10"/>
+    <p:sldId id="274" r:id="rId11"/>
+    <p:sldId id="275" r:id="rId12"/>
+    <p:sldId id="276" r:id="rId13"/>
+    <p:sldId id="277" r:id="rId14"/>
+    <p:sldId id="258" r:id="rId15"/>
   </p:sldIdLst>
   <p:sldSz cx="12192000" cy="6858000"/>
   <p:notesSz cx="6858000" cy="9144000"/>
@@ -114,7 +119,18 @@
   </p:defaultTextStyle>
   <p:extLst>
     <p:ext uri="{EFAFB233-063F-42B5-8137-9DF3F51BA10A}">
-      <p15:sldGuideLst xmlns:p15="http://schemas.microsoft.com/office/powerpoint/2012/main"/>
+      <p15:sldGuideLst xmlns:p15="http://schemas.microsoft.com/office/powerpoint/2012/main">
+        <p15:guide id="1" orient="horz" pos="2160" userDrawn="1">
+          <p15:clr>
+            <a:srgbClr val="A4A3A4"/>
+          </p15:clr>
+        </p15:guide>
+        <p15:guide id="2" pos="3840" userDrawn="1">
+          <p15:clr>
+            <a:srgbClr val="A4A3A4"/>
+          </p15:clr>
+        </p15:guide>
+      </p15:sldGuideLst>
     </p:ext>
   </p:extLst>
 </p:presentation>
@@ -396,7 +412,7 @@
           <a:p>
             <a:fld id="{588D7303-1349-4B3B-906B-0AD17F7A84D3}" type="datetimeFigureOut">
               <a:rPr lang="pt-BR" smtClean="0"/>
-              <a:t>22/09/2023</a:t>
+              <a:t>02/10/2023</a:t>
             </a:fld>
             <a:endParaRPr lang="pt-BR"/>
           </a:p>
@@ -604,7 +620,7 @@
           <a:p>
             <a:fld id="{588D7303-1349-4B3B-906B-0AD17F7A84D3}" type="datetimeFigureOut">
               <a:rPr lang="pt-BR" smtClean="0"/>
-              <a:t>22/09/2023</a:t>
+              <a:t>02/10/2023</a:t>
             </a:fld>
             <a:endParaRPr lang="pt-BR"/>
           </a:p>
@@ -802,7 +818,7 @@
           <a:p>
             <a:fld id="{588D7303-1349-4B3B-906B-0AD17F7A84D3}" type="datetimeFigureOut">
               <a:rPr lang="pt-BR" smtClean="0"/>
-              <a:t>22/09/2023</a:t>
+              <a:t>02/10/2023</a:t>
             </a:fld>
             <a:endParaRPr lang="pt-BR"/>
           </a:p>
@@ -1077,7 +1093,7 @@
           <a:p>
             <a:fld id="{588D7303-1349-4B3B-906B-0AD17F7A84D3}" type="datetimeFigureOut">
               <a:rPr lang="pt-BR" smtClean="0"/>
-              <a:t>22/09/2023</a:t>
+              <a:t>02/10/2023</a:t>
             </a:fld>
             <a:endParaRPr lang="pt-BR"/>
           </a:p>
@@ -1342,7 +1358,7 @@
           <a:p>
             <a:fld id="{588D7303-1349-4B3B-906B-0AD17F7A84D3}" type="datetimeFigureOut">
               <a:rPr lang="pt-BR" smtClean="0"/>
-              <a:t>22/09/2023</a:t>
+              <a:t>02/10/2023</a:t>
             </a:fld>
             <a:endParaRPr lang="pt-BR"/>
           </a:p>
@@ -1754,7 +1770,7 @@
           <a:p>
             <a:fld id="{588D7303-1349-4B3B-906B-0AD17F7A84D3}" type="datetimeFigureOut">
               <a:rPr lang="pt-BR" smtClean="0"/>
-              <a:t>22/09/2023</a:t>
+              <a:t>02/10/2023</a:t>
             </a:fld>
             <a:endParaRPr lang="pt-BR"/>
           </a:p>
@@ -1895,7 +1911,7 @@
           <a:p>
             <a:fld id="{588D7303-1349-4B3B-906B-0AD17F7A84D3}" type="datetimeFigureOut">
               <a:rPr lang="pt-BR" smtClean="0"/>
-              <a:t>22/09/2023</a:t>
+              <a:t>02/10/2023</a:t>
             </a:fld>
             <a:endParaRPr lang="pt-BR"/>
           </a:p>
@@ -2008,7 +2024,7 @@
           <a:p>
             <a:fld id="{588D7303-1349-4B3B-906B-0AD17F7A84D3}" type="datetimeFigureOut">
               <a:rPr lang="pt-BR" smtClean="0"/>
-              <a:t>22/09/2023</a:t>
+              <a:t>02/10/2023</a:t>
             </a:fld>
             <a:endParaRPr lang="pt-BR"/>
           </a:p>
@@ -2319,7 +2335,7 @@
           <a:p>
             <a:fld id="{588D7303-1349-4B3B-906B-0AD17F7A84D3}" type="datetimeFigureOut">
               <a:rPr lang="pt-BR" smtClean="0"/>
-              <a:t>22/09/2023</a:t>
+              <a:t>02/10/2023</a:t>
             </a:fld>
             <a:endParaRPr lang="pt-BR"/>
           </a:p>
@@ -2607,7 +2623,7 @@
           <a:p>
             <a:fld id="{588D7303-1349-4B3B-906B-0AD17F7A84D3}" type="datetimeFigureOut">
               <a:rPr lang="pt-BR" smtClean="0"/>
-              <a:t>22/09/2023</a:t>
+              <a:t>02/10/2023</a:t>
             </a:fld>
             <a:endParaRPr lang="pt-BR"/>
           </a:p>
@@ -2857,7 +2873,7 @@
           <a:p>
             <a:fld id="{588D7303-1349-4B3B-906B-0AD17F7A84D3}" type="datetimeFigureOut">
               <a:rPr lang="pt-BR" smtClean="0"/>
-              <a:t>22/09/2023</a:t>
+              <a:t>02/10/2023</a:t>
             </a:fld>
             <a:endParaRPr lang="pt-BR"/>
           </a:p>
@@ -3298,27 +3314,30 @@
         </p:spPr>
         <p:txBody>
           <a:bodyPr anchor="ctr" anchorCtr="0">
-            <a:normAutofit fontScale="90000"/>
+            <a:noAutofit/>
           </a:bodyPr>
           <a:lstStyle/>
           <a:p>
             <a:r>
-              <a:rPr lang="pt-BR" sz="4800" dirty="0">
-                <a:latin typeface="Arial" panose="020B0604020202020204" pitchFamily="34" charset="0"/>
-                <a:cs typeface="Arial" panose="020B0604020202020204" pitchFamily="34" charset="0"/>
+              <a:rPr lang="pt-BR" sz="4000" b="1" dirty="0">
+                <a:latin typeface="Helvetica" pitchFamily="2" charset="0"/>
+                <a:ea typeface="Roboto Black" panose="020F0502020204030204" pitchFamily="2" charset="0"/>
+                <a:cs typeface="Roboto Black" panose="020F0502020204030204" pitchFamily="2" charset="0"/>
               </a:rPr>
               <a:t>Detecção de anomalias em gastos dos deputados estaduais com K-</a:t>
             </a:r>
             <a:r>
-              <a:rPr lang="pt-BR" sz="4800" dirty="0" err="1">
-                <a:latin typeface="Arial" panose="020B0604020202020204" pitchFamily="34" charset="0"/>
-                <a:cs typeface="Arial" panose="020B0604020202020204" pitchFamily="34" charset="0"/>
+              <a:rPr lang="pt-BR" sz="4000" b="1" dirty="0" err="1">
+                <a:latin typeface="Helvetica" pitchFamily="2" charset="0"/>
+                <a:ea typeface="Roboto Black" panose="020F0502020204030204" pitchFamily="2" charset="0"/>
+                <a:cs typeface="Roboto Black" panose="020F0502020204030204" pitchFamily="2" charset="0"/>
               </a:rPr>
               <a:t>Means</a:t>
             </a:r>
-            <a:endParaRPr lang="pt-BR" sz="4800" dirty="0">
-              <a:latin typeface="Arial" panose="020B0604020202020204" pitchFamily="34" charset="0"/>
-              <a:cs typeface="Arial" panose="020B0604020202020204" pitchFamily="34" charset="0"/>
+            <a:endParaRPr lang="pt-BR" sz="4000" b="1" dirty="0">
+              <a:latin typeface="Helvetica" pitchFamily="2" charset="0"/>
+              <a:ea typeface="Roboto Black" panose="020F0502020204030204" pitchFamily="2" charset="0"/>
+              <a:cs typeface="Roboto Black" panose="020F0502020204030204" pitchFamily="2" charset="0"/>
             </a:endParaRPr>
           </a:p>
         </p:txBody>
@@ -3347,25 +3366,33 @@
         </p:spPr>
         <p:txBody>
           <a:bodyPr anchor="b" anchorCtr="0">
-            <a:normAutofit fontScale="92500" lnSpcReduction="20000"/>
+            <a:noAutofit/>
           </a:bodyPr>
           <a:lstStyle/>
           <a:p>
             <a:r>
-              <a:rPr lang="pt-BR" dirty="0"/>
+              <a:rPr lang="pt-BR" sz="2000" dirty="0">
+                <a:latin typeface="Helvetica" pitchFamily="2" charset="0"/>
+              </a:rPr>
               <a:t>Rodolfo Orlando Viana</a:t>
             </a:r>
           </a:p>
           <a:p>
             <a:r>
-              <a:rPr lang="pt-BR" dirty="0"/>
+              <a:rPr lang="pt-BR" sz="2000" dirty="0">
+                <a:latin typeface="Helvetica" pitchFamily="2" charset="0"/>
+              </a:rPr>
               <a:t>Ana Julia </a:t>
             </a:r>
             <a:r>
-              <a:rPr lang="pt-BR" dirty="0" err="1"/>
+              <a:rPr lang="pt-BR" sz="2000" dirty="0" err="1">
+                <a:latin typeface="Helvetica" pitchFamily="2" charset="0"/>
+              </a:rPr>
               <a:t>Righetto</a:t>
             </a:r>
-            <a:endParaRPr lang="pt-BR" dirty="0"/>
+            <a:endParaRPr lang="pt-BR" sz="2000" dirty="0">
+              <a:latin typeface="Helvetica" pitchFamily="2" charset="0"/>
+            </a:endParaRPr>
           </a:p>
         </p:txBody>
       </p:sp>
@@ -3373,6 +3400,2528 @@
     <p:extLst>
       <p:ext uri="{BB962C8B-B14F-4D97-AF65-F5344CB8AC3E}">
         <p14:creationId xmlns:p14="http://schemas.microsoft.com/office/powerpoint/2010/main" val="2935926906"/>
+      </p:ext>
+    </p:extLst>
+  </p:cSld>
+  <p:clrMapOvr>
+    <a:masterClrMapping/>
+  </p:clrMapOvr>
+</p:sld>
+</file>
+
+<file path=ppt/slides/slide10.xml><?xml version="1.0" encoding="utf-8"?>
+<p:sld xmlns:a="http://schemas.openxmlformats.org/drawingml/2006/main" xmlns:r="http://schemas.openxmlformats.org/officeDocument/2006/relationships" xmlns:p="http://schemas.openxmlformats.org/presentationml/2006/main">
+  <p:cSld>
+    <p:spTree>
+      <p:nvGrpSpPr>
+        <p:cNvPr id="1" name=""/>
+        <p:cNvGrpSpPr/>
+        <p:nvPr/>
+      </p:nvGrpSpPr>
+      <p:grpSpPr>
+        <a:xfrm>
+          <a:off x="0" y="0"/>
+          <a:ext cx="0" cy="0"/>
+          <a:chOff x="0" y="0"/>
+          <a:chExt cx="0" cy="0"/>
+        </a:xfrm>
+      </p:grpSpPr>
+      <p:sp>
+        <p:nvSpPr>
+          <p:cNvPr id="2" name="Título 1">
+            <a:extLst>
+              <a:ext uri="{FF2B5EF4-FFF2-40B4-BE49-F238E27FC236}">
+                <a16:creationId xmlns:a16="http://schemas.microsoft.com/office/drawing/2014/main" id="{540F1CF0-7D3A-1F30-A06D-DD96920677D2}"/>
+              </a:ext>
+            </a:extLst>
+          </p:cNvPr>
+          <p:cNvSpPr>
+            <a:spLocks noGrp="1"/>
+          </p:cNvSpPr>
+          <p:nvPr>
+            <p:ph type="title"/>
+          </p:nvPr>
+        </p:nvSpPr>
+        <p:spPr/>
+        <p:txBody>
+          <a:bodyPr anchor="t" anchorCtr="0">
+            <a:normAutofit/>
+          </a:bodyPr>
+          <a:lstStyle/>
+          <a:p>
+            <a:pPr>
+              <a:lnSpc>
+                <a:spcPct val="100000"/>
+              </a:lnSpc>
+            </a:pPr>
+            <a:r>
+              <a:rPr lang="pt-BR" sz="2800" b="1" dirty="0">
+                <a:latin typeface="Helvetica" pitchFamily="2" charset="0"/>
+                <a:cs typeface="Arial" panose="020B0604020202020204" pitchFamily="34" charset="0"/>
+              </a:rPr>
+              <a:t>K-MEANS </a:t>
+            </a:r>
+            <a:r>
+              <a:rPr lang="pt-BR" sz="2800" dirty="0">
+                <a:solidFill>
+                  <a:schemeClr val="tx1">
+                    <a:lumMod val="50000"/>
+                    <a:lumOff val="50000"/>
+                  </a:schemeClr>
+                </a:solidFill>
+                <a:latin typeface="Helvetica" pitchFamily="2" charset="0"/>
+                <a:cs typeface="Arial" panose="020B0604020202020204" pitchFamily="34" charset="0"/>
+              </a:rPr>
+              <a:t>Comparação de movimento de centroides</a:t>
+            </a:r>
+          </a:p>
+        </p:txBody>
+      </p:sp>
+      <p:sp>
+        <p:nvSpPr>
+          <p:cNvPr id="3" name="Espaço Reservado para Conteúdo 2">
+            <a:extLst>
+              <a:ext uri="{FF2B5EF4-FFF2-40B4-BE49-F238E27FC236}">
+                <a16:creationId xmlns:a16="http://schemas.microsoft.com/office/drawing/2014/main" id="{AC797752-DF14-11FD-FD02-7A6C4E7C74D2}"/>
+              </a:ext>
+            </a:extLst>
+          </p:cNvPr>
+          <p:cNvSpPr>
+            <a:spLocks noGrp="1"/>
+          </p:cNvSpPr>
+          <p:nvPr>
+            <p:ph idx="1"/>
+          </p:nvPr>
+        </p:nvSpPr>
+        <p:spPr>
+          <a:xfrm>
+            <a:off x="838199" y="1825625"/>
+            <a:ext cx="6457545" cy="4489450"/>
+          </a:xfrm>
+        </p:spPr>
+        <p:txBody>
+          <a:bodyPr>
+            <a:noAutofit/>
+          </a:bodyPr>
+          <a:lstStyle/>
+          <a:p>
+            <a:pPr marL="0" indent="0">
+              <a:lnSpc>
+                <a:spcPts val="3000"/>
+              </a:lnSpc>
+              <a:spcBef>
+                <a:spcPts val="0"/>
+              </a:spcBef>
+              <a:buNone/>
+            </a:pPr>
+            <a:r>
+              <a:rPr lang="pt-BR" sz="2000" dirty="0">
+                <a:solidFill>
+                  <a:srgbClr val="000000"/>
+                </a:solidFill>
+                <a:latin typeface="Helvetica" pitchFamily="2" charset="0"/>
+              </a:rPr>
+              <a:t>Entre as iterações em K-</a:t>
+            </a:r>
+            <a:r>
+              <a:rPr lang="pt-BR" sz="2000" dirty="0" err="1">
+                <a:solidFill>
+                  <a:srgbClr val="000000"/>
+                </a:solidFill>
+                <a:latin typeface="Helvetica" pitchFamily="2" charset="0"/>
+              </a:rPr>
+              <a:t>Means</a:t>
+            </a:r>
+            <a:r>
+              <a:rPr lang="pt-BR" sz="2000" dirty="0">
+                <a:solidFill>
+                  <a:srgbClr val="000000"/>
+                </a:solidFill>
+                <a:latin typeface="Helvetica" pitchFamily="2" charset="0"/>
+              </a:rPr>
+              <a:t>++, o algoritmo compara a movimentação dos centroides, e converge apenas quando a diferença entre iterações é inferior ao limite estabelecido para inércia, de 0,0001</a:t>
+            </a:r>
+            <a:r>
+              <a:rPr lang="pt-BR" sz="2000" b="0" i="0" u="none" strike="noStrike" dirty="0">
+                <a:solidFill>
+                  <a:srgbClr val="000000"/>
+                </a:solidFill>
+                <a:effectLst/>
+                <a:latin typeface="Helvetica" pitchFamily="2" charset="0"/>
+              </a:rPr>
+              <a:t>.</a:t>
+            </a:r>
+          </a:p>
+        </p:txBody>
+      </p:sp>
+    </p:spTree>
+    <p:extLst>
+      <p:ext uri="{BB962C8B-B14F-4D97-AF65-F5344CB8AC3E}">
+        <p14:creationId xmlns:p14="http://schemas.microsoft.com/office/powerpoint/2010/main" val="2179860476"/>
+      </p:ext>
+    </p:extLst>
+  </p:cSld>
+  <p:clrMapOvr>
+    <a:masterClrMapping/>
+  </p:clrMapOvr>
+</p:sld>
+</file>
+
+<file path=ppt/slides/slide11.xml><?xml version="1.0" encoding="utf-8"?>
+<p:sld xmlns:a="http://schemas.openxmlformats.org/drawingml/2006/main" xmlns:r="http://schemas.openxmlformats.org/officeDocument/2006/relationships" xmlns:p="http://schemas.openxmlformats.org/presentationml/2006/main">
+  <p:cSld>
+    <p:spTree>
+      <p:nvGrpSpPr>
+        <p:cNvPr id="1" name=""/>
+        <p:cNvGrpSpPr/>
+        <p:nvPr/>
+      </p:nvGrpSpPr>
+      <p:grpSpPr>
+        <a:xfrm>
+          <a:off x="0" y="0"/>
+          <a:ext cx="0" cy="0"/>
+          <a:chOff x="0" y="0"/>
+          <a:chExt cx="0" cy="0"/>
+        </a:xfrm>
+      </p:grpSpPr>
+      <p:sp>
+        <p:nvSpPr>
+          <p:cNvPr id="2" name="Título 1">
+            <a:extLst>
+              <a:ext uri="{FF2B5EF4-FFF2-40B4-BE49-F238E27FC236}">
+                <a16:creationId xmlns:a16="http://schemas.microsoft.com/office/drawing/2014/main" id="{540F1CF0-7D3A-1F30-A06D-DD96920677D2}"/>
+              </a:ext>
+            </a:extLst>
+          </p:cNvPr>
+          <p:cNvSpPr>
+            <a:spLocks noGrp="1"/>
+          </p:cNvSpPr>
+          <p:nvPr>
+            <p:ph type="title"/>
+          </p:nvPr>
+        </p:nvSpPr>
+        <p:spPr/>
+        <p:txBody>
+          <a:bodyPr anchor="t" anchorCtr="0">
+            <a:normAutofit/>
+          </a:bodyPr>
+          <a:lstStyle/>
+          <a:p>
+            <a:pPr>
+              <a:lnSpc>
+                <a:spcPct val="100000"/>
+              </a:lnSpc>
+            </a:pPr>
+            <a:r>
+              <a:rPr lang="pt-BR" sz="2800" b="1" dirty="0">
+                <a:latin typeface="Helvetica" pitchFamily="2" charset="0"/>
+                <a:cs typeface="Arial" panose="020B0604020202020204" pitchFamily="34" charset="0"/>
+              </a:rPr>
+              <a:t>VALIDAÇÃO </a:t>
+            </a:r>
+            <a:r>
+              <a:rPr lang="pt-BR" sz="2800" dirty="0">
+                <a:solidFill>
+                  <a:schemeClr val="tx1">
+                    <a:lumMod val="50000"/>
+                    <a:lumOff val="50000"/>
+                  </a:schemeClr>
+                </a:solidFill>
+                <a:latin typeface="Helvetica" pitchFamily="2" charset="0"/>
+                <a:cs typeface="Arial" panose="020B0604020202020204" pitchFamily="34" charset="0"/>
+              </a:rPr>
+              <a:t>Método da silhueta</a:t>
+            </a:r>
+          </a:p>
+        </p:txBody>
+      </p:sp>
+      <p:sp>
+        <p:nvSpPr>
+          <p:cNvPr id="3" name="Espaço Reservado para Conteúdo 2">
+            <a:extLst>
+              <a:ext uri="{FF2B5EF4-FFF2-40B4-BE49-F238E27FC236}">
+                <a16:creationId xmlns:a16="http://schemas.microsoft.com/office/drawing/2014/main" id="{AC797752-DF14-11FD-FD02-7A6C4E7C74D2}"/>
+              </a:ext>
+            </a:extLst>
+          </p:cNvPr>
+          <p:cNvSpPr>
+            <a:spLocks noGrp="1"/>
+          </p:cNvSpPr>
+          <p:nvPr>
+            <p:ph idx="1"/>
+          </p:nvPr>
+        </p:nvSpPr>
+        <p:spPr>
+          <a:xfrm>
+            <a:off x="838200" y="1825625"/>
+            <a:ext cx="5582055" cy="2577410"/>
+          </a:xfrm>
+        </p:spPr>
+        <p:txBody>
+          <a:bodyPr>
+            <a:noAutofit/>
+          </a:bodyPr>
+          <a:lstStyle/>
+          <a:p>
+            <a:pPr marL="0" indent="0">
+              <a:lnSpc>
+                <a:spcPts val="3000"/>
+              </a:lnSpc>
+              <a:spcBef>
+                <a:spcPts val="0"/>
+              </a:spcBef>
+              <a:buNone/>
+            </a:pPr>
+            <a:r>
+              <a:rPr lang="pt-BR" sz="2000" b="0" i="0" u="none" strike="noStrike" dirty="0">
+                <a:solidFill>
+                  <a:srgbClr val="000000"/>
+                </a:solidFill>
+                <a:effectLst/>
+                <a:latin typeface="Helvetica" pitchFamily="2" charset="0"/>
+              </a:rPr>
+              <a:t>Para validar a escolha dos centroides e a clusterização</a:t>
+            </a:r>
+            <a:r>
+              <a:rPr lang="pt-BR" sz="2000" dirty="0">
+                <a:solidFill>
+                  <a:srgbClr val="000000"/>
+                </a:solidFill>
+                <a:latin typeface="Helvetica" pitchFamily="2" charset="0"/>
+              </a:rPr>
+              <a:t>, uma das ferramentas adotadas foi o método da silhueta, que observa a similaridade de um ponto com seu cluster em comparação com outros clusters, e </a:t>
+            </a:r>
+            <a:r>
+              <a:rPr lang="pt-BR" sz="2000" b="0" i="0" u="none" strike="noStrike" dirty="0">
+                <a:solidFill>
+                  <a:srgbClr val="000000"/>
+                </a:solidFill>
+                <a:effectLst/>
+                <a:latin typeface="Helvetica" pitchFamily="2" charset="0"/>
+              </a:rPr>
+              <a:t>retorna resultados no intervalo de -1 a 1 (Figura 6). </a:t>
+            </a:r>
+          </a:p>
+        </p:txBody>
+      </p:sp>
+      <p:pic>
+        <p:nvPicPr>
+          <p:cNvPr id="11" name="Gráfico 10">
+            <a:extLst>
+              <a:ext uri="{FF2B5EF4-FFF2-40B4-BE49-F238E27FC236}">
+                <a16:creationId xmlns:a16="http://schemas.microsoft.com/office/drawing/2014/main" id="{5FD7775D-AE5F-5F54-FD1A-263329B2ECF2}"/>
+              </a:ext>
+            </a:extLst>
+          </p:cNvPr>
+          <p:cNvPicPr>
+            <a:picLocks noChangeAspect="1"/>
+          </p:cNvPicPr>
+          <p:nvPr/>
+        </p:nvPicPr>
+        <p:blipFill>
+          <a:blip r:embed="rId2">
+            <a:extLst>
+              <a:ext uri="{28A0092B-C50C-407E-A947-70E740481C1C}">
+                <a14:useLocalDpi xmlns:a14="http://schemas.microsoft.com/office/drawing/2010/main" val="0"/>
+              </a:ext>
+              <a:ext uri="{96DAC541-7B7A-43D3-8B79-37D633B846F1}">
+                <asvg:svgBlip xmlns:asvg="http://schemas.microsoft.com/office/drawing/2016/SVG/main" r:embed="rId3"/>
+              </a:ext>
+            </a:extLst>
+          </a:blip>
+          <a:stretch>
+            <a:fillRect/>
+          </a:stretch>
+        </p:blipFill>
+        <p:spPr>
+          <a:xfrm>
+            <a:off x="6911007" y="1822064"/>
+            <a:ext cx="4442793" cy="3089130"/>
+          </a:xfrm>
+          <a:prstGeom prst="rect">
+            <a:avLst/>
+          </a:prstGeom>
+        </p:spPr>
+      </p:pic>
+      <p:sp>
+        <p:nvSpPr>
+          <p:cNvPr id="12" name="CaixaDeTexto 11">
+            <a:extLst>
+              <a:ext uri="{FF2B5EF4-FFF2-40B4-BE49-F238E27FC236}">
+                <a16:creationId xmlns:a16="http://schemas.microsoft.com/office/drawing/2014/main" id="{B7304DC3-0EBB-C2E1-D1F0-EB674C82AA49}"/>
+              </a:ext>
+            </a:extLst>
+          </p:cNvPr>
+          <p:cNvSpPr txBox="1"/>
+          <p:nvPr/>
+        </p:nvSpPr>
+        <p:spPr>
+          <a:xfrm>
+            <a:off x="10163419" y="1545065"/>
+            <a:ext cx="1100928" cy="276999"/>
+          </a:xfrm>
+          <a:prstGeom prst="rect">
+            <a:avLst/>
+          </a:prstGeom>
+          <a:noFill/>
+        </p:spPr>
+        <p:txBody>
+          <a:bodyPr wrap="square" rtlCol="0">
+            <a:spAutoFit/>
+          </a:bodyPr>
+          <a:lstStyle/>
+          <a:p>
+            <a:pPr algn="r"/>
+            <a:r>
+              <a:rPr lang="pt-BR" sz="1200" dirty="0">
+                <a:latin typeface="Helvetica" pitchFamily="2" charset="0"/>
+                <a:cs typeface="Arial" panose="020B0604020202020204" pitchFamily="34" charset="0"/>
+              </a:rPr>
+              <a:t>Figura 6</a:t>
+            </a:r>
+          </a:p>
+        </p:txBody>
+      </p:sp>
+      <mc:AlternateContent xmlns:mc="http://schemas.openxmlformats.org/markup-compatibility/2006">
+        <mc:Choice xmlns:a14="http://schemas.microsoft.com/office/drawing/2010/main" Requires="a14">
+          <p:sp>
+            <p:nvSpPr>
+              <p:cNvPr id="21" name="CaixaDeTexto 20">
+                <a:extLst>
+                  <a:ext uri="{FF2B5EF4-FFF2-40B4-BE49-F238E27FC236}">
+                    <a16:creationId xmlns:a16="http://schemas.microsoft.com/office/drawing/2014/main" id="{89010F70-0726-EE0F-42FD-2D58700A6E5A}"/>
+                  </a:ext>
+                </a:extLst>
+              </p:cNvPr>
+              <p:cNvSpPr txBox="1"/>
+              <p:nvPr/>
+            </p:nvSpPr>
+            <p:spPr>
+              <a:xfrm>
+                <a:off x="916791" y="5026865"/>
+                <a:ext cx="2462513" cy="1593962"/>
+              </a:xfrm>
+              <a:prstGeom prst="rect">
+                <a:avLst/>
+              </a:prstGeom>
+              <a:solidFill>
+                <a:schemeClr val="bg1">
+                  <a:lumMod val="95000"/>
+                </a:schemeClr>
+              </a:solidFill>
+              <a:ln w="19050">
+                <a:noFill/>
+              </a:ln>
+            </p:spPr>
+            <p:txBody>
+              <a:bodyPr wrap="square" lIns="180000" rIns="180000" numCol="1" rtlCol="0">
+                <a:spAutoFit/>
+              </a:bodyPr>
+              <a:lstStyle/>
+              <a:p>
+                <a:pPr>
+                  <a:lnSpc>
+                    <a:spcPts val="3000"/>
+                  </a:lnSpc>
+                </a:pPr>
+                <a:endParaRPr lang="pt-BR" sz="2000" i="1" dirty="0">
+                  <a:latin typeface="Cambria Math" panose="02040503050406030204" pitchFamily="18" charset="0"/>
+                  <a:cs typeface="Arial" panose="020B0604020202020204" pitchFamily="34" charset="0"/>
+                </a:endParaRPr>
+              </a:p>
+              <a:p>
+                <a:pPr>
+                  <a:lnSpc>
+                    <a:spcPts val="3000"/>
+                  </a:lnSpc>
+                </a:pPr>
+                <a:endParaRPr lang="pt-BR" sz="2000" i="1" dirty="0">
+                  <a:latin typeface="Cambria Math" panose="02040503050406030204" pitchFamily="18" charset="0"/>
+                  <a:cs typeface="Arial" panose="020B0604020202020204" pitchFamily="34" charset="0"/>
+                </a:endParaRPr>
+              </a:p>
+              <a:p>
+                <a:pPr>
+                  <a:lnSpc>
+                    <a:spcPts val="3000"/>
+                  </a:lnSpc>
+                </a:pPr>
+                <a14:m>
+                  <m:oMathPara xmlns:m="http://schemas.openxmlformats.org/officeDocument/2006/math">
+                    <m:oMathParaPr>
+                      <m:jc m:val="centerGroup"/>
+                    </m:oMathParaPr>
+                    <m:oMath xmlns:m="http://schemas.openxmlformats.org/officeDocument/2006/math">
+                      <m:f>
+                        <m:fPr>
+                          <m:ctrlPr>
+                            <a:rPr lang="pt-BR" sz="2000" i="1" smtClean="0">
+                              <a:latin typeface="Cambria Math" panose="02040503050406030204" pitchFamily="18" charset="0"/>
+                              <a:cs typeface="Arial" panose="020B0604020202020204" pitchFamily="34" charset="0"/>
+                            </a:rPr>
+                          </m:ctrlPr>
+                        </m:fPr>
+                        <m:num>
+                          <m:sSub>
+                            <m:sSubPr>
+                              <m:ctrlPr>
+                                <a:rPr lang="pt-BR" sz="2000" i="1" smtClean="0">
+                                  <a:latin typeface="Cambria Math" panose="02040503050406030204" pitchFamily="18" charset="0"/>
+                                  <a:cs typeface="Arial" panose="020B0604020202020204" pitchFamily="34" charset="0"/>
+                                </a:rPr>
+                              </m:ctrlPr>
+                            </m:sSubPr>
+                            <m:e>
+                              <m:r>
+                                <a:rPr lang="pt-BR" sz="2000" b="0" i="1" smtClean="0">
+                                  <a:latin typeface="Cambria Math" panose="02040503050406030204" pitchFamily="18" charset="0"/>
+                                  <a:cs typeface="Arial" panose="020B0604020202020204" pitchFamily="34" charset="0"/>
+                                </a:rPr>
+                                <m:t>𝑏</m:t>
+                              </m:r>
+                            </m:e>
+                            <m:sub>
+                              <m:r>
+                                <a:rPr lang="pt-BR" sz="2000" b="0" i="1" smtClean="0">
+                                  <a:latin typeface="Cambria Math" panose="02040503050406030204" pitchFamily="18" charset="0"/>
+                                  <a:cs typeface="Arial" panose="020B0604020202020204" pitchFamily="34" charset="0"/>
+                                </a:rPr>
+                                <m:t>𝑖</m:t>
+                              </m:r>
+                            </m:sub>
+                          </m:sSub>
+                          <m:r>
+                            <a:rPr lang="pt-BR" sz="2000" b="0" i="1" smtClean="0">
+                              <a:latin typeface="Cambria Math" panose="02040503050406030204" pitchFamily="18" charset="0"/>
+                              <a:cs typeface="Arial" panose="020B0604020202020204" pitchFamily="34" charset="0"/>
+                            </a:rPr>
+                            <m:t>−</m:t>
+                          </m:r>
+                          <m:sSub>
+                            <m:sSubPr>
+                              <m:ctrlPr>
+                                <a:rPr lang="pt-BR" sz="2000" b="0" i="1" smtClean="0">
+                                  <a:latin typeface="Cambria Math" panose="02040503050406030204" pitchFamily="18" charset="0"/>
+                                  <a:cs typeface="Arial" panose="020B0604020202020204" pitchFamily="34" charset="0"/>
+                                </a:rPr>
+                              </m:ctrlPr>
+                            </m:sSubPr>
+                            <m:e>
+                              <m:r>
+                                <a:rPr lang="pt-BR" sz="2000" b="0" i="1" smtClean="0">
+                                  <a:latin typeface="Cambria Math" panose="02040503050406030204" pitchFamily="18" charset="0"/>
+                                  <a:cs typeface="Arial" panose="020B0604020202020204" pitchFamily="34" charset="0"/>
+                                </a:rPr>
+                                <m:t>𝑎</m:t>
+                              </m:r>
+                            </m:e>
+                            <m:sub>
+                              <m:r>
+                                <a:rPr lang="pt-BR" sz="2000" b="0" i="1" smtClean="0">
+                                  <a:latin typeface="Cambria Math" panose="02040503050406030204" pitchFamily="18" charset="0"/>
+                                  <a:cs typeface="Arial" panose="020B0604020202020204" pitchFamily="34" charset="0"/>
+                                </a:rPr>
+                                <m:t>𝑖</m:t>
+                              </m:r>
+                            </m:sub>
+                          </m:sSub>
+                        </m:num>
+                        <m:den>
+                          <m:r>
+                            <m:rPr>
+                              <m:sty m:val="p"/>
+                            </m:rPr>
+                            <a:rPr lang="pt-BR" sz="2000" b="0" i="0" smtClean="0">
+                              <a:latin typeface="Cambria Math" panose="02040503050406030204" pitchFamily="18" charset="0"/>
+                              <a:cs typeface="Arial" panose="020B0604020202020204" pitchFamily="34" charset="0"/>
+                            </a:rPr>
+                            <m:t>max</m:t>
+                          </m:r>
+                          <m:r>
+                            <a:rPr lang="pt-BR" sz="2000" b="0" i="1" smtClean="0">
+                              <a:latin typeface="Cambria Math" panose="02040503050406030204" pitchFamily="18" charset="0"/>
+                              <a:cs typeface="Arial" panose="020B0604020202020204" pitchFamily="34" charset="0"/>
+                            </a:rPr>
+                            <m:t>⁡(</m:t>
+                          </m:r>
+                          <m:sSub>
+                            <m:sSubPr>
+                              <m:ctrlPr>
+                                <a:rPr lang="pt-BR" sz="2000" b="0" i="1" smtClean="0">
+                                  <a:latin typeface="Cambria Math" panose="02040503050406030204" pitchFamily="18" charset="0"/>
+                                  <a:cs typeface="Arial" panose="020B0604020202020204" pitchFamily="34" charset="0"/>
+                                </a:rPr>
+                              </m:ctrlPr>
+                            </m:sSubPr>
+                            <m:e>
+                              <m:r>
+                                <a:rPr lang="pt-BR" sz="2000" b="0" i="1" smtClean="0">
+                                  <a:latin typeface="Cambria Math" panose="02040503050406030204" pitchFamily="18" charset="0"/>
+                                  <a:cs typeface="Arial" panose="020B0604020202020204" pitchFamily="34" charset="0"/>
+                                </a:rPr>
+                                <m:t>𝑎</m:t>
+                              </m:r>
+                            </m:e>
+                            <m:sub>
+                              <m:r>
+                                <a:rPr lang="pt-BR" sz="2000" b="0" i="1" smtClean="0">
+                                  <a:latin typeface="Cambria Math" panose="02040503050406030204" pitchFamily="18" charset="0"/>
+                                  <a:cs typeface="Arial" panose="020B0604020202020204" pitchFamily="34" charset="0"/>
+                                </a:rPr>
+                                <m:t>𝑖</m:t>
+                              </m:r>
+                            </m:sub>
+                          </m:sSub>
+                          <m:r>
+                            <a:rPr lang="pt-BR" sz="2000" b="0" i="1" smtClean="0">
+                              <a:latin typeface="Cambria Math" panose="02040503050406030204" pitchFamily="18" charset="0"/>
+                              <a:cs typeface="Arial" panose="020B0604020202020204" pitchFamily="34" charset="0"/>
+                            </a:rPr>
+                            <m:t>,</m:t>
+                          </m:r>
+                          <m:sSub>
+                            <m:sSubPr>
+                              <m:ctrlPr>
+                                <a:rPr lang="pt-BR" sz="2000" b="0" i="1" smtClean="0">
+                                  <a:latin typeface="Cambria Math" panose="02040503050406030204" pitchFamily="18" charset="0"/>
+                                  <a:cs typeface="Arial" panose="020B0604020202020204" pitchFamily="34" charset="0"/>
+                                </a:rPr>
+                              </m:ctrlPr>
+                            </m:sSubPr>
+                            <m:e>
+                              <m:r>
+                                <a:rPr lang="pt-BR" sz="2000" b="0" i="1" smtClean="0">
+                                  <a:latin typeface="Cambria Math" panose="02040503050406030204" pitchFamily="18" charset="0"/>
+                                  <a:cs typeface="Arial" panose="020B0604020202020204" pitchFamily="34" charset="0"/>
+                                </a:rPr>
+                                <m:t>𝑏</m:t>
+                              </m:r>
+                            </m:e>
+                            <m:sub>
+                              <m:r>
+                                <a:rPr lang="pt-BR" sz="2000" b="0" i="1" smtClean="0">
+                                  <a:latin typeface="Cambria Math" panose="02040503050406030204" pitchFamily="18" charset="0"/>
+                                  <a:cs typeface="Arial" panose="020B0604020202020204" pitchFamily="34" charset="0"/>
+                                </a:rPr>
+                                <m:t>𝑖</m:t>
+                              </m:r>
+                            </m:sub>
+                          </m:sSub>
+                          <m:r>
+                            <a:rPr lang="pt-BR" sz="2000" b="0" i="1" smtClean="0">
+                              <a:latin typeface="Cambria Math" panose="02040503050406030204" pitchFamily="18" charset="0"/>
+                              <a:cs typeface="Arial" panose="020B0604020202020204" pitchFamily="34" charset="0"/>
+                            </a:rPr>
+                            <m:t>)</m:t>
+                          </m:r>
+                        </m:den>
+                      </m:f>
+                    </m:oMath>
+                  </m:oMathPara>
+                </a14:m>
+                <a:endParaRPr lang="pt-BR" sz="2000" dirty="0">
+                  <a:latin typeface="Helvetica" pitchFamily="2" charset="0"/>
+                  <a:cs typeface="Arial" panose="020B0604020202020204" pitchFamily="34" charset="0"/>
+                </a:endParaRPr>
+              </a:p>
+              <a:p>
+                <a:pPr>
+                  <a:lnSpc>
+                    <a:spcPts val="3000"/>
+                  </a:lnSpc>
+                </a:pPr>
+                <a:endParaRPr lang="pt-BR" sz="2000" dirty="0">
+                  <a:latin typeface="Helvetica" pitchFamily="2" charset="0"/>
+                  <a:cs typeface="Arial" panose="020B0604020202020204" pitchFamily="34" charset="0"/>
+                </a:endParaRPr>
+              </a:p>
+            </p:txBody>
+          </p:sp>
+        </mc:Choice>
+        <mc:Fallback>
+          <p:sp>
+            <p:nvSpPr>
+              <p:cNvPr id="21" name="CaixaDeTexto 20">
+                <a:extLst>
+                  <a:ext uri="{FF2B5EF4-FFF2-40B4-BE49-F238E27FC236}">
+                    <a16:creationId xmlns:a16="http://schemas.microsoft.com/office/drawing/2014/main" id="{89010F70-0726-EE0F-42FD-2D58700A6E5A}"/>
+                  </a:ext>
+                </a:extLst>
+              </p:cNvPr>
+              <p:cNvSpPr txBox="1">
+                <a:spLocks noRot="1" noChangeAspect="1" noMove="1" noResize="1" noEditPoints="1" noAdjustHandles="1" noChangeArrowheads="1" noChangeShapeType="1" noTextEdit="1"/>
+              </p:cNvSpPr>
+              <p:nvPr/>
+            </p:nvSpPr>
+            <p:spPr>
+              <a:xfrm>
+                <a:off x="916791" y="5026865"/>
+                <a:ext cx="2462513" cy="1593962"/>
+              </a:xfrm>
+              <a:prstGeom prst="rect">
+                <a:avLst/>
+              </a:prstGeom>
+              <a:blipFill>
+                <a:blip r:embed="rId4"/>
+                <a:stretch>
+                  <a:fillRect/>
+                </a:stretch>
+              </a:blipFill>
+              <a:ln w="19050">
+                <a:noFill/>
+              </a:ln>
+            </p:spPr>
+            <p:txBody>
+              <a:bodyPr/>
+              <a:lstStyle/>
+              <a:p>
+                <a:r>
+                  <a:rPr lang="pt-BR">
+                    <a:noFill/>
+                  </a:rPr>
+                  <a:t> </a:t>
+                </a:r>
+              </a:p>
+            </p:txBody>
+          </p:sp>
+        </mc:Fallback>
+      </mc:AlternateContent>
+      <mc:AlternateContent xmlns:mc="http://schemas.openxmlformats.org/markup-compatibility/2006">
+        <mc:Choice xmlns:a14="http://schemas.microsoft.com/office/drawing/2010/main" Requires="a14">
+          <p:sp>
+            <p:nvSpPr>
+              <p:cNvPr id="22" name="CaixaDeTexto 21">
+                <a:extLst>
+                  <a:ext uri="{FF2B5EF4-FFF2-40B4-BE49-F238E27FC236}">
+                    <a16:creationId xmlns:a16="http://schemas.microsoft.com/office/drawing/2014/main" id="{795167C2-FE32-6920-0EB7-4C69B169D549}"/>
+                  </a:ext>
+                </a:extLst>
+              </p:cNvPr>
+              <p:cNvSpPr txBox="1"/>
+              <p:nvPr/>
+            </p:nvSpPr>
+            <p:spPr>
+              <a:xfrm>
+                <a:off x="3379305" y="5026865"/>
+                <a:ext cx="5871395" cy="1593962"/>
+              </a:xfrm>
+              <a:prstGeom prst="rect">
+                <a:avLst/>
+              </a:prstGeom>
+              <a:solidFill>
+                <a:schemeClr val="bg1">
+                  <a:lumMod val="95000"/>
+                </a:schemeClr>
+              </a:solidFill>
+              <a:ln w="19050">
+                <a:noFill/>
+              </a:ln>
+            </p:spPr>
+            <p:txBody>
+              <a:bodyPr wrap="square" lIns="180000" rIns="180000" numCol="1" rtlCol="0">
+                <a:spAutoFit/>
+              </a:bodyPr>
+              <a:lstStyle/>
+              <a:p>
+                <a:pPr>
+                  <a:lnSpc>
+                    <a:spcPts val="3000"/>
+                  </a:lnSpc>
+                </a:pPr>
+                <a:r>
+                  <a:rPr lang="pt-BR" sz="2000" dirty="0">
+                    <a:latin typeface="Helvetica" pitchFamily="2" charset="0"/>
+                    <a:cs typeface="Arial" panose="020B0604020202020204" pitchFamily="34" charset="0"/>
+                  </a:rPr>
+                  <a:t>onde,</a:t>
+                </a:r>
+              </a:p>
+              <a:p>
+                <a:pPr>
+                  <a:lnSpc>
+                    <a:spcPts val="3000"/>
+                  </a:lnSpc>
+                </a:pPr>
+                <a14:m>
+                  <m:oMath xmlns:m="http://schemas.openxmlformats.org/officeDocument/2006/math">
+                    <m:sSub>
+                      <m:sSubPr>
+                        <m:ctrlPr>
+                          <a:rPr lang="pt-BR" sz="2000" b="0" i="1" smtClean="0">
+                            <a:latin typeface="Cambria Math" panose="02040503050406030204" pitchFamily="18" charset="0"/>
+                            <a:cs typeface="Arial" panose="020B0604020202020204" pitchFamily="34" charset="0"/>
+                          </a:rPr>
+                        </m:ctrlPr>
+                      </m:sSubPr>
+                      <m:e>
+                        <m:r>
+                          <a:rPr lang="pt-BR" sz="2000" b="0" i="1" smtClean="0">
+                            <a:latin typeface="Cambria Math" panose="02040503050406030204" pitchFamily="18" charset="0"/>
+                            <a:cs typeface="Arial" panose="020B0604020202020204" pitchFamily="34" charset="0"/>
+                          </a:rPr>
+                          <m:t>𝑎</m:t>
+                        </m:r>
+                      </m:e>
+                      <m:sub>
+                        <m:r>
+                          <a:rPr lang="pt-BR" sz="2000" b="0" i="1" smtClean="0">
+                            <a:latin typeface="Cambria Math" panose="02040503050406030204" pitchFamily="18" charset="0"/>
+                            <a:cs typeface="Arial" panose="020B0604020202020204" pitchFamily="34" charset="0"/>
+                          </a:rPr>
+                          <m:t>𝑖</m:t>
+                        </m:r>
+                      </m:sub>
+                    </m:sSub>
+                  </m:oMath>
+                </a14:m>
+                <a:r>
+                  <a:rPr lang="pt-BR" sz="2000" dirty="0">
+                    <a:latin typeface="Helvetica" pitchFamily="2" charset="0"/>
+                    <a:cs typeface="Arial" panose="020B0604020202020204" pitchFamily="34" charset="0"/>
+                  </a:rPr>
+                  <a:t>: distância média de </a:t>
+                </a:r>
+                <a14:m>
+                  <m:oMath xmlns:m="http://schemas.openxmlformats.org/officeDocument/2006/math">
+                    <m:r>
+                      <a:rPr lang="pt-BR" sz="2000" b="0" i="1" smtClean="0">
+                        <a:latin typeface="Cambria Math" panose="02040503050406030204" pitchFamily="18" charset="0"/>
+                        <a:cs typeface="Arial" panose="020B0604020202020204" pitchFamily="34" charset="0"/>
+                      </a:rPr>
+                      <m:t>𝑖</m:t>
+                    </m:r>
+                  </m:oMath>
+                </a14:m>
+                <a:r>
+                  <a:rPr lang="pt-BR" sz="2000" dirty="0">
+                    <a:latin typeface="Helvetica" pitchFamily="2" charset="0"/>
+                    <a:cs typeface="Arial" panose="020B0604020202020204" pitchFamily="34" charset="0"/>
+                  </a:rPr>
+                  <a:t> para pontos </a:t>
+                </a:r>
+                <a:r>
+                  <a:rPr lang="pt-BR" sz="2000" dirty="0" err="1">
+                    <a:latin typeface="Helvetica" pitchFamily="2" charset="0"/>
+                    <a:cs typeface="Arial" panose="020B0604020202020204" pitchFamily="34" charset="0"/>
+                  </a:rPr>
+                  <a:t>intracluster</a:t>
+                </a:r>
+                <a:endParaRPr lang="pt-BR" sz="2000" dirty="0">
+                  <a:latin typeface="Helvetica" pitchFamily="2" charset="0"/>
+                  <a:cs typeface="Arial" panose="020B0604020202020204" pitchFamily="34" charset="0"/>
+                </a:endParaRPr>
+              </a:p>
+              <a:p>
+                <a:pPr>
+                  <a:lnSpc>
+                    <a:spcPts val="3000"/>
+                  </a:lnSpc>
+                </a:pPr>
+                <a14:m>
+                  <m:oMath xmlns:m="http://schemas.openxmlformats.org/officeDocument/2006/math">
+                    <m:sSub>
+                      <m:sSubPr>
+                        <m:ctrlPr>
+                          <a:rPr lang="pt-BR" sz="2000" i="1" smtClean="0">
+                            <a:latin typeface="Cambria Math" panose="02040503050406030204" pitchFamily="18" charset="0"/>
+                            <a:cs typeface="Arial" panose="020B0604020202020204" pitchFamily="34" charset="0"/>
+                          </a:rPr>
+                        </m:ctrlPr>
+                      </m:sSubPr>
+                      <m:e>
+                        <m:r>
+                          <a:rPr lang="pt-BR" sz="2000" b="0" i="1" smtClean="0">
+                            <a:latin typeface="Cambria Math" panose="02040503050406030204" pitchFamily="18" charset="0"/>
+                            <a:cs typeface="Arial" panose="020B0604020202020204" pitchFamily="34" charset="0"/>
+                          </a:rPr>
+                          <m:t>𝑏</m:t>
+                        </m:r>
+                      </m:e>
+                      <m:sub>
+                        <m:r>
+                          <a:rPr lang="pt-BR" sz="2000" b="0" i="1" smtClean="0">
+                            <a:latin typeface="Cambria Math" panose="02040503050406030204" pitchFamily="18" charset="0"/>
+                            <a:cs typeface="Arial" panose="020B0604020202020204" pitchFamily="34" charset="0"/>
+                          </a:rPr>
+                          <m:t>𝑖</m:t>
+                        </m:r>
+                      </m:sub>
+                    </m:sSub>
+                  </m:oMath>
+                </a14:m>
+                <a:r>
+                  <a:rPr lang="pt-BR" sz="2000" dirty="0">
+                    <a:latin typeface="Helvetica" pitchFamily="2" charset="0"/>
+                    <a:cs typeface="Arial" panose="020B0604020202020204" pitchFamily="34" charset="0"/>
+                  </a:rPr>
+                  <a:t>: distância média de </a:t>
+                </a:r>
+                <a14:m>
+                  <m:oMath xmlns:m="http://schemas.openxmlformats.org/officeDocument/2006/math">
+                    <m:r>
+                      <a:rPr lang="pt-BR" sz="2000" i="1">
+                        <a:latin typeface="Cambria Math" panose="02040503050406030204" pitchFamily="18" charset="0"/>
+                        <a:cs typeface="Arial" panose="020B0604020202020204" pitchFamily="34" charset="0"/>
+                      </a:rPr>
+                      <m:t>𝑖</m:t>
+                    </m:r>
+                  </m:oMath>
+                </a14:m>
+                <a:r>
+                  <a:rPr lang="pt-BR" sz="2000" dirty="0">
+                    <a:latin typeface="Helvetica" pitchFamily="2" charset="0"/>
+                    <a:cs typeface="Arial" panose="020B0604020202020204" pitchFamily="34" charset="0"/>
+                  </a:rPr>
+                  <a:t> para pontos </a:t>
+                </a:r>
+                <a:r>
+                  <a:rPr lang="pt-BR" sz="2000" dirty="0" err="1">
+                    <a:latin typeface="Helvetica" pitchFamily="2" charset="0"/>
+                    <a:cs typeface="Arial" panose="020B0604020202020204" pitchFamily="34" charset="0"/>
+                  </a:rPr>
+                  <a:t>extracluster</a:t>
+                </a:r>
+                <a:endParaRPr lang="pt-BR" sz="2000" dirty="0">
+                  <a:latin typeface="Helvetica" pitchFamily="2" charset="0"/>
+                  <a:cs typeface="Arial" panose="020B0604020202020204" pitchFamily="34" charset="0"/>
+                </a:endParaRPr>
+              </a:p>
+              <a:p>
+                <a:pPr>
+                  <a:lnSpc>
+                    <a:spcPts val="3000"/>
+                  </a:lnSpc>
+                </a:pPr>
+                <a:endParaRPr lang="pt-BR" sz="2000" dirty="0">
+                  <a:latin typeface="Helvetica" pitchFamily="2" charset="0"/>
+                  <a:cs typeface="Arial" panose="020B0604020202020204" pitchFamily="34" charset="0"/>
+                </a:endParaRPr>
+              </a:p>
+            </p:txBody>
+          </p:sp>
+        </mc:Choice>
+        <mc:Fallback>
+          <p:sp>
+            <p:nvSpPr>
+              <p:cNvPr id="22" name="CaixaDeTexto 21">
+                <a:extLst>
+                  <a:ext uri="{FF2B5EF4-FFF2-40B4-BE49-F238E27FC236}">
+                    <a16:creationId xmlns:a16="http://schemas.microsoft.com/office/drawing/2014/main" id="{795167C2-FE32-6920-0EB7-4C69B169D549}"/>
+                  </a:ext>
+                </a:extLst>
+              </p:cNvPr>
+              <p:cNvSpPr txBox="1">
+                <a:spLocks noRot="1" noChangeAspect="1" noMove="1" noResize="1" noEditPoints="1" noAdjustHandles="1" noChangeArrowheads="1" noChangeShapeType="1" noTextEdit="1"/>
+              </p:cNvSpPr>
+              <p:nvPr/>
+            </p:nvSpPr>
+            <p:spPr>
+              <a:xfrm>
+                <a:off x="3379305" y="5026865"/>
+                <a:ext cx="5871395" cy="1593962"/>
+              </a:xfrm>
+              <a:prstGeom prst="rect">
+                <a:avLst/>
+              </a:prstGeom>
+              <a:blipFill>
+                <a:blip r:embed="rId5"/>
+                <a:stretch>
+                  <a:fillRect/>
+                </a:stretch>
+              </a:blipFill>
+              <a:ln w="19050">
+                <a:noFill/>
+              </a:ln>
+            </p:spPr>
+            <p:txBody>
+              <a:bodyPr/>
+              <a:lstStyle/>
+              <a:p>
+                <a:r>
+                  <a:rPr lang="pt-BR">
+                    <a:noFill/>
+                  </a:rPr>
+                  <a:t> </a:t>
+                </a:r>
+              </a:p>
+            </p:txBody>
+          </p:sp>
+        </mc:Fallback>
+      </mc:AlternateContent>
+      <p:sp>
+        <p:nvSpPr>
+          <p:cNvPr id="23" name="Retângulo 22">
+            <a:extLst>
+              <a:ext uri="{FF2B5EF4-FFF2-40B4-BE49-F238E27FC236}">
+                <a16:creationId xmlns:a16="http://schemas.microsoft.com/office/drawing/2014/main" id="{63E35B45-C497-8D4A-0EFE-85E8EFCBDA30}"/>
+              </a:ext>
+            </a:extLst>
+          </p:cNvPr>
+          <p:cNvSpPr/>
+          <p:nvPr/>
+        </p:nvSpPr>
+        <p:spPr>
+          <a:xfrm>
+            <a:off x="916790" y="5026865"/>
+            <a:ext cx="8333910" cy="1593962"/>
+          </a:xfrm>
+          <a:prstGeom prst="rect">
+            <a:avLst/>
+          </a:prstGeom>
+          <a:noFill/>
+          <a:ln w="19050">
+            <a:solidFill>
+              <a:schemeClr val="tx1"/>
+            </a:solidFill>
+          </a:ln>
+        </p:spPr>
+        <p:style>
+          <a:lnRef idx="2">
+            <a:schemeClr val="accent1">
+              <a:shade val="15000"/>
+            </a:schemeClr>
+          </a:lnRef>
+          <a:fillRef idx="1">
+            <a:schemeClr val="accent1"/>
+          </a:fillRef>
+          <a:effectRef idx="0">
+            <a:schemeClr val="accent1"/>
+          </a:effectRef>
+          <a:fontRef idx="minor">
+            <a:schemeClr val="lt1"/>
+          </a:fontRef>
+        </p:style>
+        <p:txBody>
+          <a:bodyPr rtlCol="0" anchor="ctr"/>
+          <a:lstStyle/>
+          <a:p>
+            <a:pPr algn="ctr"/>
+            <a:endParaRPr lang="pt-BR"/>
+          </a:p>
+        </p:txBody>
+      </p:sp>
+      <p:sp>
+        <p:nvSpPr>
+          <p:cNvPr id="24" name="CaixaDeTexto 23">
+            <a:extLst>
+              <a:ext uri="{FF2B5EF4-FFF2-40B4-BE49-F238E27FC236}">
+                <a16:creationId xmlns:a16="http://schemas.microsoft.com/office/drawing/2014/main" id="{00405DF4-88CB-F1E2-500C-58CEA4E340B0}"/>
+              </a:ext>
+            </a:extLst>
+          </p:cNvPr>
+          <p:cNvSpPr txBox="1"/>
+          <p:nvPr/>
+        </p:nvSpPr>
+        <p:spPr>
+          <a:xfrm>
+            <a:off x="1073187" y="4826810"/>
+            <a:ext cx="1678986" cy="400110"/>
+          </a:xfrm>
+          <a:prstGeom prst="rect">
+            <a:avLst/>
+          </a:prstGeom>
+          <a:solidFill>
+            <a:schemeClr val="tx1"/>
+          </a:solidFill>
+        </p:spPr>
+        <p:txBody>
+          <a:bodyPr wrap="square" rtlCol="0">
+            <a:spAutoFit/>
+          </a:bodyPr>
+          <a:lstStyle/>
+          <a:p>
+            <a:pPr algn="ctr"/>
+            <a:r>
+              <a:rPr lang="pt-BR" sz="2000" b="1" dirty="0">
+                <a:solidFill>
+                  <a:schemeClr val="bg2"/>
+                </a:solidFill>
+                <a:latin typeface="Helvetica" pitchFamily="2" charset="0"/>
+                <a:cs typeface="Arial" panose="020B0604020202020204" pitchFamily="34" charset="0"/>
+              </a:rPr>
+              <a:t>NOTAÇÃO</a:t>
+            </a:r>
+            <a:endParaRPr lang="pt-BR" sz="2000" dirty="0">
+              <a:solidFill>
+                <a:schemeClr val="bg2"/>
+              </a:solidFill>
+            </a:endParaRPr>
+          </a:p>
+        </p:txBody>
+      </p:sp>
+    </p:spTree>
+    <p:extLst>
+      <p:ext uri="{BB962C8B-B14F-4D97-AF65-F5344CB8AC3E}">
+        <p14:creationId xmlns:p14="http://schemas.microsoft.com/office/powerpoint/2010/main" val="2630804821"/>
+      </p:ext>
+    </p:extLst>
+  </p:cSld>
+  <p:clrMapOvr>
+    <a:masterClrMapping/>
+  </p:clrMapOvr>
+</p:sld>
+</file>
+
+<file path=ppt/slides/slide12.xml><?xml version="1.0" encoding="utf-8"?>
+<p:sld xmlns:a="http://schemas.openxmlformats.org/drawingml/2006/main" xmlns:r="http://schemas.openxmlformats.org/officeDocument/2006/relationships" xmlns:p="http://schemas.openxmlformats.org/presentationml/2006/main">
+  <p:cSld>
+    <p:spTree>
+      <p:nvGrpSpPr>
+        <p:cNvPr id="1" name=""/>
+        <p:cNvGrpSpPr/>
+        <p:nvPr/>
+      </p:nvGrpSpPr>
+      <p:grpSpPr>
+        <a:xfrm>
+          <a:off x="0" y="0"/>
+          <a:ext cx="0" cy="0"/>
+          <a:chOff x="0" y="0"/>
+          <a:chExt cx="0" cy="0"/>
+        </a:xfrm>
+      </p:grpSpPr>
+      <p:sp>
+        <p:nvSpPr>
+          <p:cNvPr id="2" name="Título 1">
+            <a:extLst>
+              <a:ext uri="{FF2B5EF4-FFF2-40B4-BE49-F238E27FC236}">
+                <a16:creationId xmlns:a16="http://schemas.microsoft.com/office/drawing/2014/main" id="{540F1CF0-7D3A-1F30-A06D-DD96920677D2}"/>
+              </a:ext>
+            </a:extLst>
+          </p:cNvPr>
+          <p:cNvSpPr>
+            <a:spLocks noGrp="1"/>
+          </p:cNvSpPr>
+          <p:nvPr>
+            <p:ph type="title"/>
+          </p:nvPr>
+        </p:nvSpPr>
+        <p:spPr/>
+        <p:txBody>
+          <a:bodyPr anchor="t" anchorCtr="0">
+            <a:normAutofit/>
+          </a:bodyPr>
+          <a:lstStyle/>
+          <a:p>
+            <a:pPr>
+              <a:lnSpc>
+                <a:spcPct val="100000"/>
+              </a:lnSpc>
+            </a:pPr>
+            <a:r>
+              <a:rPr lang="pt-BR" sz="2800" b="1" dirty="0">
+                <a:latin typeface="Helvetica" pitchFamily="2" charset="0"/>
+                <a:cs typeface="Arial" panose="020B0604020202020204" pitchFamily="34" charset="0"/>
+              </a:rPr>
+              <a:t>VALIDAÇÃO </a:t>
+            </a:r>
+            <a:r>
+              <a:rPr lang="pt-BR" sz="2800" dirty="0">
+                <a:solidFill>
+                  <a:schemeClr val="tx1">
+                    <a:lumMod val="50000"/>
+                    <a:lumOff val="50000"/>
+                  </a:schemeClr>
+                </a:solidFill>
+                <a:latin typeface="Helvetica" pitchFamily="2" charset="0"/>
+                <a:cs typeface="Arial" panose="020B0604020202020204" pitchFamily="34" charset="0"/>
+              </a:rPr>
+              <a:t>Índice de Davies-</a:t>
+            </a:r>
+            <a:r>
+              <a:rPr lang="pt-BR" sz="2800" dirty="0" err="1">
+                <a:solidFill>
+                  <a:schemeClr val="tx1">
+                    <a:lumMod val="50000"/>
+                    <a:lumOff val="50000"/>
+                  </a:schemeClr>
+                </a:solidFill>
+                <a:latin typeface="Helvetica" pitchFamily="2" charset="0"/>
+                <a:cs typeface="Arial" panose="020B0604020202020204" pitchFamily="34" charset="0"/>
+              </a:rPr>
+              <a:t>Bouldin</a:t>
+            </a:r>
+            <a:endParaRPr lang="pt-BR" sz="2800" dirty="0">
+              <a:solidFill>
+                <a:schemeClr val="tx1">
+                  <a:lumMod val="50000"/>
+                  <a:lumOff val="50000"/>
+                </a:schemeClr>
+              </a:solidFill>
+              <a:latin typeface="Helvetica" pitchFamily="2" charset="0"/>
+              <a:cs typeface="Arial" panose="020B0604020202020204" pitchFamily="34" charset="0"/>
+            </a:endParaRPr>
+          </a:p>
+        </p:txBody>
+      </p:sp>
+      <p:sp>
+        <p:nvSpPr>
+          <p:cNvPr id="3" name="Espaço Reservado para Conteúdo 2">
+            <a:extLst>
+              <a:ext uri="{FF2B5EF4-FFF2-40B4-BE49-F238E27FC236}">
+                <a16:creationId xmlns:a16="http://schemas.microsoft.com/office/drawing/2014/main" id="{AC797752-DF14-11FD-FD02-7A6C4E7C74D2}"/>
+              </a:ext>
+            </a:extLst>
+          </p:cNvPr>
+          <p:cNvSpPr>
+            <a:spLocks noGrp="1"/>
+          </p:cNvSpPr>
+          <p:nvPr>
+            <p:ph idx="1"/>
+          </p:nvPr>
+        </p:nvSpPr>
+        <p:spPr>
+          <a:xfrm>
+            <a:off x="838200" y="1825625"/>
+            <a:ext cx="5582055" cy="4489450"/>
+          </a:xfrm>
+        </p:spPr>
+        <p:txBody>
+          <a:bodyPr>
+            <a:noAutofit/>
+          </a:bodyPr>
+          <a:lstStyle/>
+          <a:p>
+            <a:pPr marL="0" indent="0">
+              <a:lnSpc>
+                <a:spcPts val="3000"/>
+              </a:lnSpc>
+              <a:spcBef>
+                <a:spcPts val="0"/>
+              </a:spcBef>
+              <a:buNone/>
+            </a:pPr>
+            <a:r>
+              <a:rPr lang="pt-BR" sz="2000" b="0" i="0" u="none" strike="noStrike" dirty="0">
+                <a:solidFill>
+                  <a:srgbClr val="000000"/>
+                </a:solidFill>
+                <a:effectLst/>
+                <a:latin typeface="Helvetica" pitchFamily="2" charset="0"/>
+              </a:rPr>
+              <a:t>A segunda ferramenta adotada para validar os resultados</a:t>
+            </a:r>
+            <a:r>
+              <a:rPr lang="pt-BR" sz="2000" dirty="0">
+                <a:solidFill>
+                  <a:srgbClr val="000000"/>
+                </a:solidFill>
+                <a:latin typeface="Helvetica" pitchFamily="2" charset="0"/>
+              </a:rPr>
+              <a:t> foi o índice Davies-</a:t>
+            </a:r>
+            <a:r>
+              <a:rPr lang="pt-BR" sz="2000" dirty="0" err="1">
+                <a:solidFill>
+                  <a:srgbClr val="000000"/>
+                </a:solidFill>
+                <a:latin typeface="Helvetica" pitchFamily="2" charset="0"/>
+              </a:rPr>
+              <a:t>Bouldin</a:t>
+            </a:r>
+            <a:r>
+              <a:rPr lang="pt-BR" sz="2000" dirty="0">
+                <a:solidFill>
+                  <a:srgbClr val="000000"/>
+                </a:solidFill>
+                <a:latin typeface="Helvetica" pitchFamily="2" charset="0"/>
+              </a:rPr>
+              <a:t>, que observa a coesão do cluster, dada a lógica de que um agrupamento adequado é denso em si, ao passo que distante dos demais. Seus resultados vão </a:t>
+            </a:r>
+            <a:r>
+              <a:rPr lang="pt-BR" sz="2000" b="0" i="0" u="none" strike="noStrike" dirty="0">
+                <a:solidFill>
+                  <a:srgbClr val="000000"/>
+                </a:solidFill>
+                <a:effectLst/>
+                <a:latin typeface="Helvetica" pitchFamily="2" charset="0"/>
+              </a:rPr>
+              <a:t>de 0 a 1 (Figura 7). </a:t>
+            </a:r>
+          </a:p>
+        </p:txBody>
+      </p:sp>
+      <p:sp>
+        <p:nvSpPr>
+          <p:cNvPr id="12" name="CaixaDeTexto 11">
+            <a:extLst>
+              <a:ext uri="{FF2B5EF4-FFF2-40B4-BE49-F238E27FC236}">
+                <a16:creationId xmlns:a16="http://schemas.microsoft.com/office/drawing/2014/main" id="{B7304DC3-0EBB-C2E1-D1F0-EB674C82AA49}"/>
+              </a:ext>
+            </a:extLst>
+          </p:cNvPr>
+          <p:cNvSpPr txBox="1"/>
+          <p:nvPr/>
+        </p:nvSpPr>
+        <p:spPr>
+          <a:xfrm>
+            <a:off x="10123664" y="1545065"/>
+            <a:ext cx="1100928" cy="276999"/>
+          </a:xfrm>
+          <a:prstGeom prst="rect">
+            <a:avLst/>
+          </a:prstGeom>
+          <a:noFill/>
+        </p:spPr>
+        <p:txBody>
+          <a:bodyPr wrap="square" rtlCol="0">
+            <a:spAutoFit/>
+          </a:bodyPr>
+          <a:lstStyle/>
+          <a:p>
+            <a:pPr algn="r"/>
+            <a:r>
+              <a:rPr lang="pt-BR" sz="1200" dirty="0">
+                <a:latin typeface="Helvetica" pitchFamily="2" charset="0"/>
+                <a:cs typeface="Arial" panose="020B0604020202020204" pitchFamily="34" charset="0"/>
+              </a:rPr>
+              <a:t>Figura 7</a:t>
+            </a:r>
+          </a:p>
+        </p:txBody>
+      </p:sp>
+      <mc:AlternateContent xmlns:mc="http://schemas.openxmlformats.org/markup-compatibility/2006">
+        <mc:Choice xmlns:a14="http://schemas.microsoft.com/office/drawing/2010/main" Requires="a14">
+          <p:sp>
+            <p:nvSpPr>
+              <p:cNvPr id="13" name="CaixaDeTexto 12">
+                <a:extLst>
+                  <a:ext uri="{FF2B5EF4-FFF2-40B4-BE49-F238E27FC236}">
+                    <a16:creationId xmlns:a16="http://schemas.microsoft.com/office/drawing/2014/main" id="{C8DD533A-C4F5-89F4-9133-D9FCBFA9420F}"/>
+                  </a:ext>
+                </a:extLst>
+              </p:cNvPr>
+              <p:cNvSpPr txBox="1"/>
+              <p:nvPr/>
+            </p:nvSpPr>
+            <p:spPr>
+              <a:xfrm>
+                <a:off x="916791" y="5026865"/>
+                <a:ext cx="2959469" cy="1593962"/>
+              </a:xfrm>
+              <a:prstGeom prst="rect">
+                <a:avLst/>
+              </a:prstGeom>
+              <a:solidFill>
+                <a:schemeClr val="bg1">
+                  <a:lumMod val="95000"/>
+                </a:schemeClr>
+              </a:solidFill>
+              <a:ln w="19050">
+                <a:noFill/>
+              </a:ln>
+            </p:spPr>
+            <p:txBody>
+              <a:bodyPr wrap="square" lIns="180000" rIns="180000" numCol="1" rtlCol="0">
+                <a:spAutoFit/>
+              </a:bodyPr>
+              <a:lstStyle/>
+              <a:p>
+                <a:pPr>
+                  <a:lnSpc>
+                    <a:spcPts val="3000"/>
+                  </a:lnSpc>
+                </a:pPr>
+                <a:endParaRPr lang="pt-BR" sz="2000" i="1" dirty="0">
+                  <a:latin typeface="Cambria Math" panose="02040503050406030204" pitchFamily="18" charset="0"/>
+                  <a:cs typeface="Arial" panose="020B0604020202020204" pitchFamily="34" charset="0"/>
+                </a:endParaRPr>
+              </a:p>
+              <a:p>
+                <a:pPr>
+                  <a:lnSpc>
+                    <a:spcPts val="3000"/>
+                  </a:lnSpc>
+                </a:pPr>
+                <a:endParaRPr lang="pt-BR" sz="2000" i="1" dirty="0">
+                  <a:latin typeface="Cambria Math" panose="02040503050406030204" pitchFamily="18" charset="0"/>
+                  <a:cs typeface="Arial" panose="020B0604020202020204" pitchFamily="34" charset="0"/>
+                </a:endParaRPr>
+              </a:p>
+              <a:p>
+                <a:pPr>
+                  <a:lnSpc>
+                    <a:spcPts val="3000"/>
+                  </a:lnSpc>
+                </a:pPr>
+                <a14:m>
+                  <m:oMathPara xmlns:m="http://schemas.openxmlformats.org/officeDocument/2006/math">
+                    <m:oMathParaPr>
+                      <m:jc m:val="centerGroup"/>
+                    </m:oMathParaPr>
+                    <m:oMath xmlns:m="http://schemas.openxmlformats.org/officeDocument/2006/math">
+                      <m:f>
+                        <m:fPr>
+                          <m:ctrlPr>
+                            <a:rPr lang="pt-BR" sz="2000" i="1" smtClean="0">
+                              <a:latin typeface="Cambria Math" panose="02040503050406030204" pitchFamily="18" charset="0"/>
+                              <a:cs typeface="Arial" panose="020B0604020202020204" pitchFamily="34" charset="0"/>
+                            </a:rPr>
+                          </m:ctrlPr>
+                        </m:fPr>
+                        <m:num>
+                          <m:r>
+                            <a:rPr lang="pt-BR" sz="2000" b="0" i="1" smtClean="0">
+                              <a:latin typeface="Cambria Math" panose="02040503050406030204" pitchFamily="18" charset="0"/>
+                              <a:cs typeface="Arial" panose="020B0604020202020204" pitchFamily="34" charset="0"/>
+                            </a:rPr>
+                            <m:t>1</m:t>
+                          </m:r>
+                        </m:num>
+                        <m:den>
+                          <m:r>
+                            <a:rPr lang="pt-BR" sz="2000" b="0" i="1" smtClean="0">
+                              <a:latin typeface="Cambria Math" panose="02040503050406030204" pitchFamily="18" charset="0"/>
+                              <a:cs typeface="Arial" panose="020B0604020202020204" pitchFamily="34" charset="0"/>
+                            </a:rPr>
+                            <m:t>𝑘</m:t>
+                          </m:r>
+                        </m:den>
+                      </m:f>
+                      <m:nary>
+                        <m:naryPr>
+                          <m:chr m:val="∑"/>
+                          <m:ctrlPr>
+                            <a:rPr lang="pt-BR" sz="2000" i="1" smtClean="0">
+                              <a:latin typeface="Cambria Math" panose="02040503050406030204" pitchFamily="18" charset="0"/>
+                              <a:cs typeface="Arial" panose="020B0604020202020204" pitchFamily="34" charset="0"/>
+                            </a:rPr>
+                          </m:ctrlPr>
+                        </m:naryPr>
+                        <m:sub>
+                          <m:r>
+                            <m:rPr>
+                              <m:brk m:alnAt="23"/>
+                            </m:rPr>
+                            <a:rPr lang="pt-BR" sz="2000" b="0" i="1" smtClean="0">
+                              <a:latin typeface="Cambria Math" panose="02040503050406030204" pitchFamily="18" charset="0"/>
+                              <a:cs typeface="Arial" panose="020B0604020202020204" pitchFamily="34" charset="0"/>
+                            </a:rPr>
+                            <m:t>𝑖</m:t>
+                          </m:r>
+                          <m:r>
+                            <a:rPr lang="pt-BR" sz="2000" b="0" i="1" smtClean="0">
+                              <a:latin typeface="Cambria Math" panose="02040503050406030204" pitchFamily="18" charset="0"/>
+                              <a:cs typeface="Arial" panose="020B0604020202020204" pitchFamily="34" charset="0"/>
+                            </a:rPr>
+                            <m:t>=1</m:t>
+                          </m:r>
+                        </m:sub>
+                        <m:sup>
+                          <m:r>
+                            <a:rPr lang="pt-BR" sz="2000" b="0" i="1" smtClean="0">
+                              <a:latin typeface="Cambria Math" panose="02040503050406030204" pitchFamily="18" charset="0"/>
+                              <a:cs typeface="Arial" panose="020B0604020202020204" pitchFamily="34" charset="0"/>
+                            </a:rPr>
+                            <m:t>𝑘</m:t>
+                          </m:r>
+                        </m:sup>
+                        <m:e>
+                          <m:func>
+                            <m:funcPr>
+                              <m:ctrlPr>
+                                <a:rPr lang="pt-BR" sz="2000" i="1" smtClean="0">
+                                  <a:latin typeface="Cambria Math" panose="02040503050406030204" pitchFamily="18" charset="0"/>
+                                  <a:cs typeface="Arial" panose="020B0604020202020204" pitchFamily="34" charset="0"/>
+                                </a:rPr>
+                              </m:ctrlPr>
+                            </m:funcPr>
+                            <m:fName>
+                              <m:limLow>
+                                <m:limLowPr>
+                                  <m:ctrlPr>
+                                    <a:rPr lang="pt-BR" sz="2000" i="1" smtClean="0">
+                                      <a:latin typeface="Cambria Math" panose="02040503050406030204" pitchFamily="18" charset="0"/>
+                                      <a:cs typeface="Arial" panose="020B0604020202020204" pitchFamily="34" charset="0"/>
+                                    </a:rPr>
+                                  </m:ctrlPr>
+                                </m:limLowPr>
+                                <m:e>
+                                  <m:r>
+                                    <m:rPr>
+                                      <m:sty m:val="p"/>
+                                    </m:rPr>
+                                    <a:rPr lang="pt-BR" sz="2000" i="0" smtClean="0">
+                                      <a:latin typeface="Cambria Math" panose="02040503050406030204" pitchFamily="18" charset="0"/>
+                                      <a:cs typeface="Arial" panose="020B0604020202020204" pitchFamily="34" charset="0"/>
+                                    </a:rPr>
+                                    <m:t>max</m:t>
+                                  </m:r>
+                                </m:e>
+                                <m:lim>
+                                  <m:r>
+                                    <a:rPr lang="pt-BR" sz="2000" b="0" i="1" smtClean="0">
+                                      <a:latin typeface="Cambria Math" panose="02040503050406030204" pitchFamily="18" charset="0"/>
+                                      <a:cs typeface="Arial" panose="020B0604020202020204" pitchFamily="34" charset="0"/>
+                                    </a:rPr>
+                                    <m:t>𝑖</m:t>
+                                  </m:r>
+                                  <m:r>
+                                    <a:rPr lang="pt-BR" sz="2000" b="0" i="1" smtClean="0">
+                                      <a:latin typeface="Cambria Math" panose="02040503050406030204" pitchFamily="18" charset="0"/>
+                                      <a:ea typeface="Cambria Math" panose="02040503050406030204" pitchFamily="18" charset="0"/>
+                                      <a:cs typeface="Arial" panose="020B0604020202020204" pitchFamily="34" charset="0"/>
+                                    </a:rPr>
+                                    <m:t>≠</m:t>
+                                  </m:r>
+                                  <m:r>
+                                    <a:rPr lang="pt-BR" sz="2000" b="0" i="1" smtClean="0">
+                                      <a:latin typeface="Cambria Math" panose="02040503050406030204" pitchFamily="18" charset="0"/>
+                                      <a:ea typeface="Cambria Math" panose="02040503050406030204" pitchFamily="18" charset="0"/>
+                                      <a:cs typeface="Arial" panose="020B0604020202020204" pitchFamily="34" charset="0"/>
+                                    </a:rPr>
+                                    <m:t>𝑗</m:t>
+                                  </m:r>
+                                </m:lim>
+                              </m:limLow>
+                            </m:fName>
+                            <m:e>
+                              <m:d>
+                                <m:dPr>
+                                  <m:ctrlPr>
+                                    <a:rPr lang="pt-BR" sz="2000" i="1" smtClean="0">
+                                      <a:latin typeface="Cambria Math" panose="02040503050406030204" pitchFamily="18" charset="0"/>
+                                      <a:cs typeface="Arial" panose="020B0604020202020204" pitchFamily="34" charset="0"/>
+                                    </a:rPr>
+                                  </m:ctrlPr>
+                                </m:dPr>
+                                <m:e>
+                                  <m:f>
+                                    <m:fPr>
+                                      <m:ctrlPr>
+                                        <a:rPr lang="pt-BR" sz="2000" i="1" smtClean="0">
+                                          <a:latin typeface="Cambria Math" panose="02040503050406030204" pitchFamily="18" charset="0"/>
+                                          <a:cs typeface="Arial" panose="020B0604020202020204" pitchFamily="34" charset="0"/>
+                                        </a:rPr>
+                                      </m:ctrlPr>
+                                    </m:fPr>
+                                    <m:num>
+                                      <m:sSub>
+                                        <m:sSubPr>
+                                          <m:ctrlPr>
+                                            <a:rPr lang="pt-BR" sz="2000" i="1" smtClean="0">
+                                              <a:latin typeface="Cambria Math" panose="02040503050406030204" pitchFamily="18" charset="0"/>
+                                              <a:cs typeface="Arial" panose="020B0604020202020204" pitchFamily="34" charset="0"/>
+                                            </a:rPr>
+                                          </m:ctrlPr>
+                                        </m:sSubPr>
+                                        <m:e>
+                                          <m:r>
+                                            <a:rPr lang="pt-BR" sz="2000" b="0" i="1" smtClean="0">
+                                              <a:latin typeface="Cambria Math" panose="02040503050406030204" pitchFamily="18" charset="0"/>
+                                              <a:cs typeface="Arial" panose="020B0604020202020204" pitchFamily="34" charset="0"/>
+                                            </a:rPr>
+                                            <m:t>𝑆</m:t>
+                                          </m:r>
+                                        </m:e>
+                                        <m:sub>
+                                          <m:r>
+                                            <a:rPr lang="pt-BR" sz="2000" b="0" i="1" smtClean="0">
+                                              <a:latin typeface="Cambria Math" panose="02040503050406030204" pitchFamily="18" charset="0"/>
+                                              <a:cs typeface="Arial" panose="020B0604020202020204" pitchFamily="34" charset="0"/>
+                                            </a:rPr>
+                                            <m:t>𝑖</m:t>
+                                          </m:r>
+                                        </m:sub>
+                                      </m:sSub>
+                                      <m:r>
+                                        <a:rPr lang="pt-BR" sz="2000" b="0" i="1" smtClean="0">
+                                          <a:latin typeface="Cambria Math" panose="02040503050406030204" pitchFamily="18" charset="0"/>
+                                          <a:cs typeface="Arial" panose="020B0604020202020204" pitchFamily="34" charset="0"/>
+                                        </a:rPr>
+                                        <m:t>+</m:t>
+                                      </m:r>
+                                      <m:sSub>
+                                        <m:sSubPr>
+                                          <m:ctrlPr>
+                                            <a:rPr lang="pt-BR" sz="2000" b="0" i="1" smtClean="0">
+                                              <a:latin typeface="Cambria Math" panose="02040503050406030204" pitchFamily="18" charset="0"/>
+                                              <a:cs typeface="Arial" panose="020B0604020202020204" pitchFamily="34" charset="0"/>
+                                            </a:rPr>
+                                          </m:ctrlPr>
+                                        </m:sSubPr>
+                                        <m:e>
+                                          <m:r>
+                                            <a:rPr lang="pt-BR" sz="2000" b="0" i="1" smtClean="0">
+                                              <a:latin typeface="Cambria Math" panose="02040503050406030204" pitchFamily="18" charset="0"/>
+                                              <a:cs typeface="Arial" panose="020B0604020202020204" pitchFamily="34" charset="0"/>
+                                            </a:rPr>
+                                            <m:t>𝑆</m:t>
+                                          </m:r>
+                                        </m:e>
+                                        <m:sub>
+                                          <m:r>
+                                            <a:rPr lang="pt-BR" sz="2000" b="0" i="1" smtClean="0">
+                                              <a:latin typeface="Cambria Math" panose="02040503050406030204" pitchFamily="18" charset="0"/>
+                                              <a:cs typeface="Arial" panose="020B0604020202020204" pitchFamily="34" charset="0"/>
+                                            </a:rPr>
+                                            <m:t>𝑗</m:t>
+                                          </m:r>
+                                        </m:sub>
+                                      </m:sSub>
+                                    </m:num>
+                                    <m:den>
+                                      <m:sSub>
+                                        <m:sSubPr>
+                                          <m:ctrlPr>
+                                            <a:rPr lang="pt-BR" sz="2000" i="1" smtClean="0">
+                                              <a:latin typeface="Cambria Math" panose="02040503050406030204" pitchFamily="18" charset="0"/>
+                                              <a:cs typeface="Arial" panose="020B0604020202020204" pitchFamily="34" charset="0"/>
+                                            </a:rPr>
+                                          </m:ctrlPr>
+                                        </m:sSubPr>
+                                        <m:e>
+                                          <m:r>
+                                            <a:rPr lang="pt-BR" sz="2000" b="0" i="1" smtClean="0">
+                                              <a:latin typeface="Cambria Math" panose="02040503050406030204" pitchFamily="18" charset="0"/>
+                                              <a:cs typeface="Arial" panose="020B0604020202020204" pitchFamily="34" charset="0"/>
+                                            </a:rPr>
+                                            <m:t>𝑀</m:t>
+                                          </m:r>
+                                        </m:e>
+                                        <m:sub>
+                                          <m:r>
+                                            <a:rPr lang="pt-BR" sz="2000" b="0" i="1" smtClean="0">
+                                              <a:latin typeface="Cambria Math" panose="02040503050406030204" pitchFamily="18" charset="0"/>
+                                              <a:cs typeface="Arial" panose="020B0604020202020204" pitchFamily="34" charset="0"/>
+                                            </a:rPr>
+                                            <m:t>𝑖𝑗</m:t>
+                                          </m:r>
+                                        </m:sub>
+                                      </m:sSub>
+                                    </m:den>
+                                  </m:f>
+                                </m:e>
+                              </m:d>
+                            </m:e>
+                          </m:func>
+                        </m:e>
+                      </m:nary>
+                    </m:oMath>
+                  </m:oMathPara>
+                </a14:m>
+                <a:endParaRPr lang="pt-BR" sz="2000" dirty="0">
+                  <a:latin typeface="Helvetica" pitchFamily="2" charset="0"/>
+                  <a:cs typeface="Arial" panose="020B0604020202020204" pitchFamily="34" charset="0"/>
+                </a:endParaRPr>
+              </a:p>
+              <a:p>
+                <a:pPr>
+                  <a:lnSpc>
+                    <a:spcPts val="3000"/>
+                  </a:lnSpc>
+                </a:pPr>
+                <a:endParaRPr lang="pt-BR" sz="2000" dirty="0">
+                  <a:latin typeface="Helvetica" pitchFamily="2" charset="0"/>
+                  <a:cs typeface="Arial" panose="020B0604020202020204" pitchFamily="34" charset="0"/>
+                </a:endParaRPr>
+              </a:p>
+            </p:txBody>
+          </p:sp>
+        </mc:Choice>
+        <mc:Fallback>
+          <p:sp>
+            <p:nvSpPr>
+              <p:cNvPr id="13" name="CaixaDeTexto 12">
+                <a:extLst>
+                  <a:ext uri="{FF2B5EF4-FFF2-40B4-BE49-F238E27FC236}">
+                    <a16:creationId xmlns:a16="http://schemas.microsoft.com/office/drawing/2014/main" id="{C8DD533A-C4F5-89F4-9133-D9FCBFA9420F}"/>
+                  </a:ext>
+                </a:extLst>
+              </p:cNvPr>
+              <p:cNvSpPr txBox="1">
+                <a:spLocks noRot="1" noChangeAspect="1" noMove="1" noResize="1" noEditPoints="1" noAdjustHandles="1" noChangeArrowheads="1" noChangeShapeType="1" noTextEdit="1"/>
+              </p:cNvSpPr>
+              <p:nvPr/>
+            </p:nvSpPr>
+            <p:spPr>
+              <a:xfrm>
+                <a:off x="916791" y="5026865"/>
+                <a:ext cx="2959469" cy="1593962"/>
+              </a:xfrm>
+              <a:prstGeom prst="rect">
+                <a:avLst/>
+              </a:prstGeom>
+              <a:blipFill>
+                <a:blip r:embed="rId2"/>
+                <a:stretch>
+                  <a:fillRect l="-11728" t="-35249" b="-79693"/>
+                </a:stretch>
+              </a:blipFill>
+              <a:ln w="19050">
+                <a:noFill/>
+              </a:ln>
+            </p:spPr>
+            <p:txBody>
+              <a:bodyPr/>
+              <a:lstStyle/>
+              <a:p>
+                <a:r>
+                  <a:rPr lang="pt-BR">
+                    <a:noFill/>
+                  </a:rPr>
+                  <a:t> </a:t>
+                </a:r>
+              </a:p>
+            </p:txBody>
+          </p:sp>
+        </mc:Fallback>
+      </mc:AlternateContent>
+      <p:pic>
+        <p:nvPicPr>
+          <p:cNvPr id="5" name="Gráfico 4">
+            <a:extLst>
+              <a:ext uri="{FF2B5EF4-FFF2-40B4-BE49-F238E27FC236}">
+                <a16:creationId xmlns:a16="http://schemas.microsoft.com/office/drawing/2014/main" id="{E8FC7DFD-60DF-2120-9EE5-65BAB2C8A8BB}"/>
+              </a:ext>
+            </a:extLst>
+          </p:cNvPr>
+          <p:cNvPicPr>
+            <a:picLocks noChangeAspect="1"/>
+          </p:cNvPicPr>
+          <p:nvPr/>
+        </p:nvPicPr>
+        <p:blipFill>
+          <a:blip r:embed="rId3">
+            <a:extLst>
+              <a:ext uri="{28A0092B-C50C-407E-A947-70E740481C1C}">
+                <a14:useLocalDpi xmlns:a14="http://schemas.microsoft.com/office/drawing/2010/main" val="0"/>
+              </a:ext>
+              <a:ext uri="{96DAC541-7B7A-43D3-8B79-37D633B846F1}">
+                <asvg:svgBlip xmlns:asvg="http://schemas.microsoft.com/office/drawing/2016/SVG/main" r:embed="rId4"/>
+              </a:ext>
+            </a:extLst>
+          </a:blip>
+          <a:stretch>
+            <a:fillRect/>
+          </a:stretch>
+        </p:blipFill>
+        <p:spPr>
+          <a:xfrm>
+            <a:off x="6876297" y="1822064"/>
+            <a:ext cx="4477503" cy="3089130"/>
+          </a:xfrm>
+          <a:prstGeom prst="rect">
+            <a:avLst/>
+          </a:prstGeom>
+        </p:spPr>
+      </p:pic>
+      <mc:AlternateContent xmlns:mc="http://schemas.openxmlformats.org/markup-compatibility/2006">
+        <mc:Choice xmlns:a14="http://schemas.microsoft.com/office/drawing/2010/main" Requires="a14">
+          <p:sp>
+            <p:nvSpPr>
+              <p:cNvPr id="6" name="CaixaDeTexto 5">
+                <a:extLst>
+                  <a:ext uri="{FF2B5EF4-FFF2-40B4-BE49-F238E27FC236}">
+                    <a16:creationId xmlns:a16="http://schemas.microsoft.com/office/drawing/2014/main" id="{23BD01EA-FB81-8F84-D0C1-9B6DC770855F}"/>
+                  </a:ext>
+                </a:extLst>
+              </p:cNvPr>
+              <p:cNvSpPr txBox="1"/>
+              <p:nvPr/>
+            </p:nvSpPr>
+            <p:spPr>
+              <a:xfrm>
+                <a:off x="3876261" y="5026865"/>
+                <a:ext cx="3488634" cy="1618200"/>
+              </a:xfrm>
+              <a:prstGeom prst="rect">
+                <a:avLst/>
+              </a:prstGeom>
+              <a:solidFill>
+                <a:schemeClr val="bg1">
+                  <a:lumMod val="95000"/>
+                </a:schemeClr>
+              </a:solidFill>
+              <a:ln w="19050">
+                <a:noFill/>
+              </a:ln>
+            </p:spPr>
+            <p:txBody>
+              <a:bodyPr wrap="square" lIns="180000" rIns="180000" numCol="1" rtlCol="0">
+                <a:spAutoFit/>
+              </a:bodyPr>
+              <a:lstStyle/>
+              <a:p>
+                <a:pPr>
+                  <a:lnSpc>
+                    <a:spcPts val="3000"/>
+                  </a:lnSpc>
+                </a:pPr>
+                <a:r>
+                  <a:rPr lang="pt-BR" sz="2000" dirty="0">
+                    <a:latin typeface="Helvetica" pitchFamily="2" charset="0"/>
+                    <a:cs typeface="Arial" panose="020B0604020202020204" pitchFamily="34" charset="0"/>
+                  </a:rPr>
+                  <a:t>onde,</a:t>
+                </a:r>
+              </a:p>
+              <a:p>
+                <a:pPr>
+                  <a:lnSpc>
+                    <a:spcPts val="3000"/>
+                  </a:lnSpc>
+                </a:pPr>
+                <a14:m>
+                  <m:oMath xmlns:m="http://schemas.openxmlformats.org/officeDocument/2006/math">
+                    <m:r>
+                      <a:rPr lang="pt-BR" sz="2000" b="0" i="1" smtClean="0">
+                        <a:latin typeface="Cambria Math" panose="02040503050406030204" pitchFamily="18" charset="0"/>
+                        <a:cs typeface="Arial" panose="020B0604020202020204" pitchFamily="34" charset="0"/>
+                      </a:rPr>
+                      <m:t>𝑖</m:t>
+                    </m:r>
+                    <m:r>
+                      <a:rPr lang="pt-BR" sz="2000" b="0" i="1" smtClean="0">
+                        <a:latin typeface="Cambria Math" panose="02040503050406030204" pitchFamily="18" charset="0"/>
+                        <a:cs typeface="Arial" panose="020B0604020202020204" pitchFamily="34" charset="0"/>
+                      </a:rPr>
+                      <m:t>,</m:t>
+                    </m:r>
+                    <m:r>
+                      <a:rPr lang="pt-BR" sz="2000" b="0" i="1" smtClean="0">
+                        <a:latin typeface="Cambria Math" panose="02040503050406030204" pitchFamily="18" charset="0"/>
+                        <a:cs typeface="Arial" panose="020B0604020202020204" pitchFamily="34" charset="0"/>
+                      </a:rPr>
+                      <m:t>𝑗</m:t>
+                    </m:r>
+                  </m:oMath>
+                </a14:m>
+                <a:r>
+                  <a:rPr lang="pt-BR" sz="2000" dirty="0">
+                    <a:latin typeface="Helvetica" pitchFamily="2" charset="0"/>
+                    <a:cs typeface="Arial" panose="020B0604020202020204" pitchFamily="34" charset="0"/>
+                  </a:rPr>
+                  <a:t>: clusters distintos</a:t>
+                </a:r>
+              </a:p>
+              <a:p>
+                <a:pPr>
+                  <a:lnSpc>
+                    <a:spcPts val="3000"/>
+                  </a:lnSpc>
+                </a:pPr>
+                <a14:m>
+                  <m:oMath xmlns:m="http://schemas.openxmlformats.org/officeDocument/2006/math">
+                    <m:r>
+                      <a:rPr lang="pt-BR" sz="2000" b="0" i="1" smtClean="0">
+                        <a:latin typeface="Cambria Math" panose="02040503050406030204" pitchFamily="18" charset="0"/>
+                        <a:cs typeface="Arial" panose="020B0604020202020204" pitchFamily="34" charset="0"/>
+                      </a:rPr>
+                      <m:t>𝑆</m:t>
+                    </m:r>
+                  </m:oMath>
+                </a14:m>
+                <a:r>
+                  <a:rPr lang="pt-BR" sz="2000" dirty="0">
+                    <a:latin typeface="Helvetica" pitchFamily="2" charset="0"/>
+                    <a:cs typeface="Arial" panose="020B0604020202020204" pitchFamily="34" charset="0"/>
+                  </a:rPr>
+                  <a:t>: dispersão interna</a:t>
+                </a:r>
+              </a:p>
+              <a:p>
+                <a:pPr>
+                  <a:lnSpc>
+                    <a:spcPts val="3000"/>
+                  </a:lnSpc>
+                </a:pPr>
+                <a14:m>
+                  <m:oMath xmlns:m="http://schemas.openxmlformats.org/officeDocument/2006/math">
+                    <m:sSub>
+                      <m:sSubPr>
+                        <m:ctrlPr>
+                          <a:rPr lang="pt-BR" sz="2000" i="1" smtClean="0">
+                            <a:latin typeface="Cambria Math" panose="02040503050406030204" pitchFamily="18" charset="0"/>
+                            <a:cs typeface="Arial" panose="020B0604020202020204" pitchFamily="34" charset="0"/>
+                          </a:rPr>
+                        </m:ctrlPr>
+                      </m:sSubPr>
+                      <m:e>
+                        <m:r>
+                          <a:rPr lang="pt-BR" sz="2000" b="0" i="1" smtClean="0">
+                            <a:latin typeface="Cambria Math" panose="02040503050406030204" pitchFamily="18" charset="0"/>
+                            <a:cs typeface="Arial" panose="020B0604020202020204" pitchFamily="34" charset="0"/>
+                          </a:rPr>
+                          <m:t>𝑀</m:t>
+                        </m:r>
+                      </m:e>
+                      <m:sub>
+                        <m:r>
+                          <a:rPr lang="pt-BR" sz="2000" b="0" i="1" smtClean="0">
+                            <a:latin typeface="Cambria Math" panose="02040503050406030204" pitchFamily="18" charset="0"/>
+                            <a:cs typeface="Arial" panose="020B0604020202020204" pitchFamily="34" charset="0"/>
+                          </a:rPr>
+                          <m:t>𝑖𝑗</m:t>
+                        </m:r>
+                      </m:sub>
+                    </m:sSub>
+                  </m:oMath>
+                </a14:m>
+                <a:r>
+                  <a:rPr lang="pt-BR" sz="2000" dirty="0">
+                    <a:latin typeface="Helvetica" pitchFamily="2" charset="0"/>
+                    <a:cs typeface="Arial" panose="020B0604020202020204" pitchFamily="34" charset="0"/>
+                  </a:rPr>
+                  <a:t>: distância entre clusters</a:t>
+                </a:r>
+              </a:p>
+            </p:txBody>
+          </p:sp>
+        </mc:Choice>
+        <mc:Fallback>
+          <p:sp>
+            <p:nvSpPr>
+              <p:cNvPr id="6" name="CaixaDeTexto 5">
+                <a:extLst>
+                  <a:ext uri="{FF2B5EF4-FFF2-40B4-BE49-F238E27FC236}">
+                    <a16:creationId xmlns:a16="http://schemas.microsoft.com/office/drawing/2014/main" id="{23BD01EA-FB81-8F84-D0C1-9B6DC770855F}"/>
+                  </a:ext>
+                </a:extLst>
+              </p:cNvPr>
+              <p:cNvSpPr txBox="1">
+                <a:spLocks noRot="1" noChangeAspect="1" noMove="1" noResize="1" noEditPoints="1" noAdjustHandles="1" noChangeArrowheads="1" noChangeShapeType="1" noTextEdit="1"/>
+              </p:cNvSpPr>
+              <p:nvPr/>
+            </p:nvSpPr>
+            <p:spPr>
+              <a:xfrm>
+                <a:off x="3876261" y="5026865"/>
+                <a:ext cx="3488634" cy="1618200"/>
+              </a:xfrm>
+              <a:prstGeom prst="rect">
+                <a:avLst/>
+              </a:prstGeom>
+              <a:blipFill>
+                <a:blip r:embed="rId5"/>
+                <a:stretch>
+                  <a:fillRect b="-4151"/>
+                </a:stretch>
+              </a:blipFill>
+              <a:ln w="19050">
+                <a:noFill/>
+              </a:ln>
+            </p:spPr>
+            <p:txBody>
+              <a:bodyPr/>
+              <a:lstStyle/>
+              <a:p>
+                <a:r>
+                  <a:rPr lang="pt-BR">
+                    <a:noFill/>
+                  </a:rPr>
+                  <a:t> </a:t>
+                </a:r>
+              </a:p>
+            </p:txBody>
+          </p:sp>
+        </mc:Fallback>
+      </mc:AlternateContent>
+      <p:sp>
+        <p:nvSpPr>
+          <p:cNvPr id="7" name="Retângulo 6">
+            <a:extLst>
+              <a:ext uri="{FF2B5EF4-FFF2-40B4-BE49-F238E27FC236}">
+                <a16:creationId xmlns:a16="http://schemas.microsoft.com/office/drawing/2014/main" id="{653A1779-50EF-BD5A-EAC5-028A8D460086}"/>
+              </a:ext>
+            </a:extLst>
+          </p:cNvPr>
+          <p:cNvSpPr/>
+          <p:nvPr/>
+        </p:nvSpPr>
+        <p:spPr>
+          <a:xfrm>
+            <a:off x="916790" y="5026865"/>
+            <a:ext cx="6448106" cy="1593962"/>
+          </a:xfrm>
+          <a:prstGeom prst="rect">
+            <a:avLst/>
+          </a:prstGeom>
+          <a:noFill/>
+          <a:ln w="19050">
+            <a:solidFill>
+              <a:schemeClr val="tx1"/>
+            </a:solidFill>
+          </a:ln>
+        </p:spPr>
+        <p:style>
+          <a:lnRef idx="2">
+            <a:schemeClr val="accent1">
+              <a:shade val="15000"/>
+            </a:schemeClr>
+          </a:lnRef>
+          <a:fillRef idx="1">
+            <a:schemeClr val="accent1"/>
+          </a:fillRef>
+          <a:effectRef idx="0">
+            <a:schemeClr val="accent1"/>
+          </a:effectRef>
+          <a:fontRef idx="minor">
+            <a:schemeClr val="lt1"/>
+          </a:fontRef>
+        </p:style>
+        <p:txBody>
+          <a:bodyPr rtlCol="0" anchor="ctr"/>
+          <a:lstStyle/>
+          <a:p>
+            <a:pPr algn="ctr"/>
+            <a:endParaRPr lang="pt-BR"/>
+          </a:p>
+        </p:txBody>
+      </p:sp>
+      <p:sp>
+        <p:nvSpPr>
+          <p:cNvPr id="14" name="CaixaDeTexto 13">
+            <a:extLst>
+              <a:ext uri="{FF2B5EF4-FFF2-40B4-BE49-F238E27FC236}">
+                <a16:creationId xmlns:a16="http://schemas.microsoft.com/office/drawing/2014/main" id="{4114F590-6661-753B-0F97-1EA84867F8A6}"/>
+              </a:ext>
+            </a:extLst>
+          </p:cNvPr>
+          <p:cNvSpPr txBox="1"/>
+          <p:nvPr/>
+        </p:nvSpPr>
+        <p:spPr>
+          <a:xfrm>
+            <a:off x="1073187" y="4826810"/>
+            <a:ext cx="1678986" cy="400110"/>
+          </a:xfrm>
+          <a:prstGeom prst="rect">
+            <a:avLst/>
+          </a:prstGeom>
+          <a:solidFill>
+            <a:schemeClr val="tx1"/>
+          </a:solidFill>
+        </p:spPr>
+        <p:txBody>
+          <a:bodyPr wrap="square" rtlCol="0">
+            <a:spAutoFit/>
+          </a:bodyPr>
+          <a:lstStyle/>
+          <a:p>
+            <a:pPr algn="ctr"/>
+            <a:r>
+              <a:rPr lang="pt-BR" sz="2000" b="1" dirty="0">
+                <a:solidFill>
+                  <a:schemeClr val="bg2"/>
+                </a:solidFill>
+                <a:latin typeface="Helvetica" pitchFamily="2" charset="0"/>
+                <a:cs typeface="Arial" panose="020B0604020202020204" pitchFamily="34" charset="0"/>
+              </a:rPr>
+              <a:t>NOTAÇÃO</a:t>
+            </a:r>
+            <a:endParaRPr lang="pt-BR" sz="2000" dirty="0">
+              <a:solidFill>
+                <a:schemeClr val="bg2"/>
+              </a:solidFill>
+            </a:endParaRPr>
+          </a:p>
+        </p:txBody>
+      </p:sp>
+    </p:spTree>
+    <p:extLst>
+      <p:ext uri="{BB962C8B-B14F-4D97-AF65-F5344CB8AC3E}">
+        <p14:creationId xmlns:p14="http://schemas.microsoft.com/office/powerpoint/2010/main" val="3946354316"/>
+      </p:ext>
+    </p:extLst>
+  </p:cSld>
+  <p:clrMapOvr>
+    <a:masterClrMapping/>
+  </p:clrMapOvr>
+</p:sld>
+</file>
+
+<file path=ppt/slides/slide13.xml><?xml version="1.0" encoding="utf-8"?>
+<p:sld xmlns:a="http://schemas.openxmlformats.org/drawingml/2006/main" xmlns:r="http://schemas.openxmlformats.org/officeDocument/2006/relationships" xmlns:p="http://schemas.openxmlformats.org/presentationml/2006/main">
+  <p:cSld>
+    <p:spTree>
+      <p:nvGrpSpPr>
+        <p:cNvPr id="1" name=""/>
+        <p:cNvGrpSpPr/>
+        <p:nvPr/>
+      </p:nvGrpSpPr>
+      <p:grpSpPr>
+        <a:xfrm>
+          <a:off x="0" y="0"/>
+          <a:ext cx="0" cy="0"/>
+          <a:chOff x="0" y="0"/>
+          <a:chExt cx="0" cy="0"/>
+        </a:xfrm>
+      </p:grpSpPr>
+      <p:sp>
+        <p:nvSpPr>
+          <p:cNvPr id="2" name="Título 1">
+            <a:extLst>
+              <a:ext uri="{FF2B5EF4-FFF2-40B4-BE49-F238E27FC236}">
+                <a16:creationId xmlns:a16="http://schemas.microsoft.com/office/drawing/2014/main" id="{540F1CF0-7D3A-1F30-A06D-DD96920677D2}"/>
+              </a:ext>
+            </a:extLst>
+          </p:cNvPr>
+          <p:cNvSpPr>
+            <a:spLocks noGrp="1"/>
+          </p:cNvSpPr>
+          <p:nvPr>
+            <p:ph type="title"/>
+          </p:nvPr>
+        </p:nvSpPr>
+        <p:spPr/>
+        <p:txBody>
+          <a:bodyPr anchor="t" anchorCtr="0">
+            <a:normAutofit/>
+          </a:bodyPr>
+          <a:lstStyle/>
+          <a:p>
+            <a:pPr>
+              <a:lnSpc>
+                <a:spcPct val="100000"/>
+              </a:lnSpc>
+            </a:pPr>
+            <a:r>
+              <a:rPr lang="pt-BR" sz="2800" b="1" dirty="0">
+                <a:latin typeface="Helvetica" pitchFamily="2" charset="0"/>
+                <a:cs typeface="Arial" panose="020B0604020202020204" pitchFamily="34" charset="0"/>
+              </a:rPr>
+              <a:t>INTRODUÇÃO </a:t>
+            </a:r>
+            <a:r>
+              <a:rPr lang="pt-BR" sz="2800" dirty="0">
+                <a:solidFill>
+                  <a:schemeClr val="tx1">
+                    <a:lumMod val="50000"/>
+                    <a:lumOff val="50000"/>
+                  </a:schemeClr>
+                </a:solidFill>
+                <a:latin typeface="Helvetica" pitchFamily="2" charset="0"/>
+                <a:cs typeface="Arial" panose="020B0604020202020204" pitchFamily="34" charset="0"/>
+              </a:rPr>
+              <a:t>A verba de gabinete</a:t>
+            </a:r>
+          </a:p>
+        </p:txBody>
+      </p:sp>
+      <p:sp>
+        <p:nvSpPr>
+          <p:cNvPr id="3" name="Espaço Reservado para Conteúdo 2">
+            <a:extLst>
+              <a:ext uri="{FF2B5EF4-FFF2-40B4-BE49-F238E27FC236}">
+                <a16:creationId xmlns:a16="http://schemas.microsoft.com/office/drawing/2014/main" id="{AC797752-DF14-11FD-FD02-7A6C4E7C74D2}"/>
+              </a:ext>
+            </a:extLst>
+          </p:cNvPr>
+          <p:cNvSpPr>
+            <a:spLocks noGrp="1"/>
+          </p:cNvSpPr>
+          <p:nvPr>
+            <p:ph idx="1"/>
+          </p:nvPr>
+        </p:nvSpPr>
+        <p:spPr>
+          <a:xfrm>
+            <a:off x="838200" y="1825625"/>
+            <a:ext cx="5991808" cy="4489450"/>
+          </a:xfrm>
+        </p:spPr>
+        <p:txBody>
+          <a:bodyPr>
+            <a:noAutofit/>
+          </a:bodyPr>
+          <a:lstStyle/>
+          <a:p>
+            <a:pPr marL="0" indent="0">
+              <a:lnSpc>
+                <a:spcPts val="3000"/>
+              </a:lnSpc>
+              <a:spcBef>
+                <a:spcPts val="0"/>
+              </a:spcBef>
+              <a:buNone/>
+            </a:pPr>
+            <a:r>
+              <a:rPr lang="pt-BR" sz="2000" b="0" i="0" u="none" strike="noStrike" dirty="0">
+                <a:solidFill>
+                  <a:srgbClr val="000000"/>
+                </a:solidFill>
+                <a:effectLst/>
+                <a:latin typeface="Helvetica" pitchFamily="2" charset="0"/>
+              </a:rPr>
+              <a:t>Criada em 1997, a “verba de gabinete”, nome informal para Auxílio-Encargos Gerais de Gabinete de Deputado e Auxílio-Hospedagem, garante aos 94 parlamentares da Assembleia Legislativa de São Paulo o ressarcimento mensal de despesas inerentes ao mandato até o limite de 1.250 unidades fiscais do estado [</a:t>
+            </a:r>
+            <a:r>
+              <a:rPr lang="pt-BR" sz="2000" b="0" i="0" u="none" strike="noStrike" dirty="0" err="1">
+                <a:solidFill>
+                  <a:srgbClr val="000000"/>
+                </a:solidFill>
+                <a:effectLst/>
+                <a:latin typeface="Helvetica" pitchFamily="2" charset="0"/>
+              </a:rPr>
+              <a:t>Ufesp</a:t>
+            </a:r>
+            <a:r>
+              <a:rPr lang="pt-BR" sz="2000" b="0" i="0" u="none" strike="noStrike" dirty="0">
+                <a:solidFill>
+                  <a:srgbClr val="000000"/>
+                </a:solidFill>
+                <a:effectLst/>
+                <a:latin typeface="Helvetica" pitchFamily="2" charset="0"/>
+              </a:rPr>
+              <a:t>].</a:t>
+            </a:r>
+            <a:endParaRPr lang="pt-BR" sz="2000" dirty="0">
+              <a:latin typeface="Helvetica" pitchFamily="2" charset="0"/>
+              <a:cs typeface="Arial" panose="020B0604020202020204" pitchFamily="34" charset="0"/>
+            </a:endParaRPr>
+          </a:p>
+        </p:txBody>
+      </p:sp>
+      <p:sp>
+        <p:nvSpPr>
+          <p:cNvPr id="4" name="CaixaDeTexto 3">
+            <a:extLst>
+              <a:ext uri="{FF2B5EF4-FFF2-40B4-BE49-F238E27FC236}">
+                <a16:creationId xmlns:a16="http://schemas.microsoft.com/office/drawing/2014/main" id="{A77393AB-0620-D193-BF6E-98E698E06966}"/>
+              </a:ext>
+            </a:extLst>
+          </p:cNvPr>
+          <p:cNvSpPr txBox="1"/>
+          <p:nvPr/>
+        </p:nvSpPr>
+        <p:spPr>
+          <a:xfrm>
+            <a:off x="7344383" y="1848255"/>
+            <a:ext cx="4017216" cy="3896388"/>
+          </a:xfrm>
+          <a:prstGeom prst="rect">
+            <a:avLst/>
+          </a:prstGeom>
+          <a:solidFill>
+            <a:schemeClr val="bg1">
+              <a:lumMod val="95000"/>
+            </a:schemeClr>
+          </a:solidFill>
+          <a:ln w="19050">
+            <a:solidFill>
+              <a:schemeClr val="tx1"/>
+            </a:solidFill>
+          </a:ln>
+        </p:spPr>
+        <p:txBody>
+          <a:bodyPr wrap="square" lIns="180000" rIns="180000" rtlCol="0">
+            <a:spAutoFit/>
+          </a:bodyPr>
+          <a:lstStyle/>
+          <a:p>
+            <a:pPr>
+              <a:lnSpc>
+                <a:spcPts val="3000"/>
+              </a:lnSpc>
+            </a:pPr>
+            <a:endParaRPr lang="pt-BR" sz="2000" dirty="0">
+              <a:solidFill>
+                <a:srgbClr val="000000"/>
+              </a:solidFill>
+              <a:latin typeface="Helvetica" pitchFamily="2" charset="0"/>
+              <a:cs typeface="Arial" panose="020B0604020202020204" pitchFamily="34" charset="0"/>
+            </a:endParaRPr>
+          </a:p>
+          <a:p>
+            <a:pPr marL="342900" indent="-342900">
+              <a:lnSpc>
+                <a:spcPts val="3000"/>
+              </a:lnSpc>
+              <a:buFont typeface="Wingdings" panose="05000000000000000000" pitchFamily="2" charset="2"/>
+              <a:buChar char="§"/>
+            </a:pPr>
+            <a:r>
+              <a:rPr lang="pt-BR" sz="2000" dirty="0" err="1">
+                <a:solidFill>
+                  <a:srgbClr val="000000"/>
+                </a:solidFill>
+                <a:latin typeface="Helvetica" pitchFamily="2" charset="0"/>
+                <a:cs typeface="Arial" panose="020B0604020202020204" pitchFamily="34" charset="0"/>
+              </a:rPr>
+              <a:t>Ufesp</a:t>
+            </a:r>
+            <a:endParaRPr lang="pt-BR" sz="2000" dirty="0">
+              <a:solidFill>
+                <a:srgbClr val="000000"/>
+              </a:solidFill>
+              <a:latin typeface="Helvetica" pitchFamily="2" charset="0"/>
+              <a:cs typeface="Arial" panose="020B0604020202020204" pitchFamily="34" charset="0"/>
+            </a:endParaRPr>
+          </a:p>
+          <a:p>
+            <a:pPr marL="357188">
+              <a:lnSpc>
+                <a:spcPts val="3000"/>
+              </a:lnSpc>
+            </a:pPr>
+            <a:r>
+              <a:rPr lang="pt-BR" sz="2000" dirty="0">
+                <a:solidFill>
+                  <a:srgbClr val="000000"/>
+                </a:solidFill>
+                <a:latin typeface="Helvetica" pitchFamily="2" charset="0"/>
+                <a:cs typeface="Arial" panose="020B0604020202020204" pitchFamily="34" charset="0"/>
+              </a:rPr>
+              <a:t>R$ 31,97</a:t>
+            </a:r>
+          </a:p>
+          <a:p>
+            <a:pPr>
+              <a:lnSpc>
+                <a:spcPts val="3000"/>
+              </a:lnSpc>
+            </a:pPr>
+            <a:endParaRPr lang="pt-BR" sz="2000" dirty="0">
+              <a:solidFill>
+                <a:srgbClr val="000000"/>
+              </a:solidFill>
+              <a:latin typeface="Helvetica" pitchFamily="2" charset="0"/>
+              <a:cs typeface="Arial" panose="020B0604020202020204" pitchFamily="34" charset="0"/>
+            </a:endParaRPr>
+          </a:p>
+          <a:p>
+            <a:pPr marL="342900" indent="-342900">
+              <a:lnSpc>
+                <a:spcPts val="3000"/>
+              </a:lnSpc>
+              <a:buFont typeface="Wingdings" panose="05000000000000000000" pitchFamily="2" charset="2"/>
+              <a:buChar char="§"/>
+            </a:pPr>
+            <a:r>
+              <a:rPr lang="pt-BR" sz="2000" dirty="0">
+                <a:solidFill>
+                  <a:srgbClr val="000000"/>
+                </a:solidFill>
+                <a:latin typeface="Helvetica" pitchFamily="2" charset="0"/>
+                <a:cs typeface="Arial" panose="020B0604020202020204" pitchFamily="34" charset="0"/>
+              </a:rPr>
+              <a:t>Limite mensal por deputado</a:t>
+            </a:r>
+          </a:p>
+          <a:p>
+            <a:pPr marL="357188">
+              <a:lnSpc>
+                <a:spcPts val="3000"/>
+              </a:lnSpc>
+            </a:pPr>
+            <a:r>
+              <a:rPr lang="pt-BR" sz="2000" dirty="0">
+                <a:solidFill>
+                  <a:srgbClr val="000000"/>
+                </a:solidFill>
+                <a:latin typeface="Helvetica" pitchFamily="2" charset="0"/>
+                <a:cs typeface="Arial" panose="020B0604020202020204" pitchFamily="34" charset="0"/>
+              </a:rPr>
+              <a:t>R$ </a:t>
+            </a:r>
+            <a:r>
+              <a:rPr lang="pt-BR" sz="2000" b="0" i="0" u="none" strike="noStrike" baseline="0" dirty="0">
+                <a:solidFill>
+                  <a:srgbClr val="000000"/>
+                </a:solidFill>
+                <a:latin typeface="Helvetica" pitchFamily="2" charset="0"/>
+                <a:cs typeface="Arial" panose="020B0604020202020204" pitchFamily="34" charset="0"/>
+              </a:rPr>
+              <a:t>39.962,50</a:t>
+            </a:r>
+          </a:p>
+          <a:p>
+            <a:pPr marL="342900" indent="-342900">
+              <a:lnSpc>
+                <a:spcPts val="3000"/>
+              </a:lnSpc>
+              <a:buFont typeface="Arial" panose="020B0604020202020204" pitchFamily="34" charset="0"/>
+              <a:buChar char="→"/>
+            </a:pPr>
+            <a:endParaRPr lang="pt-BR" sz="2000" dirty="0">
+              <a:solidFill>
+                <a:srgbClr val="000000"/>
+              </a:solidFill>
+              <a:latin typeface="Helvetica" pitchFamily="2" charset="0"/>
+              <a:cs typeface="Arial" panose="020B0604020202020204" pitchFamily="34" charset="0"/>
+            </a:endParaRPr>
+          </a:p>
+          <a:p>
+            <a:pPr marL="342900" indent="-342900">
+              <a:lnSpc>
+                <a:spcPts val="3000"/>
+              </a:lnSpc>
+              <a:buFont typeface="Wingdings" panose="05000000000000000000" pitchFamily="2" charset="2"/>
+              <a:buChar char="§"/>
+            </a:pPr>
+            <a:r>
+              <a:rPr lang="pt-BR" sz="2000" dirty="0">
+                <a:solidFill>
+                  <a:srgbClr val="000000"/>
+                </a:solidFill>
+                <a:latin typeface="Helvetica" pitchFamily="2" charset="0"/>
+                <a:cs typeface="Arial" panose="020B0604020202020204" pitchFamily="34" charset="0"/>
+              </a:rPr>
+              <a:t>Total empenhado</a:t>
+            </a:r>
+          </a:p>
+          <a:p>
+            <a:pPr marL="357188">
+              <a:lnSpc>
+                <a:spcPts val="3000"/>
+              </a:lnSpc>
+            </a:pPr>
+            <a:r>
+              <a:rPr lang="pt-BR" sz="2000" dirty="0">
+                <a:solidFill>
+                  <a:srgbClr val="000000"/>
+                </a:solidFill>
+                <a:latin typeface="Helvetica" pitchFamily="2" charset="0"/>
+                <a:cs typeface="Arial" panose="020B0604020202020204" pitchFamily="34" charset="0"/>
+              </a:rPr>
+              <a:t>R$ 26.652.243,51</a:t>
+            </a:r>
+          </a:p>
+          <a:p>
+            <a:pPr marL="357188">
+              <a:lnSpc>
+                <a:spcPts val="3000"/>
+              </a:lnSpc>
+            </a:pPr>
+            <a:endParaRPr lang="pt-BR" dirty="0">
+              <a:latin typeface="Helvetica" pitchFamily="2" charset="0"/>
+            </a:endParaRPr>
+          </a:p>
+        </p:txBody>
+      </p:sp>
+      <p:sp>
+        <p:nvSpPr>
+          <p:cNvPr id="5" name="CaixaDeTexto 4">
+            <a:extLst>
+              <a:ext uri="{FF2B5EF4-FFF2-40B4-BE49-F238E27FC236}">
+                <a16:creationId xmlns:a16="http://schemas.microsoft.com/office/drawing/2014/main" id="{8D3D6175-9971-2620-124F-E9E195E2B05C}"/>
+              </a:ext>
+            </a:extLst>
+          </p:cNvPr>
+          <p:cNvSpPr txBox="1"/>
+          <p:nvPr/>
+        </p:nvSpPr>
+        <p:spPr>
+          <a:xfrm>
+            <a:off x="8087314" y="1690688"/>
+            <a:ext cx="2531353" cy="400110"/>
+          </a:xfrm>
+          <a:prstGeom prst="rect">
+            <a:avLst/>
+          </a:prstGeom>
+          <a:solidFill>
+            <a:schemeClr val="tx1"/>
+          </a:solidFill>
+        </p:spPr>
+        <p:txBody>
+          <a:bodyPr wrap="square" rtlCol="0">
+            <a:spAutoFit/>
+          </a:bodyPr>
+          <a:lstStyle/>
+          <a:p>
+            <a:pPr algn="ctr"/>
+            <a:r>
+              <a:rPr lang="pt-BR" sz="2000" b="1" dirty="0">
+                <a:solidFill>
+                  <a:schemeClr val="bg2"/>
+                </a:solidFill>
+                <a:latin typeface="Helvetica" pitchFamily="2" charset="0"/>
+                <a:cs typeface="Arial" panose="020B0604020202020204" pitchFamily="34" charset="0"/>
+              </a:rPr>
+              <a:t>VALORES EM 2022</a:t>
+            </a:r>
+            <a:endParaRPr lang="pt-BR" sz="2000" dirty="0">
+              <a:solidFill>
+                <a:schemeClr val="bg2"/>
+              </a:solidFill>
+            </a:endParaRPr>
+          </a:p>
+        </p:txBody>
+      </p:sp>
+    </p:spTree>
+    <p:extLst>
+      <p:ext uri="{BB962C8B-B14F-4D97-AF65-F5344CB8AC3E}">
+        <p14:creationId xmlns:p14="http://schemas.microsoft.com/office/powerpoint/2010/main" val="3991967586"/>
+      </p:ext>
+    </p:extLst>
+  </p:cSld>
+  <p:clrMapOvr>
+    <a:masterClrMapping/>
+  </p:clrMapOvr>
+</p:sld>
+</file>
+
+<file path=ppt/slides/slide14.xml><?xml version="1.0" encoding="utf-8"?>
+<p:sld xmlns:a="http://schemas.openxmlformats.org/drawingml/2006/main" xmlns:r="http://schemas.openxmlformats.org/officeDocument/2006/relationships" xmlns:p="http://schemas.openxmlformats.org/presentationml/2006/main">
+  <p:cSld>
+    <p:spTree>
+      <p:nvGrpSpPr>
+        <p:cNvPr id="1" name=""/>
+        <p:cNvGrpSpPr/>
+        <p:nvPr/>
+      </p:nvGrpSpPr>
+      <p:grpSpPr>
+        <a:xfrm>
+          <a:off x="0" y="0"/>
+          <a:ext cx="0" cy="0"/>
+          <a:chOff x="0" y="0"/>
+          <a:chExt cx="0" cy="0"/>
+        </a:xfrm>
+      </p:grpSpPr>
+      <p:sp>
+        <p:nvSpPr>
+          <p:cNvPr id="2" name="Título 1">
+            <a:extLst>
+              <a:ext uri="{FF2B5EF4-FFF2-40B4-BE49-F238E27FC236}">
+                <a16:creationId xmlns:a16="http://schemas.microsoft.com/office/drawing/2014/main" id="{2D50A6E4-BA2C-F34F-39F2-5CFACC1203B2}"/>
+              </a:ext>
+            </a:extLst>
+          </p:cNvPr>
+          <p:cNvSpPr>
+            <a:spLocks noGrp="1"/>
+          </p:cNvSpPr>
+          <p:nvPr>
+            <p:ph type="title"/>
+          </p:nvPr>
+        </p:nvSpPr>
+        <p:spPr/>
+        <p:txBody>
+          <a:bodyPr/>
+          <a:lstStyle/>
+          <a:p>
+            <a:endParaRPr lang="pt-BR"/>
+          </a:p>
+        </p:txBody>
+      </p:sp>
+      <p:sp>
+        <p:nvSpPr>
+          <p:cNvPr id="3" name="Espaço Reservado para Conteúdo 2">
+            <a:extLst>
+              <a:ext uri="{FF2B5EF4-FFF2-40B4-BE49-F238E27FC236}">
+                <a16:creationId xmlns:a16="http://schemas.microsoft.com/office/drawing/2014/main" id="{9232CBEA-964D-B319-9D91-F344E425BBA7}"/>
+              </a:ext>
+            </a:extLst>
+          </p:cNvPr>
+          <p:cNvSpPr>
+            <a:spLocks noGrp="1"/>
+          </p:cNvSpPr>
+          <p:nvPr>
+            <p:ph idx="1"/>
+          </p:nvPr>
+        </p:nvSpPr>
+        <p:spPr/>
+        <p:txBody>
+          <a:bodyPr/>
+          <a:lstStyle/>
+          <a:p>
+            <a:endParaRPr lang="pt-BR"/>
+          </a:p>
+        </p:txBody>
+      </p:sp>
+    </p:spTree>
+    <p:extLst>
+      <p:ext uri="{BB962C8B-B14F-4D97-AF65-F5344CB8AC3E}">
+        <p14:creationId xmlns:p14="http://schemas.microsoft.com/office/powerpoint/2010/main" val="3765307523"/>
       </p:ext>
     </p:extLst>
   </p:cSld>
@@ -3417,32 +5966,32 @@
         </p:nvSpPr>
         <p:spPr/>
         <p:txBody>
-          <a:bodyPr>
-            <a:normAutofit fontScale="90000"/>
+          <a:bodyPr anchor="t" anchorCtr="0">
+            <a:normAutofit/>
           </a:bodyPr>
           <a:lstStyle/>
           <a:p>
             <a:pPr>
               <a:lnSpc>
-                <a:spcPct val="150000"/>
+                <a:spcPct val="100000"/>
               </a:lnSpc>
             </a:pPr>
             <a:r>
-              <a:rPr lang="pt-BR" sz="3200" b="1" dirty="0">
-                <a:latin typeface="Arial" panose="020B0604020202020204" pitchFamily="34" charset="0"/>
+              <a:rPr lang="pt-BR" sz="2800" b="1" dirty="0">
+                <a:latin typeface="Helvetica" pitchFamily="2" charset="0"/>
                 <a:cs typeface="Arial" panose="020B0604020202020204" pitchFamily="34" charset="0"/>
               </a:rPr>
-              <a:t>INTRODUÇÃO</a:t>
-            </a:r>
-            <a:br>
-              <a:rPr lang="pt-BR" sz="3200" b="1" dirty="0">
-                <a:latin typeface="Arial" panose="020B0604020202020204" pitchFamily="34" charset="0"/>
-                <a:cs typeface="Arial" panose="020B0604020202020204" pitchFamily="34" charset="0"/>
-              </a:rPr>
-            </a:br>
-            <a:r>
-              <a:rPr lang="pt-BR" sz="3200" dirty="0">
-                <a:latin typeface="Arial" panose="020B0604020202020204" pitchFamily="34" charset="0"/>
+              <a:t>INTRODUÇÃO </a:t>
+            </a:r>
+            <a:r>
+              <a:rPr lang="pt-BR" sz="2800" dirty="0">
+                <a:solidFill>
+                  <a:schemeClr val="tx1">
+                    <a:lumMod val="50000"/>
+                    <a:lumOff val="50000"/>
+                  </a:schemeClr>
+                </a:solidFill>
+                <a:latin typeface="Helvetica" pitchFamily="2" charset="0"/>
                 <a:cs typeface="Arial" panose="020B0604020202020204" pitchFamily="34" charset="0"/>
               </a:rPr>
               <a:t>A verba de gabinete</a:t>
@@ -3469,7 +6018,7 @@
         <p:spPr>
           <a:xfrm>
             <a:off x="838200" y="1825625"/>
-            <a:ext cx="6496456" cy="4489450"/>
+            <a:ext cx="5991808" cy="4489450"/>
           </a:xfrm>
         </p:spPr>
         <p:txBody>
@@ -3480,78 +6029,45 @@
           <a:p>
             <a:pPr marL="0" indent="0">
               <a:lnSpc>
-                <a:spcPts val="3200"/>
+                <a:spcPts val="3000"/>
               </a:lnSpc>
+              <a:spcBef>
+                <a:spcPts val="0"/>
+              </a:spcBef>
               <a:buNone/>
             </a:pPr>
             <a:r>
-              <a:rPr lang="pt-BR" sz="2000" dirty="0">
-                <a:latin typeface="Arial" panose="020B0604020202020204" pitchFamily="34" charset="0"/>
-                <a:cs typeface="Arial" panose="020B0604020202020204" pitchFamily="34" charset="0"/>
-              </a:rPr>
-              <a:t>Criada em 1997, a “verba de gabinete”, nome informal para Auxílio-Encargos Gerais de Gabinete de Deputado e Auxílio-Hospedagem, garante aos 94 parlamentares da Assembleia Legislativa de São Paulo o ressarcimento mensal de despesas inerentes ao mandato até o limite de 1.250 </a:t>
-            </a:r>
-            <a:r>
-              <a:rPr lang="pt-BR" sz="2000" b="0" i="0" u="none" strike="noStrike" baseline="0" dirty="0">
+              <a:rPr lang="pt-BR" sz="2000" b="0" i="0" u="none" strike="noStrike" dirty="0">
                 <a:solidFill>
                   <a:srgbClr val="000000"/>
                 </a:solidFill>
-                <a:latin typeface="Arial" panose="020B0604020202020204" pitchFamily="34" charset="0"/>
-                <a:cs typeface="Arial" panose="020B0604020202020204" pitchFamily="34" charset="0"/>
-              </a:rPr>
-              <a:t>unidades fiscais do </a:t>
-            </a:r>
-            <a:r>
-              <a:rPr lang="pt-BR" sz="2000" dirty="0">
+                <a:effectLst/>
+                <a:latin typeface="Helvetica" pitchFamily="2" charset="0"/>
+              </a:rPr>
+              <a:t>Criada em 1997, a “verba de gabinete”, nome informal para Auxílio-Encargos Gerais de Gabinete de Deputado e Auxílio-Hospedagem, garante aos 94 parlamentares da Assembleia Legislativa de São Paulo o ressarcimento mensal de despesas inerentes ao mandato até o limite de 1.250 unidades fiscais do estado [</a:t>
+            </a:r>
+            <a:r>
+              <a:rPr lang="pt-BR" sz="2000" b="0" i="0" u="none" strike="noStrike" dirty="0" err="1">
                 <a:solidFill>
                   <a:srgbClr val="000000"/>
                 </a:solidFill>
-                <a:latin typeface="Arial" panose="020B0604020202020204" pitchFamily="34" charset="0"/>
-                <a:cs typeface="Arial" panose="020B0604020202020204" pitchFamily="34" charset="0"/>
-              </a:rPr>
-              <a:t>estado </a:t>
-            </a:r>
-            <a:r>
-              <a:rPr lang="pt-BR" sz="2000" b="0" i="0" u="none" strike="noStrike" baseline="0" dirty="0">
+                <a:effectLst/>
+                <a:latin typeface="Helvetica" pitchFamily="2" charset="0"/>
+              </a:rPr>
+              <a:t>Ufesp</a:t>
+            </a:r>
+            <a:r>
+              <a:rPr lang="pt-BR" sz="2000" b="0" i="0" u="none" strike="noStrike" dirty="0">
                 <a:solidFill>
                   <a:srgbClr val="000000"/>
                 </a:solidFill>
-                <a:latin typeface="Arial" panose="020B0604020202020204" pitchFamily="34" charset="0"/>
-                <a:cs typeface="Arial" panose="020B0604020202020204" pitchFamily="34" charset="0"/>
-              </a:rPr>
-              <a:t>[</a:t>
-            </a:r>
-            <a:r>
-              <a:rPr lang="pt-BR" sz="2000" b="0" i="0" u="none" strike="noStrike" baseline="0" dirty="0" err="1">
-                <a:solidFill>
-                  <a:srgbClr val="000000"/>
-                </a:solidFill>
-                <a:latin typeface="Arial" panose="020B0604020202020204" pitchFamily="34" charset="0"/>
-                <a:cs typeface="Arial" panose="020B0604020202020204" pitchFamily="34" charset="0"/>
-              </a:rPr>
-              <a:t>Ufesp</a:t>
-            </a:r>
-            <a:r>
-              <a:rPr lang="pt-BR" sz="2000" b="0" i="0" u="none" strike="noStrike" baseline="0" dirty="0">
-                <a:solidFill>
-                  <a:srgbClr val="000000"/>
-                </a:solidFill>
-                <a:latin typeface="Arial" panose="020B0604020202020204" pitchFamily="34" charset="0"/>
-                <a:cs typeface="Arial" panose="020B0604020202020204" pitchFamily="34" charset="0"/>
-              </a:rPr>
-              <a:t>]. </a:t>
+                <a:effectLst/>
+                <a:latin typeface="Helvetica" pitchFamily="2" charset="0"/>
+              </a:rPr>
+              <a:t>].</a:t>
             </a:r>
             <a:endParaRPr lang="pt-BR" sz="2000" dirty="0">
-              <a:latin typeface="Arial" panose="020B0604020202020204" pitchFamily="34" charset="0"/>
-              <a:cs typeface="Arial" panose="020B0604020202020204" pitchFamily="34" charset="0"/>
-            </a:endParaRPr>
-          </a:p>
-          <a:p>
-            <a:pPr marL="0" indent="0">
-              <a:buNone/>
-            </a:pPr>
-            <a:endParaRPr lang="pt-BR" sz="2000" dirty="0">
-              <a:latin typeface="Arial" panose="020B0604020202020204" pitchFamily="34" charset="0"/>
+              <a:latin typeface="Helvetica" pitchFamily="2" charset="0"/>
               <a:cs typeface="Arial" panose="020B0604020202020204" pitchFamily="34" charset="0"/>
             </a:endParaRPr>
           </a:p>
@@ -3571,8 +6087,8 @@
         </p:nvSpPr>
         <p:spPr>
           <a:xfrm>
-            <a:off x="7704000" y="1848255"/>
-            <a:ext cx="3657599" cy="3748783"/>
+            <a:off x="7344383" y="1848255"/>
+            <a:ext cx="4017216" cy="3896388"/>
           </a:xfrm>
           <a:prstGeom prst="rect">
             <a:avLst/>
@@ -3594,112 +6110,126 @@
           </a:bodyPr>
           <a:lstStyle/>
           <a:p>
-            <a:pPr algn="ctr">
-              <a:lnSpc>
-                <a:spcPts val="3200"/>
-              </a:lnSpc>
-            </a:pPr>
-            <a:r>
-              <a:rPr lang="pt-BR" sz="2000" b="1" dirty="0">
-                <a:latin typeface="Arial" panose="020B0604020202020204" pitchFamily="34" charset="0"/>
-                <a:cs typeface="Arial" panose="020B0604020202020204" pitchFamily="34" charset="0"/>
-              </a:rPr>
-              <a:t>VALORES EM 2022</a:t>
-            </a:r>
-          </a:p>
-          <a:p>
             <a:pPr>
               <a:lnSpc>
-                <a:spcPts val="3200"/>
+                <a:spcPts val="3000"/>
               </a:lnSpc>
             </a:pPr>
             <a:endParaRPr lang="pt-BR" sz="2000" dirty="0">
-              <a:latin typeface="Arial" panose="020B0604020202020204" pitchFamily="34" charset="0"/>
-              <a:cs typeface="Arial" panose="020B0604020202020204" pitchFamily="34" charset="0"/>
-            </a:endParaRPr>
-          </a:p>
-          <a:p>
-            <a:pPr marL="342900" indent="-342900">
-              <a:lnSpc>
-                <a:spcPts val="3200"/>
-              </a:lnSpc>
-              <a:buFont typeface="Arial" panose="020B0604020202020204" pitchFamily="34" charset="0"/>
-              <a:buChar char="→"/>
-            </a:pPr>
-            <a:r>
-              <a:rPr lang="pt-BR" sz="2000" dirty="0" err="1">
-                <a:latin typeface="Arial" panose="020B0604020202020204" pitchFamily="34" charset="0"/>
-                <a:cs typeface="Arial" panose="020B0604020202020204" pitchFamily="34" charset="0"/>
-              </a:rPr>
-              <a:t>Ufesp</a:t>
-            </a:r>
-            <a:r>
-              <a:rPr lang="pt-BR" sz="2000" dirty="0">
-                <a:latin typeface="Arial" panose="020B0604020202020204" pitchFamily="34" charset="0"/>
-                <a:cs typeface="Arial" panose="020B0604020202020204" pitchFamily="34" charset="0"/>
-              </a:rPr>
-              <a:t>: </a:t>
-            </a:r>
-            <a:r>
-              <a:rPr lang="pt-BR" sz="2000" b="0" i="0" u="none" strike="noStrike" baseline="0" dirty="0">
-                <a:solidFill>
-                  <a:srgbClr val="000000"/>
-                </a:solidFill>
-                <a:latin typeface="Arial" panose="020B0604020202020204" pitchFamily="34" charset="0"/>
-                <a:cs typeface="Arial" panose="020B0604020202020204" pitchFamily="34" charset="0"/>
-              </a:rPr>
-              <a:t>R$ 31,97</a:t>
-            </a:r>
-          </a:p>
-          <a:p>
-            <a:pPr marL="342900" indent="-342900">
-              <a:lnSpc>
-                <a:spcPts val="3200"/>
-              </a:lnSpc>
-              <a:buFont typeface="Arial" panose="020B0604020202020204" pitchFamily="34" charset="0"/>
-              <a:buChar char="→"/>
-            </a:pPr>
-            <a:endParaRPr lang="pt-BR" sz="2000" b="0" i="0" u="none" strike="noStrike" baseline="0" dirty="0">
               <a:solidFill>
                 <a:srgbClr val="000000"/>
               </a:solidFill>
-              <a:latin typeface="Arial" panose="020B0604020202020204" pitchFamily="34" charset="0"/>
+              <a:latin typeface="Helvetica" pitchFamily="2" charset="0"/>
               <a:cs typeface="Arial" panose="020B0604020202020204" pitchFamily="34" charset="0"/>
             </a:endParaRPr>
           </a:p>
           <a:p>
             <a:pPr marL="342900" indent="-342900">
               <a:lnSpc>
-                <a:spcPts val="3200"/>
+                <a:spcPts val="3000"/>
               </a:lnSpc>
-              <a:buFont typeface="Arial" panose="020B0604020202020204" pitchFamily="34" charset="0"/>
-              <a:buChar char="→"/>
+              <a:buFont typeface="Wingdings" panose="05000000000000000000" pitchFamily="2" charset="2"/>
+              <a:buChar char="§"/>
             </a:pPr>
             <a:r>
+              <a:rPr lang="pt-BR" sz="2000" dirty="0" err="1">
+                <a:solidFill>
+                  <a:srgbClr val="000000"/>
+                </a:solidFill>
+                <a:latin typeface="Helvetica" pitchFamily="2" charset="0"/>
+                <a:cs typeface="Arial" panose="020B0604020202020204" pitchFamily="34" charset="0"/>
+              </a:rPr>
+              <a:t>Ufesp</a:t>
+            </a:r>
+            <a:endParaRPr lang="pt-BR" sz="2000" dirty="0">
+              <a:solidFill>
+                <a:srgbClr val="000000"/>
+              </a:solidFill>
+              <a:latin typeface="Helvetica" pitchFamily="2" charset="0"/>
+              <a:cs typeface="Arial" panose="020B0604020202020204" pitchFamily="34" charset="0"/>
+            </a:endParaRPr>
+          </a:p>
+          <a:p>
+            <a:pPr marL="357188">
+              <a:lnSpc>
+                <a:spcPts val="3000"/>
+              </a:lnSpc>
+            </a:pPr>
+            <a:r>
               <a:rPr lang="pt-BR" sz="2000" dirty="0">
                 <a:solidFill>
                   <a:srgbClr val="000000"/>
                 </a:solidFill>
-                <a:latin typeface="Arial" panose="020B0604020202020204" pitchFamily="34" charset="0"/>
+                <a:latin typeface="Helvetica" pitchFamily="2" charset="0"/>
                 <a:cs typeface="Arial" panose="020B0604020202020204" pitchFamily="34" charset="0"/>
               </a:rPr>
-              <a:t>Limite mensal por deputado: R$ </a:t>
-            </a:r>
-            <a:r>
-              <a:rPr lang="pt-BR" sz="2000" b="0" i="0" u="none" strike="noStrike" baseline="0" dirty="0">
-                <a:solidFill>
-                  <a:srgbClr val="000000"/>
-                </a:solidFill>
-                <a:latin typeface="Arial" panose="020B0604020202020204" pitchFamily="34" charset="0"/>
-                <a:cs typeface="Arial" panose="020B0604020202020204" pitchFamily="34" charset="0"/>
-              </a:rPr>
-              <a:t>39.962,50</a:t>
-            </a:r>
+              <a:t>R$ 31,97</a:t>
+            </a:r>
+          </a:p>
+          <a:p>
+            <a:pPr>
+              <a:lnSpc>
+                <a:spcPts val="3000"/>
+              </a:lnSpc>
+            </a:pPr>
+            <a:endParaRPr lang="pt-BR" sz="2000" dirty="0">
+              <a:solidFill>
+                <a:srgbClr val="000000"/>
+              </a:solidFill>
+              <a:latin typeface="Helvetica" pitchFamily="2" charset="0"/>
+              <a:cs typeface="Arial" panose="020B0604020202020204" pitchFamily="34" charset="0"/>
+            </a:endParaRPr>
           </a:p>
           <a:p>
             <a:pPr marL="342900" indent="-342900">
               <a:lnSpc>
-                <a:spcPts val="3200"/>
+                <a:spcPts val="3000"/>
+              </a:lnSpc>
+              <a:buFont typeface="Wingdings" panose="05000000000000000000" pitchFamily="2" charset="2"/>
+              <a:buChar char="§"/>
+            </a:pPr>
+            <a:r>
+              <a:rPr lang="pt-BR" sz="2000" dirty="0">
+                <a:solidFill>
+                  <a:srgbClr val="000000"/>
+                </a:solidFill>
+                <a:latin typeface="Helvetica" pitchFamily="2" charset="0"/>
+                <a:cs typeface="Arial" panose="020B0604020202020204" pitchFamily="34" charset="0"/>
+              </a:rPr>
+              <a:t>Limite mensal por deputado</a:t>
+            </a:r>
+          </a:p>
+          <a:p>
+            <a:pPr marL="357188">
+              <a:lnSpc>
+                <a:spcPts val="3000"/>
+              </a:lnSpc>
+            </a:pPr>
+            <a:r>
+              <a:rPr lang="pt-BR" sz="2000" dirty="0">
+                <a:solidFill>
+                  <a:srgbClr val="000000"/>
+                </a:solidFill>
+                <a:latin typeface="Helvetica" pitchFamily="2" charset="0"/>
+                <a:cs typeface="Arial" panose="020B0604020202020204" pitchFamily="34" charset="0"/>
+              </a:rPr>
+              <a:t>R$ </a:t>
+            </a:r>
+            <a:r>
+              <a:rPr lang="pt-BR" sz="2000" b="0" i="0" u="none" strike="noStrike" baseline="0" dirty="0">
+                <a:solidFill>
+                  <a:srgbClr val="000000"/>
+                </a:solidFill>
+                <a:latin typeface="Helvetica" pitchFamily="2" charset="0"/>
+                <a:cs typeface="Arial" panose="020B0604020202020204" pitchFamily="34" charset="0"/>
+              </a:rPr>
+              <a:t>39.962,50</a:t>
+            </a:r>
+          </a:p>
+          <a:p>
+            <a:pPr marL="342900" indent="-342900">
+              <a:lnSpc>
+                <a:spcPts val="3000"/>
               </a:lnSpc>
               <a:buFont typeface="Arial" panose="020B0604020202020204" pitchFamily="34" charset="0"/>
               <a:buChar char="→"/>
@@ -3708,29 +6238,104 @@
               <a:solidFill>
                 <a:srgbClr val="000000"/>
               </a:solidFill>
-              <a:latin typeface="Arial" panose="020B0604020202020204" pitchFamily="34" charset="0"/>
+              <a:latin typeface="Helvetica" pitchFamily="2" charset="0"/>
               <a:cs typeface="Arial" panose="020B0604020202020204" pitchFamily="34" charset="0"/>
             </a:endParaRPr>
           </a:p>
           <a:p>
             <a:pPr marL="342900" indent="-342900">
               <a:lnSpc>
-                <a:spcPts val="3200"/>
+                <a:spcPts val="3000"/>
               </a:lnSpc>
-              <a:buFont typeface="Arial" panose="020B0604020202020204" pitchFamily="34" charset="0"/>
-              <a:buChar char="→"/>
+              <a:buFont typeface="Wingdings" panose="05000000000000000000" pitchFamily="2" charset="2"/>
+              <a:buChar char="§"/>
             </a:pPr>
             <a:r>
               <a:rPr lang="pt-BR" sz="2000" dirty="0">
                 <a:solidFill>
                   <a:srgbClr val="000000"/>
                 </a:solidFill>
-                <a:latin typeface="Arial" panose="020B0604020202020204" pitchFamily="34" charset="0"/>
+                <a:latin typeface="Helvetica" pitchFamily="2" charset="0"/>
                 <a:cs typeface="Arial" panose="020B0604020202020204" pitchFamily="34" charset="0"/>
               </a:rPr>
-              <a:t>Total empenhado:         R$ 26.652.243,51</a:t>
-            </a:r>
-            <a:endParaRPr lang="pt-BR" dirty="0"/>
+              <a:t>Total empenhado</a:t>
+            </a:r>
+          </a:p>
+          <a:p>
+            <a:pPr marL="357188">
+              <a:lnSpc>
+                <a:spcPts val="3000"/>
+              </a:lnSpc>
+            </a:pPr>
+            <a:r>
+              <a:rPr lang="pt-BR" sz="2000" dirty="0">
+                <a:solidFill>
+                  <a:srgbClr val="000000"/>
+                </a:solidFill>
+                <a:latin typeface="Helvetica" pitchFamily="2" charset="0"/>
+                <a:cs typeface="Arial" panose="020B0604020202020204" pitchFamily="34" charset="0"/>
+              </a:rPr>
+              <a:t>R$ 26.652.243,51</a:t>
+            </a:r>
+          </a:p>
+          <a:p>
+            <a:pPr marL="357188">
+              <a:lnSpc>
+                <a:spcPts val="3000"/>
+              </a:lnSpc>
+            </a:pPr>
+            <a:endParaRPr lang="pt-BR" dirty="0">
+              <a:latin typeface="Helvetica" pitchFamily="2" charset="0"/>
+            </a:endParaRPr>
+          </a:p>
+        </p:txBody>
+      </p:sp>
+      <p:sp>
+        <p:nvSpPr>
+          <p:cNvPr id="5" name="CaixaDeTexto 4">
+            <a:extLst>
+              <a:ext uri="{FF2B5EF4-FFF2-40B4-BE49-F238E27FC236}">
+                <a16:creationId xmlns:a16="http://schemas.microsoft.com/office/drawing/2014/main" id="{8D3D6175-9971-2620-124F-E9E195E2B05C}"/>
+              </a:ext>
+            </a:extLst>
+          </p:cNvPr>
+          <p:cNvSpPr txBox="1"/>
+          <p:nvPr/>
+        </p:nvSpPr>
+        <p:spPr>
+          <a:xfrm>
+            <a:off x="8087314" y="1690688"/>
+            <a:ext cx="2531353" cy="400110"/>
+          </a:xfrm>
+          <a:prstGeom prst="rect">
+            <a:avLst/>
+          </a:prstGeom>
+          <a:solidFill>
+            <a:schemeClr val="tx1"/>
+          </a:solidFill>
+        </p:spPr>
+        <p:txBody>
+          <a:bodyPr wrap="square" rtlCol="0">
+            <a:spAutoFit/>
+          </a:bodyPr>
+          <a:lstStyle/>
+          <a:p>
+            <a:pPr algn="ctr"/>
+            <a:r>
+              <a:rPr lang="pt-BR" sz="2000" b="1" dirty="0">
+                <a:solidFill>
+                  <a:schemeClr val="bg2"/>
+                </a:solidFill>
+                <a:latin typeface="Helvetica" pitchFamily="2" charset="0"/>
+                <a:cs typeface="Arial" panose="020B0604020202020204" pitchFamily="34" charset="0"/>
+              </a:rPr>
+              <a:t>VALORES EM 2022</a:t>
+            </a:r>
+            <a:endParaRPr lang="pt-BR" sz="2000" dirty="0">
+              <a:solidFill>
+                <a:schemeClr val="bg2"/>
+              </a:solidFill>
+            </a:endParaRPr>
           </a:p>
         </p:txBody>
       </p:sp>
@@ -3782,32 +6387,32 @@
         </p:nvSpPr>
         <p:spPr/>
         <p:txBody>
-          <a:bodyPr>
-            <a:normAutofit fontScale="90000"/>
+          <a:bodyPr anchor="t" anchorCtr="0">
+            <a:normAutofit/>
           </a:bodyPr>
           <a:lstStyle/>
           <a:p>
             <a:pPr>
               <a:lnSpc>
-                <a:spcPct val="150000"/>
+                <a:spcPct val="100000"/>
               </a:lnSpc>
             </a:pPr>
             <a:r>
-              <a:rPr lang="pt-BR" sz="3200" b="1" dirty="0">
-                <a:latin typeface="Arial" panose="020B0604020202020204" pitchFamily="34" charset="0"/>
+              <a:rPr lang="pt-BR" sz="2800" b="1" dirty="0">
+                <a:latin typeface="Helvetica" pitchFamily="2" charset="0"/>
                 <a:cs typeface="Arial" panose="020B0604020202020204" pitchFamily="34" charset="0"/>
               </a:rPr>
-              <a:t>INTRODUÇÃO</a:t>
-            </a:r>
-            <a:br>
-              <a:rPr lang="pt-BR" sz="3200" b="1" dirty="0">
-                <a:latin typeface="Arial" panose="020B0604020202020204" pitchFamily="34" charset="0"/>
-                <a:cs typeface="Arial" panose="020B0604020202020204" pitchFamily="34" charset="0"/>
-              </a:rPr>
-            </a:br>
-            <a:r>
-              <a:rPr lang="pt-BR" sz="3200" dirty="0">
-                <a:latin typeface="Arial" panose="020B0604020202020204" pitchFamily="34" charset="0"/>
+              <a:t>INTRODUÇÃO </a:t>
+            </a:r>
+            <a:r>
+              <a:rPr lang="pt-BR" sz="2800" dirty="0">
+                <a:solidFill>
+                  <a:schemeClr val="tx1">
+                    <a:lumMod val="50000"/>
+                    <a:lumOff val="50000"/>
+                  </a:schemeClr>
+                </a:solidFill>
+                <a:latin typeface="Helvetica" pitchFamily="2" charset="0"/>
                 <a:cs typeface="Arial" panose="020B0604020202020204" pitchFamily="34" charset="0"/>
               </a:rPr>
               <a:t>Controle de gastos</a:t>
@@ -3834,7 +6439,7 @@
         <p:spPr>
           <a:xfrm>
             <a:off x="838200" y="1825625"/>
-            <a:ext cx="4788159" cy="4489450"/>
+            <a:ext cx="5991808" cy="4489450"/>
           </a:xfrm>
         </p:spPr>
         <p:txBody>
@@ -3845,16 +6450,22 @@
           <a:p>
             <a:pPr marL="0" indent="0">
               <a:lnSpc>
-                <a:spcPts val="3200"/>
+                <a:spcPts val="3000"/>
               </a:lnSpc>
+              <a:spcBef>
+                <a:spcPts val="0"/>
+              </a:spcBef>
               <a:buNone/>
             </a:pPr>
             <a:r>
-              <a:rPr lang="pt-BR" sz="2000" dirty="0">
-                <a:latin typeface="Arial" panose="020B0604020202020204" pitchFamily="34" charset="0"/>
-                <a:cs typeface="Arial" panose="020B0604020202020204" pitchFamily="34" charset="0"/>
-              </a:rPr>
-              <a:t>Procedimentos investigatórios em curso no Ministério Público de São Paulo apuram eventual malversação dos recursos destinados à verba de gabinete por parte de parlamentares. </a:t>
+              <a:rPr lang="pt-BR" sz="2000" b="0" i="0" u="none" strike="noStrike" dirty="0">
+                <a:solidFill>
+                  <a:srgbClr val="000000"/>
+                </a:solidFill>
+                <a:effectLst/>
+                <a:latin typeface="Helvetica" pitchFamily="2" charset="0"/>
+              </a:rPr>
+              <a:t>Tendo origem nos cofres públicos, órgãos de controle como o Ministério Público do Estado não raro abrem procedimentos investigatórios para investigar eventual malversação no uso da verba de gabinete por parte de parlamentares.</a:t>
             </a:r>
           </a:p>
         </p:txBody>
@@ -3864,7 +6475,7 @@
           <p:cNvPr id="4" name="CaixaDeTexto 3">
             <a:extLst>
               <a:ext uri="{FF2B5EF4-FFF2-40B4-BE49-F238E27FC236}">
-                <a16:creationId xmlns:a16="http://schemas.microsoft.com/office/drawing/2014/main" id="{F86F69E1-CD3F-4645-4F22-9EFE2588A3CF}"/>
+                <a16:creationId xmlns:a16="http://schemas.microsoft.com/office/drawing/2014/main" id="{A77393AB-0620-D193-BF6E-98E698E06966}"/>
               </a:ext>
             </a:extLst>
           </p:cNvPr>
@@ -3873,8 +6484,8 @@
         </p:nvSpPr>
         <p:spPr>
           <a:xfrm>
-            <a:off x="5831634" y="1848255"/>
-            <a:ext cx="5529966" cy="3748783"/>
+            <a:off x="7344383" y="1848255"/>
+            <a:ext cx="4017216" cy="3896388"/>
           </a:xfrm>
           <a:prstGeom prst="rect">
             <a:avLst/>
@@ -3896,79 +6507,138 @@
           </a:bodyPr>
           <a:lstStyle/>
           <a:p>
-            <a:pPr algn="ctr">
-              <a:lnSpc>
-                <a:spcPts val="3200"/>
-              </a:lnSpc>
-            </a:pPr>
-            <a:r>
-              <a:rPr lang="pt-BR" sz="2000" b="1" dirty="0">
-                <a:latin typeface="Arial" panose="020B0604020202020204" pitchFamily="34" charset="0"/>
-                <a:cs typeface="Arial" panose="020B0604020202020204" pitchFamily="34" charset="0"/>
-              </a:rPr>
-              <a:t>AMOSTRA DE PROCEDIMENTOS INVESTIGATÓRIOS EM CURSO</a:t>
-            </a:r>
-          </a:p>
-          <a:p>
             <a:pPr>
               <a:lnSpc>
-                <a:spcPts val="3200"/>
+                <a:spcPts val="3000"/>
               </a:lnSpc>
             </a:pPr>
             <a:endParaRPr lang="pt-BR" sz="2000" dirty="0">
-              <a:latin typeface="Arial" panose="020B0604020202020204" pitchFamily="34" charset="0"/>
-              <a:cs typeface="Arial" panose="020B0604020202020204" pitchFamily="34" charset="0"/>
-            </a:endParaRPr>
-          </a:p>
-          <a:p>
-            <a:pPr marL="342900" indent="-342900">
-              <a:lnSpc>
-                <a:spcPts val="3200"/>
-              </a:lnSpc>
-              <a:buFont typeface="Arial" panose="020B0604020202020204" pitchFamily="34" charset="0"/>
-              <a:buChar char="→"/>
-            </a:pPr>
-            <a:r>
-              <a:rPr lang="pt-BR" sz="2000" dirty="0">
-                <a:latin typeface="Arial" panose="020B0604020202020204" pitchFamily="34" charset="0"/>
-                <a:cs typeface="Arial" panose="020B0604020202020204" pitchFamily="34" charset="0"/>
-              </a:rPr>
-              <a:t>SEI 29.0001.0246360.2021-54, que apura uso da verba para locação de imóveis de aliados políticos e nunca utilizados</a:t>
-            </a:r>
-            <a:endParaRPr lang="pt-BR" sz="2000" b="0" i="0" u="none" strike="noStrike" baseline="0" dirty="0">
               <a:solidFill>
                 <a:srgbClr val="000000"/>
               </a:solidFill>
-              <a:latin typeface="Arial" panose="020B0604020202020204" pitchFamily="34" charset="0"/>
+              <a:latin typeface="Helvetica" pitchFamily="2" charset="0"/>
               <a:cs typeface="Arial" panose="020B0604020202020204" pitchFamily="34" charset="0"/>
             </a:endParaRPr>
           </a:p>
           <a:p>
             <a:pPr marL="342900" indent="-342900">
               <a:lnSpc>
-                <a:spcPts val="3200"/>
+                <a:spcPts val="3000"/>
               </a:lnSpc>
-              <a:buFont typeface="Arial" panose="020B0604020202020204" pitchFamily="34" charset="0"/>
-              <a:buChar char="→"/>
+              <a:buFont typeface="Wingdings" panose="05000000000000000000" pitchFamily="2" charset="2"/>
+              <a:buChar char="§"/>
             </a:pPr>
             <a:r>
               <a:rPr lang="pt-BR" sz="2000" dirty="0">
                 <a:solidFill>
                   <a:srgbClr val="000000"/>
                 </a:solidFill>
-                <a:latin typeface="Arial" panose="020B0604020202020204" pitchFamily="34" charset="0"/>
+                <a:latin typeface="Helvetica" pitchFamily="2" charset="0"/>
                 <a:cs typeface="Arial" panose="020B0604020202020204" pitchFamily="34" charset="0"/>
               </a:rPr>
-              <a:t>AP 0037174-14.2021.8.26.0000, que apura ressarcimento de despesas nunca efetuadas</a:t>
-            </a:r>
-            <a:endParaRPr lang="pt-BR" dirty="0"/>
+              <a:t>29.0001.0246360.2021-54 Apura locação de imóveis de aliados políticos e nunca utilizados</a:t>
+            </a:r>
+          </a:p>
+          <a:p>
+            <a:pPr>
+              <a:lnSpc>
+                <a:spcPts val="3000"/>
+              </a:lnSpc>
+            </a:pPr>
+            <a:endParaRPr lang="pt-BR" sz="2000" dirty="0">
+              <a:solidFill>
+                <a:srgbClr val="000000"/>
+              </a:solidFill>
+              <a:latin typeface="Helvetica" pitchFamily="2" charset="0"/>
+              <a:cs typeface="Arial" panose="020B0604020202020204" pitchFamily="34" charset="0"/>
+            </a:endParaRPr>
+          </a:p>
+          <a:p>
+            <a:pPr marL="342900" indent="-342900">
+              <a:lnSpc>
+                <a:spcPts val="3000"/>
+              </a:lnSpc>
+              <a:buFont typeface="Wingdings" panose="05000000000000000000" pitchFamily="2" charset="2"/>
+              <a:buChar char="§"/>
+            </a:pPr>
+            <a:r>
+              <a:rPr lang="pt-BR" sz="2000" dirty="0">
+                <a:solidFill>
+                  <a:srgbClr val="000000"/>
+                </a:solidFill>
+                <a:latin typeface="Helvetica" pitchFamily="2" charset="0"/>
+                <a:cs typeface="Arial" panose="020B0604020202020204" pitchFamily="34" charset="0"/>
+              </a:rPr>
+              <a:t>0037174-14.2021.8.26.0000 Apura ressarcimento de despesas nunca efetuadas</a:t>
+            </a:r>
+          </a:p>
+          <a:p>
+            <a:pPr marL="342900" indent="-342900">
+              <a:lnSpc>
+                <a:spcPts val="3000"/>
+              </a:lnSpc>
+              <a:buFont typeface="Wingdings" panose="05000000000000000000" pitchFamily="2" charset="2"/>
+              <a:buChar char="§"/>
+            </a:pPr>
+            <a:endParaRPr lang="pt-BR" dirty="0">
+              <a:latin typeface="Helvetica" pitchFamily="2" charset="0"/>
+            </a:endParaRPr>
+          </a:p>
+        </p:txBody>
+      </p:sp>
+      <p:sp>
+        <p:nvSpPr>
+          <p:cNvPr id="5" name="CaixaDeTexto 4">
+            <a:extLst>
+              <a:ext uri="{FF2B5EF4-FFF2-40B4-BE49-F238E27FC236}">
+                <a16:creationId xmlns:a16="http://schemas.microsoft.com/office/drawing/2014/main" id="{8D3D6175-9971-2620-124F-E9E195E2B05C}"/>
+              </a:ext>
+            </a:extLst>
+          </p:cNvPr>
+          <p:cNvSpPr txBox="1"/>
+          <p:nvPr/>
+        </p:nvSpPr>
+        <p:spPr>
+          <a:xfrm>
+            <a:off x="8532895" y="1690688"/>
+            <a:ext cx="1640191" cy="400110"/>
+          </a:xfrm>
+          <a:prstGeom prst="rect">
+            <a:avLst/>
+          </a:prstGeom>
+          <a:solidFill>
+            <a:schemeClr val="tx1"/>
+          </a:solidFill>
+        </p:spPr>
+        <p:txBody>
+          <a:bodyPr wrap="square" rtlCol="0">
+            <a:spAutoFit/>
+          </a:bodyPr>
+          <a:lstStyle/>
+          <a:p>
+            <a:pPr algn="ctr"/>
+            <a:r>
+              <a:rPr lang="pt-BR" sz="2000" b="1" dirty="0">
+                <a:solidFill>
+                  <a:schemeClr val="bg2"/>
+                </a:solidFill>
+                <a:latin typeface="Helvetica" pitchFamily="2" charset="0"/>
+                <a:cs typeface="Arial" panose="020B0604020202020204" pitchFamily="34" charset="0"/>
+              </a:rPr>
+              <a:t>EXEMPLOS</a:t>
+            </a:r>
+            <a:endParaRPr lang="pt-BR" sz="2000" dirty="0">
+              <a:solidFill>
+                <a:schemeClr val="bg2"/>
+              </a:solidFill>
+            </a:endParaRPr>
           </a:p>
         </p:txBody>
       </p:sp>
     </p:spTree>
     <p:extLst>
       <p:ext uri="{BB962C8B-B14F-4D97-AF65-F5344CB8AC3E}">
-        <p14:creationId xmlns:p14="http://schemas.microsoft.com/office/powerpoint/2010/main" val="1217981370"/>
+        <p14:creationId xmlns:p14="http://schemas.microsoft.com/office/powerpoint/2010/main" val="1246410358"/>
       </p:ext>
     </p:extLst>
   </p:cSld>
@@ -4013,61 +6683,36 @@
         </p:nvSpPr>
         <p:spPr/>
         <p:txBody>
-          <a:bodyPr>
-            <a:normAutofit fontScale="90000"/>
+          <a:bodyPr anchor="t" anchorCtr="0">
+            <a:normAutofit/>
           </a:bodyPr>
           <a:lstStyle/>
           <a:p>
             <a:pPr>
               <a:lnSpc>
-                <a:spcPct val="150000"/>
+                <a:spcPct val="100000"/>
               </a:lnSpc>
             </a:pPr>
             <a:r>
-              <a:rPr lang="pt-BR" sz="3200" b="1" dirty="0">
-                <a:latin typeface="Arial" panose="020B0604020202020204" pitchFamily="34" charset="0"/>
+              <a:rPr lang="pt-BR" sz="2800" b="1" dirty="0">
+                <a:latin typeface="Helvetica" pitchFamily="2" charset="0"/>
                 <a:cs typeface="Arial" panose="020B0604020202020204" pitchFamily="34" charset="0"/>
               </a:rPr>
-              <a:t>INTRODUÇÃO</a:t>
-            </a:r>
-            <a:br>
-              <a:rPr lang="pt-BR" sz="3200" b="1" dirty="0">
-                <a:latin typeface="Arial" panose="020B0604020202020204" pitchFamily="34" charset="0"/>
+              <a:t>INTRODUÇÃO </a:t>
+            </a:r>
+            <a:r>
+              <a:rPr lang="pt-BR" sz="2800" dirty="0">
+                <a:solidFill>
+                  <a:schemeClr val="tx1">
+                    <a:lumMod val="50000"/>
+                    <a:lumOff val="50000"/>
+                  </a:schemeClr>
+                </a:solidFill>
+                <a:latin typeface="Helvetica" pitchFamily="2" charset="0"/>
                 <a:cs typeface="Arial" panose="020B0604020202020204" pitchFamily="34" charset="0"/>
               </a:rPr>
-            </a:br>
-            <a:r>
-              <a:rPr lang="pt-BR" sz="3200" dirty="0">
-                <a:latin typeface="Arial" panose="020B0604020202020204" pitchFamily="34" charset="0"/>
-                <a:cs typeface="Arial" panose="020B0604020202020204" pitchFamily="34" charset="0"/>
-              </a:rPr>
-              <a:t>O papel de </a:t>
-            </a:r>
-            <a:r>
-              <a:rPr lang="pt-BR" sz="3200" i="1" dirty="0" err="1">
-                <a:latin typeface="Arial" panose="020B0604020202020204" pitchFamily="34" charset="0"/>
-                <a:cs typeface="Arial" panose="020B0604020202020204" pitchFamily="34" charset="0"/>
-              </a:rPr>
-              <a:t>machine</a:t>
-            </a:r>
-            <a:r>
-              <a:rPr lang="pt-BR" sz="3200" i="1" dirty="0">
-                <a:latin typeface="Arial" panose="020B0604020202020204" pitchFamily="34" charset="0"/>
-                <a:cs typeface="Arial" panose="020B0604020202020204" pitchFamily="34" charset="0"/>
-              </a:rPr>
-              <a:t> </a:t>
-            </a:r>
-            <a:r>
-              <a:rPr lang="pt-BR" sz="3200" i="1" dirty="0" err="1">
-                <a:latin typeface="Arial" panose="020B0604020202020204" pitchFamily="34" charset="0"/>
-                <a:cs typeface="Arial" panose="020B0604020202020204" pitchFamily="34" charset="0"/>
-              </a:rPr>
-              <a:t>learning</a:t>
-            </a:r>
-            <a:endParaRPr lang="pt-BR" sz="3200" dirty="0">
-              <a:latin typeface="Arial" panose="020B0604020202020204" pitchFamily="34" charset="0"/>
-              <a:cs typeface="Arial" panose="020B0604020202020204" pitchFamily="34" charset="0"/>
-            </a:endParaRPr>
+              <a:t>Papel de ciência de dados</a:t>
+            </a:r>
           </a:p>
         </p:txBody>
       </p:sp>
@@ -4090,7 +6735,7 @@
         <p:spPr>
           <a:xfrm>
             <a:off x="838200" y="1825625"/>
-            <a:ext cx="6496456" cy="4489450"/>
+            <a:ext cx="5991808" cy="4489450"/>
           </a:xfrm>
         </p:spPr>
         <p:txBody>
@@ -4101,62 +6746,88 @@
           <a:p>
             <a:pPr marL="0" indent="0">
               <a:lnSpc>
-                <a:spcPts val="3200"/>
+                <a:spcPts val="3000"/>
               </a:lnSpc>
+              <a:spcBef>
+                <a:spcPts val="0"/>
+              </a:spcBef>
               <a:buNone/>
             </a:pPr>
             <a:r>
-              <a:rPr lang="pt-BR" sz="2000" dirty="0">
-                <a:latin typeface="Arial" panose="020B0604020202020204" pitchFamily="34" charset="0"/>
-                <a:cs typeface="Arial" panose="020B0604020202020204" pitchFamily="34" charset="0"/>
-              </a:rPr>
-              <a:t>Métodos de aprendizado de máquina podem auxiliar os órgãos de controle a detectar quais das despesas efetuadas são anomalias e podem ser objetos de escrutínio pormenorizado. </a:t>
+              <a:rPr lang="pt-BR" sz="2000" b="0" i="0" u="none" strike="noStrike" dirty="0">
+                <a:solidFill>
+                  <a:srgbClr val="000000"/>
+                </a:solidFill>
+                <a:effectLst/>
+                <a:latin typeface="Helvetica" pitchFamily="2" charset="0"/>
+              </a:rPr>
+              <a:t>Técnicas de aprendizado de máquina podem auxiliar os órgãos de controle a detectar quais das despesas efetuadas são anomalias e devem ser objetos de escrutínio pormenorizado.</a:t>
             </a:r>
           </a:p>
           <a:p>
             <a:pPr marL="0" indent="0">
               <a:lnSpc>
-                <a:spcPts val="3200"/>
+                <a:spcPts val="3000"/>
               </a:lnSpc>
-              <a:buNone/>
-            </a:pPr>
-            <a:r>
-              <a:rPr lang="pt-BR" sz="2000" dirty="0">
-                <a:latin typeface="Arial" panose="020B0604020202020204" pitchFamily="34" charset="0"/>
-                <a:cs typeface="Arial" panose="020B0604020202020204" pitchFamily="34" charset="0"/>
-              </a:rPr>
-              <a:t>Neste trabalho, foi utilizado um algoritmo customizado de K-</a:t>
-            </a:r>
-            <a:r>
-              <a:rPr lang="pt-BR" sz="2000" dirty="0" err="1">
-                <a:latin typeface="Arial" panose="020B0604020202020204" pitchFamily="34" charset="0"/>
-                <a:cs typeface="Arial" panose="020B0604020202020204" pitchFamily="34" charset="0"/>
-              </a:rPr>
-              <a:t>Means</a:t>
-            </a:r>
-            <a:r>
-              <a:rPr lang="pt-BR" sz="2000" dirty="0">
-                <a:latin typeface="Arial" panose="020B0604020202020204" pitchFamily="34" charset="0"/>
-                <a:cs typeface="Arial" panose="020B0604020202020204" pitchFamily="34" charset="0"/>
-              </a:rPr>
-              <a:t> nos dados de alimentação e hospedagem de 2018 a 2022, com valores corrigidos pela inflação. </a:t>
-            </a:r>
-          </a:p>
-          <a:p>
-            <a:pPr marL="0" indent="0">
+              <a:spcBef>
+                <a:spcPts val="0"/>
+              </a:spcBef>
               <a:buNone/>
             </a:pPr>
             <a:endParaRPr lang="pt-BR" sz="2000" dirty="0">
-              <a:latin typeface="Arial" panose="020B0604020202020204" pitchFamily="34" charset="0"/>
-              <a:cs typeface="Arial" panose="020B0604020202020204" pitchFamily="34" charset="0"/>
+              <a:solidFill>
+                <a:srgbClr val="000000"/>
+              </a:solidFill>
+              <a:latin typeface="Helvetica" pitchFamily="2" charset="0"/>
             </a:endParaRPr>
+          </a:p>
+          <a:p>
+            <a:pPr marL="0" indent="0">
+              <a:lnSpc>
+                <a:spcPts val="3000"/>
+              </a:lnSpc>
+              <a:spcBef>
+                <a:spcPts val="0"/>
+              </a:spcBef>
+              <a:buNone/>
+            </a:pPr>
+            <a:r>
+              <a:rPr lang="pt-BR" sz="2000" b="0" i="0" u="none" strike="noStrike" dirty="0">
+                <a:solidFill>
+                  <a:srgbClr val="000000"/>
+                </a:solidFill>
+                <a:effectLst/>
+                <a:latin typeface="Helvetica" pitchFamily="2" charset="0"/>
+              </a:rPr>
+              <a:t>Neste trabalho, foi utilizado um algoritmo autoral de K-</a:t>
+            </a:r>
+            <a:r>
+              <a:rPr lang="pt-BR" sz="2000" b="0" i="0" u="none" strike="noStrike" dirty="0" err="1">
+                <a:solidFill>
+                  <a:srgbClr val="000000"/>
+                </a:solidFill>
+                <a:effectLst/>
+                <a:latin typeface="Helvetica" pitchFamily="2" charset="0"/>
+              </a:rPr>
+              <a:t>Means</a:t>
+            </a:r>
+            <a:r>
+              <a:rPr lang="pt-BR" sz="2000" b="0" i="0" u="none" strike="noStrike" dirty="0">
+                <a:solidFill>
+                  <a:srgbClr val="000000"/>
+                </a:solidFill>
+                <a:effectLst/>
+                <a:latin typeface="Helvetica" pitchFamily="2" charset="0"/>
+              </a:rPr>
+              <a:t> nos dados de alimentação e hospedagem de 2018 a 2022, com valores corrigidos pela inflação.</a:t>
+            </a:r>
           </a:p>
         </p:txBody>
       </p:sp>
     </p:spTree>
     <p:extLst>
       <p:ext uri="{BB962C8B-B14F-4D97-AF65-F5344CB8AC3E}">
-        <p14:creationId xmlns:p14="http://schemas.microsoft.com/office/powerpoint/2010/main" val="4106961976"/>
+        <p14:creationId xmlns:p14="http://schemas.microsoft.com/office/powerpoint/2010/main" val="1537492314"/>
       </p:ext>
     </p:extLst>
   </p:cSld>
@@ -4201,32 +6872,32 @@
         </p:nvSpPr>
         <p:spPr/>
         <p:txBody>
-          <a:bodyPr>
-            <a:normAutofit fontScale="90000"/>
+          <a:bodyPr anchor="t" anchorCtr="0">
+            <a:normAutofit/>
           </a:bodyPr>
           <a:lstStyle/>
           <a:p>
             <a:pPr>
               <a:lnSpc>
-                <a:spcPct val="150000"/>
+                <a:spcPct val="100000"/>
               </a:lnSpc>
             </a:pPr>
             <a:r>
-              <a:rPr lang="pt-BR" sz="3200" b="1" dirty="0">
-                <a:latin typeface="Arial" panose="020B0604020202020204" pitchFamily="34" charset="0"/>
+              <a:rPr lang="pt-BR" sz="2800" b="1" dirty="0">
+                <a:latin typeface="Helvetica" pitchFamily="2" charset="0"/>
                 <a:cs typeface="Arial" panose="020B0604020202020204" pitchFamily="34" charset="0"/>
               </a:rPr>
-              <a:t>K-MEANS</a:t>
-            </a:r>
-            <a:br>
-              <a:rPr lang="pt-BR" sz="3200" b="1" dirty="0">
-                <a:latin typeface="Arial" panose="020B0604020202020204" pitchFamily="34" charset="0"/>
-                <a:cs typeface="Arial" panose="020B0604020202020204" pitchFamily="34" charset="0"/>
-              </a:rPr>
-            </a:br>
-            <a:r>
-              <a:rPr lang="pt-BR" sz="3200" dirty="0">
-                <a:latin typeface="Arial" panose="020B0604020202020204" pitchFamily="34" charset="0"/>
+              <a:t>K-MEANS </a:t>
+            </a:r>
+            <a:r>
+              <a:rPr lang="pt-BR" sz="2800" dirty="0">
+                <a:solidFill>
+                  <a:schemeClr val="tx1">
+                    <a:lumMod val="50000"/>
+                    <a:lumOff val="50000"/>
+                  </a:schemeClr>
+                </a:solidFill>
+                <a:latin typeface="Helvetica" pitchFamily="2" charset="0"/>
                 <a:cs typeface="Arial" panose="020B0604020202020204" pitchFamily="34" charset="0"/>
               </a:rPr>
               <a:t>Definição</a:t>
@@ -4254,8 +6925,8 @@
             </p:nvSpPr>
             <p:spPr>
               <a:xfrm>
-                <a:off x="838199" y="1825625"/>
-                <a:ext cx="5077531" cy="4489450"/>
+                <a:off x="838200" y="1825625"/>
+                <a:ext cx="5257800" cy="4489450"/>
               </a:xfrm>
             </p:spPr>
             <p:txBody>
@@ -4266,112 +6937,189 @@
               <a:p>
                 <a:pPr marL="0" indent="0">
                   <a:lnSpc>
-                    <a:spcPts val="3200"/>
+                    <a:spcPts val="3000"/>
                   </a:lnSpc>
+                  <a:spcBef>
+                    <a:spcPts val="0"/>
+                  </a:spcBef>
                   <a:buNone/>
                 </a:pPr>
                 <a:r>
-                  <a:rPr lang="pt-BR" sz="2000" dirty="0">
-                    <a:latin typeface="Arial" panose="020B0604020202020204" pitchFamily="34" charset="0"/>
-                    <a:cs typeface="Arial" panose="020B0604020202020204" pitchFamily="34" charset="0"/>
+                  <a:rPr lang="pt-BR" sz="2000" b="0" i="0" u="none" strike="noStrike" dirty="0">
+                    <a:solidFill>
+                      <a:srgbClr val="000000"/>
+                    </a:solidFill>
+                    <a:effectLst/>
+                    <a:latin typeface="Helvetica" pitchFamily="2" charset="0"/>
                   </a:rPr>
                   <a:t>Em linhas gerais, K-</a:t>
                 </a:r>
                 <a:r>
-                  <a:rPr lang="pt-BR" sz="2000" dirty="0" err="1">
-                    <a:latin typeface="Arial" panose="020B0604020202020204" pitchFamily="34" charset="0"/>
-                    <a:cs typeface="Arial" panose="020B0604020202020204" pitchFamily="34" charset="0"/>
+                  <a:rPr lang="pt-BR" sz="2000" b="0" i="0" u="none" strike="noStrike" dirty="0" err="1">
+                    <a:solidFill>
+                      <a:srgbClr val="000000"/>
+                    </a:solidFill>
+                    <a:effectLst/>
+                    <a:latin typeface="Helvetica" pitchFamily="2" charset="0"/>
                   </a:rPr>
                   <a:t>Means</a:t>
                 </a:r>
                 <a:r>
-                  <a:rPr lang="pt-BR" sz="2000" dirty="0">
-                    <a:latin typeface="Arial" panose="020B0604020202020204" pitchFamily="34" charset="0"/>
-                    <a:cs typeface="Arial" panose="020B0604020202020204" pitchFamily="34" charset="0"/>
+                  <a:rPr lang="pt-BR" sz="2000" b="0" i="0" u="none" strike="noStrike" dirty="0">
+                    <a:solidFill>
+                      <a:srgbClr val="000000"/>
+                    </a:solidFill>
+                    <a:effectLst/>
+                    <a:latin typeface="Helvetica" pitchFamily="2" charset="0"/>
                   </a:rPr>
-                  <a:t> é um algoritmo que particiona um conjunto de pontos de dados </a:t>
+                  <a:t> é um algoritmo para clusterização e classificação. A técnica particiona um conjunto de dados </a:t>
                 </a:r>
                 <a14:m>
                   <m:oMath xmlns:m="http://schemas.openxmlformats.org/officeDocument/2006/math">
                     <m:r>
-                      <a:rPr lang="pt-BR" sz="2000" b="0" i="1" smtClean="0">
+                      <a:rPr lang="pt-BR" sz="2000" b="0" i="1" u="none" strike="noStrike" smtClean="0">
+                        <a:solidFill>
+                          <a:srgbClr val="000000"/>
+                        </a:solidFill>
+                        <a:effectLst/>
                         <a:latin typeface="Cambria Math" panose="02040503050406030204" pitchFamily="18" charset="0"/>
-                        <a:cs typeface="Arial" panose="020B0604020202020204" pitchFamily="34" charset="0"/>
                       </a:rPr>
                       <m:t>𝑋</m:t>
                     </m:r>
                   </m:oMath>
                 </a14:m>
                 <a:r>
-                  <a:rPr lang="pt-BR" sz="2000" dirty="0">
-                    <a:latin typeface="Arial" panose="020B0604020202020204" pitchFamily="34" charset="0"/>
-                    <a:cs typeface="Arial" panose="020B0604020202020204" pitchFamily="34" charset="0"/>
+                  <a:rPr lang="pt-BR" sz="2000" b="0" i="0" u="none" strike="noStrike" dirty="0">
+                    <a:solidFill>
+                      <a:srgbClr val="000000"/>
+                    </a:solidFill>
+                    <a:effectLst/>
+                    <a:latin typeface="Helvetica" pitchFamily="2" charset="0"/>
                   </a:rPr>
                   <a:t> em </a:t>
                 </a:r>
                 <a14:m>
                   <m:oMath xmlns:m="http://schemas.openxmlformats.org/officeDocument/2006/math">
                     <m:r>
-                      <a:rPr lang="pt-BR" sz="2000" b="0" i="1" smtClean="0">
+                      <a:rPr lang="pt-BR" sz="2000" b="0" i="1" u="none" strike="noStrike" dirty="0" smtClean="0">
+                        <a:solidFill>
+                          <a:srgbClr val="000000"/>
+                        </a:solidFill>
+                        <a:effectLst/>
                         <a:latin typeface="Cambria Math" panose="02040503050406030204" pitchFamily="18" charset="0"/>
-                        <a:cs typeface="Arial" panose="020B0604020202020204" pitchFamily="34" charset="0"/>
                       </a:rPr>
                       <m:t>𝑘</m:t>
                     </m:r>
                   </m:oMath>
                 </a14:m>
                 <a:r>
-                  <a:rPr lang="pt-BR" sz="2000" dirty="0">
-                    <a:latin typeface="Arial" panose="020B0604020202020204" pitchFamily="34" charset="0"/>
-                    <a:cs typeface="Arial" panose="020B0604020202020204" pitchFamily="34" charset="0"/>
+                  <a:rPr lang="pt-BR" sz="2000" b="0" i="0" u="none" strike="noStrike" dirty="0">
+                    <a:solidFill>
+                      <a:srgbClr val="000000"/>
+                    </a:solidFill>
+                    <a:effectLst/>
+                    <a:latin typeface="Helvetica" pitchFamily="2" charset="0"/>
                   </a:rPr>
-                  <a:t> clusters não sobrepostos, sendo </a:t>
+                  <a:t> agrupamentos (clusters) não sobrepostos, sendo </a:t>
                 </a:r>
                 <a14:m>
                   <m:oMath xmlns:m="http://schemas.openxmlformats.org/officeDocument/2006/math">
                     <m:r>
-                      <a:rPr lang="pt-BR" sz="2000" b="0" i="1" smtClean="0">
+                      <a:rPr lang="pt-BR" sz="2000" b="0" i="1" u="none" strike="noStrike" smtClean="0">
+                        <a:solidFill>
+                          <a:srgbClr val="000000"/>
+                        </a:solidFill>
+                        <a:effectLst/>
                         <a:latin typeface="Cambria Math" panose="02040503050406030204" pitchFamily="18" charset="0"/>
-                        <a:cs typeface="Arial" panose="020B0604020202020204" pitchFamily="34" charset="0"/>
                       </a:rPr>
                       <m:t>𝑘</m:t>
                     </m:r>
                   </m:oMath>
                 </a14:m>
                 <a:r>
-                  <a:rPr lang="pt-BR" sz="2000" dirty="0">
-                    <a:latin typeface="Arial" panose="020B0604020202020204" pitchFamily="34" charset="0"/>
-                    <a:cs typeface="Arial" panose="020B0604020202020204" pitchFamily="34" charset="0"/>
+                  <a:rPr lang="pt-BR" sz="2000" b="0" i="0" u="none" strike="noStrike" dirty="0">
+                    <a:solidFill>
+                      <a:srgbClr val="000000"/>
+                    </a:solidFill>
+                    <a:effectLst/>
+                    <a:latin typeface="Helvetica" pitchFamily="2" charset="0"/>
                   </a:rPr>
-                  <a:t> um número predeterminado.</a:t>
+                  <a:t> um número pré-determinado. </a:t>
                 </a:r>
               </a:p>
               <a:p>
                 <a:pPr marL="0" indent="0">
                   <a:lnSpc>
-                    <a:spcPts val="3200"/>
+                    <a:spcPts val="3000"/>
                   </a:lnSpc>
+                  <a:spcBef>
+                    <a:spcPts val="0"/>
+                  </a:spcBef>
+                  <a:buNone/>
+                </a:pPr>
+                <a:endParaRPr lang="pt-BR" sz="2000" b="0" i="0" u="none" strike="noStrike" dirty="0">
+                  <a:solidFill>
+                    <a:srgbClr val="000000"/>
+                  </a:solidFill>
+                  <a:effectLst/>
+                  <a:latin typeface="Helvetica" pitchFamily="2" charset="0"/>
+                </a:endParaRPr>
+              </a:p>
+              <a:p>
+                <a:pPr marL="0" indent="0">
+                  <a:lnSpc>
+                    <a:spcPts val="3000"/>
+                  </a:lnSpc>
+                  <a:spcBef>
+                    <a:spcPts val="0"/>
+                  </a:spcBef>
                   <a:buNone/>
                 </a:pPr>
                 <a:r>
-                  <a:rPr lang="pt-BR" sz="2000" dirty="0">
-                    <a:latin typeface="Arial" panose="020B0604020202020204" pitchFamily="34" charset="0"/>
-                    <a:cs typeface="Arial" panose="020B0604020202020204" pitchFamily="34" charset="0"/>
+                  <a:rPr lang="pt-BR" sz="2000" b="0" i="0" u="none" strike="noStrike" dirty="0">
+                    <a:solidFill>
+                      <a:srgbClr val="000000"/>
+                    </a:solidFill>
+                    <a:effectLst/>
+                    <a:latin typeface="Helvetica" pitchFamily="2" charset="0"/>
                   </a:rPr>
-                  <a:t>Cada ponto de dado pertence ao cluster com a menor distância média entre ele e um centro (centroide). </a:t>
+                  <a:t>Cada ponto de dado pertence ao agrupamento em que haja menor distância em relação ao centro do cluster (centroide). </a:t>
                 </a:r>
               </a:p>
               <a:p>
                 <a:pPr marL="0" indent="0">
                   <a:lnSpc>
-                    <a:spcPts val="3200"/>
+                    <a:spcPts val="3000"/>
                   </a:lnSpc>
+                  <a:spcBef>
+                    <a:spcPts val="0"/>
+                  </a:spcBef>
+                  <a:buNone/>
+                </a:pPr>
+                <a:endParaRPr lang="pt-BR" sz="2000" dirty="0">
+                  <a:solidFill>
+                    <a:srgbClr val="000000"/>
+                  </a:solidFill>
+                  <a:latin typeface="Helvetica" pitchFamily="2" charset="0"/>
+                </a:endParaRPr>
+              </a:p>
+              <a:p>
+                <a:pPr marL="0" indent="0">
+                  <a:lnSpc>
+                    <a:spcPts val="3000"/>
+                  </a:lnSpc>
+                  <a:spcBef>
+                    <a:spcPts val="0"/>
+                  </a:spcBef>
                   <a:buNone/>
                 </a:pPr>
                 <a:r>
-                  <a:rPr lang="pt-BR" sz="2000" dirty="0">
-                    <a:latin typeface="Arial" panose="020B0604020202020204" pitchFamily="34" charset="0"/>
-                    <a:cs typeface="Arial" panose="020B0604020202020204" pitchFamily="34" charset="0"/>
+                  <a:rPr lang="pt-BR" sz="2000" b="0" i="0" u="none" strike="noStrike" dirty="0">
+                    <a:solidFill>
+                      <a:srgbClr val="000000"/>
+                    </a:solidFill>
+                    <a:effectLst/>
+                    <a:latin typeface="Helvetica" pitchFamily="2" charset="0"/>
                   </a:rPr>
                   <a:t>O algoritmo busca minimizar a soma dos quadrados da distância dentro do cluster.</a:t>
                 </a:r>
@@ -4398,13 +7146,13 @@
             </p:nvSpPr>
             <p:spPr>
               <a:xfrm>
-                <a:off x="838199" y="1825625"/>
-                <a:ext cx="5077531" cy="4489450"/>
+                <a:off x="838200" y="1825625"/>
+                <a:ext cx="5257800" cy="4489450"/>
               </a:xfrm>
               <a:blipFill>
                 <a:blip r:embed="rId2"/>
                 <a:stretch>
-                  <a:fillRect l="-1200" r="-480"/>
+                  <a:fillRect l="-1276" r="-464" b="-5292"/>
                 </a:stretch>
               </a:blipFill>
             </p:spPr>
@@ -4427,10 +7175,10 @@
         <mc:Choice Requires="a14">
           <p:sp>
             <p:nvSpPr>
-              <p:cNvPr id="6" name="CaixaDeTexto 5">
+              <p:cNvPr id="4" name="CaixaDeTexto 3">
                 <a:extLst>
                   <a:ext uri="{FF2B5EF4-FFF2-40B4-BE49-F238E27FC236}">
-                    <a16:creationId xmlns:a16="http://schemas.microsoft.com/office/drawing/2014/main" id="{2D6C3BFF-F4EA-743D-C75F-11938CCC3E7E}"/>
+                    <a16:creationId xmlns:a16="http://schemas.microsoft.com/office/drawing/2014/main" id="{ECA1C27A-88E9-1B3F-9154-854C731DF4E6}"/>
                   </a:ext>
                 </a:extLst>
               </p:cNvPr>
@@ -4439,8 +7187,8 @@
             </p:nvSpPr>
             <p:spPr>
               <a:xfrm>
-                <a:off x="6276269" y="1825625"/>
-                <a:ext cx="5077531" cy="3741473"/>
+                <a:off x="6452681" y="1825625"/>
+                <a:ext cx="4901119" cy="3902287"/>
               </a:xfrm>
               <a:prstGeom prst="rect">
                 <a:avLst/>
@@ -4464,36 +7212,29 @@
               <a:p>
                 <a:pPr algn="ctr">
                   <a:lnSpc>
-                    <a:spcPts val="3200"/>
+                    <a:spcPts val="3000"/>
                   </a:lnSpc>
                 </a:pPr>
-                <a:r>
-                  <a:rPr lang="pt-BR" sz="2000" b="1" dirty="0">
-                    <a:latin typeface="Arial" panose="020B0604020202020204" pitchFamily="34" charset="0"/>
-                    <a:cs typeface="Arial" panose="020B0604020202020204" pitchFamily="34" charset="0"/>
-                  </a:rPr>
-                  <a:t>FÓRMULA GERAL</a:t>
-                </a:r>
                 <a:endParaRPr lang="pt-BR" sz="2000" dirty="0">
-                  <a:latin typeface="Arial" panose="020B0604020202020204" pitchFamily="34" charset="0"/>
+                  <a:latin typeface="Helvetica" pitchFamily="2" charset="0"/>
                   <a:cs typeface="Arial" panose="020B0604020202020204" pitchFamily="34" charset="0"/>
                 </a:endParaRPr>
               </a:p>
               <a:p>
                 <a:pPr algn="ctr">
                   <a:lnSpc>
-                    <a:spcPts val="3200"/>
+                    <a:spcPts val="3000"/>
                   </a:lnSpc>
                 </a:pPr>
                 <a:endParaRPr lang="pt-BR" sz="2000" dirty="0">
-                  <a:latin typeface="Arial" panose="020B0604020202020204" pitchFamily="34" charset="0"/>
+                  <a:latin typeface="Helvetica" pitchFamily="2" charset="0"/>
                   <a:cs typeface="Arial" panose="020B0604020202020204" pitchFamily="34" charset="0"/>
                 </a:endParaRPr>
               </a:p>
               <a:p>
                 <a:pPr algn="ctr">
                   <a:lnSpc>
-                    <a:spcPts val="3200"/>
+                    <a:spcPts val="3000"/>
                   </a:lnSpc>
                 </a:pPr>
                 <a14:m>
@@ -4697,39 +7438,39 @@
                   </m:oMathPara>
                 </a14:m>
                 <a:endParaRPr lang="pt-BR" sz="2000" dirty="0">
-                  <a:latin typeface="Arial" panose="020B0604020202020204" pitchFamily="34" charset="0"/>
+                  <a:latin typeface="Helvetica" pitchFamily="2" charset="0"/>
                   <a:cs typeface="Arial" panose="020B0604020202020204" pitchFamily="34" charset="0"/>
                 </a:endParaRPr>
               </a:p>
               <a:p>
                 <a:pPr>
                   <a:lnSpc>
-                    <a:spcPts val="3200"/>
+                    <a:spcPts val="3000"/>
                   </a:lnSpc>
                 </a:pPr>
                 <a:endParaRPr lang="pt-BR" sz="2000" dirty="0">
-                  <a:latin typeface="Arial" panose="020B0604020202020204" pitchFamily="34" charset="0"/>
+                  <a:latin typeface="Helvetica" pitchFamily="2" charset="0"/>
                   <a:cs typeface="Arial" panose="020B0604020202020204" pitchFamily="34" charset="0"/>
                 </a:endParaRPr>
               </a:p>
               <a:p>
                 <a:pPr>
                   <a:lnSpc>
-                    <a:spcPts val="3200"/>
+                    <a:spcPts val="3000"/>
                   </a:lnSpc>
                 </a:pPr>
                 <a:r>
                   <a:rPr lang="pt-BR" sz="2000" dirty="0">
-                    <a:latin typeface="Arial" panose="020B0604020202020204" pitchFamily="34" charset="0"/>
+                    <a:latin typeface="Helvetica" pitchFamily="2" charset="0"/>
                     <a:cs typeface="Arial" panose="020B0604020202020204" pitchFamily="34" charset="0"/>
                   </a:rPr>
-                  <a:t>onde:</a:t>
+                  <a:t>onde,</a:t>
                 </a:r>
               </a:p>
               <a:p>
                 <a:pPr>
                   <a:lnSpc>
-                    <a:spcPts val="3200"/>
+                    <a:spcPts val="3000"/>
                   </a:lnSpc>
                 </a:pPr>
                 <a14:m>
@@ -4739,13 +7480,13 @@
                         <a:latin typeface="Cambria Math" panose="02040503050406030204" pitchFamily="18" charset="0"/>
                         <a:cs typeface="Arial" panose="020B0604020202020204" pitchFamily="34" charset="0"/>
                       </a:rPr>
-                      <m:t>𝐾</m:t>
+                      <m:t>𝑘</m:t>
                     </m:r>
                   </m:oMath>
                 </a14:m>
                 <a:r>
                   <a:rPr lang="pt-BR" sz="2000" dirty="0">
-                    <a:latin typeface="Arial" panose="020B0604020202020204" pitchFamily="34" charset="0"/>
+                    <a:latin typeface="Helvetica" pitchFamily="2" charset="0"/>
                     <a:cs typeface="Arial" panose="020B0604020202020204" pitchFamily="34" charset="0"/>
                   </a:rPr>
                   <a:t>: número de clusters</a:t>
@@ -4754,7 +7495,7 @@
               <a:p>
                 <a:pPr>
                   <a:lnSpc>
-                    <a:spcPts val="3200"/>
+                    <a:spcPts val="3000"/>
                   </a:lnSpc>
                 </a:pPr>
                 <a14:m>
@@ -4791,7 +7532,7 @@
                 </a14:m>
                 <a:r>
                   <a:rPr lang="pt-BR" sz="2000" dirty="0">
-                    <a:latin typeface="Arial" panose="020B0604020202020204" pitchFamily="34" charset="0"/>
+                    <a:latin typeface="Helvetica" pitchFamily="2" charset="0"/>
                     <a:cs typeface="Arial" panose="020B0604020202020204" pitchFamily="34" charset="0"/>
                   </a:rPr>
                   <a:t>: cluster </a:t>
@@ -4808,14 +7549,14 @@
                   </m:oMath>
                 </a14:m>
                 <a:endParaRPr lang="pt-BR" sz="2000" dirty="0">
-                  <a:latin typeface="Arial" panose="020B0604020202020204" pitchFamily="34" charset="0"/>
+                  <a:latin typeface="Helvetica" pitchFamily="2" charset="0"/>
                   <a:cs typeface="Arial" panose="020B0604020202020204" pitchFamily="34" charset="0"/>
                 </a:endParaRPr>
               </a:p>
               <a:p>
                 <a:pPr>
                   <a:lnSpc>
-                    <a:spcPts val="3200"/>
+                    <a:spcPts val="3000"/>
                   </a:lnSpc>
                 </a:pPr>
                 <a14:m>
@@ -4831,7 +7572,7 @@
                 </a14:m>
                 <a:r>
                   <a:rPr lang="pt-BR" sz="2000" dirty="0">
-                    <a:latin typeface="Arial" panose="020B0604020202020204" pitchFamily="34" charset="0"/>
+                    <a:latin typeface="Helvetica" pitchFamily="2" charset="0"/>
                     <a:cs typeface="Arial" panose="020B0604020202020204" pitchFamily="34" charset="0"/>
                   </a:rPr>
                   <a:t>: ponto de dado</a:t>
@@ -4840,7 +7581,7 @@
               <a:p>
                 <a:pPr>
                   <a:lnSpc>
-                    <a:spcPts val="3200"/>
+                    <a:spcPts val="3000"/>
                   </a:lnSpc>
                 </a:pPr>
                 <a14:m>
@@ -4878,7 +7619,7 @@
                 </a14:m>
                 <a:r>
                   <a:rPr lang="pt-BR" sz="2000" dirty="0">
-                    <a:latin typeface="Arial" panose="020B0604020202020204" pitchFamily="34" charset="0"/>
+                    <a:latin typeface="Helvetica" pitchFamily="2" charset="0"/>
                     <a:cs typeface="Arial" panose="020B0604020202020204" pitchFamily="34" charset="0"/>
                   </a:rPr>
                   <a:t>: média da distância dos pontos em </a:t>
@@ -4916,7 +7657,18 @@
                   </m:oMath>
                 </a14:m>
                 <a:endParaRPr lang="pt-BR" sz="2000" dirty="0">
-                  <a:latin typeface="Arial" panose="020B0604020202020204" pitchFamily="34" charset="0"/>
+                  <a:latin typeface="Helvetica" pitchFamily="2" charset="0"/>
+                  <a:cs typeface="Arial" panose="020B0604020202020204" pitchFamily="34" charset="0"/>
+                </a:endParaRPr>
+              </a:p>
+              <a:p>
+                <a:pPr>
+                  <a:lnSpc>
+                    <a:spcPts val="3000"/>
+                  </a:lnSpc>
+                </a:pPr>
+                <a:endParaRPr lang="pt-BR" sz="2000" dirty="0">
+                  <a:latin typeface="Helvetica" pitchFamily="2" charset="0"/>
                   <a:cs typeface="Arial" panose="020B0604020202020204" pitchFamily="34" charset="0"/>
                 </a:endParaRPr>
               </a:p>
@@ -4926,10 +7678,10 @@
         <mc:Fallback xmlns="">
           <p:sp>
             <p:nvSpPr>
-              <p:cNvPr id="6" name="CaixaDeTexto 5">
+              <p:cNvPr id="4" name="CaixaDeTexto 3">
                 <a:extLst>
                   <a:ext uri="{FF2B5EF4-FFF2-40B4-BE49-F238E27FC236}">
-                    <a16:creationId xmlns:a16="http://schemas.microsoft.com/office/drawing/2014/main" id="{2D6C3BFF-F4EA-743D-C75F-11938CCC3E7E}"/>
+                    <a16:creationId xmlns:a16="http://schemas.microsoft.com/office/drawing/2014/main" id="{ECA1C27A-88E9-1B3F-9154-854C731DF4E6}"/>
                   </a:ext>
                 </a:extLst>
               </p:cNvPr>
@@ -4940,8 +7692,8 @@
             </p:nvSpPr>
             <p:spPr>
               <a:xfrm>
-                <a:off x="6276269" y="1825625"/>
-                <a:ext cx="5077531" cy="3741473"/>
+                <a:off x="6452681" y="1825625"/>
+                <a:ext cx="4901119" cy="3902287"/>
               </a:xfrm>
               <a:prstGeom prst="rect">
                 <a:avLst/>
@@ -4949,7 +7701,7 @@
               <a:blipFill>
                 <a:blip r:embed="rId3"/>
                 <a:stretch>
-                  <a:fillRect t="-13776" b="-1621"/>
+                  <a:fillRect t="-14907"/>
                 </a:stretch>
               </a:blipFill>
               <a:ln w="19050">
@@ -4973,10 +7725,59 @@
           </p:sp>
         </mc:Fallback>
       </mc:AlternateContent>
+      <p:sp>
+        <p:nvSpPr>
+          <p:cNvPr id="5" name="CaixaDeTexto 4">
+            <a:extLst>
+              <a:ext uri="{FF2B5EF4-FFF2-40B4-BE49-F238E27FC236}">
+                <a16:creationId xmlns:a16="http://schemas.microsoft.com/office/drawing/2014/main" id="{2EEC734D-2E9A-ADF0-C47C-41546FE9041D}"/>
+              </a:ext>
+            </a:extLst>
+          </p:cNvPr>
+          <p:cNvSpPr txBox="1"/>
+          <p:nvPr/>
+        </p:nvSpPr>
+        <p:spPr>
+          <a:xfrm>
+            <a:off x="8152976" y="1690688"/>
+            <a:ext cx="1500528" cy="400110"/>
+          </a:xfrm>
+          <a:prstGeom prst="rect">
+            <a:avLst/>
+          </a:prstGeom>
+          <a:solidFill>
+            <a:schemeClr val="tx1"/>
+          </a:solidFill>
+        </p:spPr>
+        <p:txBody>
+          <a:bodyPr wrap="square" rtlCol="0">
+            <a:spAutoFit/>
+          </a:bodyPr>
+          <a:lstStyle/>
+          <a:p>
+            <a:pPr algn="ctr"/>
+            <a:r>
+              <a:rPr lang="pt-BR" sz="2000" b="1" dirty="0">
+                <a:solidFill>
+                  <a:schemeClr val="bg2"/>
+                </a:solidFill>
+                <a:latin typeface="Helvetica" pitchFamily="2" charset="0"/>
+                <a:cs typeface="Arial" panose="020B0604020202020204" pitchFamily="34" charset="0"/>
+              </a:rPr>
+              <a:t>NOTAÇÃO</a:t>
+            </a:r>
+            <a:endParaRPr lang="pt-BR" sz="2000" dirty="0">
+              <a:solidFill>
+                <a:schemeClr val="bg2"/>
+              </a:solidFill>
+            </a:endParaRPr>
+          </a:p>
+        </p:txBody>
+      </p:sp>
     </p:spTree>
     <p:extLst>
       <p:ext uri="{BB962C8B-B14F-4D97-AF65-F5344CB8AC3E}">
-        <p14:creationId xmlns:p14="http://schemas.microsoft.com/office/powerpoint/2010/main" val="3348097000"/>
+        <p14:creationId xmlns:p14="http://schemas.microsoft.com/office/powerpoint/2010/main" val="3006162686"/>
       </p:ext>
     </p:extLst>
   </p:cSld>
@@ -5021,35 +7822,35 @@
         </p:nvSpPr>
         <p:spPr/>
         <p:txBody>
-          <a:bodyPr>
-            <a:normAutofit fontScale="90000"/>
+          <a:bodyPr anchor="t" anchorCtr="0">
+            <a:normAutofit/>
           </a:bodyPr>
           <a:lstStyle/>
           <a:p>
             <a:pPr>
               <a:lnSpc>
-                <a:spcPct val="150000"/>
+                <a:spcPct val="100000"/>
               </a:lnSpc>
             </a:pPr>
             <a:r>
-              <a:rPr lang="pt-BR" sz="3200" b="1" dirty="0">
-                <a:latin typeface="Arial" panose="020B0604020202020204" pitchFamily="34" charset="0"/>
+              <a:rPr lang="pt-BR" sz="2800" b="1" dirty="0">
+                <a:latin typeface="Helvetica" pitchFamily="2" charset="0"/>
                 <a:cs typeface="Arial" panose="020B0604020202020204" pitchFamily="34" charset="0"/>
               </a:rPr>
-              <a:t>K-MEANS</a:t>
-            </a:r>
-            <a:br>
-              <a:rPr lang="pt-BR" sz="3200" b="1" dirty="0">
-                <a:latin typeface="Arial" panose="020B0604020202020204" pitchFamily="34" charset="0"/>
+              <a:t>K-MEANS </a:t>
+            </a:r>
+            <a:r>
+              <a:rPr lang="pt-BR" sz="2800" dirty="0">
+                <a:solidFill>
+                  <a:schemeClr val="tx1">
+                    <a:lumMod val="50000"/>
+                    <a:lumOff val="50000"/>
+                  </a:schemeClr>
+                </a:solidFill>
+                <a:latin typeface="Helvetica" pitchFamily="2" charset="0"/>
                 <a:cs typeface="Arial" panose="020B0604020202020204" pitchFamily="34" charset="0"/>
               </a:rPr>
-            </a:br>
-            <a:r>
-              <a:rPr lang="pt-BR" sz="3200" dirty="0">
-                <a:latin typeface="Arial" panose="020B0604020202020204" pitchFamily="34" charset="0"/>
-                <a:cs typeface="Arial" panose="020B0604020202020204" pitchFamily="34" charset="0"/>
-              </a:rPr>
-              <a:t>Visualizando o algoritmo</a:t>
+              <a:t>Visualização</a:t>
             </a:r>
           </a:p>
         </p:txBody>
@@ -5072,8 +7873,8 @@
         </p:nvSpPr>
         <p:spPr>
           <a:xfrm>
-            <a:off x="838199" y="1825625"/>
-            <a:ext cx="5805792" cy="4489450"/>
+            <a:off x="838200" y="1825625"/>
+            <a:ext cx="5815520" cy="4489450"/>
           </a:xfrm>
         </p:spPr>
         <p:txBody>
@@ -5084,28 +7885,37 @@
           <a:p>
             <a:pPr marL="0" indent="0">
               <a:lnSpc>
-                <a:spcPts val="3200"/>
+                <a:spcPts val="3000"/>
               </a:lnSpc>
+              <a:spcBef>
+                <a:spcPts val="0"/>
+              </a:spcBef>
               <a:buNone/>
             </a:pPr>
             <a:r>
               <a:rPr lang="pt-BR" sz="2000" dirty="0">
-                <a:latin typeface="Arial" panose="020B0604020202020204" pitchFamily="34" charset="0"/>
-                <a:cs typeface="Arial" panose="020B0604020202020204" pitchFamily="34" charset="0"/>
+                <a:solidFill>
+                  <a:srgbClr val="000000"/>
+                </a:solidFill>
+                <a:latin typeface="Helvetica" pitchFamily="2" charset="0"/>
               </a:rPr>
               <a:t>Dado um conjunto de dados </a:t>
             </a:r>
             <a:r>
               <a:rPr lang="pt-BR" sz="2000" dirty="0" err="1">
-                <a:latin typeface="Arial" panose="020B0604020202020204" pitchFamily="34" charset="0"/>
-                <a:cs typeface="Arial" panose="020B0604020202020204" pitchFamily="34" charset="0"/>
+                <a:solidFill>
+                  <a:srgbClr val="000000"/>
+                </a:solidFill>
+                <a:latin typeface="Helvetica" pitchFamily="2" charset="0"/>
               </a:rPr>
               <a:t>univariado</a:t>
             </a:r>
             <a:r>
               <a:rPr lang="pt-BR" sz="2000" dirty="0">
-                <a:latin typeface="Arial" panose="020B0604020202020204" pitchFamily="34" charset="0"/>
-                <a:cs typeface="Arial" panose="020B0604020202020204" pitchFamily="34" charset="0"/>
+                <a:solidFill>
+                  <a:srgbClr val="000000"/>
+                </a:solidFill>
+                <a:latin typeface="Helvetica" pitchFamily="2" charset="0"/>
               </a:rPr>
               <a:t>, os pontos são distribuídos conforme seus valores (Figura 1). </a:t>
             </a:r>
@@ -5113,351 +7923,486 @@
           <a:p>
             <a:pPr marL="0" indent="0">
               <a:lnSpc>
-                <a:spcPts val="3200"/>
+                <a:spcPts val="3000"/>
               </a:lnSpc>
+              <a:spcBef>
+                <a:spcPts val="0"/>
+              </a:spcBef>
               <a:buNone/>
             </a:pPr>
-            <a:r>
-              <a:rPr lang="pt-BR" sz="2000" dirty="0">
-                <a:latin typeface="Arial" panose="020B0604020202020204" pitchFamily="34" charset="0"/>
-                <a:cs typeface="Arial" panose="020B0604020202020204" pitchFamily="34" charset="0"/>
-              </a:rPr>
-              <a:t>Com a quantidade de clusters pré-determinada, são calculados os centroides a partir da minimização do quadrado das distâncias (Figura 2). Os pontos próximos aos centroides foram clusters (Figura 3).</a:t>
-            </a:r>
+            <a:endParaRPr lang="pt-BR" sz="2000" dirty="0">
+              <a:solidFill>
+                <a:srgbClr val="000000"/>
+              </a:solidFill>
+              <a:latin typeface="Helvetica" pitchFamily="2" charset="0"/>
+            </a:endParaRPr>
           </a:p>
           <a:p>
             <a:pPr marL="0" indent="0">
               <a:lnSpc>
-                <a:spcPts val="3200"/>
+                <a:spcPts val="3000"/>
               </a:lnSpc>
+              <a:spcBef>
+                <a:spcPts val="0"/>
+              </a:spcBef>
               <a:buNone/>
             </a:pPr>
             <a:r>
               <a:rPr lang="pt-BR" sz="2000" dirty="0">
-                <a:latin typeface="Arial" panose="020B0604020202020204" pitchFamily="34" charset="0"/>
-                <a:cs typeface="Arial" panose="020B0604020202020204" pitchFamily="34" charset="0"/>
+                <a:solidFill>
+                  <a:srgbClr val="000000"/>
+                </a:solidFill>
+                <a:latin typeface="Helvetica" pitchFamily="2" charset="0"/>
+              </a:rPr>
+              <a:t>Com a quantidade de clusters pré-determinada, são calculados os centroides a partir da minimização do quadrado das distâncias (Figura 2). Os pontos próximos aos centroides foram clusters (Figura 3).</a:t>
+            </a:r>
+          </a:p>
+          <a:p>
+            <a:pPr marL="0" indent="0">
+              <a:lnSpc>
+                <a:spcPts val="3000"/>
+              </a:lnSpc>
+              <a:spcBef>
+                <a:spcPts val="0"/>
+              </a:spcBef>
+              <a:buNone/>
+            </a:pPr>
+            <a:endParaRPr lang="pt-BR" sz="2000" dirty="0">
+              <a:solidFill>
+                <a:srgbClr val="000000"/>
+              </a:solidFill>
+              <a:latin typeface="Helvetica" pitchFamily="2" charset="0"/>
+            </a:endParaRPr>
+          </a:p>
+          <a:p>
+            <a:pPr marL="0" indent="0">
+              <a:lnSpc>
+                <a:spcPts val="3000"/>
+              </a:lnSpc>
+              <a:spcBef>
+                <a:spcPts val="0"/>
+              </a:spcBef>
+              <a:buNone/>
+            </a:pPr>
+            <a:r>
+              <a:rPr lang="pt-BR" sz="2000" dirty="0">
+                <a:solidFill>
+                  <a:srgbClr val="000000"/>
+                </a:solidFill>
+                <a:latin typeface="Helvetica" pitchFamily="2" charset="0"/>
               </a:rPr>
               <a:t>Os pontos que não se encontram nos clusters são considerados anomalias (Figura 4).</a:t>
             </a:r>
+            <a:endParaRPr lang="pt-BR" sz="2000" b="0" i="0" u="none" strike="noStrike" dirty="0">
+              <a:solidFill>
+                <a:srgbClr val="000000"/>
+              </a:solidFill>
+              <a:effectLst/>
+              <a:latin typeface="Helvetica" pitchFamily="2" charset="0"/>
+            </a:endParaRPr>
           </a:p>
         </p:txBody>
       </p:sp>
-      <p:sp>
-        <p:nvSpPr>
-          <p:cNvPr id="9" name="CaixaDeTexto 8">
-            <a:extLst>
-              <a:ext uri="{FF2B5EF4-FFF2-40B4-BE49-F238E27FC236}">
-                <a16:creationId xmlns:a16="http://schemas.microsoft.com/office/drawing/2014/main" id="{95169BFD-225B-A9F6-1E28-2C92CBE24F93}"/>
-              </a:ext>
-            </a:extLst>
-          </p:cNvPr>
-          <p:cNvSpPr txBox="1"/>
+      <p:grpSp>
+        <p:nvGrpSpPr>
+          <p:cNvPr id="17" name="Agrupar 16">
+            <a:extLst>
+              <a:ext uri="{FF2B5EF4-FFF2-40B4-BE49-F238E27FC236}">
+                <a16:creationId xmlns:a16="http://schemas.microsoft.com/office/drawing/2014/main" id="{A50F4281-289F-B02B-7A52-B93B84FD1F22}"/>
+              </a:ext>
+            </a:extLst>
+          </p:cNvPr>
+          <p:cNvGrpSpPr/>
           <p:nvPr/>
-        </p:nvSpPr>
-        <p:spPr>
+        </p:nvGrpSpPr>
+        <p:grpSpPr>
           <a:xfrm>
-            <a:off x="10252872" y="2198062"/>
-            <a:ext cx="1100928" cy="307777"/>
+            <a:off x="7172323" y="1953333"/>
+            <a:ext cx="4181477" cy="726005"/>
+            <a:chOff x="7172323" y="1690688"/>
+            <a:chExt cx="4181477" cy="726005"/>
           </a:xfrm>
-          <a:prstGeom prst="rect">
-            <a:avLst/>
-          </a:prstGeom>
-          <a:noFill/>
-        </p:spPr>
-        <p:txBody>
-          <a:bodyPr wrap="square" rtlCol="0">
-            <a:spAutoFit/>
-          </a:bodyPr>
-          <a:lstStyle/>
-          <a:p>
-            <a:pPr algn="r"/>
-            <a:r>
-              <a:rPr lang="pt-BR" sz="1400" dirty="0">
-                <a:latin typeface="Arial" panose="020B0604020202020204" pitchFamily="34" charset="0"/>
-                <a:cs typeface="Arial" panose="020B0604020202020204" pitchFamily="34" charset="0"/>
-              </a:rPr>
-              <a:t>Figura 1</a:t>
-            </a:r>
-          </a:p>
-        </p:txBody>
-      </p:sp>
-      <p:sp>
-        <p:nvSpPr>
-          <p:cNvPr id="12" name="CaixaDeTexto 11">
-            <a:extLst>
-              <a:ext uri="{FF2B5EF4-FFF2-40B4-BE49-F238E27FC236}">
-                <a16:creationId xmlns:a16="http://schemas.microsoft.com/office/drawing/2014/main" id="{338D845B-6D5F-70D5-45B0-08241C1F6D16}"/>
-              </a:ext>
-            </a:extLst>
-          </p:cNvPr>
-          <p:cNvSpPr txBox="1"/>
+        </p:grpSpPr>
+        <p:sp>
+          <p:nvSpPr>
+            <p:cNvPr id="6" name="CaixaDeTexto 5">
+              <a:extLst>
+                <a:ext uri="{FF2B5EF4-FFF2-40B4-BE49-F238E27FC236}">
+                  <a16:creationId xmlns:a16="http://schemas.microsoft.com/office/drawing/2014/main" id="{7E293EF7-9679-FA75-DBF3-B44D964FC7ED}"/>
+                </a:ext>
+              </a:extLst>
+            </p:cNvPr>
+            <p:cNvSpPr txBox="1"/>
+            <p:nvPr/>
+          </p:nvSpPr>
+          <p:spPr>
+            <a:xfrm>
+              <a:off x="10252872" y="2139694"/>
+              <a:ext cx="1100928" cy="276999"/>
+            </a:xfrm>
+            <a:prstGeom prst="rect">
+              <a:avLst/>
+            </a:prstGeom>
+            <a:noFill/>
+          </p:spPr>
+          <p:txBody>
+            <a:bodyPr wrap="square" rtlCol="0">
+              <a:spAutoFit/>
+            </a:bodyPr>
+            <a:lstStyle/>
+            <a:p>
+              <a:pPr algn="r"/>
+              <a:r>
+                <a:rPr lang="pt-BR" sz="1200" dirty="0">
+                  <a:latin typeface="Helvetica" pitchFamily="2" charset="0"/>
+                  <a:cs typeface="Arial" panose="020B0604020202020204" pitchFamily="34" charset="0"/>
+                </a:rPr>
+                <a:t>Figura 1</a:t>
+              </a:r>
+            </a:p>
+          </p:txBody>
+        </p:sp>
+        <p:pic>
+          <p:nvPicPr>
+            <p:cNvPr id="10" name="Gráfico 9">
+              <a:extLst>
+                <a:ext uri="{FF2B5EF4-FFF2-40B4-BE49-F238E27FC236}">
+                  <a16:creationId xmlns:a16="http://schemas.microsoft.com/office/drawing/2014/main" id="{F691309D-1027-3119-26D3-93F044FF65D1}"/>
+                </a:ext>
+              </a:extLst>
+            </p:cNvPr>
+            <p:cNvPicPr>
+              <a:picLocks noChangeAspect="1"/>
+            </p:cNvPicPr>
+            <p:nvPr/>
+          </p:nvPicPr>
+          <p:blipFill>
+            <a:blip r:embed="rId2">
+              <a:extLst>
+                <a:ext uri="{28A0092B-C50C-407E-A947-70E740481C1C}">
+                  <a14:useLocalDpi xmlns:a14="http://schemas.microsoft.com/office/drawing/2010/main" val="0"/>
+                </a:ext>
+                <a:ext uri="{96DAC541-7B7A-43D3-8B79-37D633B846F1}">
+                  <asvg:svgBlip xmlns:asvg="http://schemas.microsoft.com/office/drawing/2016/SVG/main" r:embed="rId3"/>
+                </a:ext>
+              </a:extLst>
+            </a:blip>
+            <a:stretch>
+              <a:fillRect/>
+            </a:stretch>
+          </p:blipFill>
+          <p:spPr>
+            <a:xfrm>
+              <a:off x="7172323" y="1690688"/>
+              <a:ext cx="4181475" cy="523875"/>
+            </a:xfrm>
+            <a:prstGeom prst="rect">
+              <a:avLst/>
+            </a:prstGeom>
+          </p:spPr>
+        </p:pic>
+      </p:grpSp>
+      <p:grpSp>
+        <p:nvGrpSpPr>
+          <p:cNvPr id="16" name="Agrupar 15">
+            <a:extLst>
+              <a:ext uri="{FF2B5EF4-FFF2-40B4-BE49-F238E27FC236}">
+                <a16:creationId xmlns:a16="http://schemas.microsoft.com/office/drawing/2014/main" id="{8B7A4D90-D170-2FD9-7C59-74E33D7DE8E9}"/>
+              </a:ext>
+            </a:extLst>
+          </p:cNvPr>
+          <p:cNvGrpSpPr/>
           <p:nvPr/>
-        </p:nvSpPr>
-        <p:spPr>
+        </p:nvGrpSpPr>
+        <p:grpSpPr>
           <a:xfrm>
-            <a:off x="10252872" y="3343866"/>
-            <a:ext cx="1100928" cy="338555"/>
+            <a:off x="7172323" y="2988286"/>
+            <a:ext cx="4181477" cy="733798"/>
+            <a:chOff x="7172323" y="2811662"/>
+            <a:chExt cx="4181477" cy="733798"/>
           </a:xfrm>
-          <a:prstGeom prst="rect">
-            <a:avLst/>
-          </a:prstGeom>
-          <a:noFill/>
-        </p:spPr>
-        <p:txBody>
-          <a:bodyPr wrap="square" rtlCol="0">
-            <a:spAutoFit/>
-          </a:bodyPr>
-          <a:lstStyle/>
-          <a:p>
-            <a:pPr algn="r"/>
-            <a:r>
-              <a:rPr lang="pt-BR" sz="1400" dirty="0">
-                <a:latin typeface="Arial" panose="020B0604020202020204" pitchFamily="34" charset="0"/>
-                <a:cs typeface="Arial" panose="020B0604020202020204" pitchFamily="34" charset="0"/>
-              </a:rPr>
-              <a:t>Figura 2</a:t>
-            </a:r>
-          </a:p>
-        </p:txBody>
-      </p:sp>
-      <p:sp>
-        <p:nvSpPr>
-          <p:cNvPr id="14" name="CaixaDeTexto 13">
-            <a:extLst>
-              <a:ext uri="{FF2B5EF4-FFF2-40B4-BE49-F238E27FC236}">
-                <a16:creationId xmlns:a16="http://schemas.microsoft.com/office/drawing/2014/main" id="{6882F389-A1F0-297A-A508-CB59E5D93163}"/>
-              </a:ext>
-            </a:extLst>
-          </p:cNvPr>
-          <p:cNvSpPr txBox="1"/>
+        </p:grpSpPr>
+        <p:sp>
+          <p:nvSpPr>
+            <p:cNvPr id="7" name="CaixaDeTexto 6">
+              <a:extLst>
+                <a:ext uri="{FF2B5EF4-FFF2-40B4-BE49-F238E27FC236}">
+                  <a16:creationId xmlns:a16="http://schemas.microsoft.com/office/drawing/2014/main" id="{7DBAD49D-C581-B469-D714-38EBAC35DAE0}"/>
+                </a:ext>
+              </a:extLst>
+            </p:cNvPr>
+            <p:cNvSpPr txBox="1"/>
+            <p:nvPr/>
+          </p:nvSpPr>
+          <p:spPr>
+            <a:xfrm>
+              <a:off x="10252872" y="3268461"/>
+              <a:ext cx="1100928" cy="276999"/>
+            </a:xfrm>
+            <a:prstGeom prst="rect">
+              <a:avLst/>
+            </a:prstGeom>
+            <a:noFill/>
+          </p:spPr>
+          <p:txBody>
+            <a:bodyPr wrap="square" rtlCol="0">
+              <a:spAutoFit/>
+            </a:bodyPr>
+            <a:lstStyle/>
+            <a:p>
+              <a:pPr algn="r"/>
+              <a:r>
+                <a:rPr lang="pt-BR" sz="1200" dirty="0">
+                  <a:latin typeface="Helvetica" pitchFamily="2" charset="0"/>
+                  <a:cs typeface="Arial" panose="020B0604020202020204" pitchFamily="34" charset="0"/>
+                </a:rPr>
+                <a:t>Figura 2</a:t>
+              </a:r>
+            </a:p>
+          </p:txBody>
+        </p:sp>
+        <p:pic>
+          <p:nvPicPr>
+            <p:cNvPr id="11" name="Gráfico 10">
+              <a:extLst>
+                <a:ext uri="{FF2B5EF4-FFF2-40B4-BE49-F238E27FC236}">
+                  <a16:creationId xmlns:a16="http://schemas.microsoft.com/office/drawing/2014/main" id="{AC41C365-7822-9F45-4DD0-4CDE08D21860}"/>
+                </a:ext>
+              </a:extLst>
+            </p:cNvPr>
+            <p:cNvPicPr>
+              <a:picLocks noChangeAspect="1"/>
+            </p:cNvPicPr>
+            <p:nvPr/>
+          </p:nvPicPr>
+          <p:blipFill>
+            <a:blip r:embed="rId4">
+              <a:extLst>
+                <a:ext uri="{28A0092B-C50C-407E-A947-70E740481C1C}">
+                  <a14:useLocalDpi xmlns:a14="http://schemas.microsoft.com/office/drawing/2010/main" val="0"/>
+                </a:ext>
+                <a:ext uri="{96DAC541-7B7A-43D3-8B79-37D633B846F1}">
+                  <asvg:svgBlip xmlns:asvg="http://schemas.microsoft.com/office/drawing/2016/SVG/main" r:embed="rId5"/>
+                </a:ext>
+              </a:extLst>
+            </a:blip>
+            <a:stretch>
+              <a:fillRect/>
+            </a:stretch>
+          </p:blipFill>
+          <p:spPr>
+            <a:xfrm>
+              <a:off x="7172323" y="2811662"/>
+              <a:ext cx="4181475" cy="523875"/>
+            </a:xfrm>
+            <a:prstGeom prst="rect">
+              <a:avLst/>
+            </a:prstGeom>
+          </p:spPr>
+        </p:pic>
+      </p:grpSp>
+      <p:grpSp>
+        <p:nvGrpSpPr>
+          <p:cNvPr id="15" name="Agrupar 14">
+            <a:extLst>
+              <a:ext uri="{FF2B5EF4-FFF2-40B4-BE49-F238E27FC236}">
+                <a16:creationId xmlns:a16="http://schemas.microsoft.com/office/drawing/2014/main" id="{9B4935DE-1D71-2636-2188-4205434AF2E3}"/>
+              </a:ext>
+            </a:extLst>
+          </p:cNvPr>
+          <p:cNvGrpSpPr/>
           <p:nvPr/>
-        </p:nvSpPr>
-        <p:spPr>
+        </p:nvGrpSpPr>
+        <p:grpSpPr>
           <a:xfrm>
-            <a:off x="10252872" y="4547156"/>
-            <a:ext cx="1100928" cy="254361"/>
+            <a:off x="7172323" y="4031032"/>
+            <a:ext cx="4181477" cy="790231"/>
+            <a:chOff x="7172323" y="3932636"/>
+            <a:chExt cx="4181477" cy="790231"/>
           </a:xfrm>
-          <a:prstGeom prst="rect">
-            <a:avLst/>
-          </a:prstGeom>
-          <a:noFill/>
-        </p:spPr>
-        <p:txBody>
-          <a:bodyPr wrap="square" rtlCol="0">
-            <a:spAutoFit/>
-          </a:bodyPr>
-          <a:lstStyle/>
-          <a:p>
-            <a:pPr algn="r"/>
-            <a:r>
-              <a:rPr lang="pt-BR" sz="1400" dirty="0">
-                <a:latin typeface="Arial" panose="020B0604020202020204" pitchFamily="34" charset="0"/>
-                <a:cs typeface="Arial" panose="020B0604020202020204" pitchFamily="34" charset="0"/>
-              </a:rPr>
-              <a:t>Figura 3</a:t>
-            </a:r>
-          </a:p>
-        </p:txBody>
-      </p:sp>
-      <p:sp>
-        <p:nvSpPr>
-          <p:cNvPr id="16" name="CaixaDeTexto 15">
-            <a:extLst>
-              <a:ext uri="{FF2B5EF4-FFF2-40B4-BE49-F238E27FC236}">
-                <a16:creationId xmlns:a16="http://schemas.microsoft.com/office/drawing/2014/main" id="{0E6CD772-0F55-4DA6-D389-C8155A6C163E}"/>
-              </a:ext>
-            </a:extLst>
-          </p:cNvPr>
-          <p:cNvSpPr txBox="1"/>
+        </p:grpSpPr>
+        <p:sp>
+          <p:nvSpPr>
+            <p:cNvPr id="8" name="CaixaDeTexto 7">
+              <a:extLst>
+                <a:ext uri="{FF2B5EF4-FFF2-40B4-BE49-F238E27FC236}">
+                  <a16:creationId xmlns:a16="http://schemas.microsoft.com/office/drawing/2014/main" id="{B82A5E4A-29E5-CED8-6993-6CD0CB46A09B}"/>
+                </a:ext>
+              </a:extLst>
+            </p:cNvPr>
+            <p:cNvSpPr txBox="1"/>
+            <p:nvPr/>
+          </p:nvSpPr>
+          <p:spPr>
+            <a:xfrm>
+              <a:off x="10252872" y="4445868"/>
+              <a:ext cx="1100928" cy="276999"/>
+            </a:xfrm>
+            <a:prstGeom prst="rect">
+              <a:avLst/>
+            </a:prstGeom>
+            <a:noFill/>
+          </p:spPr>
+          <p:txBody>
+            <a:bodyPr wrap="square" rtlCol="0">
+              <a:spAutoFit/>
+            </a:bodyPr>
+            <a:lstStyle/>
+            <a:p>
+              <a:pPr algn="r"/>
+              <a:r>
+                <a:rPr lang="pt-BR" sz="1200" dirty="0">
+                  <a:latin typeface="Helvetica" pitchFamily="2" charset="0"/>
+                  <a:cs typeface="Arial" panose="020B0604020202020204" pitchFamily="34" charset="0"/>
+                </a:rPr>
+                <a:t>Figura 3</a:t>
+              </a:r>
+            </a:p>
+          </p:txBody>
+        </p:sp>
+        <p:pic>
+          <p:nvPicPr>
+            <p:cNvPr id="12" name="Gráfico 11">
+              <a:extLst>
+                <a:ext uri="{FF2B5EF4-FFF2-40B4-BE49-F238E27FC236}">
+                  <a16:creationId xmlns:a16="http://schemas.microsoft.com/office/drawing/2014/main" id="{B8D87964-5BDD-617E-0671-94F1D33F83D6}"/>
+                </a:ext>
+              </a:extLst>
+            </p:cNvPr>
+            <p:cNvPicPr>
+              <a:picLocks noChangeAspect="1"/>
+            </p:cNvPicPr>
+            <p:nvPr/>
+          </p:nvPicPr>
+          <p:blipFill>
+            <a:blip r:embed="rId6">
+              <a:extLst>
+                <a:ext uri="{28A0092B-C50C-407E-A947-70E740481C1C}">
+                  <a14:useLocalDpi xmlns:a14="http://schemas.microsoft.com/office/drawing/2010/main" val="0"/>
+                </a:ext>
+                <a:ext uri="{96DAC541-7B7A-43D3-8B79-37D633B846F1}">
+                  <asvg:svgBlip xmlns:asvg="http://schemas.microsoft.com/office/drawing/2016/SVG/main" r:embed="rId7"/>
+                </a:ext>
+              </a:extLst>
+            </a:blip>
+            <a:stretch>
+              <a:fillRect/>
+            </a:stretch>
+          </p:blipFill>
+          <p:spPr>
+            <a:xfrm>
+              <a:off x="7172323" y="3932636"/>
+              <a:ext cx="4181475" cy="581025"/>
+            </a:xfrm>
+            <a:prstGeom prst="rect">
+              <a:avLst/>
+            </a:prstGeom>
+          </p:spPr>
+        </p:pic>
+      </p:grpSp>
+      <p:grpSp>
+        <p:nvGrpSpPr>
+          <p:cNvPr id="14" name="Agrupar 13">
+            <a:extLst>
+              <a:ext uri="{FF2B5EF4-FFF2-40B4-BE49-F238E27FC236}">
+                <a16:creationId xmlns:a16="http://schemas.microsoft.com/office/drawing/2014/main" id="{A0B93692-343D-572E-6C0C-D508AE765864}"/>
+              </a:ext>
+            </a:extLst>
+          </p:cNvPr>
+          <p:cNvGrpSpPr/>
           <p:nvPr/>
-        </p:nvSpPr>
-        <p:spPr>
+        </p:nvGrpSpPr>
+        <p:grpSpPr>
           <a:xfrm>
-            <a:off x="10252872" y="5681642"/>
-            <a:ext cx="1100928" cy="307777"/>
+            <a:off x="7172323" y="5130211"/>
+            <a:ext cx="4181477" cy="721418"/>
+            <a:chOff x="7172323" y="4964839"/>
+            <a:chExt cx="4181477" cy="721418"/>
           </a:xfrm>
-          <a:prstGeom prst="rect">
-            <a:avLst/>
-          </a:prstGeom>
-          <a:noFill/>
-        </p:spPr>
-        <p:txBody>
-          <a:bodyPr wrap="square" rtlCol="0">
-            <a:spAutoFit/>
-          </a:bodyPr>
-          <a:lstStyle/>
-          <a:p>
-            <a:pPr algn="r"/>
-            <a:r>
-              <a:rPr lang="pt-BR" sz="1400" dirty="0">
-                <a:latin typeface="Arial" panose="020B0604020202020204" pitchFamily="34" charset="0"/>
-                <a:cs typeface="Arial" panose="020B0604020202020204" pitchFamily="34" charset="0"/>
-              </a:rPr>
-              <a:t>Figura 4</a:t>
-            </a:r>
-          </a:p>
-        </p:txBody>
-      </p:sp>
-      <p:pic>
-        <p:nvPicPr>
-          <p:cNvPr id="6" name="Gráfico 5">
-            <a:extLst>
-              <a:ext uri="{FF2B5EF4-FFF2-40B4-BE49-F238E27FC236}">
-                <a16:creationId xmlns:a16="http://schemas.microsoft.com/office/drawing/2014/main" id="{EA3FCF95-ECFF-2E49-F847-667E603BB6E8}"/>
-              </a:ext>
-            </a:extLst>
-          </p:cNvPr>
-          <p:cNvPicPr>
-            <a:picLocks noChangeAspect="1"/>
-          </p:cNvPicPr>
-          <p:nvPr/>
-        </p:nvPicPr>
-        <p:blipFill>
-          <a:blip r:embed="rId2">
-            <a:extLst>
-              <a:ext uri="{28A0092B-C50C-407E-A947-70E740481C1C}">
-                <a14:useLocalDpi xmlns:a14="http://schemas.microsoft.com/office/drawing/2010/main" val="0"/>
-              </a:ext>
-              <a:ext uri="{96DAC541-7B7A-43D3-8B79-37D633B846F1}">
-                <asvg:svgBlip xmlns:asvg="http://schemas.microsoft.com/office/drawing/2016/SVG/main" r:embed="rId3"/>
-              </a:ext>
-            </a:extLst>
-          </a:blip>
-          <a:stretch>
-            <a:fillRect/>
-          </a:stretch>
-        </p:blipFill>
-        <p:spPr>
-          <a:xfrm>
-            <a:off x="7172323" y="1690688"/>
-            <a:ext cx="4181475" cy="523875"/>
-          </a:xfrm>
-          <a:prstGeom prst="rect">
-            <a:avLst/>
-          </a:prstGeom>
-        </p:spPr>
-      </p:pic>
-      <p:pic>
-        <p:nvPicPr>
-          <p:cNvPr id="10" name="Gráfico 9">
-            <a:extLst>
-              <a:ext uri="{FF2B5EF4-FFF2-40B4-BE49-F238E27FC236}">
-                <a16:creationId xmlns:a16="http://schemas.microsoft.com/office/drawing/2014/main" id="{36B5E547-982E-9592-BE3B-8441CA73DB8A}"/>
-              </a:ext>
-            </a:extLst>
-          </p:cNvPr>
-          <p:cNvPicPr>
-            <a:picLocks noChangeAspect="1"/>
-          </p:cNvPicPr>
-          <p:nvPr/>
-        </p:nvPicPr>
-        <p:blipFill>
-          <a:blip r:embed="rId4">
-            <a:extLst>
-              <a:ext uri="{28A0092B-C50C-407E-A947-70E740481C1C}">
-                <a14:useLocalDpi xmlns:a14="http://schemas.microsoft.com/office/drawing/2010/main" val="0"/>
-              </a:ext>
-              <a:ext uri="{96DAC541-7B7A-43D3-8B79-37D633B846F1}">
-                <asvg:svgBlip xmlns:asvg="http://schemas.microsoft.com/office/drawing/2016/SVG/main" r:embed="rId5"/>
-              </a:ext>
-            </a:extLst>
-          </a:blip>
-          <a:stretch>
-            <a:fillRect/>
-          </a:stretch>
-        </p:blipFill>
-        <p:spPr>
-          <a:xfrm>
-            <a:off x="7172323" y="2837603"/>
-            <a:ext cx="4181475" cy="523875"/>
-          </a:xfrm>
-          <a:prstGeom prst="rect">
-            <a:avLst/>
-          </a:prstGeom>
-        </p:spPr>
-      </p:pic>
-      <p:pic>
-        <p:nvPicPr>
-          <p:cNvPr id="17" name="Gráfico 16">
-            <a:extLst>
-              <a:ext uri="{FF2B5EF4-FFF2-40B4-BE49-F238E27FC236}">
-                <a16:creationId xmlns:a16="http://schemas.microsoft.com/office/drawing/2014/main" id="{2E924160-9F66-F4E4-7DDF-39D01C5A15F4}"/>
-              </a:ext>
-            </a:extLst>
-          </p:cNvPr>
-          <p:cNvPicPr>
-            <a:picLocks noChangeAspect="1"/>
-          </p:cNvPicPr>
-          <p:nvPr/>
-        </p:nvPicPr>
-        <p:blipFill>
-          <a:blip r:embed="rId6">
-            <a:extLst>
-              <a:ext uri="{28A0092B-C50C-407E-A947-70E740481C1C}">
-                <a14:useLocalDpi xmlns:a14="http://schemas.microsoft.com/office/drawing/2010/main" val="0"/>
-              </a:ext>
-              <a:ext uri="{96DAC541-7B7A-43D3-8B79-37D633B846F1}">
-                <asvg:svgBlip xmlns:asvg="http://schemas.microsoft.com/office/drawing/2016/SVG/main" r:embed="rId7"/>
-              </a:ext>
-            </a:extLst>
-          </a:blip>
-          <a:stretch>
-            <a:fillRect/>
-          </a:stretch>
-        </p:blipFill>
-        <p:spPr>
-          <a:xfrm>
-            <a:off x="7172323" y="3984518"/>
-            <a:ext cx="4181475" cy="581025"/>
-          </a:xfrm>
-          <a:prstGeom prst="rect">
-            <a:avLst/>
-          </a:prstGeom>
-        </p:spPr>
-      </p:pic>
-      <p:pic>
-        <p:nvPicPr>
-          <p:cNvPr id="23" name="Gráfico 22">
-            <a:extLst>
-              <a:ext uri="{FF2B5EF4-FFF2-40B4-BE49-F238E27FC236}">
-                <a16:creationId xmlns:a16="http://schemas.microsoft.com/office/drawing/2014/main" id="{DE5F3EE3-4904-B22A-82F1-879509458E39}"/>
-              </a:ext>
-            </a:extLst>
-          </p:cNvPr>
-          <p:cNvPicPr>
-            <a:picLocks noChangeAspect="1"/>
-          </p:cNvPicPr>
-          <p:nvPr/>
-        </p:nvPicPr>
-        <p:blipFill>
-          <a:blip r:embed="rId8">
-            <a:extLst>
-              <a:ext uri="{28A0092B-C50C-407E-A947-70E740481C1C}">
-                <a14:useLocalDpi xmlns:a14="http://schemas.microsoft.com/office/drawing/2010/main" val="0"/>
-              </a:ext>
-              <a:ext uri="{96DAC541-7B7A-43D3-8B79-37D633B846F1}">
-                <asvg:svgBlip xmlns:asvg="http://schemas.microsoft.com/office/drawing/2016/SVG/main" r:embed="rId9"/>
-              </a:ext>
-            </a:extLst>
-          </a:blip>
-          <a:stretch>
-            <a:fillRect/>
-          </a:stretch>
-        </p:blipFill>
-        <p:spPr>
-          <a:xfrm>
-            <a:off x="7172323" y="5188583"/>
-            <a:ext cx="4181475" cy="523875"/>
-          </a:xfrm>
-          <a:prstGeom prst="rect">
-            <a:avLst/>
-          </a:prstGeom>
-        </p:spPr>
-      </p:pic>
+        </p:grpSpPr>
+        <p:sp>
+          <p:nvSpPr>
+            <p:cNvPr id="9" name="CaixaDeTexto 8">
+              <a:extLst>
+                <a:ext uri="{FF2B5EF4-FFF2-40B4-BE49-F238E27FC236}">
+                  <a16:creationId xmlns:a16="http://schemas.microsoft.com/office/drawing/2014/main" id="{4BF20B04-86C3-12E4-152B-A1E1164C239E}"/>
+                </a:ext>
+              </a:extLst>
+            </p:cNvPr>
+            <p:cNvSpPr txBox="1"/>
+            <p:nvPr/>
+          </p:nvSpPr>
+          <p:spPr>
+            <a:xfrm>
+              <a:off x="10252872" y="5409258"/>
+              <a:ext cx="1100928" cy="276999"/>
+            </a:xfrm>
+            <a:prstGeom prst="rect">
+              <a:avLst/>
+            </a:prstGeom>
+            <a:noFill/>
+          </p:spPr>
+          <p:txBody>
+            <a:bodyPr wrap="square" rtlCol="0">
+              <a:spAutoFit/>
+            </a:bodyPr>
+            <a:lstStyle/>
+            <a:p>
+              <a:pPr algn="r"/>
+              <a:r>
+                <a:rPr lang="pt-BR" sz="1200" dirty="0">
+                  <a:latin typeface="Helvetica" pitchFamily="2" charset="0"/>
+                  <a:cs typeface="Arial" panose="020B0604020202020204" pitchFamily="34" charset="0"/>
+                </a:rPr>
+                <a:t>Figura 4</a:t>
+              </a:r>
+            </a:p>
+          </p:txBody>
+        </p:sp>
+        <p:pic>
+          <p:nvPicPr>
+            <p:cNvPr id="13" name="Gráfico 12">
+              <a:extLst>
+                <a:ext uri="{FF2B5EF4-FFF2-40B4-BE49-F238E27FC236}">
+                  <a16:creationId xmlns:a16="http://schemas.microsoft.com/office/drawing/2014/main" id="{977764CD-BF73-B64D-E6A5-992B4272C882}"/>
+                </a:ext>
+              </a:extLst>
+            </p:cNvPr>
+            <p:cNvPicPr>
+              <a:picLocks noChangeAspect="1"/>
+            </p:cNvPicPr>
+            <p:nvPr/>
+          </p:nvPicPr>
+          <p:blipFill>
+            <a:blip r:embed="rId8">
+              <a:extLst>
+                <a:ext uri="{28A0092B-C50C-407E-A947-70E740481C1C}">
+                  <a14:useLocalDpi xmlns:a14="http://schemas.microsoft.com/office/drawing/2010/main" val="0"/>
+                </a:ext>
+                <a:ext uri="{96DAC541-7B7A-43D3-8B79-37D633B846F1}">
+                  <asvg:svgBlip xmlns:asvg="http://schemas.microsoft.com/office/drawing/2016/SVG/main" r:embed="rId9"/>
+                </a:ext>
+              </a:extLst>
+            </a:blip>
+            <a:stretch>
+              <a:fillRect/>
+            </a:stretch>
+          </p:blipFill>
+          <p:spPr>
+            <a:xfrm>
+              <a:off x="7172323" y="4964839"/>
+              <a:ext cx="4181475" cy="523875"/>
+            </a:xfrm>
+            <a:prstGeom prst="rect">
+              <a:avLst/>
+            </a:prstGeom>
+          </p:spPr>
+        </p:pic>
+      </p:grpSp>
     </p:spTree>
     <p:extLst>
       <p:ext uri="{BB962C8B-B14F-4D97-AF65-F5344CB8AC3E}">
-        <p14:creationId xmlns:p14="http://schemas.microsoft.com/office/powerpoint/2010/main" val="347225333"/>
+        <p14:creationId xmlns:p14="http://schemas.microsoft.com/office/powerpoint/2010/main" val="772821705"/>
       </p:ext>
     </p:extLst>
   </p:cSld>
@@ -5486,57 +8431,6 @@
       </p:grpSpPr>
       <p:sp>
         <p:nvSpPr>
-          <p:cNvPr id="2" name="Título 1">
-            <a:extLst>
-              <a:ext uri="{FF2B5EF4-FFF2-40B4-BE49-F238E27FC236}">
-                <a16:creationId xmlns:a16="http://schemas.microsoft.com/office/drawing/2014/main" id="{540F1CF0-7D3A-1F30-A06D-DD96920677D2}"/>
-              </a:ext>
-            </a:extLst>
-          </p:cNvPr>
-          <p:cNvSpPr>
-            <a:spLocks noGrp="1"/>
-          </p:cNvSpPr>
-          <p:nvPr>
-            <p:ph type="title"/>
-          </p:nvPr>
-        </p:nvSpPr>
-        <p:spPr/>
-        <p:txBody>
-          <a:bodyPr>
-            <a:normAutofit fontScale="90000"/>
-          </a:bodyPr>
-          <a:lstStyle/>
-          <a:p>
-            <a:pPr>
-              <a:lnSpc>
-                <a:spcPct val="150000"/>
-              </a:lnSpc>
-            </a:pPr>
-            <a:r>
-              <a:rPr lang="pt-BR" sz="3200" b="1" dirty="0">
-                <a:latin typeface="Arial" panose="020B0604020202020204" pitchFamily="34" charset="0"/>
-                <a:cs typeface="Arial" panose="020B0604020202020204" pitchFamily="34" charset="0"/>
-              </a:rPr>
-              <a:t>K-MEANS</a:t>
-            </a:r>
-            <a:br>
-              <a:rPr lang="pt-BR" sz="3200" b="1" dirty="0">
-                <a:latin typeface="Arial" panose="020B0604020202020204" pitchFamily="34" charset="0"/>
-                <a:cs typeface="Arial" panose="020B0604020202020204" pitchFamily="34" charset="0"/>
-              </a:rPr>
-            </a:br>
-            <a:r>
-              <a:rPr lang="pt-BR" sz="3200" dirty="0">
-                <a:latin typeface="Arial" panose="020B0604020202020204" pitchFamily="34" charset="0"/>
-                <a:cs typeface="Arial" panose="020B0604020202020204" pitchFamily="34" charset="0"/>
-              </a:rPr>
-              <a:t>Desafios e soluções</a:t>
-            </a:r>
-          </a:p>
-        </p:txBody>
-      </p:sp>
-      <p:sp>
-        <p:nvSpPr>
           <p:cNvPr id="3" name="Espaço Reservado para Conteúdo 2">
             <a:extLst>
               <a:ext uri="{FF2B5EF4-FFF2-40B4-BE49-F238E27FC236}">
@@ -5553,123 +8447,578 @@
         </p:nvSpPr>
         <p:spPr>
           <a:xfrm>
-            <a:off x="838199" y="1825625"/>
-            <a:ext cx="5077531" cy="4489450"/>
+            <a:off x="838200" y="1825625"/>
+            <a:ext cx="4531468" cy="4489450"/>
           </a:xfrm>
         </p:spPr>
         <p:txBody>
-          <a:bodyPr>
+          <a:bodyPr numCol="1">
             <a:noAutofit/>
           </a:bodyPr>
           <a:lstStyle/>
           <a:p>
-            <a:pPr marL="0" indent="0">
-              <a:lnSpc>
-                <a:spcPts val="3200"/>
-              </a:lnSpc>
-              <a:buNone/>
-            </a:pPr>
-            <a:r>
-              <a:rPr lang="pt-BR" sz="2000" dirty="0">
-                <a:latin typeface="Arial" panose="020B0604020202020204" pitchFamily="34" charset="0"/>
-                <a:cs typeface="Arial" panose="020B0604020202020204" pitchFamily="34" charset="0"/>
-              </a:rPr>
-              <a:t>A aplicação de K-</a:t>
-            </a:r>
-            <a:r>
-              <a:rPr lang="pt-BR" sz="2000" dirty="0" err="1">
-                <a:latin typeface="Arial" panose="020B0604020202020204" pitchFamily="34" charset="0"/>
-                <a:cs typeface="Arial" panose="020B0604020202020204" pitchFamily="34" charset="0"/>
-              </a:rPr>
-              <a:t>Means</a:t>
-            </a:r>
-            <a:r>
-              <a:rPr lang="pt-BR" sz="2000" dirty="0">
-                <a:latin typeface="Arial" panose="020B0604020202020204" pitchFamily="34" charset="0"/>
-                <a:cs typeface="Arial" panose="020B0604020202020204" pitchFamily="34" charset="0"/>
-              </a:rPr>
-              <a:t> impõe algumas necessidades:</a:t>
-            </a:r>
-          </a:p>
-          <a:p>
             <a:pPr marL="457200" indent="-457200">
               <a:lnSpc>
-                <a:spcPts val="3200"/>
+                <a:spcPts val="3000"/>
               </a:lnSpc>
+              <a:spcBef>
+                <a:spcPts val="0"/>
+              </a:spcBef>
               <a:buFont typeface="+mj-lt"/>
               <a:buAutoNum type="arabicPeriod"/>
             </a:pPr>
-            <a:r>
-              <a:rPr lang="pt-BR" sz="2000" dirty="0" err="1">
-                <a:latin typeface="Arial" panose="020B0604020202020204" pitchFamily="34" charset="0"/>
-                <a:cs typeface="Arial" panose="020B0604020202020204" pitchFamily="34" charset="0"/>
-              </a:rPr>
-              <a:t>Pré-determinação</a:t>
-            </a:r>
-            <a:r>
-              <a:rPr lang="pt-BR" sz="2000" dirty="0">
-                <a:latin typeface="Arial" panose="020B0604020202020204" pitchFamily="34" charset="0"/>
-                <a:cs typeface="Arial" panose="020B0604020202020204" pitchFamily="34" charset="0"/>
-              </a:rPr>
-              <a:t> da quantidade de centroides;</a:t>
-            </a:r>
+            <a:endParaRPr lang="pt-BR" sz="2000" b="0" i="0" u="none" strike="noStrike" dirty="0">
+              <a:solidFill>
+                <a:srgbClr val="000000"/>
+              </a:solidFill>
+              <a:effectLst/>
+              <a:latin typeface="Helvetica" pitchFamily="2" charset="0"/>
+            </a:endParaRPr>
           </a:p>
           <a:p>
             <a:pPr marL="457200" indent="-457200">
               <a:lnSpc>
-                <a:spcPts val="3200"/>
+                <a:spcPts val="3000"/>
               </a:lnSpc>
+              <a:spcBef>
+                <a:spcPts val="0"/>
+              </a:spcBef>
               <a:buFont typeface="+mj-lt"/>
               <a:buAutoNum type="arabicPeriod"/>
             </a:pPr>
             <a:r>
               <a:rPr lang="pt-BR" sz="2000" dirty="0">
-                <a:latin typeface="Arial" panose="020B0604020202020204" pitchFamily="34" charset="0"/>
-                <a:cs typeface="Arial" panose="020B0604020202020204" pitchFamily="34" charset="0"/>
-              </a:rPr>
-              <a:t>Inicialização de centroides considerando mínimo global em vez de mínimo local;</a:t>
+                <a:solidFill>
+                  <a:srgbClr val="000000"/>
+                </a:solidFill>
+                <a:latin typeface="Helvetica" pitchFamily="2" charset="0"/>
+              </a:rPr>
+              <a:t>D</a:t>
+            </a:r>
+            <a:r>
+              <a:rPr lang="pt-BR" sz="2000" b="0" i="0" u="none" strike="noStrike" dirty="0">
+                <a:solidFill>
+                  <a:srgbClr val="000000"/>
+                </a:solidFill>
+                <a:effectLst/>
+                <a:latin typeface="Helvetica" pitchFamily="2" charset="0"/>
+              </a:rPr>
+              <a:t>eterminação da quantidade de clusters</a:t>
             </a:r>
           </a:p>
           <a:p>
             <a:pPr marL="457200" indent="-457200">
               <a:lnSpc>
-                <a:spcPts val="3200"/>
+                <a:spcPts val="3000"/>
               </a:lnSpc>
+              <a:spcBef>
+                <a:spcPts val="0"/>
+              </a:spcBef>
               <a:buFont typeface="+mj-lt"/>
               <a:buAutoNum type="arabicPeriod"/>
             </a:pPr>
-            <a:r>
-              <a:rPr lang="pt-BR" sz="2000" dirty="0">
-                <a:latin typeface="Arial" panose="020B0604020202020204" pitchFamily="34" charset="0"/>
-                <a:cs typeface="Arial" panose="020B0604020202020204" pitchFamily="34" charset="0"/>
-              </a:rPr>
-              <a:t>Critério para convergência ideal dos centroides;</a:t>
-            </a:r>
+            <a:endParaRPr lang="pt-BR" sz="2000" b="0" i="0" u="none" strike="noStrike" dirty="0">
+              <a:solidFill>
+                <a:srgbClr val="000000"/>
+              </a:solidFill>
+              <a:effectLst/>
+              <a:latin typeface="Helvetica" pitchFamily="2" charset="0"/>
+            </a:endParaRPr>
           </a:p>
           <a:p>
             <a:pPr marL="457200" indent="-457200">
               <a:lnSpc>
-                <a:spcPts val="3200"/>
+                <a:spcPts val="3000"/>
               </a:lnSpc>
+              <a:spcBef>
+                <a:spcPts val="0"/>
+              </a:spcBef>
               <a:buFont typeface="+mj-lt"/>
               <a:buAutoNum type="arabicPeriod"/>
             </a:pPr>
             <a:r>
-              <a:rPr lang="pt-BR" sz="2000" dirty="0">
-                <a:latin typeface="Arial" panose="020B0604020202020204" pitchFamily="34" charset="0"/>
-                <a:cs typeface="Arial" panose="020B0604020202020204" pitchFamily="34" charset="0"/>
-              </a:rPr>
-              <a:t>Validação dos resultados.</a:t>
+              <a:rPr lang="pt-BR" sz="2000" b="0" i="0" u="none" strike="noStrike" dirty="0">
+                <a:solidFill>
+                  <a:srgbClr val="000000"/>
+                </a:solidFill>
+                <a:effectLst/>
+                <a:latin typeface="Helvetica" pitchFamily="2" charset="0"/>
+              </a:rPr>
+              <a:t>Inicialização de centroides considerando mínimo global em vez de mínimo local</a:t>
+            </a:r>
+          </a:p>
+          <a:p>
+            <a:pPr marL="457200" indent="-457200">
+              <a:lnSpc>
+                <a:spcPts val="3000"/>
+              </a:lnSpc>
+              <a:spcBef>
+                <a:spcPts val="0"/>
+              </a:spcBef>
+              <a:buFont typeface="+mj-lt"/>
+              <a:buAutoNum type="arabicPeriod"/>
+            </a:pPr>
+            <a:endParaRPr lang="pt-BR" sz="2000" b="0" i="0" u="none" strike="noStrike" dirty="0">
+              <a:solidFill>
+                <a:srgbClr val="000000"/>
+              </a:solidFill>
+              <a:effectLst/>
+              <a:latin typeface="Helvetica" pitchFamily="2" charset="0"/>
+            </a:endParaRPr>
+          </a:p>
+          <a:p>
+            <a:pPr marL="457200" indent="-457200">
+              <a:lnSpc>
+                <a:spcPts val="3000"/>
+              </a:lnSpc>
+              <a:spcBef>
+                <a:spcPts val="0"/>
+              </a:spcBef>
+              <a:buFont typeface="+mj-lt"/>
+              <a:buAutoNum type="arabicPeriod"/>
+            </a:pPr>
+            <a:r>
+              <a:rPr lang="pt-BR" sz="2000" b="0" i="0" u="none" strike="noStrike" dirty="0">
+                <a:solidFill>
+                  <a:srgbClr val="000000"/>
+                </a:solidFill>
+                <a:effectLst/>
+                <a:latin typeface="Helvetica" pitchFamily="2" charset="0"/>
+              </a:rPr>
+              <a:t>Critério para convergência ideal dos centroides</a:t>
+            </a:r>
+          </a:p>
+          <a:p>
+            <a:pPr marL="457200" indent="-457200">
+              <a:lnSpc>
+                <a:spcPts val="3000"/>
+              </a:lnSpc>
+              <a:spcBef>
+                <a:spcPts val="0"/>
+              </a:spcBef>
+              <a:buFont typeface="+mj-lt"/>
+              <a:buAutoNum type="arabicPeriod"/>
+            </a:pPr>
+            <a:endParaRPr lang="pt-BR" sz="2000" b="0" i="0" u="none" strike="noStrike" dirty="0">
+              <a:solidFill>
+                <a:srgbClr val="000000"/>
+              </a:solidFill>
+              <a:effectLst/>
+              <a:latin typeface="Helvetica" pitchFamily="2" charset="0"/>
+            </a:endParaRPr>
+          </a:p>
+          <a:p>
+            <a:pPr marL="457200" indent="-457200">
+              <a:lnSpc>
+                <a:spcPts val="3000"/>
+              </a:lnSpc>
+              <a:spcBef>
+                <a:spcPts val="0"/>
+              </a:spcBef>
+              <a:buFont typeface="+mj-lt"/>
+              <a:buAutoNum type="arabicPeriod"/>
+            </a:pPr>
+            <a:r>
+              <a:rPr lang="pt-BR" sz="2000" b="0" i="0" u="none" strike="noStrike" dirty="0">
+                <a:solidFill>
+                  <a:srgbClr val="000000"/>
+                </a:solidFill>
+                <a:effectLst/>
+                <a:latin typeface="Helvetica" pitchFamily="2" charset="0"/>
+              </a:rPr>
+              <a:t>Validação dos resultados</a:t>
             </a:r>
           </a:p>
         </p:txBody>
       </p:sp>
       <p:sp>
         <p:nvSpPr>
-          <p:cNvPr id="6" name="CaixaDeTexto 5">
-            <a:extLst>
-              <a:ext uri="{FF2B5EF4-FFF2-40B4-BE49-F238E27FC236}">
-                <a16:creationId xmlns:a16="http://schemas.microsoft.com/office/drawing/2014/main" id="{2D6C3BFF-F4EA-743D-C75F-11938CCC3E7E}"/>
+          <p:cNvPr id="6" name="Espaço Reservado para Conteúdo 2">
+            <a:extLst>
+              <a:ext uri="{FF2B5EF4-FFF2-40B4-BE49-F238E27FC236}">
+                <a16:creationId xmlns:a16="http://schemas.microsoft.com/office/drawing/2014/main" id="{ABED7398-DB89-9E7E-BB4E-A15F4D692DB4}"/>
+              </a:ext>
+            </a:extLst>
+          </p:cNvPr>
+          <p:cNvSpPr txBox="1">
+            <a:spLocks/>
+          </p:cNvSpPr>
+          <p:nvPr/>
+        </p:nvSpPr>
+        <p:spPr>
+          <a:xfrm>
+            <a:off x="6822332" y="1825625"/>
+            <a:ext cx="4145603" cy="4489450"/>
+          </a:xfrm>
+          <a:prstGeom prst="rect">
+            <a:avLst/>
+          </a:prstGeom>
+        </p:spPr>
+        <p:txBody>
+          <a:bodyPr vert="horz" lIns="91440" tIns="45720" rIns="91440" bIns="45720" numCol="1" rtlCol="0">
+            <a:noAutofit/>
+          </a:bodyPr>
+          <a:lstStyle>
+            <a:lvl1pPr marL="228600" indent="-228600" algn="l" defTabSz="914400" rtl="0" eaLnBrk="1" latinLnBrk="0" hangingPunct="1">
+              <a:lnSpc>
+                <a:spcPct val="90000"/>
+              </a:lnSpc>
+              <a:spcBef>
+                <a:spcPts val="1000"/>
+              </a:spcBef>
+              <a:buFont typeface="Arial" panose="020B0604020202020204" pitchFamily="34" charset="0"/>
+              <a:buChar char="•"/>
+              <a:defRPr sz="2800" kern="1200">
+                <a:solidFill>
+                  <a:schemeClr val="tx1"/>
+                </a:solidFill>
+                <a:latin typeface="+mn-lt"/>
+                <a:ea typeface="+mn-ea"/>
+                <a:cs typeface="+mn-cs"/>
+              </a:defRPr>
+            </a:lvl1pPr>
+            <a:lvl2pPr marL="685800" indent="-228600" algn="l" defTabSz="914400" rtl="0" eaLnBrk="1" latinLnBrk="0" hangingPunct="1">
+              <a:lnSpc>
+                <a:spcPct val="90000"/>
+              </a:lnSpc>
+              <a:spcBef>
+                <a:spcPts val="500"/>
+              </a:spcBef>
+              <a:buFont typeface="Arial" panose="020B0604020202020204" pitchFamily="34" charset="0"/>
+              <a:buChar char="•"/>
+              <a:defRPr sz="2400" kern="1200">
+                <a:solidFill>
+                  <a:schemeClr val="tx1"/>
+                </a:solidFill>
+                <a:latin typeface="+mn-lt"/>
+                <a:ea typeface="+mn-ea"/>
+                <a:cs typeface="+mn-cs"/>
+              </a:defRPr>
+            </a:lvl2pPr>
+            <a:lvl3pPr marL="1143000" indent="-228600" algn="l" defTabSz="914400" rtl="0" eaLnBrk="1" latinLnBrk="0" hangingPunct="1">
+              <a:lnSpc>
+                <a:spcPct val="90000"/>
+              </a:lnSpc>
+              <a:spcBef>
+                <a:spcPts val="500"/>
+              </a:spcBef>
+              <a:buFont typeface="Arial" panose="020B0604020202020204" pitchFamily="34" charset="0"/>
+              <a:buChar char="•"/>
+              <a:defRPr sz="2000" kern="1200">
+                <a:solidFill>
+                  <a:schemeClr val="tx1"/>
+                </a:solidFill>
+                <a:latin typeface="+mn-lt"/>
+                <a:ea typeface="+mn-ea"/>
+                <a:cs typeface="+mn-cs"/>
+              </a:defRPr>
+            </a:lvl3pPr>
+            <a:lvl4pPr marL="1600200" indent="-228600" algn="l" defTabSz="914400" rtl="0" eaLnBrk="1" latinLnBrk="0" hangingPunct="1">
+              <a:lnSpc>
+                <a:spcPct val="90000"/>
+              </a:lnSpc>
+              <a:spcBef>
+                <a:spcPts val="500"/>
+              </a:spcBef>
+              <a:buFont typeface="Arial" panose="020B0604020202020204" pitchFamily="34" charset="0"/>
+              <a:buChar char="•"/>
+              <a:defRPr sz="1800" kern="1200">
+                <a:solidFill>
+                  <a:schemeClr val="tx1"/>
+                </a:solidFill>
+                <a:latin typeface="+mn-lt"/>
+                <a:ea typeface="+mn-ea"/>
+                <a:cs typeface="+mn-cs"/>
+              </a:defRPr>
+            </a:lvl4pPr>
+            <a:lvl5pPr marL="2057400" indent="-228600" algn="l" defTabSz="914400" rtl="0" eaLnBrk="1" latinLnBrk="0" hangingPunct="1">
+              <a:lnSpc>
+                <a:spcPct val="90000"/>
+              </a:lnSpc>
+              <a:spcBef>
+                <a:spcPts val="500"/>
+              </a:spcBef>
+              <a:buFont typeface="Arial" panose="020B0604020202020204" pitchFamily="34" charset="0"/>
+              <a:buChar char="•"/>
+              <a:defRPr sz="1800" kern="1200">
+                <a:solidFill>
+                  <a:schemeClr val="tx1"/>
+                </a:solidFill>
+                <a:latin typeface="+mn-lt"/>
+                <a:ea typeface="+mn-ea"/>
+                <a:cs typeface="+mn-cs"/>
+              </a:defRPr>
+            </a:lvl5pPr>
+            <a:lvl6pPr marL="2514600" indent="-228600" algn="l" defTabSz="914400" rtl="0" eaLnBrk="1" latinLnBrk="0" hangingPunct="1">
+              <a:lnSpc>
+                <a:spcPct val="90000"/>
+              </a:lnSpc>
+              <a:spcBef>
+                <a:spcPts val="500"/>
+              </a:spcBef>
+              <a:buFont typeface="Arial" panose="020B0604020202020204" pitchFamily="34" charset="0"/>
+              <a:buChar char="•"/>
+              <a:defRPr sz="1800" kern="1200">
+                <a:solidFill>
+                  <a:schemeClr val="tx1"/>
+                </a:solidFill>
+                <a:latin typeface="+mn-lt"/>
+                <a:ea typeface="+mn-ea"/>
+                <a:cs typeface="+mn-cs"/>
+              </a:defRPr>
+            </a:lvl6pPr>
+            <a:lvl7pPr marL="2971800" indent="-228600" algn="l" defTabSz="914400" rtl="0" eaLnBrk="1" latinLnBrk="0" hangingPunct="1">
+              <a:lnSpc>
+                <a:spcPct val="90000"/>
+              </a:lnSpc>
+              <a:spcBef>
+                <a:spcPts val="500"/>
+              </a:spcBef>
+              <a:buFont typeface="Arial" panose="020B0604020202020204" pitchFamily="34" charset="0"/>
+              <a:buChar char="•"/>
+              <a:defRPr sz="1800" kern="1200">
+                <a:solidFill>
+                  <a:schemeClr val="tx1"/>
+                </a:solidFill>
+                <a:latin typeface="+mn-lt"/>
+                <a:ea typeface="+mn-ea"/>
+                <a:cs typeface="+mn-cs"/>
+              </a:defRPr>
+            </a:lvl7pPr>
+            <a:lvl8pPr marL="3429000" indent="-228600" algn="l" defTabSz="914400" rtl="0" eaLnBrk="1" latinLnBrk="0" hangingPunct="1">
+              <a:lnSpc>
+                <a:spcPct val="90000"/>
+              </a:lnSpc>
+              <a:spcBef>
+                <a:spcPts val="500"/>
+              </a:spcBef>
+              <a:buFont typeface="Arial" panose="020B0604020202020204" pitchFamily="34" charset="0"/>
+              <a:buChar char="•"/>
+              <a:defRPr sz="1800" kern="1200">
+                <a:solidFill>
+                  <a:schemeClr val="tx1"/>
+                </a:solidFill>
+                <a:latin typeface="+mn-lt"/>
+                <a:ea typeface="+mn-ea"/>
+                <a:cs typeface="+mn-cs"/>
+              </a:defRPr>
+            </a:lvl8pPr>
+            <a:lvl9pPr marL="3886200" indent="-228600" algn="l" defTabSz="914400" rtl="0" eaLnBrk="1" latinLnBrk="0" hangingPunct="1">
+              <a:lnSpc>
+                <a:spcPct val="90000"/>
+              </a:lnSpc>
+              <a:spcBef>
+                <a:spcPts val="500"/>
+              </a:spcBef>
+              <a:buFont typeface="Arial" panose="020B0604020202020204" pitchFamily="34" charset="0"/>
+              <a:buChar char="•"/>
+              <a:defRPr sz="1800" kern="1200">
+                <a:solidFill>
+                  <a:schemeClr val="tx1"/>
+                </a:solidFill>
+                <a:latin typeface="+mn-lt"/>
+                <a:ea typeface="+mn-ea"/>
+                <a:cs typeface="+mn-cs"/>
+              </a:defRPr>
+            </a:lvl9pPr>
+          </a:lstStyle>
+          <a:p>
+            <a:pPr marL="457200" indent="-457200">
+              <a:lnSpc>
+                <a:spcPts val="3000"/>
+              </a:lnSpc>
+              <a:spcBef>
+                <a:spcPts val="0"/>
+              </a:spcBef>
+              <a:buFont typeface="+mj-lt"/>
+              <a:buAutoNum type="arabicPeriod"/>
+            </a:pPr>
+            <a:endParaRPr lang="pt-BR" sz="2000" dirty="0">
+              <a:solidFill>
+                <a:srgbClr val="000000"/>
+              </a:solidFill>
+              <a:latin typeface="Helvetica" pitchFamily="2" charset="0"/>
+            </a:endParaRPr>
+          </a:p>
+          <a:p>
+            <a:pPr marL="457200" indent="-457200">
+              <a:lnSpc>
+                <a:spcPts val="3000"/>
+              </a:lnSpc>
+              <a:spcBef>
+                <a:spcPts val="0"/>
+              </a:spcBef>
+              <a:buFont typeface="+mj-lt"/>
+              <a:buAutoNum type="arabicPeriod"/>
+            </a:pPr>
+            <a:r>
+              <a:rPr lang="pt-BR" sz="2000" dirty="0">
+                <a:solidFill>
+                  <a:srgbClr val="000000"/>
+                </a:solidFill>
+                <a:latin typeface="Helvetica" pitchFamily="2" charset="0"/>
+              </a:rPr>
+              <a:t>Método do cotovelo</a:t>
+            </a:r>
+          </a:p>
+          <a:p>
+            <a:pPr marL="457200" indent="-457200">
+              <a:lnSpc>
+                <a:spcPts val="3000"/>
+              </a:lnSpc>
+              <a:spcBef>
+                <a:spcPts val="0"/>
+              </a:spcBef>
+              <a:buFont typeface="+mj-lt"/>
+              <a:buAutoNum type="arabicPeriod"/>
+            </a:pPr>
+            <a:endParaRPr lang="pt-BR" sz="2000" dirty="0">
+              <a:solidFill>
+                <a:srgbClr val="000000"/>
+              </a:solidFill>
+              <a:latin typeface="Helvetica" pitchFamily="2" charset="0"/>
+            </a:endParaRPr>
+          </a:p>
+          <a:p>
+            <a:pPr marL="457200" indent="-457200">
+              <a:lnSpc>
+                <a:spcPts val="3000"/>
+              </a:lnSpc>
+              <a:spcBef>
+                <a:spcPts val="0"/>
+              </a:spcBef>
+              <a:buFont typeface="+mj-lt"/>
+              <a:buAutoNum type="arabicPeriod"/>
+            </a:pPr>
+            <a:r>
+              <a:rPr lang="pt-BR" sz="2000" dirty="0">
+                <a:solidFill>
+                  <a:srgbClr val="000000"/>
+                </a:solidFill>
+                <a:latin typeface="Helvetica" pitchFamily="2" charset="0"/>
+              </a:rPr>
+              <a:t>Método K-</a:t>
+            </a:r>
+            <a:r>
+              <a:rPr lang="pt-BR" sz="2000" dirty="0" err="1">
+                <a:solidFill>
+                  <a:srgbClr val="000000"/>
+                </a:solidFill>
+                <a:latin typeface="Helvetica" pitchFamily="2" charset="0"/>
+              </a:rPr>
+              <a:t>Means</a:t>
+            </a:r>
+            <a:r>
+              <a:rPr lang="pt-BR" sz="2000" dirty="0">
+                <a:solidFill>
+                  <a:srgbClr val="000000"/>
+                </a:solidFill>
+                <a:latin typeface="Helvetica" pitchFamily="2" charset="0"/>
+              </a:rPr>
+              <a:t>++</a:t>
+            </a:r>
+          </a:p>
+          <a:p>
+            <a:pPr marL="457200" indent="-457200">
+              <a:lnSpc>
+                <a:spcPts val="3000"/>
+              </a:lnSpc>
+              <a:spcBef>
+                <a:spcPts val="0"/>
+              </a:spcBef>
+              <a:buFont typeface="+mj-lt"/>
+              <a:buAutoNum type="arabicPeriod"/>
+            </a:pPr>
+            <a:endParaRPr lang="pt-BR" sz="2000" dirty="0">
+              <a:solidFill>
+                <a:srgbClr val="000000"/>
+              </a:solidFill>
+              <a:latin typeface="Helvetica" pitchFamily="2" charset="0"/>
+            </a:endParaRPr>
+          </a:p>
+          <a:p>
+            <a:pPr marL="457200" indent="-457200">
+              <a:lnSpc>
+                <a:spcPts val="3000"/>
+              </a:lnSpc>
+              <a:spcBef>
+                <a:spcPts val="0"/>
+              </a:spcBef>
+              <a:buFont typeface="+mj-lt"/>
+              <a:buAutoNum type="arabicPeriod"/>
+            </a:pPr>
+            <a:r>
+              <a:rPr lang="pt-BR" sz="2000" dirty="0">
+                <a:solidFill>
+                  <a:srgbClr val="000000"/>
+                </a:solidFill>
+                <a:latin typeface="Helvetica" pitchFamily="2" charset="0"/>
+              </a:rPr>
+              <a:t>Comparação do movimento de centroides entre iterações</a:t>
+            </a:r>
+          </a:p>
+          <a:p>
+            <a:pPr marL="457200" indent="-457200">
+              <a:lnSpc>
+                <a:spcPts val="3000"/>
+              </a:lnSpc>
+              <a:spcBef>
+                <a:spcPts val="0"/>
+              </a:spcBef>
+              <a:buFont typeface="+mj-lt"/>
+              <a:buAutoNum type="arabicPeriod"/>
+            </a:pPr>
+            <a:endParaRPr lang="pt-BR" sz="2000" dirty="0">
+              <a:solidFill>
+                <a:srgbClr val="000000"/>
+              </a:solidFill>
+              <a:latin typeface="Helvetica" pitchFamily="2" charset="0"/>
+            </a:endParaRPr>
+          </a:p>
+          <a:p>
+            <a:pPr marL="457200" indent="-457200">
+              <a:lnSpc>
+                <a:spcPts val="3000"/>
+              </a:lnSpc>
+              <a:spcBef>
+                <a:spcPts val="0"/>
+              </a:spcBef>
+              <a:buFont typeface="+mj-lt"/>
+              <a:buAutoNum type="arabicPeriod"/>
+            </a:pPr>
+            <a:r>
+              <a:rPr lang="pt-BR" sz="2000" dirty="0">
+                <a:solidFill>
+                  <a:srgbClr val="000000"/>
+                </a:solidFill>
+                <a:latin typeface="Helvetica" pitchFamily="2" charset="0"/>
+              </a:rPr>
+              <a:t>Método da silhueta; índice de Davies-</a:t>
+            </a:r>
+            <a:r>
+              <a:rPr lang="pt-BR" sz="2000" dirty="0" err="1">
+                <a:solidFill>
+                  <a:srgbClr val="000000"/>
+                </a:solidFill>
+                <a:latin typeface="Helvetica" pitchFamily="2" charset="0"/>
+              </a:rPr>
+              <a:t>Bouldin</a:t>
+            </a:r>
+            <a:endParaRPr lang="pt-BR" sz="2000" dirty="0">
+              <a:solidFill>
+                <a:srgbClr val="000000"/>
+              </a:solidFill>
+              <a:latin typeface="Helvetica" pitchFamily="2" charset="0"/>
+            </a:endParaRPr>
+          </a:p>
+        </p:txBody>
+      </p:sp>
+      <p:sp>
+        <p:nvSpPr>
+          <p:cNvPr id="7" name="CaixaDeTexto 6">
+            <a:extLst>
+              <a:ext uri="{FF2B5EF4-FFF2-40B4-BE49-F238E27FC236}">
+                <a16:creationId xmlns:a16="http://schemas.microsoft.com/office/drawing/2014/main" id="{49D9E127-EB20-D65A-7CCD-2E0EEAA197A7}"/>
               </a:ext>
             </a:extLst>
           </p:cNvPr>
@@ -5678,148 +9027,193 @@
         </p:nvSpPr>
         <p:spPr>
           <a:xfrm>
-            <a:off x="6276269" y="1825625"/>
-            <a:ext cx="5077531" cy="3331105"/>
+            <a:off x="7951938" y="1717678"/>
+            <a:ext cx="1886392" cy="400110"/>
           </a:xfrm>
           <a:prstGeom prst="rect">
             <a:avLst/>
           </a:prstGeom>
           <a:solidFill>
-            <a:schemeClr val="bg1">
-              <a:lumMod val="95000"/>
-            </a:schemeClr>
+            <a:schemeClr val="tx1"/>
           </a:solidFill>
+        </p:spPr>
+        <p:txBody>
+          <a:bodyPr wrap="square" rtlCol="0">
+            <a:spAutoFit/>
+          </a:bodyPr>
+          <a:lstStyle/>
+          <a:p>
+            <a:pPr algn="ctr"/>
+            <a:r>
+              <a:rPr lang="pt-BR" sz="2000" b="1" dirty="0">
+                <a:solidFill>
+                  <a:schemeClr val="bg2"/>
+                </a:solidFill>
+                <a:latin typeface="Helvetica" pitchFamily="2" charset="0"/>
+                <a:cs typeface="Arial" panose="020B0604020202020204" pitchFamily="34" charset="0"/>
+              </a:rPr>
+              <a:t>SOLUÇÕES</a:t>
+            </a:r>
+            <a:endParaRPr lang="pt-BR" sz="2000" dirty="0">
+              <a:solidFill>
+                <a:schemeClr val="bg2"/>
+              </a:solidFill>
+            </a:endParaRPr>
+          </a:p>
+        </p:txBody>
+      </p:sp>
+      <p:sp>
+        <p:nvSpPr>
+          <p:cNvPr id="8" name="CaixaDeTexto 7">
+            <a:extLst>
+              <a:ext uri="{FF2B5EF4-FFF2-40B4-BE49-F238E27FC236}">
+                <a16:creationId xmlns:a16="http://schemas.microsoft.com/office/drawing/2014/main" id="{41B8EE39-BEE5-ADD0-E95D-4B292F70C8E5}"/>
+              </a:ext>
+            </a:extLst>
+          </p:cNvPr>
+          <p:cNvSpPr txBox="1"/>
+          <p:nvPr/>
+        </p:nvSpPr>
+        <p:spPr>
+          <a:xfrm>
+            <a:off x="2353670" y="1717678"/>
+            <a:ext cx="1500528" cy="400110"/>
+          </a:xfrm>
+          <a:prstGeom prst="rect">
+            <a:avLst/>
+          </a:prstGeom>
+          <a:solidFill>
+            <a:schemeClr val="tx1"/>
+          </a:solidFill>
+        </p:spPr>
+        <p:txBody>
+          <a:bodyPr wrap="square" rtlCol="0">
+            <a:spAutoFit/>
+          </a:bodyPr>
+          <a:lstStyle/>
+          <a:p>
+            <a:pPr algn="ctr"/>
+            <a:r>
+              <a:rPr lang="pt-BR" sz="2000" b="1" dirty="0">
+                <a:solidFill>
+                  <a:schemeClr val="bg2"/>
+                </a:solidFill>
+                <a:latin typeface="Helvetica" pitchFamily="2" charset="0"/>
+                <a:cs typeface="Arial" panose="020B0604020202020204" pitchFamily="34" charset="0"/>
+              </a:rPr>
+              <a:t>DESAFIOS</a:t>
+            </a:r>
+            <a:endParaRPr lang="pt-BR" sz="2000" dirty="0">
+              <a:solidFill>
+                <a:schemeClr val="bg2"/>
+              </a:solidFill>
+            </a:endParaRPr>
+          </a:p>
+        </p:txBody>
+      </p:sp>
+      <p:cxnSp>
+        <p:nvCxnSpPr>
+          <p:cNvPr id="10" name="Conector reto 9">
+            <a:extLst>
+              <a:ext uri="{FF2B5EF4-FFF2-40B4-BE49-F238E27FC236}">
+                <a16:creationId xmlns:a16="http://schemas.microsoft.com/office/drawing/2014/main" id="{A115CB28-6188-DC31-BB73-266D08DC22CC}"/>
+              </a:ext>
+            </a:extLst>
+          </p:cNvPr>
+          <p:cNvCxnSpPr>
+            <a:cxnSpLocks/>
+          </p:cNvCxnSpPr>
+          <p:nvPr/>
+        </p:nvCxnSpPr>
+        <p:spPr>
+          <a:xfrm flipV="1">
+            <a:off x="6096000" y="2024741"/>
+            <a:ext cx="0" cy="4473336"/>
+          </a:xfrm>
+          <a:prstGeom prst="line">
+            <a:avLst/>
+          </a:prstGeom>
           <a:ln w="19050">
             <a:solidFill>
               <a:schemeClr val="tx1"/>
             </a:solidFill>
           </a:ln>
         </p:spPr>
+        <p:style>
+          <a:lnRef idx="1">
+            <a:schemeClr val="accent1"/>
+          </a:lnRef>
+          <a:fillRef idx="0">
+            <a:schemeClr val="accent1"/>
+          </a:fillRef>
+          <a:effectRef idx="0">
+            <a:schemeClr val="accent1"/>
+          </a:effectRef>
+          <a:fontRef idx="minor">
+            <a:schemeClr val="tx1"/>
+          </a:fontRef>
+        </p:style>
+      </p:cxnSp>
+      <p:sp>
+        <p:nvSpPr>
+          <p:cNvPr id="12" name="Título 1">
+            <a:extLst>
+              <a:ext uri="{FF2B5EF4-FFF2-40B4-BE49-F238E27FC236}">
+                <a16:creationId xmlns:a16="http://schemas.microsoft.com/office/drawing/2014/main" id="{2A40109D-A7BF-0D86-629B-FF5C3AD95C6C}"/>
+              </a:ext>
+            </a:extLst>
+          </p:cNvPr>
+          <p:cNvSpPr>
+            <a:spLocks noGrp="1"/>
+          </p:cNvSpPr>
+          <p:nvPr>
+            <p:ph type="title"/>
+          </p:nvPr>
+        </p:nvSpPr>
+        <p:spPr>
+          <a:xfrm>
+            <a:off x="838200" y="365125"/>
+            <a:ext cx="10515600" cy="1325563"/>
+          </a:xfrm>
+        </p:spPr>
         <p:txBody>
-          <a:bodyPr wrap="square" lIns="180000" rIns="180000" rtlCol="0">
-            <a:spAutoFit/>
+          <a:bodyPr anchor="t" anchorCtr="0">
+            <a:normAutofit/>
           </a:bodyPr>
           <a:lstStyle/>
           <a:p>
-            <a:pPr algn="ctr">
+            <a:pPr>
               <a:lnSpc>
-                <a:spcPts val="3200"/>
+                <a:spcPct val="100000"/>
               </a:lnSpc>
             </a:pPr>
             <a:r>
-              <a:rPr lang="pt-BR" sz="2000" b="1" dirty="0">
-                <a:latin typeface="Arial" panose="020B0604020202020204" pitchFamily="34" charset="0"/>
+              <a:rPr lang="pt-BR" sz="2800" b="1" dirty="0">
+                <a:latin typeface="Helvetica" pitchFamily="2" charset="0"/>
                 <a:cs typeface="Arial" panose="020B0604020202020204" pitchFamily="34" charset="0"/>
               </a:rPr>
-              <a:t>SOLUÇÕES IMPLEMENTADAS</a:t>
-            </a:r>
-          </a:p>
-          <a:p>
-            <a:pPr algn="ctr">
-              <a:lnSpc>
-                <a:spcPts val="3200"/>
-              </a:lnSpc>
-            </a:pPr>
-            <a:endParaRPr lang="pt-BR" sz="2000" b="1" dirty="0">
-              <a:latin typeface="Arial" panose="020B0604020202020204" pitchFamily="34" charset="0"/>
-              <a:cs typeface="Arial" panose="020B0604020202020204" pitchFamily="34" charset="0"/>
-            </a:endParaRPr>
-          </a:p>
-          <a:p>
-            <a:pPr marL="457200" indent="-457200">
-              <a:lnSpc>
-                <a:spcPts val="3200"/>
-              </a:lnSpc>
-              <a:buFont typeface="+mj-lt"/>
-              <a:buAutoNum type="arabicPeriod"/>
-            </a:pPr>
-            <a:r>
-              <a:rPr lang="pt-BR" sz="2000" dirty="0">
-                <a:latin typeface="Arial" panose="020B0604020202020204" pitchFamily="34" charset="0"/>
+              <a:t>K-MEANS </a:t>
+            </a:r>
+            <a:r>
+              <a:rPr lang="pt-BR" sz="2800" dirty="0">
+                <a:solidFill>
+                  <a:schemeClr val="tx1">
+                    <a:lumMod val="50000"/>
+                    <a:lumOff val="50000"/>
+                  </a:schemeClr>
+                </a:solidFill>
+                <a:latin typeface="Helvetica" pitchFamily="2" charset="0"/>
                 <a:cs typeface="Arial" panose="020B0604020202020204" pitchFamily="34" charset="0"/>
               </a:rPr>
-              <a:t>Método do cotovelo</a:t>
-            </a:r>
-          </a:p>
-          <a:p>
-            <a:pPr marL="457200" indent="-457200">
-              <a:lnSpc>
-                <a:spcPts val="3200"/>
-              </a:lnSpc>
-              <a:buFont typeface="+mj-lt"/>
-              <a:buAutoNum type="arabicPeriod"/>
-            </a:pPr>
-            <a:r>
-              <a:rPr lang="pt-BR" sz="2000" dirty="0">
-                <a:latin typeface="Arial" panose="020B0604020202020204" pitchFamily="34" charset="0"/>
-                <a:cs typeface="Arial" panose="020B0604020202020204" pitchFamily="34" charset="0"/>
-              </a:rPr>
-              <a:t>Método K-</a:t>
-            </a:r>
-            <a:r>
-              <a:rPr lang="pt-BR" sz="2000" dirty="0" err="1">
-                <a:latin typeface="Arial" panose="020B0604020202020204" pitchFamily="34" charset="0"/>
-                <a:cs typeface="Arial" panose="020B0604020202020204" pitchFamily="34" charset="0"/>
-              </a:rPr>
-              <a:t>Means</a:t>
-            </a:r>
-            <a:r>
-              <a:rPr lang="pt-BR" sz="2000" dirty="0">
-                <a:latin typeface="Arial" panose="020B0604020202020204" pitchFamily="34" charset="0"/>
-                <a:cs typeface="Arial" panose="020B0604020202020204" pitchFamily="34" charset="0"/>
-              </a:rPr>
-              <a:t>++</a:t>
-            </a:r>
-          </a:p>
-          <a:p>
-            <a:pPr marL="457200" indent="-457200">
-              <a:lnSpc>
-                <a:spcPts val="3200"/>
-              </a:lnSpc>
-              <a:buFont typeface="+mj-lt"/>
-              <a:buAutoNum type="arabicPeriod"/>
-            </a:pPr>
-            <a:r>
-              <a:rPr lang="pt-BR" sz="2000" dirty="0">
-                <a:latin typeface="Arial" panose="020B0604020202020204" pitchFamily="34" charset="0"/>
-                <a:cs typeface="Arial" panose="020B0604020202020204" pitchFamily="34" charset="0"/>
-              </a:rPr>
-              <a:t>Comparação do movimento de centroides entre iterações</a:t>
-            </a:r>
-          </a:p>
-          <a:p>
-            <a:pPr marL="457200" indent="-457200">
-              <a:lnSpc>
-                <a:spcPts val="3200"/>
-              </a:lnSpc>
-              <a:buFont typeface="+mj-lt"/>
-              <a:buAutoNum type="arabicPeriod"/>
-            </a:pPr>
-            <a:r>
-              <a:rPr lang="pt-BR" sz="2000" dirty="0">
-                <a:latin typeface="Arial" panose="020B0604020202020204" pitchFamily="34" charset="0"/>
-                <a:cs typeface="Arial" panose="020B0604020202020204" pitchFamily="34" charset="0"/>
-              </a:rPr>
-              <a:t>Método da silhueta; índice de Davies-</a:t>
-            </a:r>
-            <a:r>
-              <a:rPr lang="pt-BR" sz="2000" dirty="0" err="1">
-                <a:latin typeface="Arial" panose="020B0604020202020204" pitchFamily="34" charset="0"/>
-                <a:cs typeface="Arial" panose="020B0604020202020204" pitchFamily="34" charset="0"/>
-              </a:rPr>
-              <a:t>Bouldin</a:t>
-            </a:r>
-            <a:endParaRPr lang="pt-BR" sz="2000" dirty="0">
-              <a:latin typeface="Arial" panose="020B0604020202020204" pitchFamily="34" charset="0"/>
-              <a:cs typeface="Arial" panose="020B0604020202020204" pitchFamily="34" charset="0"/>
-            </a:endParaRPr>
+              <a:t>Desafios e soluções</a:t>
+            </a:r>
           </a:p>
         </p:txBody>
       </p:sp>
     </p:spTree>
     <p:extLst>
       <p:ext uri="{BB962C8B-B14F-4D97-AF65-F5344CB8AC3E}">
-        <p14:creationId xmlns:p14="http://schemas.microsoft.com/office/powerpoint/2010/main" val="967850334"/>
+        <p14:creationId xmlns:p14="http://schemas.microsoft.com/office/powerpoint/2010/main" val="4178953914"/>
       </p:ext>
     </p:extLst>
   </p:cSld>
@@ -5864,32 +9258,32 @@
         </p:nvSpPr>
         <p:spPr/>
         <p:txBody>
-          <a:bodyPr>
-            <a:normAutofit fontScale="90000"/>
+          <a:bodyPr anchor="t" anchorCtr="0">
+            <a:normAutofit/>
           </a:bodyPr>
           <a:lstStyle/>
           <a:p>
             <a:pPr>
               <a:lnSpc>
-                <a:spcPct val="150000"/>
+                <a:spcPct val="100000"/>
               </a:lnSpc>
             </a:pPr>
             <a:r>
-              <a:rPr lang="pt-BR" sz="3200" b="1" dirty="0">
-                <a:latin typeface="Arial" panose="020B0604020202020204" pitchFamily="34" charset="0"/>
+              <a:rPr lang="pt-BR" sz="2800" b="1" dirty="0">
+                <a:latin typeface="Helvetica" pitchFamily="2" charset="0"/>
                 <a:cs typeface="Arial" panose="020B0604020202020204" pitchFamily="34" charset="0"/>
               </a:rPr>
-              <a:t>K-MEANS</a:t>
-            </a:r>
-            <a:br>
-              <a:rPr lang="pt-BR" sz="3200" b="1" dirty="0">
-                <a:latin typeface="Arial" panose="020B0604020202020204" pitchFamily="34" charset="0"/>
-                <a:cs typeface="Arial" panose="020B0604020202020204" pitchFamily="34" charset="0"/>
-              </a:rPr>
-            </a:br>
-            <a:r>
-              <a:rPr lang="pt-BR" sz="3200" dirty="0">
-                <a:latin typeface="Arial" panose="020B0604020202020204" pitchFamily="34" charset="0"/>
+              <a:t>K-MEANS </a:t>
+            </a:r>
+            <a:r>
+              <a:rPr lang="pt-BR" sz="2800" dirty="0">
+                <a:solidFill>
+                  <a:schemeClr val="tx1">
+                    <a:lumMod val="50000"/>
+                    <a:lumOff val="50000"/>
+                  </a:schemeClr>
+                </a:solidFill>
+                <a:latin typeface="Helvetica" pitchFamily="2" charset="0"/>
                 <a:cs typeface="Arial" panose="020B0604020202020204" pitchFamily="34" charset="0"/>
               </a:rPr>
               <a:t>Método do cotovelo</a:t>
@@ -5897,98 +9291,214 @@
           </a:p>
         </p:txBody>
       </p:sp>
-      <p:sp>
-        <p:nvSpPr>
-          <p:cNvPr id="3" name="Espaço Reservado para Conteúdo 2">
-            <a:extLst>
-              <a:ext uri="{FF2B5EF4-FFF2-40B4-BE49-F238E27FC236}">
-                <a16:creationId xmlns:a16="http://schemas.microsoft.com/office/drawing/2014/main" id="{AC797752-DF14-11FD-FD02-7A6C4E7C74D2}"/>
-              </a:ext>
-            </a:extLst>
-          </p:cNvPr>
-          <p:cNvSpPr>
-            <a:spLocks noGrp="1"/>
-          </p:cNvSpPr>
-          <p:nvPr>
-            <p:ph idx="1"/>
-          </p:nvPr>
-        </p:nvSpPr>
-        <p:spPr>
-          <a:xfrm>
-            <a:off x="838199" y="1825625"/>
-            <a:ext cx="4729481" cy="4489450"/>
-          </a:xfrm>
-        </p:spPr>
-        <p:txBody>
-          <a:bodyPr>
-            <a:noAutofit/>
-          </a:bodyPr>
-          <a:lstStyle/>
-          <a:p>
-            <a:pPr marL="0" indent="0">
-              <a:lnSpc>
-                <a:spcPts val="3200"/>
-              </a:lnSpc>
-              <a:buNone/>
-            </a:pPr>
-            <a:r>
-              <a:rPr lang="pt-BR" sz="2000" dirty="0">
-                <a:latin typeface="Arial" panose="020B0604020202020204" pitchFamily="34" charset="0"/>
-                <a:cs typeface="Arial" panose="020B0604020202020204" pitchFamily="34" charset="0"/>
-              </a:rPr>
-              <a:t>O método do cotovelo roda K-</a:t>
-            </a:r>
-            <a:r>
-              <a:rPr lang="pt-BR" sz="2000" dirty="0" err="1">
-                <a:latin typeface="Arial" panose="020B0604020202020204" pitchFamily="34" charset="0"/>
-                <a:cs typeface="Arial" panose="020B0604020202020204" pitchFamily="34" charset="0"/>
-              </a:rPr>
-              <a:t>Means</a:t>
-            </a:r>
-            <a:r>
-              <a:rPr lang="pt-BR" sz="2000" dirty="0">
-                <a:latin typeface="Arial" panose="020B0604020202020204" pitchFamily="34" charset="0"/>
-                <a:cs typeface="Arial" panose="020B0604020202020204" pitchFamily="34" charset="0"/>
-              </a:rPr>
-              <a:t> múltiplas vezes, iterando sobre valores para k e calculando a soma dos quadrados das distâncias entre pontos e centroide. Quando maior o valor de k, menor a soma. </a:t>
-            </a:r>
-            <a:r>
-              <a:rPr lang="pt-BR" sz="1800" dirty="0">
-                <a:solidFill>
-                  <a:srgbClr val="000000"/>
-                </a:solidFill>
-                <a:effectLst/>
-                <a:latin typeface="Arial" panose="020B0604020202020204" pitchFamily="34" charset="0"/>
-                <a:ea typeface="Arial" panose="020B0604020202020204" pitchFamily="34" charset="0"/>
-              </a:rPr>
-              <a:t>Em determinado momento, a diferença se tornará marginal. Graficamente, forma-se um "cotovelo“ (Figura 5). O ponto em que essa estabilização se torna perceptível representa uma estimativa do número ideal de clusters.</a:t>
-            </a:r>
-            <a:endParaRPr lang="pt-BR" sz="1800" dirty="0">
-              <a:effectLst/>
-              <a:latin typeface="Arial" panose="020B0604020202020204" pitchFamily="34" charset="0"/>
-              <a:ea typeface="Arial" panose="020B0604020202020204" pitchFamily="34" charset="0"/>
-            </a:endParaRPr>
-          </a:p>
-          <a:p>
-            <a:pPr marL="0" indent="0">
-              <a:lnSpc>
-                <a:spcPts val="3200"/>
-              </a:lnSpc>
-              <a:buNone/>
-            </a:pPr>
-            <a:endParaRPr lang="pt-BR" sz="2000" dirty="0">
-              <a:latin typeface="Arial" panose="020B0604020202020204" pitchFamily="34" charset="0"/>
-              <a:cs typeface="Arial" panose="020B0604020202020204" pitchFamily="34" charset="0"/>
-            </a:endParaRPr>
-          </a:p>
-        </p:txBody>
-      </p:sp>
+      <mc:AlternateContent xmlns:mc="http://schemas.openxmlformats.org/markup-compatibility/2006">
+        <mc:Choice xmlns:a14="http://schemas.microsoft.com/office/drawing/2010/main" Requires="a14">
+          <p:sp>
+            <p:nvSpPr>
+              <p:cNvPr id="3" name="Espaço Reservado para Conteúdo 2">
+                <a:extLst>
+                  <a:ext uri="{FF2B5EF4-FFF2-40B4-BE49-F238E27FC236}">
+                    <a16:creationId xmlns:a16="http://schemas.microsoft.com/office/drawing/2014/main" id="{AC797752-DF14-11FD-FD02-7A6C4E7C74D2}"/>
+                  </a:ext>
+                </a:extLst>
+              </p:cNvPr>
+              <p:cNvSpPr>
+                <a:spLocks noGrp="1"/>
+              </p:cNvSpPr>
+              <p:nvPr>
+                <p:ph idx="1"/>
+              </p:nvPr>
+            </p:nvSpPr>
+            <p:spPr>
+              <a:xfrm>
+                <a:off x="838200" y="1825625"/>
+                <a:ext cx="5066489" cy="4489450"/>
+              </a:xfrm>
+            </p:spPr>
+            <p:txBody>
+              <a:bodyPr>
+                <a:noAutofit/>
+              </a:bodyPr>
+              <a:lstStyle/>
+              <a:p>
+                <a:pPr marL="0" indent="0">
+                  <a:lnSpc>
+                    <a:spcPts val="3000"/>
+                  </a:lnSpc>
+                  <a:spcBef>
+                    <a:spcPts val="0"/>
+                  </a:spcBef>
+                  <a:buNone/>
+                </a:pPr>
+                <a:r>
+                  <a:rPr lang="pt-BR" sz="2000" dirty="0">
+                    <a:solidFill>
+                      <a:srgbClr val="000000"/>
+                    </a:solidFill>
+                    <a:latin typeface="Helvetica" pitchFamily="2" charset="0"/>
+                  </a:rPr>
+                  <a:t>O método do cotovelo executa K-</a:t>
+                </a:r>
+                <a:r>
+                  <a:rPr lang="pt-BR" sz="2000" dirty="0" err="1">
+                    <a:solidFill>
+                      <a:srgbClr val="000000"/>
+                    </a:solidFill>
+                    <a:latin typeface="Helvetica" pitchFamily="2" charset="0"/>
+                  </a:rPr>
+                  <a:t>Means</a:t>
+                </a:r>
+                <a:r>
+                  <a:rPr lang="pt-BR" sz="2000" dirty="0">
+                    <a:solidFill>
+                      <a:srgbClr val="000000"/>
+                    </a:solidFill>
+                    <a:latin typeface="Helvetica" pitchFamily="2" charset="0"/>
+                  </a:rPr>
+                  <a:t> múltiplas vezes, iterando sobre valores para </a:t>
+                </a:r>
+                <a14:m>
+                  <m:oMath xmlns:m="http://schemas.openxmlformats.org/officeDocument/2006/math">
+                    <m:r>
+                      <a:rPr lang="pt-BR" sz="2000" b="0" i="1" smtClean="0">
+                        <a:solidFill>
+                          <a:srgbClr val="000000"/>
+                        </a:solidFill>
+                        <a:latin typeface="Cambria Math" panose="02040503050406030204" pitchFamily="18" charset="0"/>
+                      </a:rPr>
+                      <m:t>𝑘</m:t>
+                    </m:r>
+                  </m:oMath>
+                </a14:m>
+                <a:r>
+                  <a:rPr lang="pt-BR" sz="2000" dirty="0">
+                    <a:solidFill>
+                      <a:srgbClr val="000000"/>
+                    </a:solidFill>
+                    <a:latin typeface="Helvetica" pitchFamily="2" charset="0"/>
+                  </a:rPr>
+                  <a:t> e calculando a soma dos quadrados das distâncias entre pontos e centroide. Quanto maior o valor de </a:t>
+                </a:r>
+                <a14:m>
+                  <m:oMath xmlns:m="http://schemas.openxmlformats.org/officeDocument/2006/math">
+                    <m:r>
+                      <a:rPr lang="pt-BR" sz="2000" b="0" i="1" smtClean="0">
+                        <a:solidFill>
+                          <a:srgbClr val="000000"/>
+                        </a:solidFill>
+                        <a:latin typeface="Cambria Math" panose="02040503050406030204" pitchFamily="18" charset="0"/>
+                      </a:rPr>
+                      <m:t>𝑘</m:t>
+                    </m:r>
+                  </m:oMath>
+                </a14:m>
+                <a:r>
+                  <a:rPr lang="pt-BR" sz="2000" dirty="0">
+                    <a:solidFill>
+                      <a:srgbClr val="000000"/>
+                    </a:solidFill>
+                    <a:latin typeface="Helvetica" pitchFamily="2" charset="0"/>
+                  </a:rPr>
+                  <a:t>, menor a soma. </a:t>
+                </a:r>
+              </a:p>
+              <a:p>
+                <a:pPr marL="0" indent="0">
+                  <a:lnSpc>
+                    <a:spcPts val="3000"/>
+                  </a:lnSpc>
+                  <a:spcBef>
+                    <a:spcPts val="0"/>
+                  </a:spcBef>
+                  <a:buNone/>
+                </a:pPr>
+                <a:endParaRPr lang="pt-BR" sz="2000" dirty="0">
+                  <a:solidFill>
+                    <a:srgbClr val="000000"/>
+                  </a:solidFill>
+                  <a:latin typeface="Helvetica" pitchFamily="2" charset="0"/>
+                </a:endParaRPr>
+              </a:p>
+              <a:p>
+                <a:pPr marL="0" indent="0">
+                  <a:lnSpc>
+                    <a:spcPts val="3000"/>
+                  </a:lnSpc>
+                  <a:spcBef>
+                    <a:spcPts val="0"/>
+                  </a:spcBef>
+                  <a:buNone/>
+                </a:pPr>
+                <a:r>
+                  <a:rPr lang="pt-BR" sz="2000" dirty="0">
+                    <a:solidFill>
+                      <a:srgbClr val="000000"/>
+                    </a:solidFill>
+                    <a:latin typeface="Helvetica" pitchFamily="2" charset="0"/>
+                  </a:rPr>
+                  <a:t>Em determinado momento, a diferença se tornará marginal. Graficamente, forma-se um "cotovelo“ (Figura 5). O ponto em que essa estabilização se torna perceptível representa uma estimativa do número ideal de clusters.</a:t>
+                </a:r>
+                <a:endParaRPr lang="pt-BR" sz="2000" b="0" i="0" u="none" strike="noStrike" dirty="0">
+                  <a:solidFill>
+                    <a:srgbClr val="000000"/>
+                  </a:solidFill>
+                  <a:effectLst/>
+                  <a:latin typeface="Helvetica" pitchFamily="2" charset="0"/>
+                </a:endParaRPr>
+              </a:p>
+            </p:txBody>
+          </p:sp>
+        </mc:Choice>
+        <mc:Fallback>
+          <p:sp>
+            <p:nvSpPr>
+              <p:cNvPr id="3" name="Espaço Reservado para Conteúdo 2">
+                <a:extLst>
+                  <a:ext uri="{FF2B5EF4-FFF2-40B4-BE49-F238E27FC236}">
+                    <a16:creationId xmlns:a16="http://schemas.microsoft.com/office/drawing/2014/main" id="{AC797752-DF14-11FD-FD02-7A6C4E7C74D2}"/>
+                  </a:ext>
+                </a:extLst>
+              </p:cNvPr>
+              <p:cNvSpPr>
+                <a:spLocks noGrp="1" noRot="1" noChangeAspect="1" noMove="1" noResize="1" noEditPoints="1" noAdjustHandles="1" noChangeArrowheads="1" noChangeShapeType="1" noTextEdit="1"/>
+              </p:cNvSpPr>
+              <p:nvPr>
+                <p:ph idx="1"/>
+              </p:nvPr>
+            </p:nvSpPr>
+            <p:spPr>
+              <a:xfrm>
+                <a:off x="838200" y="1825625"/>
+                <a:ext cx="5066489" cy="4489450"/>
+              </a:xfrm>
+              <a:blipFill>
+                <a:blip r:embed="rId2"/>
+                <a:stretch>
+                  <a:fillRect l="-1324" r="-2527" b="-5292"/>
+                </a:stretch>
+              </a:blipFill>
+            </p:spPr>
+            <p:txBody>
+              <a:bodyPr/>
+              <a:lstStyle/>
+              <a:p>
+                <a:r>
+                  <a:rPr lang="pt-BR">
+                    <a:noFill/>
+                  </a:rPr>
+                  <a:t> </a:t>
+                </a:r>
+              </a:p>
+            </p:txBody>
+          </p:sp>
+        </mc:Fallback>
+      </mc:AlternateContent>
       <p:pic>
         <p:nvPicPr>
-          <p:cNvPr id="8" name="Gráfico 7">
-            <a:extLst>
-              <a:ext uri="{FF2B5EF4-FFF2-40B4-BE49-F238E27FC236}">
-                <a16:creationId xmlns:a16="http://schemas.microsoft.com/office/drawing/2014/main" id="{C9D8A437-C4C0-B28E-9CD5-962FF70B31AA}"/>
+          <p:cNvPr id="4" name="Gráfico 3">
+            <a:extLst>
+              <a:ext uri="{FF2B5EF4-FFF2-40B4-BE49-F238E27FC236}">
+                <a16:creationId xmlns:a16="http://schemas.microsoft.com/office/drawing/2014/main" id="{0B4F7025-87E2-E070-A655-3E3622B7303A}"/>
               </a:ext>
             </a:extLst>
           </p:cNvPr>
@@ -5998,13 +9508,13 @@
           <p:nvPr/>
         </p:nvPicPr>
         <p:blipFill>
-          <a:blip r:embed="rId2">
+          <a:blip r:embed="rId3">
             <a:extLst>
               <a:ext uri="{28A0092B-C50C-407E-A947-70E740481C1C}">
                 <a14:useLocalDpi xmlns:a14="http://schemas.microsoft.com/office/drawing/2010/main" val="0"/>
               </a:ext>
               <a:ext uri="{96DAC541-7B7A-43D3-8B79-37D633B846F1}">
-                <asvg:svgBlip xmlns:asvg="http://schemas.microsoft.com/office/drawing/2016/SVG/main" r:embed="rId3"/>
+                <asvg:svgBlip xmlns:asvg="http://schemas.microsoft.com/office/drawing/2016/SVG/main" r:embed="rId4"/>
               </a:ext>
             </a:extLst>
           </a:blip>
@@ -6024,10 +9534,10 @@
       </p:pic>
       <p:sp>
         <p:nvSpPr>
-          <p:cNvPr id="9" name="CaixaDeTexto 8">
-            <a:extLst>
-              <a:ext uri="{FF2B5EF4-FFF2-40B4-BE49-F238E27FC236}">
-                <a16:creationId xmlns:a16="http://schemas.microsoft.com/office/drawing/2014/main" id="{0AD90BDF-1CA3-E2EC-9822-E20107FEBE8E}"/>
+          <p:cNvPr id="5" name="CaixaDeTexto 4">
+            <a:extLst>
+              <a:ext uri="{FF2B5EF4-FFF2-40B4-BE49-F238E27FC236}">
+                <a16:creationId xmlns:a16="http://schemas.microsoft.com/office/drawing/2014/main" id="{BBE42BB9-EE57-6027-A0D6-9BF647A11745}"/>
               </a:ext>
             </a:extLst>
           </p:cNvPr>
@@ -6037,7 +9547,7 @@
         <p:spPr>
           <a:xfrm>
             <a:off x="10252872" y="4440087"/>
-            <a:ext cx="1100928" cy="307777"/>
+            <a:ext cx="1100928" cy="276999"/>
           </a:xfrm>
           <a:prstGeom prst="rect">
             <a:avLst/>
@@ -6052,8 +9562,8 @@
           <a:p>
             <a:pPr algn="r"/>
             <a:r>
-              <a:rPr lang="pt-BR" sz="1400" dirty="0">
-                <a:latin typeface="Arial" panose="020B0604020202020204" pitchFamily="34" charset="0"/>
+              <a:rPr lang="pt-BR" sz="1200" dirty="0">
+                <a:latin typeface="Helvetica" pitchFamily="2" charset="0"/>
                 <a:cs typeface="Arial" panose="020B0604020202020204" pitchFamily="34" charset="0"/>
               </a:rPr>
               <a:t>Figura 5</a:t>
@@ -6064,7 +9574,7 @@
     </p:spTree>
     <p:extLst>
       <p:ext uri="{BB962C8B-B14F-4D97-AF65-F5344CB8AC3E}">
-        <p14:creationId xmlns:p14="http://schemas.microsoft.com/office/powerpoint/2010/main" val="907748363"/>
+        <p14:creationId xmlns:p14="http://schemas.microsoft.com/office/powerpoint/2010/main" val="1730787061"/>
       </p:ext>
     </p:extLst>
   </p:cSld>
@@ -6096,7 +9606,7 @@
           <p:cNvPr id="2" name="Título 1">
             <a:extLst>
               <a:ext uri="{FF2B5EF4-FFF2-40B4-BE49-F238E27FC236}">
-                <a16:creationId xmlns:a16="http://schemas.microsoft.com/office/drawing/2014/main" id="{2D50A6E4-BA2C-F34F-39F2-5CFACC1203B2}"/>
+                <a16:creationId xmlns:a16="http://schemas.microsoft.com/office/drawing/2014/main" id="{540F1CF0-7D3A-1F30-A06D-DD96920677D2}"/>
               </a:ext>
             </a:extLst>
           </p:cNvPr>
@@ -6109,10 +9619,62 @@
         </p:nvSpPr>
         <p:spPr/>
         <p:txBody>
-          <a:bodyPr/>
+          <a:bodyPr anchor="t" anchorCtr="0">
+            <a:normAutofit/>
+          </a:bodyPr>
           <a:lstStyle/>
           <a:p>
-            <a:endParaRPr lang="pt-BR"/>
+            <a:pPr>
+              <a:lnSpc>
+                <a:spcPct val="100000"/>
+              </a:lnSpc>
+            </a:pPr>
+            <a:r>
+              <a:rPr lang="pt-BR" sz="2800" b="1" dirty="0">
+                <a:latin typeface="Helvetica" pitchFamily="2" charset="0"/>
+                <a:cs typeface="Arial" panose="020B0604020202020204" pitchFamily="34" charset="0"/>
+              </a:rPr>
+              <a:t>K-MEANS </a:t>
+            </a:r>
+            <a:r>
+              <a:rPr lang="pt-BR" sz="2800" dirty="0">
+                <a:solidFill>
+                  <a:schemeClr val="tx1">
+                    <a:lumMod val="50000"/>
+                    <a:lumOff val="50000"/>
+                  </a:schemeClr>
+                </a:solidFill>
+                <a:latin typeface="Helvetica" pitchFamily="2" charset="0"/>
+                <a:cs typeface="Arial" panose="020B0604020202020204" pitchFamily="34" charset="0"/>
+              </a:rPr>
+              <a:t>Método K-</a:t>
+            </a:r>
+            <a:r>
+              <a:rPr lang="pt-BR" sz="2800" dirty="0" err="1">
+                <a:solidFill>
+                  <a:schemeClr val="tx1">
+                    <a:lumMod val="50000"/>
+                    <a:lumOff val="50000"/>
+                  </a:schemeClr>
+                </a:solidFill>
+                <a:latin typeface="Helvetica" pitchFamily="2" charset="0"/>
+                <a:cs typeface="Arial" panose="020B0604020202020204" pitchFamily="34" charset="0"/>
+              </a:rPr>
+              <a:t>Means</a:t>
+            </a:r>
+            <a:r>
+              <a:rPr lang="pt-BR" sz="2800" dirty="0">
+                <a:solidFill>
+                  <a:schemeClr val="tx1">
+                    <a:lumMod val="50000"/>
+                    <a:lumOff val="50000"/>
+                  </a:schemeClr>
+                </a:solidFill>
+                <a:latin typeface="Helvetica" pitchFamily="2" charset="0"/>
+                <a:cs typeface="Arial" panose="020B0604020202020204" pitchFamily="34" charset="0"/>
+              </a:rPr>
+              <a:t>++</a:t>
+            </a:r>
           </a:p>
         </p:txBody>
       </p:sp>
@@ -6121,7 +9683,7 @@
           <p:cNvPr id="3" name="Espaço Reservado para Conteúdo 2">
             <a:extLst>
               <a:ext uri="{FF2B5EF4-FFF2-40B4-BE49-F238E27FC236}">
-                <a16:creationId xmlns:a16="http://schemas.microsoft.com/office/drawing/2014/main" id="{9232CBEA-964D-B319-9D91-F344E425BBA7}"/>
+                <a16:creationId xmlns:a16="http://schemas.microsoft.com/office/drawing/2014/main" id="{AC797752-DF14-11FD-FD02-7A6C4E7C74D2}"/>
               </a:ext>
             </a:extLst>
           </p:cNvPr>
@@ -6132,19 +9694,337 @@
             <p:ph idx="1"/>
           </p:nvPr>
         </p:nvSpPr>
-        <p:spPr/>
+        <p:spPr>
+          <a:xfrm>
+            <a:off x="838200" y="1825625"/>
+            <a:ext cx="4541196" cy="4489450"/>
+          </a:xfrm>
+        </p:spPr>
         <p:txBody>
-          <a:bodyPr/>
+          <a:bodyPr>
+            <a:noAutofit/>
+          </a:bodyPr>
           <a:lstStyle/>
           <a:p>
-            <a:endParaRPr lang="pt-BR"/>
+            <a:pPr marL="0" indent="0">
+              <a:lnSpc>
+                <a:spcPts val="3000"/>
+              </a:lnSpc>
+              <a:spcBef>
+                <a:spcPts val="0"/>
+              </a:spcBef>
+              <a:buNone/>
+            </a:pPr>
+            <a:r>
+              <a:rPr lang="pt-BR" sz="2000" dirty="0">
+                <a:solidFill>
+                  <a:srgbClr val="000000"/>
+                </a:solidFill>
+                <a:latin typeface="Helvetica" pitchFamily="2" charset="0"/>
+              </a:rPr>
+              <a:t>Após a determinação do número ideal de clusters, utilizou-se o método de inicialização K-</a:t>
+            </a:r>
+            <a:r>
+              <a:rPr lang="pt-BR" sz="2000" dirty="0" err="1">
+                <a:solidFill>
+                  <a:srgbClr val="000000"/>
+                </a:solidFill>
+                <a:latin typeface="Helvetica" pitchFamily="2" charset="0"/>
+              </a:rPr>
+              <a:t>Means</a:t>
+            </a:r>
+            <a:r>
+              <a:rPr lang="pt-BR" sz="2000" dirty="0">
+                <a:solidFill>
+                  <a:srgbClr val="000000"/>
+                </a:solidFill>
+                <a:latin typeface="Helvetica" pitchFamily="2" charset="0"/>
+              </a:rPr>
+              <a:t>++.</a:t>
+            </a:r>
+          </a:p>
+          <a:p>
+            <a:pPr marL="0" indent="0">
+              <a:lnSpc>
+                <a:spcPts val="3000"/>
+              </a:lnSpc>
+              <a:spcBef>
+                <a:spcPts val="0"/>
+              </a:spcBef>
+              <a:buNone/>
+            </a:pPr>
+            <a:endParaRPr lang="pt-BR" sz="2000" dirty="0">
+              <a:solidFill>
+                <a:srgbClr val="000000"/>
+              </a:solidFill>
+              <a:latin typeface="Helvetica" pitchFamily="2" charset="0"/>
+            </a:endParaRPr>
+          </a:p>
+          <a:p>
+            <a:pPr marL="0" indent="0">
+              <a:lnSpc>
+                <a:spcPts val="3000"/>
+              </a:lnSpc>
+              <a:spcBef>
+                <a:spcPts val="0"/>
+              </a:spcBef>
+              <a:buNone/>
+            </a:pPr>
+            <a:r>
+              <a:rPr lang="pt-BR" sz="2000" dirty="0">
+                <a:solidFill>
+                  <a:srgbClr val="000000"/>
+                </a:solidFill>
+                <a:latin typeface="Helvetica" pitchFamily="2" charset="0"/>
+              </a:rPr>
+              <a:t>Nele, o centroide de cada cluster passa por iterações para definição de onde ele deve se posicionar. O ponto escolhido decorre da probabilidade de determinado ponto ser o melhor centroide com base na sua distância</a:t>
+            </a:r>
+            <a:r>
+              <a:rPr lang="pt-BR" sz="2000" b="0" i="0" u="none" strike="noStrike" dirty="0">
+                <a:solidFill>
+                  <a:srgbClr val="000000"/>
+                </a:solidFill>
+                <a:effectLst/>
+                <a:latin typeface="Helvetica" pitchFamily="2" charset="0"/>
+              </a:rPr>
+              <a:t>.</a:t>
+            </a:r>
+          </a:p>
+        </p:txBody>
+      </p:sp>
+      <mc:AlternateContent xmlns:mc="http://schemas.openxmlformats.org/markup-compatibility/2006">
+        <mc:Choice xmlns:a14="http://schemas.microsoft.com/office/drawing/2010/main" Requires="a14">
+          <p:sp>
+            <p:nvSpPr>
+              <p:cNvPr id="4" name="CaixaDeTexto 3">
+                <a:extLst>
+                  <a:ext uri="{FF2B5EF4-FFF2-40B4-BE49-F238E27FC236}">
+                    <a16:creationId xmlns:a16="http://schemas.microsoft.com/office/drawing/2014/main" id="{ECA1C27A-88E9-1B3F-9154-854C731DF4E6}"/>
+                  </a:ext>
+                </a:extLst>
+              </p:cNvPr>
+              <p:cNvSpPr txBox="1"/>
+              <p:nvPr/>
+            </p:nvSpPr>
+            <p:spPr>
+              <a:xfrm>
+                <a:off x="5914417" y="1825625"/>
+                <a:ext cx="5439383" cy="3902287"/>
+              </a:xfrm>
+              <a:prstGeom prst="rect">
+                <a:avLst/>
+              </a:prstGeom>
+              <a:solidFill>
+                <a:schemeClr val="bg1">
+                  <a:lumMod val="95000"/>
+                </a:schemeClr>
+              </a:solidFill>
+              <a:ln w="19050">
+                <a:solidFill>
+                  <a:schemeClr val="tx1"/>
+                </a:solidFill>
+              </a:ln>
+            </p:spPr>
+            <p:txBody>
+              <a:bodyPr wrap="square" lIns="180000" rIns="180000" rtlCol="0">
+                <a:spAutoFit/>
+              </a:bodyPr>
+              <a:lstStyle/>
+              <a:p>
+                <a:pPr algn="ctr">
+                  <a:lnSpc>
+                    <a:spcPts val="3000"/>
+                  </a:lnSpc>
+                </a:pPr>
+                <a:endParaRPr lang="pt-BR" sz="2000" dirty="0">
+                  <a:latin typeface="Helvetica" pitchFamily="2" charset="0"/>
+                  <a:cs typeface="Arial" panose="020B0604020202020204" pitchFamily="34" charset="0"/>
+                </a:endParaRPr>
+              </a:p>
+              <a:p>
+                <a:pPr marL="457200" indent="-457200">
+                  <a:lnSpc>
+                    <a:spcPts val="3000"/>
+                  </a:lnSpc>
+                  <a:buAutoNum type="arabicPeriod"/>
+                </a:pPr>
+                <a:r>
+                  <a:rPr lang="pt-BR" sz="2000" dirty="0">
+                    <a:latin typeface="Helvetica" pitchFamily="2" charset="0"/>
+                    <a:cs typeface="Arial" panose="020B0604020202020204" pitchFamily="34" charset="0"/>
+                  </a:rPr>
+                  <a:t>Escolha aleatória de um centroide.</a:t>
+                </a:r>
+              </a:p>
+              <a:p>
+                <a:pPr marL="457200" indent="-457200">
+                  <a:lnSpc>
+                    <a:spcPts val="3000"/>
+                  </a:lnSpc>
+                  <a:buAutoNum type="arabicPeriod"/>
+                </a:pPr>
+                <a:r>
+                  <a:rPr lang="pt-BR" sz="2000" dirty="0">
+                    <a:latin typeface="Helvetica" pitchFamily="2" charset="0"/>
+                    <a:cs typeface="Arial" panose="020B0604020202020204" pitchFamily="34" charset="0"/>
+                  </a:rPr>
+                  <a:t>Cálculo das distâncias de cada ponto em relação ao centroide escolhido.</a:t>
+                </a:r>
+              </a:p>
+              <a:p>
+                <a:pPr marL="457200" indent="-457200">
+                  <a:lnSpc>
+                    <a:spcPts val="3000"/>
+                  </a:lnSpc>
+                  <a:buAutoNum type="arabicPeriod"/>
+                </a:pPr>
+                <a:r>
+                  <a:rPr lang="pt-BR" sz="2000" dirty="0">
+                    <a:latin typeface="Helvetica" pitchFamily="2" charset="0"/>
+                    <a:cs typeface="Arial" panose="020B0604020202020204" pitchFamily="34" charset="0"/>
+                  </a:rPr>
+                  <a:t>Seleção de um ponto para ser o próximo centroide a partir da probabilidade proporcional ao quadrado da distância em relação ao centroide anterior.</a:t>
+                </a:r>
+              </a:p>
+              <a:p>
+                <a:pPr marL="457200" indent="-457200">
+                  <a:lnSpc>
+                    <a:spcPts val="3000"/>
+                  </a:lnSpc>
+                  <a:buAutoNum type="arabicPeriod"/>
+                </a:pPr>
+                <a:r>
+                  <a:rPr lang="pt-BR" sz="2000" dirty="0">
+                    <a:latin typeface="Helvetica" pitchFamily="2" charset="0"/>
+                    <a:cs typeface="Arial" panose="020B0604020202020204" pitchFamily="34" charset="0"/>
+                  </a:rPr>
+                  <a:t>Repetição das etapas 2 e 3 até que </a:t>
+                </a:r>
+                <a14:m>
+                  <m:oMath xmlns:m="http://schemas.openxmlformats.org/officeDocument/2006/math">
+                    <m:r>
+                      <a:rPr lang="pt-BR" sz="2000" b="0" i="1" smtClean="0">
+                        <a:latin typeface="Cambria Math" panose="02040503050406030204" pitchFamily="18" charset="0"/>
+                        <a:cs typeface="Arial" panose="020B0604020202020204" pitchFamily="34" charset="0"/>
+                      </a:rPr>
+                      <m:t>𝑘</m:t>
+                    </m:r>
+                  </m:oMath>
+                </a14:m>
+                <a:r>
+                  <a:rPr lang="pt-BR" sz="2000" dirty="0">
+                    <a:latin typeface="Helvetica" pitchFamily="2" charset="0"/>
+                    <a:cs typeface="Arial" panose="020B0604020202020204" pitchFamily="34" charset="0"/>
+                  </a:rPr>
+                  <a:t> centroides sejam escolhidos.</a:t>
+                </a:r>
+              </a:p>
+            </p:txBody>
+          </p:sp>
+        </mc:Choice>
+        <mc:Fallback>
+          <p:sp>
+            <p:nvSpPr>
+              <p:cNvPr id="4" name="CaixaDeTexto 3">
+                <a:extLst>
+                  <a:ext uri="{FF2B5EF4-FFF2-40B4-BE49-F238E27FC236}">
+                    <a16:creationId xmlns:a16="http://schemas.microsoft.com/office/drawing/2014/main" id="{ECA1C27A-88E9-1B3F-9154-854C731DF4E6}"/>
+                  </a:ext>
+                </a:extLst>
+              </p:cNvPr>
+              <p:cNvSpPr txBox="1">
+                <a:spLocks noRot="1" noChangeAspect="1" noMove="1" noResize="1" noEditPoints="1" noAdjustHandles="1" noChangeArrowheads="1" noChangeShapeType="1" noTextEdit="1"/>
+              </p:cNvSpPr>
+              <p:nvPr/>
+            </p:nvSpPr>
+            <p:spPr>
+              <a:xfrm>
+                <a:off x="5914417" y="1825625"/>
+                <a:ext cx="5439383" cy="3902287"/>
+              </a:xfrm>
+              <a:prstGeom prst="rect">
+                <a:avLst/>
+              </a:prstGeom>
+              <a:blipFill>
+                <a:blip r:embed="rId2"/>
+                <a:stretch>
+                  <a:fillRect b="-1242"/>
+                </a:stretch>
+              </a:blipFill>
+              <a:ln w="19050">
+                <a:solidFill>
+                  <a:schemeClr val="tx1"/>
+                </a:solidFill>
+              </a:ln>
+            </p:spPr>
+            <p:txBody>
+              <a:bodyPr/>
+              <a:lstStyle/>
+              <a:p>
+                <a:r>
+                  <a:rPr lang="pt-BR">
+                    <a:noFill/>
+                  </a:rPr>
+                  <a:t> </a:t>
+                </a:r>
+              </a:p>
+            </p:txBody>
+          </p:sp>
+        </mc:Fallback>
+      </mc:AlternateContent>
+      <p:sp>
+        <p:nvSpPr>
+          <p:cNvPr id="5" name="CaixaDeTexto 4">
+            <a:extLst>
+              <a:ext uri="{FF2B5EF4-FFF2-40B4-BE49-F238E27FC236}">
+                <a16:creationId xmlns:a16="http://schemas.microsoft.com/office/drawing/2014/main" id="{2EEC734D-2E9A-ADF0-C47C-41546FE9041D}"/>
+              </a:ext>
+            </a:extLst>
+          </p:cNvPr>
+          <p:cNvSpPr txBox="1"/>
+          <p:nvPr/>
+        </p:nvSpPr>
+        <p:spPr>
+          <a:xfrm>
+            <a:off x="7883844" y="1690688"/>
+            <a:ext cx="1500528" cy="400110"/>
+          </a:xfrm>
+          <a:prstGeom prst="rect">
+            <a:avLst/>
+          </a:prstGeom>
+          <a:solidFill>
+            <a:schemeClr val="tx1"/>
+          </a:solidFill>
+        </p:spPr>
+        <p:txBody>
+          <a:bodyPr wrap="square" rtlCol="0">
+            <a:spAutoFit/>
+          </a:bodyPr>
+          <a:lstStyle/>
+          <a:p>
+            <a:pPr algn="ctr"/>
+            <a:r>
+              <a:rPr lang="pt-BR" sz="2000" b="1" dirty="0">
+                <a:solidFill>
+                  <a:schemeClr val="bg2"/>
+                </a:solidFill>
+                <a:latin typeface="Helvetica" pitchFamily="2" charset="0"/>
+                <a:cs typeface="Arial" panose="020B0604020202020204" pitchFamily="34" charset="0"/>
+              </a:rPr>
+              <a:t>ETAPAS</a:t>
+            </a:r>
+            <a:endParaRPr lang="pt-BR" sz="2000" dirty="0">
+              <a:solidFill>
+                <a:schemeClr val="bg2"/>
+              </a:solidFill>
+            </a:endParaRPr>
           </a:p>
         </p:txBody>
       </p:sp>
     </p:spTree>
     <p:extLst>
       <p:ext uri="{BB962C8B-B14F-4D97-AF65-F5344CB8AC3E}">
-        <p14:creationId xmlns:p14="http://schemas.microsoft.com/office/powerpoint/2010/main" val="3765307523"/>
+        <p14:creationId xmlns:p14="http://schemas.microsoft.com/office/powerpoint/2010/main" val="2981414015"/>
       </p:ext>
     </p:extLst>
   </p:cSld>
